--- a/doc/tex/sdf/simplified_coherent_receiver/figures/Practical_setup_TxRx.pptx
+++ b/doc/tex/sdf/simplified_coherent_receiver/figures/Practical_setup_TxRx.pptx
@@ -243,7 +243,7 @@
           <a:p>
             <a:fld id="{2680F75E-BF8A-4352-8DF2-5712531B63DB}" type="datetimeFigureOut">
               <a:rPr lang="pt-PT" smtClean="0"/>
-              <a:t>12/10/2017</a:t>
+              <a:t>16/10/2017</a:t>
             </a:fld>
             <a:endParaRPr lang="pt-PT"/>
           </a:p>
@@ -413,7 +413,7 @@
           <a:p>
             <a:fld id="{2680F75E-BF8A-4352-8DF2-5712531B63DB}" type="datetimeFigureOut">
               <a:rPr lang="pt-PT" smtClean="0"/>
-              <a:t>12/10/2017</a:t>
+              <a:t>16/10/2017</a:t>
             </a:fld>
             <a:endParaRPr lang="pt-PT"/>
           </a:p>
@@ -593,7 +593,7 @@
           <a:p>
             <a:fld id="{2680F75E-BF8A-4352-8DF2-5712531B63DB}" type="datetimeFigureOut">
               <a:rPr lang="pt-PT" smtClean="0"/>
-              <a:t>12/10/2017</a:t>
+              <a:t>16/10/2017</a:t>
             </a:fld>
             <a:endParaRPr lang="pt-PT"/>
           </a:p>
@@ -763,7 +763,7 @@
           <a:p>
             <a:fld id="{2680F75E-BF8A-4352-8DF2-5712531B63DB}" type="datetimeFigureOut">
               <a:rPr lang="pt-PT" smtClean="0"/>
-              <a:t>12/10/2017</a:t>
+              <a:t>16/10/2017</a:t>
             </a:fld>
             <a:endParaRPr lang="pt-PT"/>
           </a:p>
@@ -1009,7 +1009,7 @@
           <a:p>
             <a:fld id="{2680F75E-BF8A-4352-8DF2-5712531B63DB}" type="datetimeFigureOut">
               <a:rPr lang="pt-PT" smtClean="0"/>
-              <a:t>12/10/2017</a:t>
+              <a:t>16/10/2017</a:t>
             </a:fld>
             <a:endParaRPr lang="pt-PT"/>
           </a:p>
@@ -1241,7 +1241,7 @@
           <a:p>
             <a:fld id="{2680F75E-BF8A-4352-8DF2-5712531B63DB}" type="datetimeFigureOut">
               <a:rPr lang="pt-PT" smtClean="0"/>
-              <a:t>12/10/2017</a:t>
+              <a:t>16/10/2017</a:t>
             </a:fld>
             <a:endParaRPr lang="pt-PT"/>
           </a:p>
@@ -1608,7 +1608,7 @@
           <a:p>
             <a:fld id="{2680F75E-BF8A-4352-8DF2-5712531B63DB}" type="datetimeFigureOut">
               <a:rPr lang="pt-PT" smtClean="0"/>
-              <a:t>12/10/2017</a:t>
+              <a:t>16/10/2017</a:t>
             </a:fld>
             <a:endParaRPr lang="pt-PT"/>
           </a:p>
@@ -1726,7 +1726,7 @@
           <a:p>
             <a:fld id="{2680F75E-BF8A-4352-8DF2-5712531B63DB}" type="datetimeFigureOut">
               <a:rPr lang="pt-PT" smtClean="0"/>
-              <a:t>12/10/2017</a:t>
+              <a:t>16/10/2017</a:t>
             </a:fld>
             <a:endParaRPr lang="pt-PT"/>
           </a:p>
@@ -1821,7 +1821,7 @@
           <a:p>
             <a:fld id="{2680F75E-BF8A-4352-8DF2-5712531B63DB}" type="datetimeFigureOut">
               <a:rPr lang="pt-PT" smtClean="0"/>
-              <a:t>12/10/2017</a:t>
+              <a:t>16/10/2017</a:t>
             </a:fld>
             <a:endParaRPr lang="pt-PT"/>
           </a:p>
@@ -2098,7 +2098,7 @@
           <a:p>
             <a:fld id="{2680F75E-BF8A-4352-8DF2-5712531B63DB}" type="datetimeFigureOut">
               <a:rPr lang="pt-PT" smtClean="0"/>
-              <a:t>12/10/2017</a:t>
+              <a:t>16/10/2017</a:t>
             </a:fld>
             <a:endParaRPr lang="pt-PT"/>
           </a:p>
@@ -2351,7 +2351,7 @@
           <a:p>
             <a:fld id="{2680F75E-BF8A-4352-8DF2-5712531B63DB}" type="datetimeFigureOut">
               <a:rPr lang="pt-PT" smtClean="0"/>
-              <a:t>12/10/2017</a:t>
+              <a:t>16/10/2017</a:t>
             </a:fld>
             <a:endParaRPr lang="pt-PT"/>
           </a:p>
@@ -2564,7 +2564,7 @@
           <a:p>
             <a:fld id="{2680F75E-BF8A-4352-8DF2-5712531B63DB}" type="datetimeFigureOut">
               <a:rPr lang="pt-PT" smtClean="0"/>
-              <a:t>12/10/2017</a:t>
+              <a:t>16/10/2017</a:t>
             </a:fld>
             <a:endParaRPr lang="pt-PT"/>
           </a:p>
@@ -6300,8 +6300,8 @@
           </p:cxnSp>
         </p:grpSp>
       </p:grpSp>
-      <mc:AlternateContent xmlns:mc="http://schemas.openxmlformats.org/markup-compatibility/2006">
-        <mc:Choice xmlns:a14="http://schemas.microsoft.com/office/drawing/2010/main" Requires="a14">
+      <mc:AlternateContent xmlns:mc="http://schemas.openxmlformats.org/markup-compatibility/2006" xmlns:a14="http://schemas.microsoft.com/office/drawing/2010/main">
+        <mc:Choice Requires="a14">
           <p:sp>
             <p:nvSpPr>
               <p:cNvPr id="79" name="Rectangle 78"/>
@@ -6347,7 +6347,7 @@
             </p:txBody>
           </p:sp>
         </mc:Choice>
-        <mc:Fallback>
+        <mc:Fallback xmlns="">
           <p:sp>
             <p:nvSpPr>
               <p:cNvPr id="79" name="Rectangle 78"/>
@@ -6386,8 +6386,8 @@
           </p:sp>
         </mc:Fallback>
       </mc:AlternateContent>
-      <mc:AlternateContent xmlns:mc="http://schemas.openxmlformats.org/markup-compatibility/2006">
-        <mc:Choice xmlns:a14="http://schemas.microsoft.com/office/drawing/2010/main" Requires="a14">
+      <mc:AlternateContent xmlns:mc="http://schemas.openxmlformats.org/markup-compatibility/2006" xmlns:a14="http://schemas.microsoft.com/office/drawing/2010/main">
+        <mc:Choice Requires="a14">
           <p:sp>
             <p:nvSpPr>
               <p:cNvPr id="80" name="Rectangle 79"/>
@@ -6442,7 +6442,7 @@
             </p:txBody>
           </p:sp>
         </mc:Choice>
-        <mc:Fallback>
+        <mc:Fallback xmlns="">
           <p:sp>
             <p:nvSpPr>
               <p:cNvPr id="80" name="Rectangle 79"/>
@@ -6481,8 +6481,8 @@
           </p:sp>
         </mc:Fallback>
       </mc:AlternateContent>
-      <mc:AlternateContent xmlns:mc="http://schemas.openxmlformats.org/markup-compatibility/2006">
-        <mc:Choice xmlns:a14="http://schemas.microsoft.com/office/drawing/2010/main" Requires="a14">
+      <mc:AlternateContent xmlns:mc="http://schemas.openxmlformats.org/markup-compatibility/2006" xmlns:a14="http://schemas.microsoft.com/office/drawing/2010/main">
+        <mc:Choice Requires="a14">
           <p:sp>
             <p:nvSpPr>
               <p:cNvPr id="81" name="Rectangle 80"/>
@@ -6528,7 +6528,7 @@
             </p:txBody>
           </p:sp>
         </mc:Choice>
-        <mc:Fallback>
+        <mc:Fallback xmlns="">
           <p:sp>
             <p:nvSpPr>
               <p:cNvPr id="81" name="Rectangle 80"/>

--- a/doc/tex/sdf/simplified_coherent_receiver/figures/Practical_setup_TxRx.pptx
+++ b/doc/tex/sdf/simplified_coherent_receiver/figures/Practical_setup_TxRx.pptx
@@ -243,7 +243,7 @@
           <a:p>
             <a:fld id="{2680F75E-BF8A-4352-8DF2-5712531B63DB}" type="datetimeFigureOut">
               <a:rPr lang="pt-PT" smtClean="0"/>
-              <a:t>16/10/2017</a:t>
+              <a:t>19/10/2017</a:t>
             </a:fld>
             <a:endParaRPr lang="pt-PT"/>
           </a:p>
@@ -413,7 +413,7 @@
           <a:p>
             <a:fld id="{2680F75E-BF8A-4352-8DF2-5712531B63DB}" type="datetimeFigureOut">
               <a:rPr lang="pt-PT" smtClean="0"/>
-              <a:t>16/10/2017</a:t>
+              <a:t>19/10/2017</a:t>
             </a:fld>
             <a:endParaRPr lang="pt-PT"/>
           </a:p>
@@ -593,7 +593,7 @@
           <a:p>
             <a:fld id="{2680F75E-BF8A-4352-8DF2-5712531B63DB}" type="datetimeFigureOut">
               <a:rPr lang="pt-PT" smtClean="0"/>
-              <a:t>16/10/2017</a:t>
+              <a:t>19/10/2017</a:t>
             </a:fld>
             <a:endParaRPr lang="pt-PT"/>
           </a:p>
@@ -763,7 +763,7 @@
           <a:p>
             <a:fld id="{2680F75E-BF8A-4352-8DF2-5712531B63DB}" type="datetimeFigureOut">
               <a:rPr lang="pt-PT" smtClean="0"/>
-              <a:t>16/10/2017</a:t>
+              <a:t>19/10/2017</a:t>
             </a:fld>
             <a:endParaRPr lang="pt-PT"/>
           </a:p>
@@ -1009,7 +1009,7 @@
           <a:p>
             <a:fld id="{2680F75E-BF8A-4352-8DF2-5712531B63DB}" type="datetimeFigureOut">
               <a:rPr lang="pt-PT" smtClean="0"/>
-              <a:t>16/10/2017</a:t>
+              <a:t>19/10/2017</a:t>
             </a:fld>
             <a:endParaRPr lang="pt-PT"/>
           </a:p>
@@ -1241,7 +1241,7 @@
           <a:p>
             <a:fld id="{2680F75E-BF8A-4352-8DF2-5712531B63DB}" type="datetimeFigureOut">
               <a:rPr lang="pt-PT" smtClean="0"/>
-              <a:t>16/10/2017</a:t>
+              <a:t>19/10/2017</a:t>
             </a:fld>
             <a:endParaRPr lang="pt-PT"/>
           </a:p>
@@ -1608,7 +1608,7 @@
           <a:p>
             <a:fld id="{2680F75E-BF8A-4352-8DF2-5712531B63DB}" type="datetimeFigureOut">
               <a:rPr lang="pt-PT" smtClean="0"/>
-              <a:t>16/10/2017</a:t>
+              <a:t>19/10/2017</a:t>
             </a:fld>
             <a:endParaRPr lang="pt-PT"/>
           </a:p>
@@ -1726,7 +1726,7 @@
           <a:p>
             <a:fld id="{2680F75E-BF8A-4352-8DF2-5712531B63DB}" type="datetimeFigureOut">
               <a:rPr lang="pt-PT" smtClean="0"/>
-              <a:t>16/10/2017</a:t>
+              <a:t>19/10/2017</a:t>
             </a:fld>
             <a:endParaRPr lang="pt-PT"/>
           </a:p>
@@ -1821,7 +1821,7 @@
           <a:p>
             <a:fld id="{2680F75E-BF8A-4352-8DF2-5712531B63DB}" type="datetimeFigureOut">
               <a:rPr lang="pt-PT" smtClean="0"/>
-              <a:t>16/10/2017</a:t>
+              <a:t>19/10/2017</a:t>
             </a:fld>
             <a:endParaRPr lang="pt-PT"/>
           </a:p>
@@ -2098,7 +2098,7 @@
           <a:p>
             <a:fld id="{2680F75E-BF8A-4352-8DF2-5712531B63DB}" type="datetimeFigureOut">
               <a:rPr lang="pt-PT" smtClean="0"/>
-              <a:t>16/10/2017</a:t>
+              <a:t>19/10/2017</a:t>
             </a:fld>
             <a:endParaRPr lang="pt-PT"/>
           </a:p>
@@ -2351,7 +2351,7 @@
           <a:p>
             <a:fld id="{2680F75E-BF8A-4352-8DF2-5712531B63DB}" type="datetimeFigureOut">
               <a:rPr lang="pt-PT" smtClean="0"/>
-              <a:t>16/10/2017</a:t>
+              <a:t>19/10/2017</a:t>
             </a:fld>
             <a:endParaRPr lang="pt-PT"/>
           </a:p>
@@ -2564,7 +2564,7 @@
           <a:p>
             <a:fld id="{2680F75E-BF8A-4352-8DF2-5712531B63DB}" type="datetimeFigureOut">
               <a:rPr lang="pt-PT" smtClean="0"/>
-              <a:t>16/10/2017</a:t>
+              <a:t>19/10/2017</a:t>
             </a:fld>
             <a:endParaRPr lang="pt-PT"/>
           </a:p>
@@ -2969,141 +2969,691 @@
           <a:chExt cx="0" cy="0"/>
         </a:xfrm>
       </p:grpSpPr>
+      <p:sp>
+        <p:nvSpPr>
+          <p:cNvPr id="335" name="Rectangle 334"/>
+          <p:cNvSpPr/>
+          <p:nvPr/>
+        </p:nvSpPr>
+        <p:spPr>
+          <a:xfrm>
+            <a:off x="6524524" y="52343"/>
+            <a:ext cx="5525226" cy="6644442"/>
+          </a:xfrm>
+          <a:prstGeom prst="rect">
+            <a:avLst/>
+          </a:prstGeom>
+          <a:solidFill>
+            <a:schemeClr val="lt1">
+              <a:alpha val="0"/>
+            </a:schemeClr>
+          </a:solidFill>
+          <a:ln w="19050">
+            <a:noFill/>
+            <a:prstDash val="sysDot"/>
+          </a:ln>
+        </p:spPr>
+        <p:style>
+          <a:lnRef idx="2">
+            <a:schemeClr val="dk1"/>
+          </a:lnRef>
+          <a:fillRef idx="1">
+            <a:schemeClr val="lt1"/>
+          </a:fillRef>
+          <a:effectRef idx="0">
+            <a:schemeClr val="dk1"/>
+          </a:effectRef>
+          <a:fontRef idx="minor">
+            <a:schemeClr val="dk1"/>
+          </a:fontRef>
+        </p:style>
+        <p:txBody>
+          <a:bodyPr rtlCol="0" anchor="ctr"/>
+          <a:lstStyle/>
+          <a:p>
+            <a:pPr algn="ctr"/>
+            <a:endParaRPr lang="en-US"/>
+          </a:p>
+        </p:txBody>
+      </p:sp>
+      <mc:AlternateContent xmlns:mc="http://schemas.openxmlformats.org/markup-compatibility/2006" xmlns:a14="http://schemas.microsoft.com/office/drawing/2010/main">
+        <mc:Choice Requires="a14">
+          <p:sp>
+            <p:nvSpPr>
+              <p:cNvPr id="334" name="Rectangle 333"/>
+              <p:cNvSpPr/>
+              <p:nvPr/>
+            </p:nvSpPr>
+            <p:spPr>
+              <a:xfrm>
+                <a:off x="80894" y="52344"/>
+                <a:ext cx="5566205" cy="6644441"/>
+              </a:xfrm>
+              <a:prstGeom prst="rect">
+                <a:avLst/>
+              </a:prstGeom>
+              <a:ln w="19050">
+                <a:solidFill>
+                  <a:schemeClr val="tx1"/>
+                </a:solidFill>
+                <a:prstDash val="sysDot"/>
+              </a:ln>
+            </p:spPr>
+            <p:style>
+              <a:lnRef idx="2">
+                <a:schemeClr val="dk1"/>
+              </a:lnRef>
+              <a:fillRef idx="1">
+                <a:schemeClr val="lt1"/>
+              </a:fillRef>
+              <a:effectRef idx="0">
+                <a:schemeClr val="dk1"/>
+              </a:effectRef>
+              <a:fontRef idx="minor">
+                <a:schemeClr val="dk1"/>
+              </a:fontRef>
+            </p:style>
+            <p:txBody>
+              <a:bodyPr rtlCol="0" anchor="ctr"/>
+              <a:lstStyle/>
+              <a:p>
+                <a:pPr/>
+                <a14:m>
+                  <m:oMathPara xmlns:m="http://schemas.openxmlformats.org/officeDocument/2006/math">
+                    <m:oMathParaPr>
+                      <m:jc m:val="centerGroup"/>
+                    </m:oMathParaPr>
+                    <m:oMath xmlns:m="http://schemas.openxmlformats.org/officeDocument/2006/math">
+                      <m:r>
+                        <m:rPr>
+                          <m:sty m:val="p"/>
+                        </m:rPr>
+                        <a:rPr lang="en-US">
+                          <a:latin typeface="Cambria Math" panose="02040503050406030204" pitchFamily="18" charset="0"/>
+                        </a:rPr>
+                        <m:t>Tx</m:t>
+                      </m:r>
+                    </m:oMath>
+                  </m:oMathPara>
+                </a14:m>
+                <a:endParaRPr lang="en-US" dirty="0"/>
+              </a:p>
+            </p:txBody>
+          </p:sp>
+        </mc:Choice>
+        <mc:Fallback xmlns="">
+          <p:sp>
+            <p:nvSpPr>
+              <p:cNvPr id="334" name="Rectangle 333"/>
+              <p:cNvSpPr>
+                <a:spLocks noRot="1" noChangeAspect="1" noMove="1" noResize="1" noEditPoints="1" noAdjustHandles="1" noChangeArrowheads="1" noChangeShapeType="1" noTextEdit="1"/>
+              </p:cNvSpPr>
+              <p:nvPr/>
+            </p:nvSpPr>
+            <p:spPr>
+              <a:xfrm>
+                <a:off x="80894" y="52344"/>
+                <a:ext cx="5566205" cy="6644441"/>
+              </a:xfrm>
+              <a:prstGeom prst="rect">
+                <a:avLst/>
+              </a:prstGeom>
+              <a:blipFill>
+                <a:blip r:embed="rId2"/>
+                <a:stretch>
+                  <a:fillRect/>
+                </a:stretch>
+              </a:blipFill>
+              <a:ln w="19050">
+                <a:solidFill>
+                  <a:schemeClr val="tx1"/>
+                </a:solidFill>
+                <a:prstDash val="sysDot"/>
+              </a:ln>
+            </p:spPr>
+            <p:txBody>
+              <a:bodyPr/>
+              <a:lstStyle/>
+              <a:p>
+                <a:r>
+                  <a:rPr lang="en-US">
+                    <a:noFill/>
+                  </a:rPr>
+                  <a:t> </a:t>
+                </a:r>
+              </a:p>
+            </p:txBody>
+          </p:sp>
+        </mc:Fallback>
+      </mc:AlternateContent>
+      <p:cxnSp>
+        <p:nvCxnSpPr>
+          <p:cNvPr id="45" name="Elbow Connector 44"/>
+          <p:cNvCxnSpPr/>
+          <p:nvPr/>
+        </p:nvCxnSpPr>
+        <p:spPr>
+          <a:xfrm rot="5400000" flipH="1" flipV="1">
+            <a:off x="2630676" y="588614"/>
+            <a:ext cx="283102" cy="1951268"/>
+          </a:xfrm>
+          <a:prstGeom prst="bentConnector2">
+            <a:avLst/>
+          </a:prstGeom>
+          <a:ln w="19050">
+            <a:solidFill>
+              <a:schemeClr val="tx1"/>
+            </a:solidFill>
+            <a:tailEnd type="triangle"/>
+          </a:ln>
+        </p:spPr>
+        <p:style>
+          <a:lnRef idx="1">
+            <a:schemeClr val="accent1"/>
+          </a:lnRef>
+          <a:fillRef idx="0">
+            <a:schemeClr val="accent1"/>
+          </a:fillRef>
+          <a:effectRef idx="0">
+            <a:schemeClr val="accent1"/>
+          </a:effectRef>
+          <a:fontRef idx="minor">
+            <a:schemeClr val="tx1"/>
+          </a:fontRef>
+        </p:style>
+      </p:cxnSp>
+      <p:cxnSp>
+        <p:nvCxnSpPr>
+          <p:cNvPr id="47" name="Elbow Connector 46"/>
+          <p:cNvCxnSpPr/>
+          <p:nvPr/>
+        </p:nvCxnSpPr>
+        <p:spPr>
+          <a:xfrm>
+            <a:off x="1945183" y="1854389"/>
+            <a:ext cx="1802678" cy="455135"/>
+          </a:xfrm>
+          <a:prstGeom prst="bentConnector3">
+            <a:avLst>
+              <a:gd name="adj1" fmla="val 15394"/>
+            </a:avLst>
+          </a:prstGeom>
+          <a:ln w="19050">
+            <a:solidFill>
+              <a:schemeClr val="tx1"/>
+            </a:solidFill>
+            <a:tailEnd type="triangle"/>
+          </a:ln>
+        </p:spPr>
+        <p:style>
+          <a:lnRef idx="1">
+            <a:schemeClr val="dk1"/>
+          </a:lnRef>
+          <a:fillRef idx="0">
+            <a:schemeClr val="dk1"/>
+          </a:fillRef>
+          <a:effectRef idx="0">
+            <a:schemeClr val="dk1"/>
+          </a:effectRef>
+          <a:fontRef idx="minor">
+            <a:schemeClr val="tx1"/>
+          </a:fontRef>
+        </p:style>
+      </p:cxnSp>
+      <p:cxnSp>
+        <p:nvCxnSpPr>
+          <p:cNvPr id="100" name="Straight Arrow Connector 99"/>
+          <p:cNvCxnSpPr/>
+          <p:nvPr/>
+        </p:nvCxnSpPr>
+        <p:spPr>
+          <a:xfrm flipH="1">
+            <a:off x="4514400" y="805953"/>
+            <a:ext cx="224" cy="330994"/>
+          </a:xfrm>
+          <a:prstGeom prst="straightConnector1">
+            <a:avLst/>
+          </a:prstGeom>
+          <a:ln w="19050">
+            <a:solidFill>
+              <a:schemeClr val="tx1"/>
+            </a:solidFill>
+            <a:tailEnd type="triangle"/>
+          </a:ln>
+        </p:spPr>
+        <p:style>
+          <a:lnRef idx="1">
+            <a:schemeClr val="dk1"/>
+          </a:lnRef>
+          <a:fillRef idx="0">
+            <a:schemeClr val="dk1"/>
+          </a:fillRef>
+          <a:effectRef idx="0">
+            <a:schemeClr val="dk1"/>
+          </a:effectRef>
+          <a:fontRef idx="minor">
+            <a:schemeClr val="tx1"/>
+          </a:fontRef>
+        </p:style>
+      </p:cxnSp>
+      <p:cxnSp>
+        <p:nvCxnSpPr>
+          <p:cNvPr id="107" name="Straight Arrow Connector 106"/>
+          <p:cNvCxnSpPr/>
+          <p:nvPr/>
+        </p:nvCxnSpPr>
+        <p:spPr>
+          <a:xfrm flipH="1">
+            <a:off x="3983382" y="805953"/>
+            <a:ext cx="224" cy="330994"/>
+          </a:xfrm>
+          <a:prstGeom prst="straightConnector1">
+            <a:avLst/>
+          </a:prstGeom>
+          <a:ln w="19050">
+            <a:solidFill>
+              <a:schemeClr val="tx1"/>
+            </a:solidFill>
+            <a:tailEnd type="triangle"/>
+          </a:ln>
+        </p:spPr>
+        <p:style>
+          <a:lnRef idx="1">
+            <a:schemeClr val="dk1"/>
+          </a:lnRef>
+          <a:fillRef idx="0">
+            <a:schemeClr val="dk1"/>
+          </a:fillRef>
+          <a:effectRef idx="0">
+            <a:schemeClr val="dk1"/>
+          </a:effectRef>
+          <a:fontRef idx="minor">
+            <a:schemeClr val="tx1"/>
+          </a:fontRef>
+        </p:style>
+      </p:cxnSp>
+      <p:pic>
+        <p:nvPicPr>
+          <p:cNvPr id="127" name="Picture 126"/>
+          <p:cNvPicPr>
+            <a:picLocks noChangeAspect="1"/>
+          </p:cNvPicPr>
+          <p:nvPr/>
+        </p:nvPicPr>
+        <p:blipFill>
+          <a:blip r:embed="rId3" cstate="print">
+            <a:extLst>
+              <a:ext uri="{28A0092B-C50C-407E-A947-70E740481C1C}">
+                <a14:useLocalDpi xmlns:a14="http://schemas.microsoft.com/office/drawing/2010/main" val="0"/>
+              </a:ext>
+            </a:extLst>
+          </a:blip>
+          <a:stretch>
+            <a:fillRect/>
+          </a:stretch>
+        </p:blipFill>
+        <p:spPr>
+          <a:xfrm>
+            <a:off x="2137914" y="2669673"/>
+            <a:ext cx="905854" cy="882491"/>
+          </a:xfrm>
+          <a:prstGeom prst="rect">
+            <a:avLst/>
+          </a:prstGeom>
+          <a:ln w="19050">
+            <a:noFill/>
+          </a:ln>
+        </p:spPr>
+      </p:pic>
+      <p:cxnSp>
+        <p:nvCxnSpPr>
+          <p:cNvPr id="129" name="Straight Arrow Connector 128"/>
+          <p:cNvCxnSpPr>
+            <a:stCxn id="127" idx="3"/>
+            <a:endCxn id="93" idx="1"/>
+          </p:cNvCxnSpPr>
+          <p:nvPr/>
+        </p:nvCxnSpPr>
+        <p:spPr>
+          <a:xfrm>
+            <a:off x="3043768" y="3110919"/>
+            <a:ext cx="706313" cy="899"/>
+          </a:xfrm>
+          <a:prstGeom prst="straightConnector1">
+            <a:avLst/>
+          </a:prstGeom>
+          <a:ln w="19050">
+            <a:solidFill>
+              <a:schemeClr val="tx1"/>
+            </a:solidFill>
+            <a:tailEnd type="triangle"/>
+          </a:ln>
+        </p:spPr>
+        <p:style>
+          <a:lnRef idx="1">
+            <a:schemeClr val="dk1"/>
+          </a:lnRef>
+          <a:fillRef idx="0">
+            <a:schemeClr val="dk1"/>
+          </a:fillRef>
+          <a:effectRef idx="0">
+            <a:schemeClr val="dk1"/>
+          </a:effectRef>
+          <a:fontRef idx="minor">
+            <a:schemeClr val="tx1"/>
+          </a:fontRef>
+        </p:style>
+      </p:cxnSp>
+      <p:cxnSp>
+        <p:nvCxnSpPr>
+          <p:cNvPr id="130" name="Straight Arrow Connector 129"/>
+          <p:cNvCxnSpPr/>
+          <p:nvPr/>
+        </p:nvCxnSpPr>
+        <p:spPr>
+          <a:xfrm flipH="1" flipV="1">
+            <a:off x="4514401" y="2588346"/>
+            <a:ext cx="224" cy="330994"/>
+          </a:xfrm>
+          <a:prstGeom prst="straightConnector1">
+            <a:avLst/>
+          </a:prstGeom>
+          <a:ln w="19050">
+            <a:solidFill>
+              <a:schemeClr val="tx1"/>
+            </a:solidFill>
+            <a:tailEnd type="triangle"/>
+          </a:ln>
+        </p:spPr>
+        <p:style>
+          <a:lnRef idx="1">
+            <a:schemeClr val="dk1"/>
+          </a:lnRef>
+          <a:fillRef idx="0">
+            <a:schemeClr val="dk1"/>
+          </a:fillRef>
+          <a:effectRef idx="0">
+            <a:schemeClr val="dk1"/>
+          </a:effectRef>
+          <a:fontRef idx="minor">
+            <a:schemeClr val="tx1"/>
+          </a:fontRef>
+        </p:style>
+      </p:cxnSp>
+      <p:cxnSp>
+        <p:nvCxnSpPr>
+          <p:cNvPr id="131" name="Straight Arrow Connector 130"/>
+          <p:cNvCxnSpPr/>
+          <p:nvPr/>
+        </p:nvCxnSpPr>
+        <p:spPr>
+          <a:xfrm flipH="1" flipV="1">
+            <a:off x="3983383" y="2583653"/>
+            <a:ext cx="224" cy="330994"/>
+          </a:xfrm>
+          <a:prstGeom prst="straightConnector1">
+            <a:avLst/>
+          </a:prstGeom>
+          <a:ln w="19050">
+            <a:solidFill>
+              <a:schemeClr val="tx1"/>
+            </a:solidFill>
+            <a:tailEnd type="triangle"/>
+          </a:ln>
+        </p:spPr>
+        <p:style>
+          <a:lnRef idx="1">
+            <a:schemeClr val="dk1"/>
+          </a:lnRef>
+          <a:fillRef idx="0">
+            <a:schemeClr val="dk1"/>
+          </a:fillRef>
+          <a:effectRef idx="0">
+            <a:schemeClr val="dk1"/>
+          </a:effectRef>
+          <a:fontRef idx="minor">
+            <a:schemeClr val="tx1"/>
+          </a:fontRef>
+        </p:style>
+      </p:cxnSp>
+      <p:pic>
+        <p:nvPicPr>
+          <p:cNvPr id="134" name="Picture 133"/>
+          <p:cNvPicPr>
+            <a:picLocks noChangeAspect="1"/>
+          </p:cNvPicPr>
+          <p:nvPr/>
+        </p:nvPicPr>
+        <p:blipFill>
+          <a:blip r:embed="rId4" cstate="print">
+            <a:extLst>
+              <a:ext uri="{28A0092B-C50C-407E-A947-70E740481C1C}">
+                <a14:useLocalDpi xmlns:a14="http://schemas.microsoft.com/office/drawing/2010/main" val="0"/>
+              </a:ext>
+            </a:extLst>
+          </a:blip>
+          <a:stretch>
+            <a:fillRect/>
+          </a:stretch>
+        </p:blipFill>
+        <p:spPr>
+          <a:xfrm>
+            <a:off x="2374124" y="2749150"/>
+            <a:ext cx="433435" cy="468991"/>
+          </a:xfrm>
+          <a:prstGeom prst="rect">
+            <a:avLst/>
+          </a:prstGeom>
+          <a:ln w="19050">
+            <a:noFill/>
+          </a:ln>
+        </p:spPr>
+      </p:pic>
+      <p:pic>
+        <p:nvPicPr>
+          <p:cNvPr id="157" name="Picture 156"/>
+          <p:cNvPicPr>
+            <a:picLocks noChangeAspect="1"/>
+          </p:cNvPicPr>
+          <p:nvPr/>
+        </p:nvPicPr>
+        <p:blipFill>
+          <a:blip r:embed="rId3" cstate="print">
+            <a:extLst>
+              <a:ext uri="{28A0092B-C50C-407E-A947-70E740481C1C}">
+                <a14:useLocalDpi xmlns:a14="http://schemas.microsoft.com/office/drawing/2010/main" val="0"/>
+              </a:ext>
+            </a:extLst>
+          </a:blip>
+          <a:stretch>
+            <a:fillRect/>
+          </a:stretch>
+        </p:blipFill>
+        <p:spPr>
+          <a:xfrm>
+            <a:off x="2137914" y="156913"/>
+            <a:ext cx="905854" cy="875419"/>
+          </a:xfrm>
+          <a:prstGeom prst="rect">
+            <a:avLst/>
+          </a:prstGeom>
+          <a:ln w="19050">
+            <a:noFill/>
+          </a:ln>
+        </p:spPr>
+      </p:pic>
+      <p:pic>
+        <p:nvPicPr>
+          <p:cNvPr id="158" name="Picture 157"/>
+          <p:cNvPicPr>
+            <a:picLocks noChangeAspect="1"/>
+          </p:cNvPicPr>
+          <p:nvPr/>
+        </p:nvPicPr>
+        <p:blipFill>
+          <a:blip r:embed="rId4" cstate="print">
+            <a:extLst>
+              <a:ext uri="{28A0092B-C50C-407E-A947-70E740481C1C}">
+                <a14:useLocalDpi xmlns:a14="http://schemas.microsoft.com/office/drawing/2010/main" val="0"/>
+              </a:ext>
+            </a:extLst>
+          </a:blip>
+          <a:stretch>
+            <a:fillRect/>
+          </a:stretch>
+        </p:blipFill>
+        <p:spPr>
+          <a:xfrm>
+            <a:off x="2374124" y="271791"/>
+            <a:ext cx="433435" cy="468991"/>
+          </a:xfrm>
+          <a:prstGeom prst="rect">
+            <a:avLst/>
+          </a:prstGeom>
+          <a:ln w="19050">
+            <a:noFill/>
+          </a:ln>
+        </p:spPr>
+      </p:pic>
+      <p:cxnSp>
+        <p:nvCxnSpPr>
+          <p:cNvPr id="152" name="Elbow Connector 151"/>
+          <p:cNvCxnSpPr/>
+          <p:nvPr/>
+        </p:nvCxnSpPr>
+        <p:spPr>
+          <a:xfrm>
+            <a:off x="4757511" y="1422697"/>
+            <a:ext cx="530794" cy="283101"/>
+          </a:xfrm>
+          <a:prstGeom prst="bentConnector2">
+            <a:avLst/>
+          </a:prstGeom>
+          <a:ln w="19050">
+            <a:solidFill>
+              <a:schemeClr val="tx1"/>
+            </a:solidFill>
+            <a:tailEnd type="triangle"/>
+          </a:ln>
+        </p:spPr>
+        <p:style>
+          <a:lnRef idx="1">
+            <a:schemeClr val="accent1"/>
+          </a:lnRef>
+          <a:fillRef idx="0">
+            <a:schemeClr val="accent1"/>
+          </a:fillRef>
+          <a:effectRef idx="0">
+            <a:schemeClr val="accent1"/>
+          </a:effectRef>
+          <a:fontRef idx="minor">
+            <a:schemeClr val="tx1"/>
+          </a:fontRef>
+        </p:style>
+      </p:cxnSp>
+      <p:cxnSp>
+        <p:nvCxnSpPr>
+          <p:cNvPr id="154" name="Elbow Connector 153"/>
+          <p:cNvCxnSpPr/>
+          <p:nvPr/>
+        </p:nvCxnSpPr>
+        <p:spPr>
+          <a:xfrm flipV="1">
+            <a:off x="4757511" y="2002979"/>
+            <a:ext cx="530794" cy="306545"/>
+          </a:xfrm>
+          <a:prstGeom prst="bentConnector2">
+            <a:avLst/>
+          </a:prstGeom>
+          <a:ln w="19050">
+            <a:solidFill>
+              <a:schemeClr val="tx1"/>
+            </a:solidFill>
+            <a:tailEnd type="triangle"/>
+          </a:ln>
+        </p:spPr>
+        <p:style>
+          <a:lnRef idx="1">
+            <a:schemeClr val="accent1"/>
+          </a:lnRef>
+          <a:fillRef idx="0">
+            <a:schemeClr val="accent1"/>
+          </a:fillRef>
+          <a:effectRef idx="0">
+            <a:schemeClr val="accent1"/>
+          </a:effectRef>
+          <a:fontRef idx="minor">
+            <a:schemeClr val="tx1"/>
+          </a:fontRef>
+        </p:style>
+      </p:cxnSp>
+      <p:sp>
+        <p:nvSpPr>
+          <p:cNvPr id="175" name="TextBox 174"/>
+          <p:cNvSpPr txBox="1"/>
+          <p:nvPr/>
+        </p:nvSpPr>
+        <p:spPr>
+          <a:xfrm>
+            <a:off x="5792938" y="1024950"/>
+            <a:ext cx="625047" cy="523220"/>
+          </a:xfrm>
+          <a:prstGeom prst="rect">
+            <a:avLst/>
+          </a:prstGeom>
+          <a:noFill/>
+          <a:ln w="19050">
+            <a:noFill/>
+          </a:ln>
+        </p:spPr>
+        <p:txBody>
+          <a:bodyPr wrap="square" rtlCol="0">
+            <a:spAutoFit/>
+          </a:bodyPr>
+          <a:lstStyle/>
+          <a:p>
+            <a:pPr algn="ctr"/>
+            <a:r>
+              <a:rPr lang="en-US" sz="1400" dirty="0" smtClean="0"/>
+              <a:t>Fiber</a:t>
+            </a:r>
+          </a:p>
+          <a:p>
+            <a:pPr algn="ctr"/>
+            <a:r>
+              <a:rPr lang="en-US" sz="1400" dirty="0" smtClean="0"/>
+              <a:t>Loop</a:t>
+            </a:r>
+            <a:endParaRPr lang="en-US" sz="1400" dirty="0"/>
+          </a:p>
+        </p:txBody>
+      </p:sp>
       <p:grpSp>
         <p:nvGrpSpPr>
-          <p:cNvPr id="411" name="Group 410"/>
+          <p:cNvPr id="176" name="Group 175"/>
           <p:cNvGrpSpPr/>
           <p:nvPr/>
         </p:nvGrpSpPr>
         <p:grpSpPr>
           <a:xfrm>
-            <a:off x="80894" y="52344"/>
-            <a:ext cx="11968576" cy="6644442"/>
-            <a:chOff x="80894" y="52344"/>
-            <a:chExt cx="11968576" cy="6644442"/>
+            <a:off x="5818756" y="1533993"/>
+            <a:ext cx="573413" cy="320395"/>
+            <a:chOff x="9200668" y="2800350"/>
+            <a:chExt cx="840581" cy="452438"/>
           </a:xfrm>
         </p:grpSpPr>
-        <mc:AlternateContent xmlns:mc="http://schemas.openxmlformats.org/markup-compatibility/2006" xmlns:a14="http://schemas.microsoft.com/office/drawing/2010/main">
-          <mc:Choice Requires="a14">
-            <p:sp>
-              <p:nvSpPr>
-                <p:cNvPr id="334" name="Rectangle 333"/>
-                <p:cNvSpPr/>
-                <p:nvPr/>
-              </p:nvSpPr>
-              <p:spPr>
-                <a:xfrm>
-                  <a:off x="80894" y="52344"/>
-                  <a:ext cx="5566205" cy="6644441"/>
-                </a:xfrm>
-                <a:prstGeom prst="rect">
-                  <a:avLst/>
-                </a:prstGeom>
-                <a:solidFill>
-                  <a:schemeClr val="lt1">
-                    <a:alpha val="0"/>
-                  </a:schemeClr>
-                </a:solidFill>
-                <a:ln w="28575">
-                  <a:prstDash val="sysDot"/>
-                </a:ln>
-              </p:spPr>
-              <p:style>
-                <a:lnRef idx="2">
-                  <a:schemeClr val="dk1"/>
-                </a:lnRef>
-                <a:fillRef idx="1">
-                  <a:schemeClr val="lt1"/>
-                </a:fillRef>
-                <a:effectRef idx="0">
-                  <a:schemeClr val="dk1"/>
-                </a:effectRef>
-                <a:fontRef idx="minor">
-                  <a:schemeClr val="dk1"/>
-                </a:fontRef>
-              </p:style>
-              <p:txBody>
-                <a:bodyPr rtlCol="0" anchor="ctr"/>
-                <a:lstStyle/>
-                <a:p>
-                  <a:pPr/>
-                  <a14:m>
-                    <m:oMathPara xmlns:m="http://schemas.openxmlformats.org/officeDocument/2006/math">
-                      <m:oMathParaPr>
-                        <m:jc m:val="centerGroup"/>
-                      </m:oMathParaPr>
-                      <m:oMath xmlns:m="http://schemas.openxmlformats.org/officeDocument/2006/math">
-                        <m:r>
-                          <m:rPr>
-                            <m:sty m:val="p"/>
-                          </m:rPr>
-                          <a:rPr lang="en-US">
-                            <a:latin typeface="Cambria Math" panose="02040503050406030204" pitchFamily="18" charset="0"/>
-                          </a:rPr>
-                          <m:t>Tx</m:t>
-                        </m:r>
-                      </m:oMath>
-                    </m:oMathPara>
-                  </a14:m>
-                  <a:endParaRPr lang="en-US" dirty="0"/>
-                </a:p>
-              </p:txBody>
-            </p:sp>
-          </mc:Choice>
-          <mc:Fallback xmlns="">
-            <p:sp>
-              <p:nvSpPr>
-                <p:cNvPr id="334" name="Rectangle 333"/>
-                <p:cNvSpPr>
-                  <a:spLocks noRot="1" noChangeAspect="1" noMove="1" noResize="1" noEditPoints="1" noAdjustHandles="1" noChangeArrowheads="1" noChangeShapeType="1" noTextEdit="1"/>
-                </p:cNvSpPr>
-                <p:nvPr/>
-              </p:nvSpPr>
-              <p:spPr>
-                <a:xfrm>
-                  <a:off x="80894" y="52344"/>
-                  <a:ext cx="5566205" cy="6644441"/>
-                </a:xfrm>
-                <a:prstGeom prst="rect">
-                  <a:avLst/>
-                </a:prstGeom>
-                <a:blipFill>
-                  <a:blip r:embed="rId2"/>
-                  <a:stretch>
-                    <a:fillRect/>
-                  </a:stretch>
-                </a:blipFill>
-                <a:ln w="28575">
-                  <a:prstDash val="sysDot"/>
-                </a:ln>
-              </p:spPr>
-              <p:txBody>
-                <a:bodyPr/>
-                <a:lstStyle/>
-                <a:p>
-                  <a:r>
-                    <a:rPr lang="en-US">
-                      <a:noFill/>
-                    </a:rPr>
-                    <a:t> </a:t>
-                  </a:r>
-                </a:p>
-              </p:txBody>
-            </p:sp>
-          </mc:Fallback>
-        </mc:AlternateContent>
         <p:sp>
           <p:nvSpPr>
-            <p:cNvPr id="335" name="Rectangle 334"/>
+            <p:cNvPr id="177" name="Oval 176"/>
             <p:cNvSpPr/>
             <p:nvPr/>
           </p:nvSpPr>
           <p:spPr>
             <a:xfrm>
-              <a:off x="6524244" y="52344"/>
-              <a:ext cx="5525226" cy="6644442"/>
+              <a:off x="9296400" y="2800350"/>
+              <a:ext cx="469106" cy="452438"/>
             </a:xfrm>
-            <a:prstGeom prst="rect">
+            <a:prstGeom prst="ellipse">
               <a:avLst/>
             </a:prstGeom>
             <a:solidFill>
@@ -3111,8 +3661,10 @@
                 <a:alpha val="0"/>
               </a:schemeClr>
             </a:solidFill>
-            <a:ln w="28575">
-              <a:prstDash val="sysDot"/>
+            <a:ln w="19050">
+              <a:solidFill>
+                <a:schemeClr val="tx1"/>
+              </a:solidFill>
             </a:ln>
           </p:spPr>
           <p:style>
@@ -3140,18 +3692,28 @@
         </p:sp>
         <p:sp>
           <p:nvSpPr>
-            <p:cNvPr id="43" name="Rectangle 42"/>
+            <p:cNvPr id="178" name="Oval 177"/>
             <p:cNvSpPr/>
             <p:nvPr/>
           </p:nvSpPr>
           <p:spPr>
             <a:xfrm>
-              <a:off x="3747861" y="1136947"/>
-              <a:ext cx="1009650" cy="571500"/>
+              <a:off x="9376960" y="2800350"/>
+              <a:ext cx="482085" cy="452438"/>
             </a:xfrm>
-            <a:prstGeom prst="rect">
+            <a:prstGeom prst="ellipse">
               <a:avLst/>
             </a:prstGeom>
+            <a:solidFill>
+              <a:schemeClr val="lt1">
+                <a:alpha val="0"/>
+              </a:schemeClr>
+            </a:solidFill>
+            <a:ln w="19050">
+              <a:solidFill>
+                <a:schemeClr val="tx1"/>
+              </a:solidFill>
+            </a:ln>
           </p:spPr>
           <p:style>
             <a:lnRef idx="2">
@@ -3172,28 +3734,34 @@
             <a:lstStyle/>
             <a:p>
               <a:pPr algn="ctr"/>
-              <a:r>
-                <a:rPr lang="en-US" sz="1200" b="1" dirty="0" smtClean="0"/>
-                <a:t>Dual Polarization IQ Mod.</a:t>
-              </a:r>
-              <a:endParaRPr lang="en-US" sz="1200" b="1" dirty="0"/>
+              <a:endParaRPr lang="en-US"/>
             </a:p>
           </p:txBody>
         </p:sp>
         <p:sp>
           <p:nvSpPr>
-            <p:cNvPr id="86" name="Rectangle 85"/>
+            <p:cNvPr id="179" name="Oval 178"/>
             <p:cNvSpPr/>
             <p:nvPr/>
           </p:nvSpPr>
           <p:spPr>
             <a:xfrm>
-              <a:off x="3747861" y="2023774"/>
-              <a:ext cx="1009650" cy="571500"/>
+              <a:off x="9462923" y="2800350"/>
+              <a:ext cx="469106" cy="452438"/>
             </a:xfrm>
-            <a:prstGeom prst="rect">
+            <a:prstGeom prst="ellipse">
               <a:avLst/>
             </a:prstGeom>
+            <a:solidFill>
+              <a:schemeClr val="lt1">
+                <a:alpha val="0"/>
+              </a:schemeClr>
+            </a:solidFill>
+            <a:ln w="19050">
+              <a:solidFill>
+                <a:schemeClr val="tx1"/>
+              </a:solidFill>
+            </a:ln>
           </p:spPr>
           <p:style>
             <a:lnRef idx="2">
@@ -3214,672 +3782,878 @@
             <a:lstStyle/>
             <a:p>
               <a:pPr algn="ctr"/>
-              <a:r>
-                <a:rPr lang="en-US" sz="1200" b="1" dirty="0" smtClean="0"/>
-                <a:t>Dual Polarization IQ Mod</a:t>
-              </a:r>
-              <a:r>
-                <a:rPr lang="en-US" sz="1200" dirty="0" smtClean="0"/>
-                <a:t>.</a:t>
-              </a:r>
-              <a:endParaRPr lang="en-US" sz="1200" dirty="0"/>
+              <a:endParaRPr lang="en-US"/>
             </a:p>
           </p:txBody>
         </p:sp>
         <p:cxnSp>
           <p:nvCxnSpPr>
-            <p:cNvPr id="45" name="Elbow Connector 44"/>
-            <p:cNvCxnSpPr>
-              <a:endCxn id="43" idx="1"/>
-            </p:cNvCxnSpPr>
+            <p:cNvPr id="184" name="Straight Connector 183"/>
+            <p:cNvCxnSpPr/>
             <p:nvPr/>
           </p:nvCxnSpPr>
           <p:spPr>
-            <a:xfrm rot="5400000" flipH="1" flipV="1">
-              <a:off x="2630676" y="588614"/>
-              <a:ext cx="283102" cy="1951268"/>
+            <a:xfrm>
+              <a:off x="9200668" y="3252788"/>
+              <a:ext cx="840581" cy="0"/>
             </a:xfrm>
-            <a:prstGeom prst="bentConnector2">
+            <a:prstGeom prst="line">
               <a:avLst/>
             </a:prstGeom>
-            <a:ln w="28575">
-              <a:tailEnd type="triangle"/>
+            <a:ln w="19050">
+              <a:solidFill>
+                <a:schemeClr val="tx1"/>
+              </a:solidFill>
             </a:ln>
           </p:spPr>
           <p:style>
             <a:lnRef idx="1">
-              <a:schemeClr val="accent1"/>
+              <a:schemeClr val="dk1"/>
             </a:lnRef>
             <a:fillRef idx="0">
-              <a:schemeClr val="accent1"/>
+              <a:schemeClr val="dk1"/>
             </a:fillRef>
             <a:effectRef idx="0">
-              <a:schemeClr val="accent1"/>
+              <a:schemeClr val="dk1"/>
             </a:effectRef>
             <a:fontRef idx="minor">
               <a:schemeClr val="tx1"/>
             </a:fontRef>
           </p:style>
         </p:cxnSp>
-        <p:cxnSp>
-          <p:nvCxnSpPr>
-            <p:cNvPr id="47" name="Elbow Connector 46"/>
-            <p:cNvCxnSpPr>
-              <a:endCxn id="86" idx="1"/>
-            </p:cNvCxnSpPr>
-            <p:nvPr/>
-          </p:nvCxnSpPr>
-          <p:spPr>
-            <a:xfrm>
-              <a:off x="1945183" y="1854389"/>
-              <a:ext cx="1802678" cy="455135"/>
-            </a:xfrm>
-            <a:prstGeom prst="bentConnector3">
-              <a:avLst>
-                <a:gd name="adj1" fmla="val 15394"/>
-              </a:avLst>
-            </a:prstGeom>
-            <a:ln w="28575">
-              <a:tailEnd type="triangle"/>
-            </a:ln>
-          </p:spPr>
-          <p:style>
-            <a:lnRef idx="1">
-              <a:schemeClr val="accent1"/>
-            </a:lnRef>
-            <a:fillRef idx="0">
-              <a:schemeClr val="accent1"/>
-            </a:fillRef>
-            <a:effectRef idx="0">
-              <a:schemeClr val="accent1"/>
-            </a:effectRef>
-            <a:fontRef idx="minor">
+      </p:grpSp>
+      <p:cxnSp>
+        <p:nvCxnSpPr>
+          <p:cNvPr id="160" name="Straight Connector 159"/>
+          <p:cNvCxnSpPr/>
+          <p:nvPr/>
+        </p:nvCxnSpPr>
+        <p:spPr>
+          <a:xfrm>
+            <a:off x="5436895" y="1854388"/>
+            <a:ext cx="381861" cy="0"/>
+          </a:xfrm>
+          <a:prstGeom prst="line">
+            <a:avLst/>
+          </a:prstGeom>
+          <a:ln w="19050">
+            <a:solidFill>
               <a:schemeClr val="tx1"/>
-            </a:fontRef>
-          </p:style>
-        </p:cxnSp>
-        <p:sp>
-          <p:nvSpPr>
-            <p:cNvPr id="94" name="Rectangle 93"/>
-            <p:cNvSpPr/>
-            <p:nvPr/>
-          </p:nvSpPr>
-          <p:spPr>
-            <a:xfrm>
-              <a:off x="3747861" y="385629"/>
-              <a:ext cx="1009650" cy="415549"/>
-            </a:xfrm>
-            <a:prstGeom prst="rect">
-              <a:avLst/>
-            </a:prstGeom>
-            <a:ln w="28575"/>
-          </p:spPr>
-          <p:style>
-            <a:lnRef idx="2">
-              <a:schemeClr val="dk1"/>
-            </a:lnRef>
-            <a:fillRef idx="1">
-              <a:schemeClr val="lt1"/>
-            </a:fillRef>
-            <a:effectRef idx="0">
-              <a:schemeClr val="dk1"/>
-            </a:effectRef>
-            <a:fontRef idx="minor">
-              <a:schemeClr val="dk1"/>
-            </a:fontRef>
-          </p:style>
-          <p:txBody>
-            <a:bodyPr rtlCol="0" anchor="ctr"/>
-            <a:lstStyle/>
-            <a:p>
-              <a:pPr algn="ctr"/>
-              <a:r>
-                <a:rPr lang="en-US" sz="1200" dirty="0" smtClean="0"/>
-                <a:t>AWG</a:t>
-              </a:r>
-            </a:p>
-            <a:p>
-              <a:pPr algn="ctr"/>
-              <a:r>
-                <a:rPr lang="en-US" sz="1200" b="1" dirty="0" smtClean="0"/>
-                <a:t>I</a:t>
-              </a:r>
-              <a:r>
-                <a:rPr lang="en-US" sz="1200" dirty="0" smtClean="0"/>
-                <a:t>            </a:t>
-              </a:r>
-              <a:r>
-                <a:rPr lang="en-US" sz="1200" b="1" dirty="0" smtClean="0"/>
-                <a:t>Q</a:t>
-              </a:r>
-              <a:endParaRPr lang="en-US" sz="1200" b="1" dirty="0"/>
-            </a:p>
-          </p:txBody>
-        </p:sp>
-        <p:cxnSp>
-          <p:nvCxnSpPr>
-            <p:cNvPr id="54" name="Straight Arrow Connector 53"/>
-            <p:cNvCxnSpPr>
-              <a:stCxn id="157" idx="3"/>
-              <a:endCxn id="94" idx="1"/>
-            </p:cNvCxnSpPr>
-            <p:nvPr/>
-          </p:nvCxnSpPr>
-          <p:spPr>
-            <a:xfrm flipV="1">
-              <a:off x="3053607" y="593404"/>
-              <a:ext cx="694254" cy="3963"/>
-            </a:xfrm>
-            <a:prstGeom prst="straightConnector1">
-              <a:avLst/>
-            </a:prstGeom>
-            <a:ln w="28575">
-              <a:tailEnd type="triangle"/>
-            </a:ln>
-          </p:spPr>
-          <p:style>
-            <a:lnRef idx="1">
-              <a:schemeClr val="accent1"/>
-            </a:lnRef>
-            <a:fillRef idx="0">
-              <a:schemeClr val="accent1"/>
-            </a:fillRef>
-            <a:effectRef idx="0">
-              <a:schemeClr val="accent1"/>
-            </a:effectRef>
-            <a:fontRef idx="minor">
+            </a:solidFill>
+          </a:ln>
+        </p:spPr>
+        <p:style>
+          <a:lnRef idx="1">
+            <a:schemeClr val="accent1"/>
+          </a:lnRef>
+          <a:fillRef idx="0">
+            <a:schemeClr val="accent1"/>
+          </a:fillRef>
+          <a:effectRef idx="0">
+            <a:schemeClr val="accent1"/>
+          </a:effectRef>
+          <a:fontRef idx="minor">
+            <a:schemeClr val="tx1"/>
+          </a:fontRef>
+        </p:style>
+      </p:cxnSp>
+      <p:pic>
+        <p:nvPicPr>
+          <p:cNvPr id="200" name="Picture 199"/>
+          <p:cNvPicPr>
+            <a:picLocks noChangeAspect="1"/>
+          </p:cNvPicPr>
+          <p:nvPr/>
+        </p:nvPicPr>
+        <p:blipFill>
+          <a:blip r:embed="rId5" cstate="print">
+            <a:extLst>
+              <a:ext uri="{28A0092B-C50C-407E-A947-70E740481C1C}">
+                <a14:useLocalDpi xmlns:a14="http://schemas.microsoft.com/office/drawing/2010/main" val="0"/>
+              </a:ext>
+            </a:extLst>
+          </a:blip>
+          <a:stretch>
+            <a:fillRect/>
+          </a:stretch>
+        </p:blipFill>
+        <p:spPr>
+          <a:xfrm>
+            <a:off x="5148104" y="1703149"/>
+            <a:ext cx="297181" cy="297181"/>
+          </a:xfrm>
+          <a:prstGeom prst="rect">
+            <a:avLst/>
+          </a:prstGeom>
+          <a:ln w="19050">
+            <a:noFill/>
+          </a:ln>
+        </p:spPr>
+      </p:pic>
+      <p:pic>
+        <p:nvPicPr>
+          <p:cNvPr id="201" name="Picture 200"/>
+          <p:cNvPicPr>
+            <a:picLocks noChangeAspect="1"/>
+          </p:cNvPicPr>
+          <p:nvPr/>
+        </p:nvPicPr>
+        <p:blipFill>
+          <a:blip r:embed="rId5" cstate="print">
+            <a:extLst>
+              <a:ext uri="{28A0092B-C50C-407E-A947-70E740481C1C}">
+                <a14:useLocalDpi xmlns:a14="http://schemas.microsoft.com/office/drawing/2010/main" val="0"/>
+              </a:ext>
+            </a:extLst>
+          </a:blip>
+          <a:stretch>
+            <a:fillRect/>
+          </a:stretch>
+        </p:blipFill>
+        <p:spPr>
+          <a:xfrm>
+            <a:off x="1651675" y="1708447"/>
+            <a:ext cx="297181" cy="297181"/>
+          </a:xfrm>
+          <a:prstGeom prst="rect">
+            <a:avLst/>
+          </a:prstGeom>
+          <a:ln w="19050">
+            <a:noFill/>
+          </a:ln>
+        </p:spPr>
+      </p:pic>
+      <p:sp>
+        <p:nvSpPr>
+          <p:cNvPr id="299" name="Rectangle 298"/>
+          <p:cNvSpPr/>
+          <p:nvPr/>
+        </p:nvSpPr>
+        <p:spPr>
+          <a:xfrm>
+            <a:off x="2628204" y="4706641"/>
+            <a:ext cx="267388" cy="1833860"/>
+          </a:xfrm>
+          <a:prstGeom prst="rect">
+            <a:avLst/>
+          </a:prstGeom>
+          <a:ln w="19050">
+            <a:solidFill>
               <a:schemeClr val="tx1"/>
-            </a:fontRef>
-          </p:style>
-        </p:cxnSp>
-        <p:cxnSp>
-          <p:nvCxnSpPr>
-            <p:cNvPr id="100" name="Straight Arrow Connector 99"/>
-            <p:cNvCxnSpPr/>
-            <p:nvPr/>
-          </p:nvCxnSpPr>
-          <p:spPr>
-            <a:xfrm flipH="1">
-              <a:off x="4514400" y="805953"/>
-              <a:ext cx="224" cy="330994"/>
-            </a:xfrm>
-            <a:prstGeom prst="straightConnector1">
-              <a:avLst/>
-            </a:prstGeom>
-            <a:ln w="28575">
-              <a:tailEnd type="triangle"/>
-            </a:ln>
-          </p:spPr>
-          <p:style>
-            <a:lnRef idx="1">
-              <a:schemeClr val="accent1"/>
-            </a:lnRef>
-            <a:fillRef idx="0">
-              <a:schemeClr val="accent1"/>
-            </a:fillRef>
-            <a:effectRef idx="0">
-              <a:schemeClr val="accent1"/>
-            </a:effectRef>
-            <a:fontRef idx="minor">
+            </a:solidFill>
+          </a:ln>
+        </p:spPr>
+        <p:style>
+          <a:lnRef idx="2">
+            <a:schemeClr val="dk1"/>
+          </a:lnRef>
+          <a:fillRef idx="1">
+            <a:schemeClr val="lt1"/>
+          </a:fillRef>
+          <a:effectRef idx="0">
+            <a:schemeClr val="dk1"/>
+          </a:effectRef>
+          <a:fontRef idx="minor">
+            <a:schemeClr val="dk1"/>
+          </a:fontRef>
+        </p:style>
+        <p:txBody>
+          <a:bodyPr rtlCol="0" anchor="ctr"/>
+          <a:lstStyle/>
+          <a:p>
+            <a:pPr algn="ctr"/>
+            <a:r>
+              <a:rPr lang="en-US" b="1" dirty="0" smtClean="0">
+                <a:latin typeface="+mj-lt"/>
+              </a:rPr>
+              <a:t>coupler</a:t>
+            </a:r>
+            <a:endParaRPr lang="en-US" b="1" dirty="0">
+              <a:latin typeface="+mj-lt"/>
+            </a:endParaRPr>
+          </a:p>
+        </p:txBody>
+      </p:sp>
+      <p:cxnSp>
+        <p:nvCxnSpPr>
+          <p:cNvPr id="312" name="Elbow Connector 311"/>
+          <p:cNvCxnSpPr/>
+          <p:nvPr/>
+        </p:nvCxnSpPr>
+        <p:spPr>
+          <a:xfrm flipV="1">
+            <a:off x="2905292" y="3463852"/>
+            <a:ext cx="5109326" cy="2697150"/>
+          </a:xfrm>
+          <a:prstGeom prst="bentConnector3">
+            <a:avLst>
+              <a:gd name="adj1" fmla="val 94826"/>
+            </a:avLst>
+          </a:prstGeom>
+          <a:ln w="19050">
+            <a:solidFill>
               <a:schemeClr val="tx1"/>
-            </a:fontRef>
-          </p:style>
-        </p:cxnSp>
-        <p:cxnSp>
-          <p:nvCxnSpPr>
-            <p:cNvPr id="107" name="Straight Arrow Connector 106"/>
-            <p:cNvCxnSpPr/>
-            <p:nvPr/>
-          </p:nvCxnSpPr>
-          <p:spPr>
-            <a:xfrm flipH="1">
-              <a:off x="3983382" y="805953"/>
-              <a:ext cx="224" cy="330994"/>
-            </a:xfrm>
-            <a:prstGeom prst="straightConnector1">
-              <a:avLst/>
-            </a:prstGeom>
-            <a:ln w="28575">
-              <a:tailEnd type="triangle"/>
-            </a:ln>
-          </p:spPr>
-          <p:style>
-            <a:lnRef idx="1">
-              <a:schemeClr val="accent1"/>
-            </a:lnRef>
-            <a:fillRef idx="0">
-              <a:schemeClr val="accent1"/>
-            </a:fillRef>
-            <a:effectRef idx="0">
-              <a:schemeClr val="accent1"/>
-            </a:effectRef>
-            <a:fontRef idx="minor">
+            </a:solidFill>
+            <a:tailEnd type="triangle"/>
+          </a:ln>
+        </p:spPr>
+        <p:style>
+          <a:lnRef idx="1">
+            <a:schemeClr val="accent1"/>
+          </a:lnRef>
+          <a:fillRef idx="0">
+            <a:schemeClr val="accent1"/>
+          </a:fillRef>
+          <a:effectRef idx="0">
+            <a:schemeClr val="accent1"/>
+          </a:effectRef>
+          <a:fontRef idx="minor">
+            <a:schemeClr val="tx1"/>
+          </a:fontRef>
+        </p:style>
+      </p:cxnSp>
+      <p:cxnSp>
+        <p:nvCxnSpPr>
+          <p:cNvPr id="320" name="Elbow Connector 319"/>
+          <p:cNvCxnSpPr>
+            <a:stCxn id="299" idx="3"/>
+          </p:cNvCxnSpPr>
+          <p:nvPr/>
+        </p:nvCxnSpPr>
+        <p:spPr>
+          <a:xfrm flipV="1">
+            <a:off x="2895592" y="2214538"/>
+            <a:ext cx="5111093" cy="3409033"/>
+          </a:xfrm>
+          <a:prstGeom prst="bentConnector3">
+            <a:avLst>
+              <a:gd name="adj1" fmla="val 84109"/>
+            </a:avLst>
+          </a:prstGeom>
+          <a:ln w="19050">
+            <a:solidFill>
               <a:schemeClr val="tx1"/>
-            </a:fontRef>
-          </p:style>
-        </p:cxnSp>
-        <p:pic>
-          <p:nvPicPr>
-            <p:cNvPr id="127" name="Picture 126"/>
-            <p:cNvPicPr>
-              <a:picLocks noChangeAspect="1"/>
-            </p:cNvPicPr>
-            <p:nvPr/>
-          </p:nvPicPr>
-          <p:blipFill>
-            <a:blip r:embed="rId3" cstate="print">
-              <a:extLst>
-                <a:ext uri="{28A0092B-C50C-407E-A947-70E740481C1C}">
-                  <a14:useLocalDpi xmlns:a14="http://schemas.microsoft.com/office/drawing/2010/main" val="0"/>
-                </a:ext>
-              </a:extLst>
-            </a:blip>
-            <a:stretch>
-              <a:fillRect/>
-            </a:stretch>
-          </p:blipFill>
-          <p:spPr>
-            <a:xfrm>
-              <a:off x="2147753" y="2694258"/>
-              <a:ext cx="905854" cy="875419"/>
-            </a:xfrm>
-            <a:prstGeom prst="rect">
-              <a:avLst/>
-            </a:prstGeom>
-          </p:spPr>
-        </p:pic>
-        <p:sp>
-          <p:nvSpPr>
-            <p:cNvPr id="128" name="Rectangle 127"/>
-            <p:cNvSpPr/>
-            <p:nvPr/>
-          </p:nvSpPr>
-          <p:spPr>
-            <a:xfrm>
-              <a:off x="3747861" y="2919340"/>
-              <a:ext cx="1009650" cy="415549"/>
-            </a:xfrm>
-            <a:prstGeom prst="rect">
-              <a:avLst/>
-            </a:prstGeom>
-            <a:ln w="28575"/>
-          </p:spPr>
-          <p:style>
-            <a:lnRef idx="2">
-              <a:schemeClr val="dk1"/>
-            </a:lnRef>
-            <a:fillRef idx="1">
-              <a:schemeClr val="lt1"/>
-            </a:fillRef>
-            <a:effectRef idx="0">
-              <a:schemeClr val="dk1"/>
-            </a:effectRef>
-            <a:fontRef idx="minor">
-              <a:schemeClr val="dk1"/>
-            </a:fontRef>
-          </p:style>
-          <p:txBody>
-            <a:bodyPr rtlCol="0" anchor="ctr"/>
-            <a:lstStyle/>
-            <a:p>
-              <a:pPr algn="ctr"/>
-              <a:r>
-                <a:rPr lang="en-US" sz="1200" b="1" dirty="0" smtClean="0"/>
-                <a:t>I</a:t>
-              </a:r>
-              <a:r>
-                <a:rPr lang="en-US" sz="1200" dirty="0" smtClean="0"/>
-                <a:t>            </a:t>
-              </a:r>
-              <a:r>
-                <a:rPr lang="en-US" sz="1200" b="1" dirty="0" smtClean="0"/>
-                <a:t>Q</a:t>
-              </a:r>
-            </a:p>
-            <a:p>
-              <a:pPr algn="ctr"/>
-              <a:r>
-                <a:rPr lang="en-US" sz="1200" dirty="0" smtClean="0"/>
-                <a:t>AWG</a:t>
-              </a:r>
-              <a:endParaRPr lang="en-US" sz="1200" dirty="0"/>
-            </a:p>
-          </p:txBody>
-        </p:sp>
-        <p:cxnSp>
-          <p:nvCxnSpPr>
-            <p:cNvPr id="129" name="Straight Arrow Connector 128"/>
-            <p:cNvCxnSpPr>
-              <a:stCxn id="127" idx="3"/>
-              <a:endCxn id="128" idx="1"/>
-            </p:cNvCxnSpPr>
-            <p:nvPr/>
-          </p:nvCxnSpPr>
-          <p:spPr>
-            <a:xfrm flipV="1">
-              <a:off x="3053607" y="3127115"/>
-              <a:ext cx="694254" cy="4853"/>
-            </a:xfrm>
-            <a:prstGeom prst="straightConnector1">
-              <a:avLst/>
-            </a:prstGeom>
-            <a:ln w="28575">
-              <a:tailEnd type="triangle"/>
-            </a:ln>
-          </p:spPr>
-          <p:style>
-            <a:lnRef idx="1">
-              <a:schemeClr val="accent1"/>
-            </a:lnRef>
-            <a:fillRef idx="0">
-              <a:schemeClr val="accent1"/>
-            </a:fillRef>
-            <a:effectRef idx="0">
-              <a:schemeClr val="accent1"/>
-            </a:effectRef>
-            <a:fontRef idx="minor">
+            </a:solidFill>
+            <a:tailEnd type="triangle"/>
+          </a:ln>
+        </p:spPr>
+        <p:style>
+          <a:lnRef idx="1">
+            <a:schemeClr val="accent1"/>
+          </a:lnRef>
+          <a:fillRef idx="0">
+            <a:schemeClr val="accent1"/>
+          </a:fillRef>
+          <a:effectRef idx="0">
+            <a:schemeClr val="accent1"/>
+          </a:effectRef>
+          <a:fontRef idx="minor">
+            <a:schemeClr val="tx1"/>
+          </a:fontRef>
+        </p:style>
+      </p:cxnSp>
+      <p:cxnSp>
+        <p:nvCxnSpPr>
+          <p:cNvPr id="323" name="Elbow Connector 322"/>
+          <p:cNvCxnSpPr/>
+          <p:nvPr/>
+        </p:nvCxnSpPr>
+        <p:spPr>
+          <a:xfrm flipV="1">
+            <a:off x="2902388" y="4129402"/>
+            <a:ext cx="1634095" cy="960508"/>
+          </a:xfrm>
+          <a:prstGeom prst="bentConnector3">
+            <a:avLst>
+              <a:gd name="adj1" fmla="val 100712"/>
+            </a:avLst>
+          </a:prstGeom>
+          <a:ln w="19050">
+            <a:solidFill>
               <a:schemeClr val="tx1"/>
-            </a:fontRef>
-          </p:style>
-        </p:cxnSp>
-        <p:cxnSp>
-          <p:nvCxnSpPr>
-            <p:cNvPr id="130" name="Straight Arrow Connector 129"/>
-            <p:cNvCxnSpPr/>
-            <p:nvPr/>
-          </p:nvCxnSpPr>
-          <p:spPr>
-            <a:xfrm flipH="1" flipV="1">
-              <a:off x="4514401" y="2588346"/>
-              <a:ext cx="224" cy="330994"/>
-            </a:xfrm>
-            <a:prstGeom prst="straightConnector1">
-              <a:avLst/>
-            </a:prstGeom>
-            <a:ln w="28575">
-              <a:tailEnd type="triangle"/>
-            </a:ln>
-          </p:spPr>
-          <p:style>
-            <a:lnRef idx="1">
-              <a:schemeClr val="accent1"/>
-            </a:lnRef>
-            <a:fillRef idx="0">
-              <a:schemeClr val="accent1"/>
-            </a:fillRef>
-            <a:effectRef idx="0">
-              <a:schemeClr val="accent1"/>
-            </a:effectRef>
-            <a:fontRef idx="minor">
+            </a:solidFill>
+          </a:ln>
+        </p:spPr>
+        <p:style>
+          <a:lnRef idx="1">
+            <a:schemeClr val="dk1"/>
+          </a:lnRef>
+          <a:fillRef idx="0">
+            <a:schemeClr val="dk1"/>
+          </a:fillRef>
+          <a:effectRef idx="0">
+            <a:schemeClr val="dk1"/>
+          </a:effectRef>
+          <a:fontRef idx="minor">
+            <a:schemeClr val="tx1"/>
+          </a:fontRef>
+        </p:style>
+      </p:cxnSp>
+      <p:cxnSp>
+        <p:nvCxnSpPr>
+          <p:cNvPr id="326" name="Elbow Connector 325"/>
+          <p:cNvCxnSpPr>
+            <a:endCxn id="201" idx="2"/>
+          </p:cNvCxnSpPr>
+          <p:nvPr/>
+        </p:nvCxnSpPr>
+        <p:spPr>
+          <a:xfrm rot="10800000">
+            <a:off x="1800267" y="2005628"/>
+            <a:ext cx="2733399" cy="2123774"/>
+          </a:xfrm>
+          <a:prstGeom prst="bentConnector2">
+            <a:avLst/>
+          </a:prstGeom>
+          <a:ln w="19050">
+            <a:solidFill>
               <a:schemeClr val="tx1"/>
-            </a:fontRef>
-          </p:style>
-        </p:cxnSp>
-        <p:cxnSp>
-          <p:nvCxnSpPr>
-            <p:cNvPr id="131" name="Straight Arrow Connector 130"/>
-            <p:cNvCxnSpPr/>
-            <p:nvPr/>
-          </p:nvCxnSpPr>
-          <p:spPr>
-            <a:xfrm flipH="1" flipV="1">
-              <a:off x="3983383" y="2583653"/>
-              <a:ext cx="224" cy="330994"/>
-            </a:xfrm>
-            <a:prstGeom prst="straightConnector1">
-              <a:avLst/>
-            </a:prstGeom>
-            <a:ln w="28575">
-              <a:tailEnd type="triangle"/>
-            </a:ln>
-          </p:spPr>
-          <p:style>
-            <a:lnRef idx="1">
-              <a:schemeClr val="accent1"/>
-            </a:lnRef>
-            <a:fillRef idx="0">
-              <a:schemeClr val="accent1"/>
-            </a:fillRef>
-            <a:effectRef idx="0">
-              <a:schemeClr val="accent1"/>
-            </a:effectRef>
-            <a:fontRef idx="minor">
+            </a:solidFill>
+            <a:tailEnd type="triangle"/>
+          </a:ln>
+        </p:spPr>
+        <p:style>
+          <a:lnRef idx="1">
+            <a:schemeClr val="dk1"/>
+          </a:lnRef>
+          <a:fillRef idx="0">
+            <a:schemeClr val="dk1"/>
+          </a:fillRef>
+          <a:effectRef idx="0">
+            <a:schemeClr val="dk1"/>
+          </a:effectRef>
+          <a:fontRef idx="minor">
+            <a:schemeClr val="tx1"/>
+          </a:fontRef>
+        </p:style>
+      </p:cxnSp>
+      <mc:AlternateContent xmlns:mc="http://schemas.openxmlformats.org/markup-compatibility/2006" xmlns:a14="http://schemas.microsoft.com/office/drawing/2010/main">
+        <mc:Choice Requires="a14">
+          <p:sp>
+            <p:nvSpPr>
+              <p:cNvPr id="336" name="TextBox 335"/>
+              <p:cNvSpPr txBox="1"/>
+              <p:nvPr/>
+            </p:nvSpPr>
+            <p:spPr>
+              <a:xfrm>
+                <a:off x="133975" y="56347"/>
+                <a:ext cx="468077" cy="430887"/>
+              </a:xfrm>
+              <a:prstGeom prst="rect">
+                <a:avLst/>
+              </a:prstGeom>
+              <a:noFill/>
+              <a:ln w="19050">
+                <a:noFill/>
+              </a:ln>
+            </p:spPr>
+            <p:txBody>
+              <a:bodyPr wrap="none" lIns="0" tIns="0" rIns="0" bIns="0" rtlCol="0">
+                <a:spAutoFit/>
+              </a:bodyPr>
+              <a:lstStyle/>
+              <a:p>
+                <a:pPr/>
+                <a14:m>
+                  <m:oMathPara xmlns:m="http://schemas.openxmlformats.org/officeDocument/2006/math">
+                    <m:oMathParaPr>
+                      <m:jc m:val="centerGroup"/>
+                    </m:oMathParaPr>
+                    <m:oMath xmlns:m="http://schemas.openxmlformats.org/officeDocument/2006/math">
+                      <m:r>
+                        <m:rPr>
+                          <m:sty m:val="p"/>
+                        </m:rPr>
+                        <a:rPr lang="en-US" sz="2800" b="0" i="0" smtClean="0">
+                          <a:latin typeface="Cambria Math" panose="02040503050406030204" pitchFamily="18" charset="0"/>
+                        </a:rPr>
+                        <m:t>Tx</m:t>
+                      </m:r>
+                    </m:oMath>
+                  </m:oMathPara>
+                </a14:m>
+                <a:endParaRPr lang="en-US" sz="2800" dirty="0"/>
+              </a:p>
+            </p:txBody>
+          </p:sp>
+        </mc:Choice>
+        <mc:Fallback xmlns="">
+          <p:sp>
+            <p:nvSpPr>
+              <p:cNvPr id="336" name="TextBox 335"/>
+              <p:cNvSpPr txBox="1">
+                <a:spLocks noRot="1" noChangeAspect="1" noMove="1" noResize="1" noEditPoints="1" noAdjustHandles="1" noChangeArrowheads="1" noChangeShapeType="1" noTextEdit="1"/>
+              </p:cNvSpPr>
+              <p:nvPr/>
+            </p:nvSpPr>
+            <p:spPr>
+              <a:xfrm>
+                <a:off x="133975" y="56347"/>
+                <a:ext cx="468077" cy="430887"/>
+              </a:xfrm>
+              <a:prstGeom prst="rect">
+                <a:avLst/>
+              </a:prstGeom>
+              <a:blipFill>
+                <a:blip r:embed="rId10"/>
+                <a:stretch>
+                  <a:fillRect/>
+                </a:stretch>
+              </a:blipFill>
+              <a:ln w="19050">
+                <a:noFill/>
+              </a:ln>
+            </p:spPr>
+            <p:txBody>
+              <a:bodyPr/>
+              <a:lstStyle/>
+              <a:p>
+                <a:r>
+                  <a:rPr lang="en-US">
+                    <a:noFill/>
+                  </a:rPr>
+                  <a:t> </a:t>
+                </a:r>
+              </a:p>
+            </p:txBody>
+          </p:sp>
+        </mc:Fallback>
+      </mc:AlternateContent>
+      <mc:AlternateContent xmlns:mc="http://schemas.openxmlformats.org/markup-compatibility/2006" xmlns:a14="http://schemas.microsoft.com/office/drawing/2010/main">
+        <mc:Choice Requires="a14">
+          <p:sp>
+            <p:nvSpPr>
+              <p:cNvPr id="337" name="TextBox 336"/>
+              <p:cNvSpPr txBox="1"/>
+              <p:nvPr/>
+            </p:nvSpPr>
+            <p:spPr>
+              <a:xfrm>
+                <a:off x="6676176" y="56347"/>
+                <a:ext cx="477695" cy="430887"/>
+              </a:xfrm>
+              <a:prstGeom prst="rect">
+                <a:avLst/>
+              </a:prstGeom>
+              <a:noFill/>
+              <a:ln w="19050">
+                <a:noFill/>
+              </a:ln>
+            </p:spPr>
+            <p:txBody>
+              <a:bodyPr wrap="none" lIns="0" tIns="0" rIns="0" bIns="0" rtlCol="0">
+                <a:spAutoFit/>
+              </a:bodyPr>
+              <a:lstStyle/>
+              <a:p>
+                <a:pPr/>
+                <a14:m>
+                  <m:oMathPara xmlns:m="http://schemas.openxmlformats.org/officeDocument/2006/math">
+                    <m:oMathParaPr>
+                      <m:jc m:val="centerGroup"/>
+                    </m:oMathParaPr>
+                    <m:oMath xmlns:m="http://schemas.openxmlformats.org/officeDocument/2006/math">
+                      <m:r>
+                        <m:rPr>
+                          <m:sty m:val="p"/>
+                        </m:rPr>
+                        <a:rPr lang="en-US" sz="2800">
+                          <a:latin typeface="Cambria Math" panose="02040503050406030204" pitchFamily="18" charset="0"/>
+                        </a:rPr>
+                        <m:t>R</m:t>
+                      </m:r>
+                      <m:r>
+                        <m:rPr>
+                          <m:sty m:val="p"/>
+                        </m:rPr>
+                        <a:rPr lang="en-US" sz="2800" b="0" i="0" smtClean="0">
+                          <a:latin typeface="Cambria Math" panose="02040503050406030204" pitchFamily="18" charset="0"/>
+                        </a:rPr>
+                        <m:t>x</m:t>
+                      </m:r>
+                    </m:oMath>
+                  </m:oMathPara>
+                </a14:m>
+                <a:endParaRPr lang="en-US" sz="2800" dirty="0"/>
+              </a:p>
+            </p:txBody>
+          </p:sp>
+        </mc:Choice>
+        <mc:Fallback xmlns="">
+          <p:sp>
+            <p:nvSpPr>
+              <p:cNvPr id="337" name="TextBox 336"/>
+              <p:cNvSpPr txBox="1">
+                <a:spLocks noRot="1" noChangeAspect="1" noMove="1" noResize="1" noEditPoints="1" noAdjustHandles="1" noChangeArrowheads="1" noChangeShapeType="1" noTextEdit="1"/>
+              </p:cNvSpPr>
+              <p:nvPr/>
+            </p:nvSpPr>
+            <p:spPr>
+              <a:xfrm>
+                <a:off x="6676176" y="56347"/>
+                <a:ext cx="477695" cy="430887"/>
+              </a:xfrm>
+              <a:prstGeom prst="rect">
+                <a:avLst/>
+              </a:prstGeom>
+              <a:blipFill>
+                <a:blip r:embed="rId11"/>
+                <a:stretch>
+                  <a:fillRect/>
+                </a:stretch>
+              </a:blipFill>
+              <a:ln w="19050">
+                <a:noFill/>
+              </a:ln>
+            </p:spPr>
+            <p:txBody>
+              <a:bodyPr/>
+              <a:lstStyle/>
+              <a:p>
+                <a:r>
+                  <a:rPr lang="en-US">
+                    <a:noFill/>
+                  </a:rPr>
+                  <a:t> </a:t>
+                </a:r>
+              </a:p>
+            </p:txBody>
+          </p:sp>
+        </mc:Fallback>
+      </mc:AlternateContent>
+      <p:cxnSp>
+        <p:nvCxnSpPr>
+          <p:cNvPr id="351" name="Straight Connector 350"/>
+          <p:cNvCxnSpPr/>
+          <p:nvPr/>
+        </p:nvCxnSpPr>
+        <p:spPr>
+          <a:xfrm>
+            <a:off x="2462855" y="5627821"/>
+            <a:ext cx="172694" cy="3796"/>
+          </a:xfrm>
+          <a:prstGeom prst="line">
+            <a:avLst/>
+          </a:prstGeom>
+          <a:ln w="19050">
+            <a:solidFill>
               <a:schemeClr val="tx1"/>
-            </a:fontRef>
-          </p:style>
-        </p:cxnSp>
-        <p:pic>
-          <p:nvPicPr>
-            <p:cNvPr id="134" name="Picture 133"/>
-            <p:cNvPicPr>
-              <a:picLocks noChangeAspect="1"/>
-            </p:cNvPicPr>
-            <p:nvPr/>
-          </p:nvPicPr>
-          <p:blipFill>
-            <a:blip r:embed="rId4" cstate="print">
-              <a:extLst>
-                <a:ext uri="{28A0092B-C50C-407E-A947-70E740481C1C}">
-                  <a14:useLocalDpi xmlns:a14="http://schemas.microsoft.com/office/drawing/2010/main" val="0"/>
-                </a:ext>
-              </a:extLst>
-            </a:blip>
-            <a:stretch>
-              <a:fillRect/>
-            </a:stretch>
-          </p:blipFill>
-          <p:spPr>
-            <a:xfrm>
-              <a:off x="2374125" y="2782453"/>
-              <a:ext cx="433435" cy="468991"/>
-            </a:xfrm>
-            <a:prstGeom prst="rect">
-              <a:avLst/>
-            </a:prstGeom>
-          </p:spPr>
-        </p:pic>
-        <p:pic>
-          <p:nvPicPr>
-            <p:cNvPr id="157" name="Picture 156"/>
-            <p:cNvPicPr>
-              <a:picLocks noChangeAspect="1"/>
-            </p:cNvPicPr>
-            <p:nvPr/>
-          </p:nvPicPr>
-          <p:blipFill>
-            <a:blip r:embed="rId3" cstate="print">
-              <a:extLst>
-                <a:ext uri="{28A0092B-C50C-407E-A947-70E740481C1C}">
-                  <a14:useLocalDpi xmlns:a14="http://schemas.microsoft.com/office/drawing/2010/main" val="0"/>
-                </a:ext>
-              </a:extLst>
-            </a:blip>
-            <a:stretch>
-              <a:fillRect/>
-            </a:stretch>
-          </p:blipFill>
-          <p:spPr>
-            <a:xfrm>
-              <a:off x="2147753" y="159657"/>
-              <a:ext cx="905854" cy="875419"/>
-            </a:xfrm>
-            <a:prstGeom prst="rect">
-              <a:avLst/>
-            </a:prstGeom>
-          </p:spPr>
-        </p:pic>
-        <p:pic>
-          <p:nvPicPr>
-            <p:cNvPr id="158" name="Picture 157"/>
-            <p:cNvPicPr>
-              <a:picLocks noChangeAspect="1"/>
-            </p:cNvPicPr>
-            <p:nvPr/>
-          </p:nvPicPr>
-          <p:blipFill>
-            <a:blip r:embed="rId4" cstate="print">
-              <a:extLst>
-                <a:ext uri="{28A0092B-C50C-407E-A947-70E740481C1C}">
-                  <a14:useLocalDpi xmlns:a14="http://schemas.microsoft.com/office/drawing/2010/main" val="0"/>
-                </a:ext>
-              </a:extLst>
-            </a:blip>
-            <a:stretch>
-              <a:fillRect/>
-            </a:stretch>
-          </p:blipFill>
-          <p:spPr>
-            <a:xfrm>
-              <a:off x="2374124" y="271791"/>
-              <a:ext cx="433435" cy="468991"/>
-            </a:xfrm>
-            <a:prstGeom prst="rect">
-              <a:avLst/>
-            </a:prstGeom>
-          </p:spPr>
-        </p:pic>
-        <p:cxnSp>
-          <p:nvCxnSpPr>
-            <p:cNvPr id="152" name="Elbow Connector 151"/>
-            <p:cNvCxnSpPr>
-              <a:stCxn id="43" idx="3"/>
-            </p:cNvCxnSpPr>
-            <p:nvPr/>
-          </p:nvCxnSpPr>
-          <p:spPr>
-            <a:xfrm>
-              <a:off x="4757511" y="1422697"/>
-              <a:ext cx="530794" cy="283101"/>
-            </a:xfrm>
-            <a:prstGeom prst="bentConnector2">
-              <a:avLst/>
-            </a:prstGeom>
-            <a:ln w="28575">
-              <a:tailEnd type="triangle"/>
-            </a:ln>
-          </p:spPr>
-          <p:style>
-            <a:lnRef idx="1">
-              <a:schemeClr val="accent1"/>
-            </a:lnRef>
-            <a:fillRef idx="0">
-              <a:schemeClr val="accent1"/>
-            </a:fillRef>
-            <a:effectRef idx="0">
-              <a:schemeClr val="accent1"/>
-            </a:effectRef>
-            <a:fontRef idx="minor">
-              <a:schemeClr val="tx1"/>
-            </a:fontRef>
-          </p:style>
-        </p:cxnSp>
-        <p:cxnSp>
-          <p:nvCxnSpPr>
-            <p:cNvPr id="154" name="Elbow Connector 153"/>
-            <p:cNvCxnSpPr>
-              <a:stCxn id="86" idx="3"/>
-            </p:cNvCxnSpPr>
-            <p:nvPr/>
-          </p:nvCxnSpPr>
-          <p:spPr>
-            <a:xfrm flipV="1">
-              <a:off x="4757511" y="2002979"/>
-              <a:ext cx="530794" cy="306545"/>
-            </a:xfrm>
-            <a:prstGeom prst="bentConnector2">
-              <a:avLst/>
-            </a:prstGeom>
-            <a:ln w="28575">
-              <a:tailEnd type="triangle"/>
-            </a:ln>
-          </p:spPr>
-          <p:style>
-            <a:lnRef idx="1">
-              <a:schemeClr val="accent1"/>
-            </a:lnRef>
-            <a:fillRef idx="0">
-              <a:schemeClr val="accent1"/>
-            </a:fillRef>
-            <a:effectRef idx="0">
-              <a:schemeClr val="accent1"/>
-            </a:effectRef>
-            <a:fontRef idx="minor">
-              <a:schemeClr val="tx1"/>
-            </a:fontRef>
-          </p:style>
-        </p:cxnSp>
-        <p:sp>
-          <p:nvSpPr>
-            <p:cNvPr id="175" name="TextBox 174"/>
-            <p:cNvSpPr txBox="1"/>
-            <p:nvPr/>
-          </p:nvSpPr>
-          <p:spPr>
-            <a:xfrm>
-              <a:off x="5819098" y="1035076"/>
-              <a:ext cx="625047" cy="523220"/>
-            </a:xfrm>
-            <a:prstGeom prst="rect">
-              <a:avLst/>
-            </a:prstGeom>
+            </a:solidFill>
+          </a:ln>
+        </p:spPr>
+        <p:style>
+          <a:lnRef idx="1">
+            <a:schemeClr val="accent1"/>
+          </a:lnRef>
+          <a:fillRef idx="0">
+            <a:schemeClr val="accent1"/>
+          </a:fillRef>
+          <a:effectRef idx="0">
+            <a:schemeClr val="accent1"/>
+          </a:effectRef>
+          <a:fontRef idx="minor">
+            <a:schemeClr val="tx1"/>
+          </a:fontRef>
+        </p:style>
+      </p:cxnSp>
+      <mc:AlternateContent xmlns:mc="http://schemas.openxmlformats.org/markup-compatibility/2006" xmlns:a14="http://schemas.microsoft.com/office/drawing/2010/main">
+        <mc:Choice Requires="a14">
+          <p:sp>
+            <p:nvSpPr>
+              <p:cNvPr id="363" name="Rectangle 362"/>
+              <p:cNvSpPr/>
+              <p:nvPr/>
+            </p:nvSpPr>
+            <p:spPr>
+              <a:xfrm>
+                <a:off x="1038653" y="1677685"/>
+                <a:ext cx="623889" cy="369332"/>
+              </a:xfrm>
+              <a:prstGeom prst="rect">
+                <a:avLst/>
+              </a:prstGeom>
+              <a:ln w="19050">
+                <a:noFill/>
+              </a:ln>
+            </p:spPr>
+            <p:txBody>
+              <a:bodyPr wrap="none">
+                <a:spAutoFit/>
+              </a:bodyPr>
+              <a:lstStyle/>
+              <a:p>
+                <a:pPr/>
+                <a14:m>
+                  <m:oMathPara xmlns:m="http://schemas.openxmlformats.org/officeDocument/2006/math">
+                    <m:oMathParaPr>
+                      <m:jc m:val="centerGroup"/>
+                    </m:oMathParaPr>
+                    <m:oMath xmlns:m="http://schemas.openxmlformats.org/officeDocument/2006/math">
+                      <m:r>
+                        <m:rPr>
+                          <m:sty m:val="p"/>
+                        </m:rPr>
+                        <a:rPr lang="en-US" b="0" i="0" smtClean="0">
+                          <a:latin typeface="Cambria Math" panose="02040503050406030204" pitchFamily="18" charset="0"/>
+                        </a:rPr>
+                        <m:t>PBS</m:t>
+                      </m:r>
+                    </m:oMath>
+                  </m:oMathPara>
+                </a14:m>
+                <a:endParaRPr lang="en-US" dirty="0"/>
+              </a:p>
+            </p:txBody>
+          </p:sp>
+        </mc:Choice>
+        <mc:Fallback xmlns="">
+          <p:sp>
+            <p:nvSpPr>
+              <p:cNvPr id="363" name="Rectangle 362"/>
+              <p:cNvSpPr>
+                <a:spLocks noRot="1" noChangeAspect="1" noMove="1" noResize="1" noEditPoints="1" noAdjustHandles="1" noChangeArrowheads="1" noChangeShapeType="1" noTextEdit="1"/>
+              </p:cNvSpPr>
+              <p:nvPr/>
+            </p:nvSpPr>
+            <p:spPr>
+              <a:xfrm>
+                <a:off x="1038653" y="1677685"/>
+                <a:ext cx="623889" cy="369332"/>
+              </a:xfrm>
+              <a:prstGeom prst="rect">
+                <a:avLst/>
+              </a:prstGeom>
+              <a:blipFill>
+                <a:blip r:embed="rId12"/>
+                <a:stretch>
+                  <a:fillRect/>
+                </a:stretch>
+              </a:blipFill>
+              <a:ln w="19050">
+                <a:noFill/>
+              </a:ln>
+            </p:spPr>
+            <p:txBody>
+              <a:bodyPr/>
+              <a:lstStyle/>
+              <a:p>
+                <a:r>
+                  <a:rPr lang="en-US">
+                    <a:noFill/>
+                  </a:rPr>
+                  <a:t> </a:t>
+                </a:r>
+              </a:p>
+            </p:txBody>
+          </p:sp>
+        </mc:Fallback>
+      </mc:AlternateContent>
+      <mc:AlternateContent xmlns:mc="http://schemas.openxmlformats.org/markup-compatibility/2006" xmlns:a14="http://schemas.microsoft.com/office/drawing/2010/main">
+        <mc:Choice Requires="a14">
+          <p:sp>
+            <p:nvSpPr>
+              <p:cNvPr id="364" name="Rectangle 363"/>
+              <p:cNvSpPr/>
+              <p:nvPr/>
+            </p:nvSpPr>
+            <p:spPr>
+              <a:xfrm>
+                <a:off x="4965857" y="1092090"/>
+                <a:ext cx="639919" cy="369332"/>
+              </a:xfrm>
+              <a:prstGeom prst="rect">
+                <a:avLst/>
+              </a:prstGeom>
+              <a:ln w="19050">
+                <a:noFill/>
+              </a:ln>
+            </p:spPr>
+            <p:txBody>
+              <a:bodyPr wrap="none">
+                <a:spAutoFit/>
+              </a:bodyPr>
+              <a:lstStyle/>
+              <a:p>
+                <a:pPr/>
+                <a14:m>
+                  <m:oMathPara xmlns:m="http://schemas.openxmlformats.org/officeDocument/2006/math">
+                    <m:oMathParaPr>
+                      <m:jc m:val="centerGroup"/>
+                    </m:oMathParaPr>
+                    <m:oMath xmlns:m="http://schemas.openxmlformats.org/officeDocument/2006/math">
+                      <m:r>
+                        <m:rPr>
+                          <m:sty m:val="p"/>
+                        </m:rPr>
+                        <a:rPr lang="en-US" b="0" i="0" smtClean="0">
+                          <a:latin typeface="Cambria Math" panose="02040503050406030204" pitchFamily="18" charset="0"/>
+                        </a:rPr>
+                        <m:t>PBC</m:t>
+                      </m:r>
+                    </m:oMath>
+                  </m:oMathPara>
+                </a14:m>
+                <a:endParaRPr lang="en-US" dirty="0"/>
+              </a:p>
+            </p:txBody>
+          </p:sp>
+        </mc:Choice>
+        <mc:Fallback xmlns="">
+          <p:sp>
+            <p:nvSpPr>
+              <p:cNvPr id="364" name="Rectangle 363"/>
+              <p:cNvSpPr>
+                <a:spLocks noRot="1" noChangeAspect="1" noMove="1" noResize="1" noEditPoints="1" noAdjustHandles="1" noChangeArrowheads="1" noChangeShapeType="1" noTextEdit="1"/>
+              </p:cNvSpPr>
+              <p:nvPr/>
+            </p:nvSpPr>
+            <p:spPr>
+              <a:xfrm>
+                <a:off x="4965857" y="1092090"/>
+                <a:ext cx="639919" cy="369332"/>
+              </a:xfrm>
+              <a:prstGeom prst="rect">
+                <a:avLst/>
+              </a:prstGeom>
+              <a:blipFill>
+                <a:blip r:embed="rId13"/>
+                <a:stretch>
+                  <a:fillRect/>
+                </a:stretch>
+              </a:blipFill>
+              <a:ln w="19050">
+                <a:noFill/>
+              </a:ln>
+            </p:spPr>
+            <p:txBody>
+              <a:bodyPr/>
+              <a:lstStyle/>
+              <a:p>
+                <a:r>
+                  <a:rPr lang="en-US">
+                    <a:noFill/>
+                  </a:rPr>
+                  <a:t> </a:t>
+                </a:r>
+              </a:p>
+            </p:txBody>
+          </p:sp>
+        </mc:Fallback>
+      </mc:AlternateContent>
+      <p:pic>
+        <p:nvPicPr>
+          <p:cNvPr id="285" name="Picture 284"/>
+          <p:cNvPicPr>
+            <a:picLocks noChangeAspect="1"/>
+          </p:cNvPicPr>
+          <p:nvPr/>
+        </p:nvPicPr>
+        <p:blipFill>
+          <a:blip r:embed="rId14" cstate="print">
+            <a:extLst>
+              <a:ext uri="{28A0092B-C50C-407E-A947-70E740481C1C}">
+                <a14:useLocalDpi xmlns:a14="http://schemas.microsoft.com/office/drawing/2010/main" val="0"/>
+              </a:ext>
+            </a:extLst>
+          </a:blip>
+          <a:stretch>
+            <a:fillRect/>
+          </a:stretch>
+        </p:blipFill>
+        <p:spPr>
+          <a:xfrm>
+            <a:off x="245706" y="5212871"/>
+            <a:ext cx="764628" cy="811494"/>
+          </a:xfrm>
+          <a:prstGeom prst="rect">
+            <a:avLst/>
+          </a:prstGeom>
+          <a:ln w="19050">
             <a:noFill/>
-          </p:spPr>
-          <p:txBody>
-            <a:bodyPr wrap="square" rtlCol="0">
-              <a:spAutoFit/>
-            </a:bodyPr>
-            <a:lstStyle/>
-            <a:p>
-              <a:pPr algn="ctr"/>
-              <a:r>
-                <a:rPr lang="en-US" sz="1400" dirty="0" smtClean="0"/>
-                <a:t>Fiber</a:t>
-              </a:r>
-            </a:p>
-            <a:p>
-              <a:pPr algn="ctr"/>
-              <a:r>
-                <a:rPr lang="en-US" sz="1400" dirty="0" smtClean="0"/>
-                <a:t>Loop</a:t>
-              </a:r>
-              <a:endParaRPr lang="en-US" sz="1400" dirty="0"/>
-            </a:p>
-          </p:txBody>
-        </p:sp>
+          </a:ln>
+        </p:spPr>
+      </p:pic>
+      <p:pic>
+        <p:nvPicPr>
+          <p:cNvPr id="286" name="Picture 285"/>
+          <p:cNvPicPr>
+            <a:picLocks noChangeAspect="1"/>
+          </p:cNvPicPr>
+          <p:nvPr/>
+        </p:nvPicPr>
+        <p:blipFill>
+          <a:blip r:embed="rId15" cstate="print">
+            <a:extLst>
+              <a:ext uri="{28A0092B-C50C-407E-A947-70E740481C1C}">
+                <a14:useLocalDpi xmlns:a14="http://schemas.microsoft.com/office/drawing/2010/main" val="0"/>
+              </a:ext>
+            </a:extLst>
+          </a:blip>
+          <a:stretch>
+            <a:fillRect/>
+          </a:stretch>
+        </p:blipFill>
+        <p:spPr>
+          <a:xfrm>
+            <a:off x="1205609" y="5472609"/>
+            <a:ext cx="516182" cy="306176"/>
+          </a:xfrm>
+          <a:prstGeom prst="rect">
+            <a:avLst/>
+          </a:prstGeom>
+          <a:ln w="19050">
+            <a:noFill/>
+          </a:ln>
+        </p:spPr>
+      </p:pic>
+      <p:grpSp>
+        <p:nvGrpSpPr>
+          <p:cNvPr id="293" name="Group 292"/>
+          <p:cNvGrpSpPr/>
+          <p:nvPr/>
+        </p:nvGrpSpPr>
+        <p:grpSpPr>
+          <a:xfrm>
+            <a:off x="1908258" y="5341106"/>
+            <a:ext cx="555134" cy="284591"/>
+            <a:chOff x="1486638" y="5388767"/>
+            <a:chExt cx="605218" cy="184792"/>
+          </a:xfrm>
+        </p:grpSpPr>
         <p:grpSp>
           <p:nvGrpSpPr>
-            <p:cNvPr id="176" name="Group 175"/>
+            <p:cNvPr id="294" name="Group 293"/>
             <p:cNvGrpSpPr/>
             <p:nvPr/>
           </p:nvGrpSpPr>
           <p:grpSpPr>
             <a:xfrm>
-              <a:off x="5818756" y="1533993"/>
-              <a:ext cx="573413" cy="320395"/>
-              <a:chOff x="9200668" y="2800350"/>
-              <a:chExt cx="840581" cy="452438"/>
+              <a:off x="1523412" y="5388767"/>
+              <a:ext cx="552482" cy="180947"/>
+              <a:chOff x="3627999" y="2101158"/>
+              <a:chExt cx="552482" cy="180947"/>
             </a:xfrm>
           </p:grpSpPr>
           <p:sp>
             <p:nvSpPr>
-              <p:cNvPr id="177" name="Oval 176"/>
+              <p:cNvPr id="296" name="Oval 295"/>
               <p:cNvSpPr/>
               <p:nvPr/>
             </p:nvSpPr>
             <p:spPr>
               <a:xfrm>
-                <a:off x="9296400" y="2800350"/>
-                <a:ext cx="469106" cy="452438"/>
+                <a:off x="3627999" y="2105659"/>
+                <a:ext cx="178585" cy="176446"/>
               </a:xfrm>
               <a:prstGeom prst="ellipse">
                 <a:avLst/>
               </a:prstGeom>
-              <a:solidFill>
-                <a:schemeClr val="lt1">
-                  <a:alpha val="0"/>
-                </a:schemeClr>
-              </a:solidFill>
-              <a:ln w="38100"/>
+              <a:ln w="19050">
+                <a:solidFill>
+                  <a:schemeClr val="tx1"/>
+                </a:solidFill>
+              </a:ln>
             </p:spPr>
             <p:style>
               <a:lnRef idx="2">
@@ -3906,24 +4680,23 @@
           </p:sp>
           <p:sp>
             <p:nvSpPr>
-              <p:cNvPr id="178" name="Oval 177"/>
+              <p:cNvPr id="297" name="Oval 296"/>
               <p:cNvSpPr/>
               <p:nvPr/>
             </p:nvSpPr>
             <p:spPr>
               <a:xfrm>
-                <a:off x="9376960" y="2800350"/>
-                <a:ext cx="482085" cy="452438"/>
+                <a:off x="3815759" y="2105659"/>
+                <a:ext cx="178585" cy="176446"/>
               </a:xfrm>
               <a:prstGeom prst="ellipse">
                 <a:avLst/>
               </a:prstGeom>
-              <a:solidFill>
-                <a:schemeClr val="lt1">
-                  <a:alpha val="0"/>
-                </a:schemeClr>
-              </a:solidFill>
-              <a:ln w="38100"/>
+              <a:ln w="19050">
+                <a:solidFill>
+                  <a:schemeClr val="tx1"/>
+                </a:solidFill>
+              </a:ln>
             </p:spPr>
             <p:style>
               <a:lnRef idx="2">
@@ -3950,24 +4723,23 @@
           </p:sp>
           <p:sp>
             <p:nvSpPr>
-              <p:cNvPr id="179" name="Oval 178"/>
+              <p:cNvPr id="298" name="Oval 297"/>
               <p:cNvSpPr/>
               <p:nvPr/>
             </p:nvSpPr>
             <p:spPr>
               <a:xfrm>
-                <a:off x="9462923" y="2800350"/>
-                <a:ext cx="469106" cy="452438"/>
+                <a:off x="4001896" y="2101158"/>
+                <a:ext cx="178585" cy="176446"/>
               </a:xfrm>
               <a:prstGeom prst="ellipse">
                 <a:avLst/>
               </a:prstGeom>
-              <a:solidFill>
-                <a:schemeClr val="lt1">
-                  <a:alpha val="0"/>
-                </a:schemeClr>
-              </a:solidFill>
-              <a:ln w="38100"/>
+              <a:ln w="19050">
+                <a:solidFill>
+                  <a:schemeClr val="tx1"/>
+                </a:solidFill>
+              </a:ln>
             </p:spPr>
             <p:style>
               <a:lnRef idx="2">
@@ -3992,2314 +4764,118 @@
               </a:p>
             </p:txBody>
           </p:sp>
-          <p:cxnSp>
-            <p:nvCxnSpPr>
-              <p:cNvPr id="184" name="Straight Connector 183"/>
-              <p:cNvCxnSpPr/>
-              <p:nvPr/>
-            </p:nvCxnSpPr>
-            <p:spPr>
-              <a:xfrm>
-                <a:off x="9200668" y="3252788"/>
-                <a:ext cx="840581" cy="0"/>
-              </a:xfrm>
-              <a:prstGeom prst="line">
-                <a:avLst/>
-              </a:prstGeom>
-              <a:ln w="28575"/>
-            </p:spPr>
-            <p:style>
-              <a:lnRef idx="1">
-                <a:schemeClr val="dk1"/>
-              </a:lnRef>
-              <a:fillRef idx="0">
-                <a:schemeClr val="dk1"/>
-              </a:fillRef>
-              <a:effectRef idx="0">
-                <a:schemeClr val="dk1"/>
-              </a:effectRef>
-              <a:fontRef idx="minor">
-                <a:schemeClr val="tx1"/>
-              </a:fontRef>
-            </p:style>
-          </p:cxnSp>
         </p:grpSp>
         <p:cxnSp>
           <p:nvCxnSpPr>
-            <p:cNvPr id="160" name="Straight Connector 159"/>
+            <p:cNvPr id="295" name="Straight Connector 294"/>
             <p:cNvCxnSpPr/>
             <p:nvPr/>
           </p:nvCxnSpPr>
           <p:spPr>
-            <a:xfrm>
-              <a:off x="5436895" y="1854388"/>
-              <a:ext cx="381861" cy="0"/>
+            <a:xfrm flipV="1">
+              <a:off x="1486638" y="5573558"/>
+              <a:ext cx="605218" cy="1"/>
             </a:xfrm>
             <a:prstGeom prst="line">
               <a:avLst/>
             </a:prstGeom>
-            <a:ln w="28575"/>
+            <a:ln w="19050">
+              <a:solidFill>
+                <a:schemeClr val="tx1"/>
+              </a:solidFill>
+            </a:ln>
           </p:spPr>
           <p:style>
             <a:lnRef idx="1">
-              <a:schemeClr val="accent1"/>
+              <a:schemeClr val="dk1"/>
             </a:lnRef>
             <a:fillRef idx="0">
-              <a:schemeClr val="accent1"/>
+              <a:schemeClr val="dk1"/>
             </a:fillRef>
             <a:effectRef idx="0">
-              <a:schemeClr val="accent1"/>
+              <a:schemeClr val="dk1"/>
             </a:effectRef>
             <a:fontRef idx="minor">
               <a:schemeClr val="tx1"/>
             </a:fontRef>
           </p:style>
         </p:cxnSp>
-        <p:pic>
-          <p:nvPicPr>
-            <p:cNvPr id="200" name="Picture 199"/>
-            <p:cNvPicPr>
-              <a:picLocks noChangeAspect="1"/>
-            </p:cNvPicPr>
-            <p:nvPr/>
-          </p:nvPicPr>
-          <p:blipFill>
-            <a:blip r:embed="rId5" cstate="print">
-              <a:extLst>
-                <a:ext uri="{28A0092B-C50C-407E-A947-70E740481C1C}">
-                  <a14:useLocalDpi xmlns:a14="http://schemas.microsoft.com/office/drawing/2010/main" val="0"/>
-                </a:ext>
-              </a:extLst>
-            </a:blip>
-            <a:stretch>
-              <a:fillRect/>
-            </a:stretch>
-          </p:blipFill>
-          <p:spPr>
-            <a:xfrm>
-              <a:off x="5148104" y="1703149"/>
-              <a:ext cx="297181" cy="297181"/>
-            </a:xfrm>
-            <a:prstGeom prst="rect">
-              <a:avLst/>
-            </a:prstGeom>
-          </p:spPr>
-        </p:pic>
-        <p:pic>
-          <p:nvPicPr>
-            <p:cNvPr id="201" name="Picture 200"/>
-            <p:cNvPicPr>
-              <a:picLocks noChangeAspect="1"/>
-            </p:cNvPicPr>
-            <p:nvPr/>
-          </p:nvPicPr>
-          <p:blipFill>
-            <a:blip r:embed="rId5" cstate="print">
-              <a:extLst>
-                <a:ext uri="{28A0092B-C50C-407E-A947-70E740481C1C}">
-                  <a14:useLocalDpi xmlns:a14="http://schemas.microsoft.com/office/drawing/2010/main" val="0"/>
-                </a:ext>
-              </a:extLst>
-            </a:blip>
-            <a:stretch>
-              <a:fillRect/>
-            </a:stretch>
-          </p:blipFill>
-          <p:spPr>
-            <a:xfrm>
-              <a:off x="1651675" y="1708447"/>
-              <a:ext cx="297181" cy="297181"/>
-            </a:xfrm>
-            <a:prstGeom prst="rect">
-              <a:avLst/>
-            </a:prstGeom>
-          </p:spPr>
-        </p:pic>
-        <p:pic>
-          <p:nvPicPr>
-            <p:cNvPr id="202" name="Picture 201"/>
-            <p:cNvPicPr>
-              <a:picLocks noChangeAspect="1"/>
-            </p:cNvPicPr>
-            <p:nvPr/>
-          </p:nvPicPr>
-          <p:blipFill>
-            <a:blip r:embed="rId5" cstate="print">
-              <a:extLst>
-                <a:ext uri="{28A0092B-C50C-407E-A947-70E740481C1C}">
-                  <a14:useLocalDpi xmlns:a14="http://schemas.microsoft.com/office/drawing/2010/main" val="0"/>
-                </a:ext>
-              </a:extLst>
-            </a:blip>
-            <a:stretch>
-              <a:fillRect/>
-            </a:stretch>
-          </p:blipFill>
-          <p:spPr>
-            <a:xfrm>
-              <a:off x="6858783" y="1713761"/>
-              <a:ext cx="297181" cy="297181"/>
-            </a:xfrm>
-            <a:prstGeom prst="rect">
-              <a:avLst/>
-            </a:prstGeom>
-          </p:spPr>
-        </p:pic>
-        <p:cxnSp>
-          <p:nvCxnSpPr>
-            <p:cNvPr id="192" name="Straight Arrow Connector 191"/>
-            <p:cNvCxnSpPr>
-              <a:endCxn id="202" idx="1"/>
-            </p:cNvCxnSpPr>
-            <p:nvPr/>
-          </p:nvCxnSpPr>
-          <p:spPr>
-            <a:xfrm>
-              <a:off x="6392169" y="1862351"/>
-              <a:ext cx="466614" cy="1"/>
-            </a:xfrm>
-            <a:prstGeom prst="straightConnector1">
-              <a:avLst/>
-            </a:prstGeom>
-            <a:ln w="28575">
-              <a:tailEnd type="triangle"/>
-            </a:ln>
-          </p:spPr>
-          <p:style>
-            <a:lnRef idx="1">
-              <a:schemeClr val="accent1"/>
-            </a:lnRef>
-            <a:fillRef idx="0">
-              <a:schemeClr val="accent1"/>
-            </a:fillRef>
-            <a:effectRef idx="0">
-              <a:schemeClr val="accent1"/>
-            </a:effectRef>
-            <a:fontRef idx="minor">
+      </p:grpSp>
+      <p:cxnSp>
+        <p:nvCxnSpPr>
+          <p:cNvPr id="399" name="Straight Arrow Connector 398"/>
+          <p:cNvCxnSpPr>
+            <a:endCxn id="286" idx="1"/>
+          </p:cNvCxnSpPr>
+          <p:nvPr/>
+        </p:nvCxnSpPr>
+        <p:spPr>
+          <a:xfrm>
+            <a:off x="1010334" y="5625697"/>
+            <a:ext cx="195275" cy="0"/>
+          </a:xfrm>
+          <a:prstGeom prst="straightConnector1">
+            <a:avLst/>
+          </a:prstGeom>
+          <a:ln w="19050">
+            <a:solidFill>
               <a:schemeClr val="tx1"/>
-            </a:fontRef>
-          </p:style>
-        </p:cxnSp>
-        <p:cxnSp>
-          <p:nvCxnSpPr>
-            <p:cNvPr id="194" name="Straight Arrow Connector 193"/>
-            <p:cNvCxnSpPr>
-              <a:stCxn id="202" idx="3"/>
-            </p:cNvCxnSpPr>
-            <p:nvPr/>
-          </p:nvCxnSpPr>
-          <p:spPr>
-            <a:xfrm flipV="1">
-              <a:off x="7155964" y="1862351"/>
-              <a:ext cx="858659" cy="1"/>
-            </a:xfrm>
-            <a:prstGeom prst="straightConnector1">
-              <a:avLst/>
-            </a:prstGeom>
-            <a:ln w="28575">
-              <a:tailEnd type="triangle"/>
-            </a:ln>
-          </p:spPr>
-          <p:style>
-            <a:lnRef idx="1">
-              <a:schemeClr val="accent1"/>
-            </a:lnRef>
-            <a:fillRef idx="0">
-              <a:schemeClr val="accent1"/>
-            </a:fillRef>
-            <a:effectRef idx="0">
-              <a:schemeClr val="accent1"/>
-            </a:effectRef>
-            <a:fontRef idx="minor">
+            </a:solidFill>
+            <a:tailEnd type="triangle"/>
+          </a:ln>
+        </p:spPr>
+        <p:style>
+          <a:lnRef idx="1">
+            <a:schemeClr val="accent1"/>
+          </a:lnRef>
+          <a:fillRef idx="0">
+            <a:schemeClr val="accent1"/>
+          </a:fillRef>
+          <a:effectRef idx="0">
+            <a:schemeClr val="accent1"/>
+          </a:effectRef>
+          <a:fontRef idx="minor">
+            <a:schemeClr val="tx1"/>
+          </a:fontRef>
+        </p:style>
+      </p:cxnSp>
+      <p:cxnSp>
+        <p:nvCxnSpPr>
+          <p:cNvPr id="401" name="Straight Connector 400"/>
+          <p:cNvCxnSpPr>
+            <a:stCxn id="286" idx="3"/>
+          </p:cNvCxnSpPr>
+          <p:nvPr/>
+        </p:nvCxnSpPr>
+        <p:spPr>
+          <a:xfrm>
+            <a:off x="1721791" y="5625697"/>
+            <a:ext cx="186467" cy="0"/>
+          </a:xfrm>
+          <a:prstGeom prst="line">
+            <a:avLst/>
+          </a:prstGeom>
+          <a:ln w="19050">
+            <a:solidFill>
               <a:schemeClr val="tx1"/>
-            </a:fontRef>
-          </p:style>
-        </p:cxnSp>
-        <p:cxnSp>
-          <p:nvCxnSpPr>
-            <p:cNvPr id="199" name="Elbow Connector 198"/>
-            <p:cNvCxnSpPr/>
-            <p:nvPr/>
-          </p:nvCxnSpPr>
-          <p:spPr>
-            <a:xfrm rot="16200000" flipH="1">
-              <a:off x="6964231" y="2011604"/>
-              <a:ext cx="1093530" cy="1007244"/>
-            </a:xfrm>
-            <a:prstGeom prst="bentConnector3">
-              <a:avLst>
-                <a:gd name="adj1" fmla="val 100015"/>
-              </a:avLst>
-            </a:prstGeom>
-            <a:ln w="28575">
-              <a:tailEnd type="triangle"/>
-            </a:ln>
-          </p:spPr>
-          <p:style>
-            <a:lnRef idx="1">
-              <a:schemeClr val="accent1"/>
-            </a:lnRef>
-            <a:fillRef idx="0">
-              <a:schemeClr val="accent1"/>
-            </a:fillRef>
-            <a:effectRef idx="0">
-              <a:schemeClr val="accent1"/>
-            </a:effectRef>
-            <a:fontRef idx="minor">
-              <a:schemeClr val="tx1"/>
-            </a:fontRef>
-          </p:style>
-        </p:cxnSp>
-        <p:grpSp>
-          <p:nvGrpSpPr>
-            <p:cNvPr id="281" name="Group 280"/>
-            <p:cNvGrpSpPr/>
-            <p:nvPr/>
-          </p:nvGrpSpPr>
-          <p:grpSpPr>
-            <a:xfrm>
-              <a:off x="8014623" y="1422697"/>
-              <a:ext cx="3908693" cy="2432729"/>
-              <a:chOff x="7085854" y="1439452"/>
-              <a:chExt cx="2793833" cy="1447452"/>
-            </a:xfrm>
-          </p:grpSpPr>
-          <p:sp>
-            <p:nvSpPr>
-              <p:cNvPr id="214" name="Rectangle 213"/>
-              <p:cNvSpPr/>
-              <p:nvPr/>
-            </p:nvSpPr>
-            <p:spPr>
-              <a:xfrm>
-                <a:off x="7087701" y="2282728"/>
-                <a:ext cx="138721" cy="484620"/>
-              </a:xfrm>
-              <a:prstGeom prst="rect">
-                <a:avLst/>
-              </a:prstGeom>
-            </p:spPr>
-            <p:style>
-              <a:lnRef idx="2">
-                <a:schemeClr val="dk1"/>
-              </a:lnRef>
-              <a:fillRef idx="1">
-                <a:schemeClr val="lt1"/>
-              </a:fillRef>
-              <a:effectRef idx="0">
-                <a:schemeClr val="dk1"/>
-              </a:effectRef>
-              <a:fontRef idx="minor">
-                <a:schemeClr val="dk1"/>
-              </a:fontRef>
-            </p:style>
-            <p:txBody>
-              <a:bodyPr rtlCol="0" anchor="ctr"/>
-              <a:lstStyle/>
-              <a:p>
-                <a:pPr algn="ctr"/>
-                <a:endParaRPr lang="en-US"/>
-              </a:p>
-            </p:txBody>
-          </p:sp>
-          <p:cxnSp>
-            <p:nvCxnSpPr>
-              <p:cNvPr id="237" name="Straight Arrow Connector 236"/>
-              <p:cNvCxnSpPr>
-                <a:stCxn id="214" idx="3"/>
-                <a:endCxn id="244" idx="2"/>
-              </p:cNvCxnSpPr>
-              <p:nvPr/>
-            </p:nvCxnSpPr>
-            <p:spPr>
-              <a:xfrm>
-                <a:off x="7226422" y="2525038"/>
-                <a:ext cx="241178" cy="3"/>
-              </a:xfrm>
-              <a:prstGeom prst="straightConnector1">
-                <a:avLst/>
-              </a:prstGeom>
-              <a:ln>
-                <a:tailEnd type="triangle"/>
-              </a:ln>
-            </p:spPr>
-            <p:style>
-              <a:lnRef idx="2">
-                <a:schemeClr val="dk1"/>
-              </a:lnRef>
-              <a:fillRef idx="1">
-                <a:schemeClr val="lt1"/>
-              </a:fillRef>
-              <a:effectRef idx="0">
-                <a:schemeClr val="dk1"/>
-              </a:effectRef>
-              <a:fontRef idx="minor">
-                <a:schemeClr val="dk1"/>
-              </a:fontRef>
-            </p:style>
-          </p:cxnSp>
-          <p:pic>
-            <p:nvPicPr>
-              <p:cNvPr id="243" name="Picture 242"/>
-              <p:cNvPicPr>
-                <a:picLocks noChangeAspect="1"/>
-              </p:cNvPicPr>
-              <p:nvPr/>
-            </p:nvPicPr>
-            <p:blipFill>
-              <a:blip r:embed="rId6" cstate="print">
-                <a:extLst>
-                  <a:ext uri="{28A0092B-C50C-407E-A947-70E740481C1C}">
-                    <a14:useLocalDpi xmlns:a14="http://schemas.microsoft.com/office/drawing/2010/main" val="0"/>
-                  </a:ext>
-                </a:extLst>
-              </a:blip>
-              <a:stretch>
-                <a:fillRect/>
-              </a:stretch>
-            </p:blipFill>
-            <p:spPr>
-              <a:xfrm rot="5400000" flipV="1">
-                <a:off x="7405133" y="1691264"/>
-                <a:ext cx="345037" cy="220101"/>
-              </a:xfrm>
-              <a:prstGeom prst="rect">
-                <a:avLst/>
-              </a:prstGeom>
-            </p:spPr>
-            <p:style>
-              <a:lnRef idx="2">
-                <a:schemeClr val="dk1"/>
-              </a:lnRef>
-              <a:fillRef idx="1">
-                <a:schemeClr val="lt1"/>
-              </a:fillRef>
-              <a:effectRef idx="0">
-                <a:schemeClr val="dk1"/>
-              </a:effectRef>
-              <a:fontRef idx="minor">
-                <a:schemeClr val="dk1"/>
-              </a:fontRef>
-            </p:style>
-          </p:pic>
-          <p:pic>
-            <p:nvPicPr>
-              <p:cNvPr id="244" name="Picture 243"/>
-              <p:cNvPicPr>
-                <a:picLocks noChangeAspect="1"/>
-              </p:cNvPicPr>
-              <p:nvPr/>
-            </p:nvPicPr>
-            <p:blipFill>
-              <a:blip r:embed="rId7" cstate="print">
-                <a:extLst>
-                  <a:ext uri="{28A0092B-C50C-407E-A947-70E740481C1C}">
-                    <a14:useLocalDpi xmlns:a14="http://schemas.microsoft.com/office/drawing/2010/main" val="0"/>
-                  </a:ext>
-                </a:extLst>
-              </a:blip>
-              <a:stretch>
-                <a:fillRect/>
-              </a:stretch>
-            </p:blipFill>
-            <p:spPr>
-              <a:xfrm rot="5400000">
-                <a:off x="7402808" y="2417315"/>
-                <a:ext cx="345036" cy="215452"/>
-              </a:xfrm>
-              <a:prstGeom prst="rect">
-                <a:avLst/>
-              </a:prstGeom>
-            </p:spPr>
-            <p:style>
-              <a:lnRef idx="2">
-                <a:schemeClr val="dk1"/>
-              </a:lnRef>
-              <a:fillRef idx="1">
-                <a:schemeClr val="lt1"/>
-              </a:fillRef>
-              <a:effectRef idx="0">
-                <a:schemeClr val="dk1"/>
-              </a:effectRef>
-              <a:fontRef idx="minor">
-                <a:schemeClr val="dk1"/>
-              </a:fontRef>
-            </p:style>
-          </p:pic>
-          <p:sp>
-            <p:nvSpPr>
-              <p:cNvPr id="245" name="Rectangle 244"/>
-              <p:cNvSpPr/>
-              <p:nvPr/>
-            </p:nvSpPr>
-            <p:spPr>
-              <a:xfrm>
-                <a:off x="7680230" y="1439452"/>
-                <a:ext cx="285545" cy="723725"/>
-              </a:xfrm>
-              <a:prstGeom prst="rect">
-                <a:avLst/>
-              </a:prstGeom>
-            </p:spPr>
-            <p:style>
-              <a:lnRef idx="2">
-                <a:schemeClr val="dk1"/>
-              </a:lnRef>
-              <a:fillRef idx="1">
-                <a:schemeClr val="lt1"/>
-              </a:fillRef>
-              <a:effectRef idx="0">
-                <a:schemeClr val="dk1"/>
-              </a:effectRef>
-              <a:fontRef idx="minor">
-                <a:schemeClr val="dk1"/>
-              </a:fontRef>
-            </p:style>
-            <p:txBody>
-              <a:bodyPr vert="vert270" rtlCol="0" anchor="ctr"/>
-              <a:lstStyle/>
-              <a:p>
-                <a:pPr algn="ctr"/>
-                <a:r>
-                  <a:rPr lang="en-US" b="1" dirty="0" smtClean="0"/>
-                  <a:t>ADC</a:t>
-                </a:r>
-                <a:endParaRPr lang="en-US" b="1" dirty="0"/>
-              </a:p>
-            </p:txBody>
-          </p:sp>
-          <p:sp>
-            <p:nvSpPr>
-              <p:cNvPr id="246" name="Rectangle 245"/>
-              <p:cNvSpPr/>
-              <p:nvPr/>
-            </p:nvSpPr>
-            <p:spPr>
-              <a:xfrm>
-                <a:off x="7677405" y="2163176"/>
-                <a:ext cx="288366" cy="723727"/>
-              </a:xfrm>
-              <a:prstGeom prst="rect">
-                <a:avLst/>
-              </a:prstGeom>
-            </p:spPr>
-            <p:style>
-              <a:lnRef idx="2">
-                <a:schemeClr val="dk1"/>
-              </a:lnRef>
-              <a:fillRef idx="1">
-                <a:schemeClr val="lt1"/>
-              </a:fillRef>
-              <a:effectRef idx="0">
-                <a:schemeClr val="dk1"/>
-              </a:effectRef>
-              <a:fontRef idx="minor">
-                <a:schemeClr val="dk1"/>
-              </a:fontRef>
-            </p:style>
-            <p:txBody>
-              <a:bodyPr vert="vert270" rtlCol="0" anchor="ctr"/>
-              <a:lstStyle/>
-              <a:p>
-                <a:pPr algn="ctr"/>
-                <a:r>
-                  <a:rPr lang="en-US" b="1" dirty="0" smtClean="0"/>
-                  <a:t>ADC</a:t>
-                </a:r>
-                <a:endParaRPr lang="en-US" b="1" dirty="0"/>
-              </a:p>
-            </p:txBody>
-          </p:sp>
-          <p:sp>
-            <p:nvSpPr>
-              <p:cNvPr id="249" name="Rectangle 248"/>
-              <p:cNvSpPr/>
-              <p:nvPr/>
-            </p:nvSpPr>
-            <p:spPr>
-              <a:xfrm>
-                <a:off x="7965774" y="1439453"/>
-                <a:ext cx="304953" cy="723725"/>
-              </a:xfrm>
-              <a:prstGeom prst="rect">
-                <a:avLst/>
-              </a:prstGeom>
-            </p:spPr>
-            <p:style>
-              <a:lnRef idx="2">
-                <a:schemeClr val="dk1"/>
-              </a:lnRef>
-              <a:fillRef idx="1">
-                <a:schemeClr val="lt1"/>
-              </a:fillRef>
-              <a:effectRef idx="0">
-                <a:schemeClr val="dk1"/>
-              </a:effectRef>
-              <a:fontRef idx="minor">
-                <a:schemeClr val="dk1"/>
-              </a:fontRef>
-            </p:style>
-            <p:txBody>
-              <a:bodyPr vert="vert270" rtlCol="0" anchor="ctr"/>
-              <a:lstStyle/>
-              <a:p>
-                <a:pPr algn="ctr"/>
-                <a:r>
-                  <a:rPr lang="en-US" b="1" dirty="0" smtClean="0"/>
-                  <a:t>KK-X</a:t>
-                </a:r>
-                <a:endParaRPr lang="en-US" b="1" dirty="0"/>
-              </a:p>
-            </p:txBody>
-          </p:sp>
-          <p:sp>
-            <p:nvSpPr>
-              <p:cNvPr id="250" name="Rectangle 249"/>
-              <p:cNvSpPr/>
-              <p:nvPr/>
-            </p:nvSpPr>
-            <p:spPr>
-              <a:xfrm>
-                <a:off x="7965771" y="2163177"/>
-                <a:ext cx="304958" cy="723727"/>
-              </a:xfrm>
-              <a:prstGeom prst="rect">
-                <a:avLst/>
-              </a:prstGeom>
-            </p:spPr>
-            <p:style>
-              <a:lnRef idx="2">
-                <a:schemeClr val="dk1"/>
-              </a:lnRef>
-              <a:fillRef idx="1">
-                <a:schemeClr val="lt1"/>
-              </a:fillRef>
-              <a:effectRef idx="0">
-                <a:schemeClr val="dk1"/>
-              </a:effectRef>
-              <a:fontRef idx="minor">
-                <a:schemeClr val="dk1"/>
-              </a:fontRef>
-            </p:style>
-            <p:txBody>
-              <a:bodyPr vert="vert270" rtlCol="0" anchor="ctr"/>
-              <a:lstStyle/>
-              <a:p>
-                <a:pPr algn="ctr"/>
-                <a:r>
-                  <a:rPr lang="en-US" b="1" dirty="0" smtClean="0"/>
-                  <a:t>KK-Y</a:t>
-                </a:r>
-                <a:endParaRPr lang="en-US" b="1" dirty="0"/>
-              </a:p>
-            </p:txBody>
-          </p:sp>
-          <mc:AlternateContent xmlns:mc="http://schemas.openxmlformats.org/markup-compatibility/2006" xmlns:a14="http://schemas.microsoft.com/office/drawing/2010/main">
-            <mc:Choice Requires="a14">
-              <p:sp>
-                <p:nvSpPr>
-                  <p:cNvPr id="252" name="Rectangle 251"/>
-                  <p:cNvSpPr/>
-                  <p:nvPr/>
-                </p:nvSpPr>
-                <p:spPr>
-                  <a:xfrm>
-                    <a:off x="8270727" y="2163176"/>
-                    <a:ext cx="288371" cy="723727"/>
-                  </a:xfrm>
-                  <a:prstGeom prst="rect">
-                    <a:avLst/>
-                  </a:prstGeom>
-                </p:spPr>
-                <p:style>
-                  <a:lnRef idx="2">
-                    <a:schemeClr val="dk1"/>
-                  </a:lnRef>
-                  <a:fillRef idx="1">
-                    <a:schemeClr val="lt1"/>
-                  </a:fillRef>
-                  <a:effectRef idx="0">
-                    <a:schemeClr val="dk1"/>
-                  </a:effectRef>
-                  <a:fontRef idx="minor">
-                    <a:schemeClr val="dk1"/>
-                  </a:fontRef>
-                </p:style>
-                <p:txBody>
-                  <a:bodyPr vert="vert270" rtlCol="0" anchor="ctr"/>
-                  <a:lstStyle/>
-                  <a:p>
-                    <a:pPr algn="ctr"/>
-                    <a14:m>
-                      <m:oMathPara xmlns:m="http://schemas.openxmlformats.org/officeDocument/2006/math">
-                        <m:oMathParaPr>
-                          <m:jc m:val="centerGroup"/>
-                        </m:oMathParaPr>
-                        <m:oMath xmlns:m="http://schemas.openxmlformats.org/officeDocument/2006/math">
-                          <m:sSup>
-                            <m:sSupPr>
-                              <m:ctrlPr>
-                                <a:rPr lang="en-US" b="1" i="1" smtClean="0">
-                                  <a:latin typeface="Cambria Math" panose="02040503050406030204" pitchFamily="18" charset="0"/>
-                                </a:rPr>
-                              </m:ctrlPr>
-                            </m:sSupPr>
-                            <m:e>
-                              <m:r>
-                                <a:rPr lang="en-US" b="1" i="0" smtClean="0">
-                                  <a:latin typeface="Cambria Math" panose="02040503050406030204" pitchFamily="18" charset="0"/>
-                                </a:rPr>
-                                <m:t>𝐂𝐃</m:t>
-                              </m:r>
-                            </m:e>
-                            <m:sup>
-                              <m:r>
-                                <a:rPr lang="en-US" b="1" i="0" smtClean="0">
-                                  <a:latin typeface="Cambria Math" panose="02040503050406030204" pitchFamily="18" charset="0"/>
-                                </a:rPr>
-                                <m:t>−</m:t>
-                              </m:r>
-                              <m:r>
-                                <a:rPr lang="en-US" b="1" i="0" smtClean="0">
-                                  <a:latin typeface="Cambria Math" panose="02040503050406030204" pitchFamily="18" charset="0"/>
-                                </a:rPr>
-                                <m:t>𝟏</m:t>
-                              </m:r>
-                            </m:sup>
-                          </m:sSup>
-                        </m:oMath>
-                      </m:oMathPara>
-                    </a14:m>
-                    <a:endParaRPr lang="en-US" b="1" dirty="0"/>
-                  </a:p>
-                </p:txBody>
-              </p:sp>
-            </mc:Choice>
-            <mc:Fallback xmlns="">
-              <p:sp>
-                <p:nvSpPr>
-                  <p:cNvPr id="252" name="Rectangle 251"/>
-                  <p:cNvSpPr>
-                    <a:spLocks noRot="1" noChangeAspect="1" noMove="1" noResize="1" noEditPoints="1" noAdjustHandles="1" noChangeArrowheads="1" noChangeShapeType="1" noTextEdit="1"/>
-                  </p:cNvSpPr>
-                  <p:nvPr/>
-                </p:nvSpPr>
-                <p:spPr>
-                  <a:xfrm>
-                    <a:off x="8270727" y="2163176"/>
-                    <a:ext cx="288371" cy="723727"/>
-                  </a:xfrm>
-                  <a:prstGeom prst="rect">
-                    <a:avLst/>
-                  </a:prstGeom>
-                  <a:blipFill>
-                    <a:blip r:embed="rId8"/>
-                    <a:stretch>
-                      <a:fillRect/>
-                    </a:stretch>
-                  </a:blipFill>
-                </p:spPr>
-                <p:txBody>
-                  <a:bodyPr/>
-                  <a:lstStyle/>
-                  <a:p>
-                    <a:r>
-                      <a:rPr lang="en-US">
-                        <a:noFill/>
-                      </a:rPr>
-                      <a:t> </a:t>
-                    </a:r>
-                  </a:p>
-                </p:txBody>
-              </p:sp>
-            </mc:Fallback>
-          </mc:AlternateContent>
-          <mc:AlternateContent xmlns:mc="http://schemas.openxmlformats.org/markup-compatibility/2006" xmlns:a14="http://schemas.microsoft.com/office/drawing/2010/main">
-            <mc:Choice Requires="a14">
-              <p:sp>
-                <p:nvSpPr>
-                  <p:cNvPr id="253" name="Rectangle 252"/>
-                  <p:cNvSpPr/>
-                  <p:nvPr/>
-                </p:nvSpPr>
-                <p:spPr>
-                  <a:xfrm>
-                    <a:off x="8270729" y="1439452"/>
-                    <a:ext cx="285545" cy="723725"/>
-                  </a:xfrm>
-                  <a:prstGeom prst="rect">
-                    <a:avLst/>
-                  </a:prstGeom>
-                </p:spPr>
-                <p:style>
-                  <a:lnRef idx="2">
-                    <a:schemeClr val="dk1"/>
-                  </a:lnRef>
-                  <a:fillRef idx="1">
-                    <a:schemeClr val="lt1"/>
-                  </a:fillRef>
-                  <a:effectRef idx="0">
-                    <a:schemeClr val="dk1"/>
-                  </a:effectRef>
-                  <a:fontRef idx="minor">
-                    <a:schemeClr val="dk1"/>
-                  </a:fontRef>
-                </p:style>
-                <p:txBody>
-                  <a:bodyPr vert="vert270" rtlCol="0" anchor="ctr"/>
-                  <a:lstStyle/>
-                  <a:p>
-                    <a:pPr algn="ctr"/>
-                    <a14:m>
-                      <m:oMathPara xmlns:m="http://schemas.openxmlformats.org/officeDocument/2006/math">
-                        <m:oMathParaPr>
-                          <m:jc m:val="center"/>
-                        </m:oMathParaPr>
-                        <m:oMath xmlns:m="http://schemas.openxmlformats.org/officeDocument/2006/math">
-                          <m:sSup>
-                            <m:sSupPr>
-                              <m:ctrlPr>
-                                <a:rPr lang="en-US" b="1" i="1" smtClean="0">
-                                  <a:latin typeface="Cambria Math" panose="02040503050406030204" pitchFamily="18" charset="0"/>
-                                </a:rPr>
-                              </m:ctrlPr>
-                            </m:sSupPr>
-                            <m:e>
-                              <m:r>
-                                <a:rPr lang="en-US" b="1" i="0" smtClean="0">
-                                  <a:latin typeface="Cambria Math" panose="02040503050406030204" pitchFamily="18" charset="0"/>
-                                </a:rPr>
-                                <m:t>𝐂𝐃</m:t>
-                              </m:r>
-                            </m:e>
-                            <m:sup>
-                              <m:r>
-                                <a:rPr lang="en-US" b="1" i="0" smtClean="0">
-                                  <a:latin typeface="Cambria Math" panose="02040503050406030204" pitchFamily="18" charset="0"/>
-                                </a:rPr>
-                                <m:t>−</m:t>
-                              </m:r>
-                              <m:r>
-                                <a:rPr lang="en-US" b="1" i="0" smtClean="0">
-                                  <a:latin typeface="Cambria Math" panose="02040503050406030204" pitchFamily="18" charset="0"/>
-                                </a:rPr>
-                                <m:t>𝟏</m:t>
-                              </m:r>
-                            </m:sup>
-                          </m:sSup>
-                        </m:oMath>
-                      </m:oMathPara>
-                    </a14:m>
-                    <a:endParaRPr lang="en-US" b="1" dirty="0"/>
-                  </a:p>
-                </p:txBody>
-              </p:sp>
-            </mc:Choice>
-            <mc:Fallback xmlns="">
-              <p:sp>
-                <p:nvSpPr>
-                  <p:cNvPr id="253" name="Rectangle 252"/>
-                  <p:cNvSpPr>
-                    <a:spLocks noRot="1" noChangeAspect="1" noMove="1" noResize="1" noEditPoints="1" noAdjustHandles="1" noChangeArrowheads="1" noChangeShapeType="1" noTextEdit="1"/>
-                  </p:cNvSpPr>
-                  <p:nvPr/>
-                </p:nvSpPr>
-                <p:spPr>
-                  <a:xfrm>
-                    <a:off x="8270729" y="1439452"/>
-                    <a:ext cx="285545" cy="723725"/>
-                  </a:xfrm>
-                  <a:prstGeom prst="rect">
-                    <a:avLst/>
-                  </a:prstGeom>
-                  <a:blipFill>
-                    <a:blip r:embed="rId9"/>
-                    <a:stretch>
-                      <a:fillRect/>
-                    </a:stretch>
-                  </a:blipFill>
-                </p:spPr>
-                <p:txBody>
-                  <a:bodyPr/>
-                  <a:lstStyle/>
-                  <a:p>
-                    <a:r>
-                      <a:rPr lang="en-US">
-                        <a:noFill/>
-                      </a:rPr>
-                      <a:t> </a:t>
-                    </a:r>
-                  </a:p>
-                </p:txBody>
-              </p:sp>
-            </mc:Fallback>
-          </mc:AlternateContent>
-          <p:sp>
-            <p:nvSpPr>
-              <p:cNvPr id="261" name="Rectangle 260"/>
-              <p:cNvSpPr/>
-              <p:nvPr/>
-            </p:nvSpPr>
-            <p:spPr>
-              <a:xfrm>
-                <a:off x="7085854" y="1559004"/>
-                <a:ext cx="138721" cy="484620"/>
-              </a:xfrm>
-              <a:prstGeom prst="rect">
-                <a:avLst/>
-              </a:prstGeom>
-            </p:spPr>
-            <p:style>
-              <a:lnRef idx="2">
-                <a:schemeClr val="dk1"/>
-              </a:lnRef>
-              <a:fillRef idx="1">
-                <a:schemeClr val="lt1"/>
-              </a:fillRef>
-              <a:effectRef idx="0">
-                <a:schemeClr val="dk1"/>
-              </a:effectRef>
-              <a:fontRef idx="minor">
-                <a:schemeClr val="dk1"/>
-              </a:fontRef>
-            </p:style>
-            <p:txBody>
-              <a:bodyPr rtlCol="0" anchor="ctr"/>
-              <a:lstStyle/>
-              <a:p>
-                <a:pPr algn="ctr"/>
-                <a:endParaRPr lang="en-US"/>
-              </a:p>
-            </p:txBody>
-          </p:sp>
-          <p:cxnSp>
-            <p:nvCxnSpPr>
-              <p:cNvPr id="262" name="Straight Arrow Connector 261"/>
-              <p:cNvCxnSpPr>
-                <a:stCxn id="261" idx="3"/>
-                <a:endCxn id="243" idx="0"/>
-              </p:cNvCxnSpPr>
-              <p:nvPr/>
-            </p:nvCxnSpPr>
-            <p:spPr>
-              <a:xfrm>
-                <a:off x="7224575" y="1801314"/>
-                <a:ext cx="243026" cy="1"/>
-              </a:xfrm>
-              <a:prstGeom prst="straightConnector1">
-                <a:avLst/>
-              </a:prstGeom>
-              <a:ln>
-                <a:tailEnd type="triangle"/>
-              </a:ln>
-            </p:spPr>
-            <p:style>
-              <a:lnRef idx="2">
-                <a:schemeClr val="dk1"/>
-              </a:lnRef>
-              <a:fillRef idx="1">
-                <a:schemeClr val="lt1"/>
-              </a:fillRef>
-              <a:effectRef idx="0">
-                <a:schemeClr val="dk1"/>
-              </a:effectRef>
-              <a:fontRef idx="minor">
-                <a:schemeClr val="dk1"/>
-              </a:fontRef>
-            </p:style>
-          </p:cxnSp>
-          <p:sp>
-            <p:nvSpPr>
-              <p:cNvPr id="272" name="Rectangle 271"/>
-              <p:cNvSpPr/>
-              <p:nvPr/>
-            </p:nvSpPr>
-            <p:spPr>
-              <a:xfrm>
-                <a:off x="8556275" y="1439452"/>
-                <a:ext cx="520539" cy="1447451"/>
-              </a:xfrm>
-              <a:prstGeom prst="rect">
-                <a:avLst/>
-              </a:prstGeom>
-            </p:spPr>
-            <p:style>
-              <a:lnRef idx="2">
-                <a:schemeClr val="dk1"/>
-              </a:lnRef>
-              <a:fillRef idx="1">
-                <a:schemeClr val="lt1"/>
-              </a:fillRef>
-              <a:effectRef idx="0">
-                <a:schemeClr val="dk1"/>
-              </a:effectRef>
-              <a:fontRef idx="minor">
-                <a:schemeClr val="dk1"/>
-              </a:fontRef>
-            </p:style>
-            <p:txBody>
-              <a:bodyPr vert="vert270" rtlCol="0" anchor="ctr"/>
-              <a:lstStyle/>
-              <a:p>
-                <a:pPr algn="ctr"/>
-                <a:r>
-                  <a:rPr lang="en-US" b="1" dirty="0" smtClean="0"/>
-                  <a:t>Stokes Pol-</a:t>
-                </a:r>
-                <a:r>
-                  <a:rPr lang="en-US" b="1" dirty="0" err="1" smtClean="0"/>
-                  <a:t>Demux</a:t>
-                </a:r>
-                <a:endParaRPr lang="en-US" b="1" dirty="0"/>
-              </a:p>
-            </p:txBody>
-          </p:sp>
-          <p:sp>
-            <p:nvSpPr>
-              <p:cNvPr id="276" name="Rectangle 275"/>
-              <p:cNvSpPr/>
-              <p:nvPr/>
-            </p:nvSpPr>
-            <p:spPr>
-              <a:xfrm>
-                <a:off x="9393912" y="1439452"/>
-                <a:ext cx="485775" cy="1447451"/>
-              </a:xfrm>
-              <a:prstGeom prst="rect">
-                <a:avLst/>
-              </a:prstGeom>
-            </p:spPr>
-            <p:style>
-              <a:lnRef idx="2">
-                <a:schemeClr val="dk1"/>
-              </a:lnRef>
-              <a:fillRef idx="1">
-                <a:schemeClr val="lt1"/>
-              </a:fillRef>
-              <a:effectRef idx="0">
-                <a:schemeClr val="dk1"/>
-              </a:effectRef>
-              <a:fontRef idx="minor">
-                <a:schemeClr val="dk1"/>
-              </a:fontRef>
-            </p:style>
-            <p:txBody>
-              <a:bodyPr vert="vert270" rtlCol="0" anchor="ctr"/>
-              <a:lstStyle/>
-              <a:p>
-                <a:pPr algn="ctr"/>
-                <a:r>
-                  <a:rPr lang="en-US" b="1" dirty="0" smtClean="0"/>
-                  <a:t>Symbol Decoding</a:t>
-                </a:r>
-                <a:endParaRPr lang="en-US" b="1" dirty="0"/>
-              </a:p>
-            </p:txBody>
-          </p:sp>
-          <p:cxnSp>
-            <p:nvCxnSpPr>
-              <p:cNvPr id="279" name="Straight Arrow Connector 278"/>
-              <p:cNvCxnSpPr/>
-              <p:nvPr/>
-            </p:nvCxnSpPr>
-            <p:spPr>
-              <a:xfrm>
-                <a:off x="9076814" y="1801314"/>
-                <a:ext cx="317098" cy="0"/>
-              </a:xfrm>
-              <a:prstGeom prst="straightConnector1">
-                <a:avLst/>
-              </a:prstGeom>
-              <a:ln>
-                <a:tailEnd type="triangle"/>
-              </a:ln>
-            </p:spPr>
-            <p:style>
-              <a:lnRef idx="2">
-                <a:schemeClr val="dk1"/>
-              </a:lnRef>
-              <a:fillRef idx="1">
-                <a:schemeClr val="lt1"/>
-              </a:fillRef>
-              <a:effectRef idx="0">
-                <a:schemeClr val="dk1"/>
-              </a:effectRef>
-              <a:fontRef idx="minor">
-                <a:schemeClr val="dk1"/>
-              </a:fontRef>
-            </p:style>
-          </p:cxnSp>
-        </p:grpSp>
-        <p:cxnSp>
-          <p:nvCxnSpPr>
-            <p:cNvPr id="283" name="Straight Arrow Connector 282"/>
-            <p:cNvCxnSpPr/>
-            <p:nvPr/>
-          </p:nvCxnSpPr>
-          <p:spPr>
-            <a:xfrm>
-              <a:off x="10800062" y="3247239"/>
-              <a:ext cx="443634" cy="0"/>
-            </a:xfrm>
-            <a:prstGeom prst="straightConnector1">
-              <a:avLst/>
-            </a:prstGeom>
-            <a:ln>
-              <a:tailEnd type="triangle"/>
-            </a:ln>
-          </p:spPr>
-          <p:style>
-            <a:lnRef idx="2">
-              <a:schemeClr val="dk1"/>
-            </a:lnRef>
-            <a:fillRef idx="1">
-              <a:schemeClr val="lt1"/>
-            </a:fillRef>
-            <a:effectRef idx="0">
-              <a:schemeClr val="dk1"/>
-            </a:effectRef>
-            <a:fontRef idx="minor">
-              <a:schemeClr val="dk1"/>
-            </a:fontRef>
-          </p:style>
-        </p:cxnSp>
-        <p:sp>
-          <p:nvSpPr>
-            <p:cNvPr id="299" name="Rectangle 298"/>
-            <p:cNvSpPr/>
-            <p:nvPr/>
-          </p:nvSpPr>
-          <p:spPr>
-            <a:xfrm>
-              <a:off x="2628204" y="4706641"/>
-              <a:ext cx="267388" cy="1833860"/>
-            </a:xfrm>
-            <a:prstGeom prst="rect">
-              <a:avLst/>
-            </a:prstGeom>
-          </p:spPr>
-          <p:style>
-            <a:lnRef idx="2">
-              <a:schemeClr val="dk1"/>
-            </a:lnRef>
-            <a:fillRef idx="1">
-              <a:schemeClr val="lt1"/>
-            </a:fillRef>
-            <a:effectRef idx="0">
-              <a:schemeClr val="dk1"/>
-            </a:effectRef>
-            <a:fontRef idx="minor">
-              <a:schemeClr val="dk1"/>
-            </a:fontRef>
-          </p:style>
-          <p:txBody>
-            <a:bodyPr rtlCol="0" anchor="ctr"/>
-            <a:lstStyle/>
-            <a:p>
-              <a:pPr algn="ctr"/>
-              <a:r>
-                <a:rPr lang="en-US" b="1" dirty="0" smtClean="0">
-                  <a:latin typeface="+mj-lt"/>
-                </a:rPr>
-                <a:t>coupler</a:t>
-              </a:r>
-              <a:endParaRPr lang="en-US" b="1" dirty="0">
-                <a:latin typeface="+mj-lt"/>
-              </a:endParaRPr>
-            </a:p>
-          </p:txBody>
-        </p:sp>
-        <p:cxnSp>
-          <p:nvCxnSpPr>
-            <p:cNvPr id="312" name="Elbow Connector 311"/>
-            <p:cNvCxnSpPr/>
-            <p:nvPr/>
-          </p:nvCxnSpPr>
-          <p:spPr>
-            <a:xfrm flipV="1">
-              <a:off x="2905292" y="3463852"/>
-              <a:ext cx="5109326" cy="2697150"/>
-            </a:xfrm>
-            <a:prstGeom prst="bentConnector3">
-              <a:avLst>
-                <a:gd name="adj1" fmla="val 94826"/>
-              </a:avLst>
-            </a:prstGeom>
-            <a:ln w="28575">
-              <a:tailEnd type="triangle"/>
-            </a:ln>
-          </p:spPr>
-          <p:style>
-            <a:lnRef idx="1">
-              <a:schemeClr val="accent1"/>
-            </a:lnRef>
-            <a:fillRef idx="0">
-              <a:schemeClr val="accent1"/>
-            </a:fillRef>
-            <a:effectRef idx="0">
-              <a:schemeClr val="accent1"/>
-            </a:effectRef>
-            <a:fontRef idx="minor">
-              <a:schemeClr val="tx1"/>
-            </a:fontRef>
-          </p:style>
-        </p:cxnSp>
-        <p:cxnSp>
-          <p:nvCxnSpPr>
-            <p:cNvPr id="320" name="Elbow Connector 319"/>
-            <p:cNvCxnSpPr>
-              <a:stCxn id="299" idx="3"/>
-            </p:cNvCxnSpPr>
-            <p:nvPr/>
-          </p:nvCxnSpPr>
-          <p:spPr>
-            <a:xfrm flipV="1">
-              <a:off x="2895592" y="2214538"/>
-              <a:ext cx="5111093" cy="3409033"/>
-            </a:xfrm>
-            <a:prstGeom prst="bentConnector3">
-              <a:avLst>
-                <a:gd name="adj1" fmla="val 84109"/>
-              </a:avLst>
-            </a:prstGeom>
-            <a:ln w="28575">
-              <a:tailEnd type="triangle"/>
-            </a:ln>
-          </p:spPr>
-          <p:style>
-            <a:lnRef idx="1">
-              <a:schemeClr val="accent1"/>
-            </a:lnRef>
-            <a:fillRef idx="0">
-              <a:schemeClr val="accent1"/>
-            </a:fillRef>
-            <a:effectRef idx="0">
-              <a:schemeClr val="accent1"/>
-            </a:effectRef>
-            <a:fontRef idx="minor">
-              <a:schemeClr val="tx1"/>
-            </a:fontRef>
-          </p:style>
-        </p:cxnSp>
-        <p:cxnSp>
-          <p:nvCxnSpPr>
-            <p:cNvPr id="323" name="Elbow Connector 322"/>
-            <p:cNvCxnSpPr/>
-            <p:nvPr/>
-          </p:nvCxnSpPr>
-          <p:spPr>
-            <a:xfrm flipV="1">
-              <a:off x="2902388" y="4129402"/>
-              <a:ext cx="1634095" cy="960508"/>
-            </a:xfrm>
-            <a:prstGeom prst="bentConnector3">
-              <a:avLst>
-                <a:gd name="adj1" fmla="val 100712"/>
-              </a:avLst>
-            </a:prstGeom>
-            <a:ln w="28575"/>
-          </p:spPr>
-          <p:style>
-            <a:lnRef idx="1">
-              <a:schemeClr val="accent1"/>
-            </a:lnRef>
-            <a:fillRef idx="0">
-              <a:schemeClr val="accent1"/>
-            </a:fillRef>
-            <a:effectRef idx="0">
-              <a:schemeClr val="accent1"/>
-            </a:effectRef>
-            <a:fontRef idx="minor">
-              <a:schemeClr val="tx1"/>
-            </a:fontRef>
-          </p:style>
-        </p:cxnSp>
-        <p:cxnSp>
-          <p:nvCxnSpPr>
-            <p:cNvPr id="326" name="Elbow Connector 325"/>
-            <p:cNvCxnSpPr>
-              <a:endCxn id="201" idx="2"/>
-            </p:cNvCxnSpPr>
-            <p:nvPr/>
-          </p:nvCxnSpPr>
-          <p:spPr>
-            <a:xfrm rot="10800000">
-              <a:off x="1800267" y="2005628"/>
-              <a:ext cx="2733399" cy="2123774"/>
-            </a:xfrm>
-            <a:prstGeom prst="bentConnector2">
-              <a:avLst/>
-            </a:prstGeom>
-            <a:ln w="28575">
-              <a:tailEnd type="triangle"/>
-            </a:ln>
-          </p:spPr>
-          <p:style>
-            <a:lnRef idx="1">
-              <a:schemeClr val="accent1"/>
-            </a:lnRef>
-            <a:fillRef idx="0">
-              <a:schemeClr val="accent1"/>
-            </a:fillRef>
-            <a:effectRef idx="0">
-              <a:schemeClr val="accent1"/>
-            </a:effectRef>
-            <a:fontRef idx="minor">
-              <a:schemeClr val="tx1"/>
-            </a:fontRef>
-          </p:style>
-        </p:cxnSp>
-        <mc:AlternateContent xmlns:mc="http://schemas.openxmlformats.org/markup-compatibility/2006" xmlns:a14="http://schemas.microsoft.com/office/drawing/2010/main">
-          <mc:Choice Requires="a14">
-            <p:sp>
-              <p:nvSpPr>
-                <p:cNvPr id="336" name="TextBox 335"/>
-                <p:cNvSpPr txBox="1"/>
-                <p:nvPr/>
-              </p:nvSpPr>
-              <p:spPr>
-                <a:xfrm>
-                  <a:off x="133975" y="56347"/>
-                  <a:ext cx="468077" cy="430887"/>
-                </a:xfrm>
-                <a:prstGeom prst="rect">
-                  <a:avLst/>
-                </a:prstGeom>
-                <a:noFill/>
-              </p:spPr>
-              <p:txBody>
-                <a:bodyPr wrap="none" lIns="0" tIns="0" rIns="0" bIns="0" rtlCol="0">
-                  <a:spAutoFit/>
-                </a:bodyPr>
-                <a:lstStyle/>
-                <a:p>
-                  <a:pPr/>
-                  <a14:m>
-                    <m:oMathPara xmlns:m="http://schemas.openxmlformats.org/officeDocument/2006/math">
-                      <m:oMathParaPr>
-                        <m:jc m:val="centerGroup"/>
-                      </m:oMathParaPr>
-                      <m:oMath xmlns:m="http://schemas.openxmlformats.org/officeDocument/2006/math">
-                        <m:r>
-                          <m:rPr>
-                            <m:sty m:val="p"/>
-                          </m:rPr>
-                          <a:rPr lang="en-US" sz="2800" b="0" i="0" smtClean="0">
-                            <a:latin typeface="Cambria Math" panose="02040503050406030204" pitchFamily="18" charset="0"/>
-                          </a:rPr>
-                          <m:t>Tx</m:t>
-                        </m:r>
-                      </m:oMath>
-                    </m:oMathPara>
-                  </a14:m>
-                  <a:endParaRPr lang="en-US" sz="2800" dirty="0"/>
-                </a:p>
-              </p:txBody>
-            </p:sp>
-          </mc:Choice>
-          <mc:Fallback xmlns="">
-            <p:sp>
-              <p:nvSpPr>
-                <p:cNvPr id="336" name="TextBox 335"/>
-                <p:cNvSpPr txBox="1">
-                  <a:spLocks noRot="1" noChangeAspect="1" noMove="1" noResize="1" noEditPoints="1" noAdjustHandles="1" noChangeArrowheads="1" noChangeShapeType="1" noTextEdit="1"/>
-                </p:cNvSpPr>
-                <p:nvPr/>
-              </p:nvSpPr>
-              <p:spPr>
-                <a:xfrm>
-                  <a:off x="133975" y="56347"/>
-                  <a:ext cx="468077" cy="430887"/>
-                </a:xfrm>
-                <a:prstGeom prst="rect">
-                  <a:avLst/>
-                </a:prstGeom>
-                <a:blipFill>
-                  <a:blip r:embed="rId10"/>
-                  <a:stretch>
-                    <a:fillRect/>
-                  </a:stretch>
-                </a:blipFill>
-              </p:spPr>
-              <p:txBody>
-                <a:bodyPr/>
-                <a:lstStyle/>
-                <a:p>
-                  <a:r>
-                    <a:rPr lang="en-US">
-                      <a:noFill/>
-                    </a:rPr>
-                    <a:t> </a:t>
-                  </a:r>
-                </a:p>
-              </p:txBody>
-            </p:sp>
-          </mc:Fallback>
-        </mc:AlternateContent>
-        <mc:AlternateContent xmlns:mc="http://schemas.openxmlformats.org/markup-compatibility/2006" xmlns:a14="http://schemas.microsoft.com/office/drawing/2010/main">
-          <mc:Choice Requires="a14">
-            <p:sp>
-              <p:nvSpPr>
-                <p:cNvPr id="337" name="TextBox 336"/>
-                <p:cNvSpPr txBox="1"/>
-                <p:nvPr/>
-              </p:nvSpPr>
-              <p:spPr>
-                <a:xfrm>
-                  <a:off x="6676176" y="56347"/>
-                  <a:ext cx="477695" cy="430887"/>
-                </a:xfrm>
-                <a:prstGeom prst="rect">
-                  <a:avLst/>
-                </a:prstGeom>
-                <a:noFill/>
-              </p:spPr>
-              <p:txBody>
-                <a:bodyPr wrap="none" lIns="0" tIns="0" rIns="0" bIns="0" rtlCol="0">
-                  <a:spAutoFit/>
-                </a:bodyPr>
-                <a:lstStyle/>
-                <a:p>
-                  <a:pPr/>
-                  <a14:m>
-                    <m:oMathPara xmlns:m="http://schemas.openxmlformats.org/officeDocument/2006/math">
-                      <m:oMathParaPr>
-                        <m:jc m:val="centerGroup"/>
-                      </m:oMathParaPr>
-                      <m:oMath xmlns:m="http://schemas.openxmlformats.org/officeDocument/2006/math">
-                        <m:r>
-                          <m:rPr>
-                            <m:sty m:val="p"/>
-                          </m:rPr>
-                          <a:rPr lang="en-US" sz="2800">
-                            <a:latin typeface="Cambria Math" panose="02040503050406030204" pitchFamily="18" charset="0"/>
-                          </a:rPr>
-                          <m:t>R</m:t>
-                        </m:r>
-                        <m:r>
-                          <m:rPr>
-                            <m:sty m:val="p"/>
-                          </m:rPr>
-                          <a:rPr lang="en-US" sz="2800" b="0" i="0" smtClean="0">
-                            <a:latin typeface="Cambria Math" panose="02040503050406030204" pitchFamily="18" charset="0"/>
-                          </a:rPr>
-                          <m:t>x</m:t>
-                        </m:r>
-                      </m:oMath>
-                    </m:oMathPara>
-                  </a14:m>
-                  <a:endParaRPr lang="en-US" sz="2800" dirty="0"/>
-                </a:p>
-              </p:txBody>
-            </p:sp>
-          </mc:Choice>
-          <mc:Fallback xmlns="">
-            <p:sp>
-              <p:nvSpPr>
-                <p:cNvPr id="337" name="TextBox 336"/>
-                <p:cNvSpPr txBox="1">
-                  <a:spLocks noRot="1" noChangeAspect="1" noMove="1" noResize="1" noEditPoints="1" noAdjustHandles="1" noChangeArrowheads="1" noChangeShapeType="1" noTextEdit="1"/>
-                </p:cNvSpPr>
-                <p:nvPr/>
-              </p:nvSpPr>
-              <p:spPr>
-                <a:xfrm>
-                  <a:off x="6676176" y="56347"/>
-                  <a:ext cx="477695" cy="430887"/>
-                </a:xfrm>
-                <a:prstGeom prst="rect">
-                  <a:avLst/>
-                </a:prstGeom>
-                <a:blipFill>
-                  <a:blip r:embed="rId11"/>
-                  <a:stretch>
-                    <a:fillRect/>
-                  </a:stretch>
-                </a:blipFill>
-              </p:spPr>
-              <p:txBody>
-                <a:bodyPr/>
-                <a:lstStyle/>
-                <a:p>
-                  <a:r>
-                    <a:rPr lang="en-US">
-                      <a:noFill/>
-                    </a:rPr>
-                    <a:t> </a:t>
-                  </a:r>
-                </a:p>
-              </p:txBody>
-            </p:sp>
-          </mc:Fallback>
-        </mc:AlternateContent>
-        <p:cxnSp>
-          <p:nvCxnSpPr>
-            <p:cNvPr id="351" name="Straight Connector 350"/>
-            <p:cNvCxnSpPr/>
-            <p:nvPr/>
-          </p:nvCxnSpPr>
-          <p:spPr>
-            <a:xfrm>
-              <a:off x="2462855" y="5627821"/>
-              <a:ext cx="172694" cy="3796"/>
-            </a:xfrm>
-            <a:prstGeom prst="line">
-              <a:avLst/>
-            </a:prstGeom>
-            <a:ln w="28575"/>
-          </p:spPr>
-          <p:style>
-            <a:lnRef idx="1">
-              <a:schemeClr val="accent1"/>
-            </a:lnRef>
-            <a:fillRef idx="0">
-              <a:schemeClr val="accent1"/>
-            </a:fillRef>
-            <a:effectRef idx="0">
-              <a:schemeClr val="accent1"/>
-            </a:effectRef>
-            <a:fontRef idx="minor">
-              <a:schemeClr val="tx1"/>
-            </a:fontRef>
-          </p:style>
-        </p:cxnSp>
-        <mc:AlternateContent xmlns:mc="http://schemas.openxmlformats.org/markup-compatibility/2006" xmlns:a14="http://schemas.microsoft.com/office/drawing/2010/main">
-          <mc:Choice Requires="a14">
-            <p:sp>
-              <p:nvSpPr>
-                <p:cNvPr id="363" name="Rectangle 362"/>
-                <p:cNvSpPr/>
-                <p:nvPr/>
-              </p:nvSpPr>
-              <p:spPr>
-                <a:xfrm>
-                  <a:off x="1038653" y="1677685"/>
-                  <a:ext cx="623889" cy="369332"/>
-                </a:xfrm>
-                <a:prstGeom prst="rect">
-                  <a:avLst/>
-                </a:prstGeom>
-              </p:spPr>
-              <p:txBody>
-                <a:bodyPr wrap="none">
-                  <a:spAutoFit/>
-                </a:bodyPr>
-                <a:lstStyle/>
-                <a:p>
-                  <a:pPr/>
-                  <a14:m>
-                    <m:oMathPara xmlns:m="http://schemas.openxmlformats.org/officeDocument/2006/math">
-                      <m:oMathParaPr>
-                        <m:jc m:val="centerGroup"/>
-                      </m:oMathParaPr>
-                      <m:oMath xmlns:m="http://schemas.openxmlformats.org/officeDocument/2006/math">
-                        <m:r>
-                          <m:rPr>
-                            <m:sty m:val="p"/>
-                          </m:rPr>
-                          <a:rPr lang="en-US" b="0" i="0" smtClean="0">
-                            <a:latin typeface="Cambria Math" panose="02040503050406030204" pitchFamily="18" charset="0"/>
-                          </a:rPr>
-                          <m:t>PBS</m:t>
-                        </m:r>
-                      </m:oMath>
-                    </m:oMathPara>
-                  </a14:m>
-                  <a:endParaRPr lang="en-US" dirty="0"/>
-                </a:p>
-              </p:txBody>
-            </p:sp>
-          </mc:Choice>
-          <mc:Fallback xmlns="">
-            <p:sp>
-              <p:nvSpPr>
-                <p:cNvPr id="363" name="Rectangle 362"/>
-                <p:cNvSpPr>
-                  <a:spLocks noRot="1" noChangeAspect="1" noMove="1" noResize="1" noEditPoints="1" noAdjustHandles="1" noChangeArrowheads="1" noChangeShapeType="1" noTextEdit="1"/>
-                </p:cNvSpPr>
-                <p:nvPr/>
-              </p:nvSpPr>
-              <p:spPr>
-                <a:xfrm>
-                  <a:off x="1038653" y="1677685"/>
-                  <a:ext cx="623889" cy="369332"/>
-                </a:xfrm>
-                <a:prstGeom prst="rect">
-                  <a:avLst/>
-                </a:prstGeom>
-                <a:blipFill>
-                  <a:blip r:embed="rId12"/>
-                  <a:stretch>
-                    <a:fillRect/>
-                  </a:stretch>
-                </a:blipFill>
-              </p:spPr>
-              <p:txBody>
-                <a:bodyPr/>
-                <a:lstStyle/>
-                <a:p>
-                  <a:r>
-                    <a:rPr lang="en-US">
-                      <a:noFill/>
-                    </a:rPr>
-                    <a:t> </a:t>
-                  </a:r>
-                </a:p>
-              </p:txBody>
-            </p:sp>
-          </mc:Fallback>
-        </mc:AlternateContent>
-        <mc:AlternateContent xmlns:mc="http://schemas.openxmlformats.org/markup-compatibility/2006" xmlns:a14="http://schemas.microsoft.com/office/drawing/2010/main">
-          <mc:Choice Requires="a14">
-            <p:sp>
-              <p:nvSpPr>
-                <p:cNvPr id="364" name="Rectangle 363"/>
-                <p:cNvSpPr/>
-                <p:nvPr/>
-              </p:nvSpPr>
-              <p:spPr>
-                <a:xfrm>
-                  <a:off x="4965857" y="1092090"/>
-                  <a:ext cx="639919" cy="369332"/>
-                </a:xfrm>
-                <a:prstGeom prst="rect">
-                  <a:avLst/>
-                </a:prstGeom>
-              </p:spPr>
-              <p:txBody>
-                <a:bodyPr wrap="none">
-                  <a:spAutoFit/>
-                </a:bodyPr>
-                <a:lstStyle/>
-                <a:p>
-                  <a:pPr/>
-                  <a14:m>
-                    <m:oMathPara xmlns:m="http://schemas.openxmlformats.org/officeDocument/2006/math">
-                      <m:oMathParaPr>
-                        <m:jc m:val="centerGroup"/>
-                      </m:oMathParaPr>
-                      <m:oMath xmlns:m="http://schemas.openxmlformats.org/officeDocument/2006/math">
-                        <m:r>
-                          <m:rPr>
-                            <m:sty m:val="p"/>
-                          </m:rPr>
-                          <a:rPr lang="en-US" b="0" i="0" smtClean="0">
-                            <a:latin typeface="Cambria Math" panose="02040503050406030204" pitchFamily="18" charset="0"/>
-                          </a:rPr>
-                          <m:t>PBC</m:t>
-                        </m:r>
-                      </m:oMath>
-                    </m:oMathPara>
-                  </a14:m>
-                  <a:endParaRPr lang="en-US" dirty="0"/>
-                </a:p>
-              </p:txBody>
-            </p:sp>
-          </mc:Choice>
-          <mc:Fallback xmlns="">
-            <p:sp>
-              <p:nvSpPr>
-                <p:cNvPr id="364" name="Rectangle 363"/>
-                <p:cNvSpPr>
-                  <a:spLocks noRot="1" noChangeAspect="1" noMove="1" noResize="1" noEditPoints="1" noAdjustHandles="1" noChangeArrowheads="1" noChangeShapeType="1" noTextEdit="1"/>
-                </p:cNvSpPr>
-                <p:nvPr/>
-              </p:nvSpPr>
-              <p:spPr>
-                <a:xfrm>
-                  <a:off x="4965857" y="1092090"/>
-                  <a:ext cx="639919" cy="369332"/>
-                </a:xfrm>
-                <a:prstGeom prst="rect">
-                  <a:avLst/>
-                </a:prstGeom>
-                <a:blipFill>
-                  <a:blip r:embed="rId13"/>
-                  <a:stretch>
-                    <a:fillRect/>
-                  </a:stretch>
-                </a:blipFill>
-              </p:spPr>
-              <p:txBody>
-                <a:bodyPr/>
-                <a:lstStyle/>
-                <a:p>
-                  <a:r>
-                    <a:rPr lang="en-US">
-                      <a:noFill/>
-                    </a:rPr>
-                    <a:t> </a:t>
-                  </a:r>
-                </a:p>
-              </p:txBody>
-            </p:sp>
-          </mc:Fallback>
-        </mc:AlternateContent>
-        <mc:AlternateContent xmlns:mc="http://schemas.openxmlformats.org/markup-compatibility/2006" xmlns:a14="http://schemas.microsoft.com/office/drawing/2010/main">
-          <mc:Choice Requires="a14">
-            <p:sp>
-              <p:nvSpPr>
-                <p:cNvPr id="365" name="Rectangle 364"/>
-                <p:cNvSpPr/>
-                <p:nvPr/>
-              </p:nvSpPr>
-              <p:spPr>
-                <a:xfrm>
-                  <a:off x="6688934" y="1386220"/>
-                  <a:ext cx="623889" cy="369332"/>
-                </a:xfrm>
-                <a:prstGeom prst="rect">
-                  <a:avLst/>
-                </a:prstGeom>
-              </p:spPr>
-              <p:txBody>
-                <a:bodyPr wrap="none">
-                  <a:spAutoFit/>
-                </a:bodyPr>
-                <a:lstStyle/>
-                <a:p>
-                  <a:pPr/>
-                  <a14:m>
-                    <m:oMathPara xmlns:m="http://schemas.openxmlformats.org/officeDocument/2006/math">
-                      <m:oMathParaPr>
-                        <m:jc m:val="centerGroup"/>
-                      </m:oMathParaPr>
-                      <m:oMath xmlns:m="http://schemas.openxmlformats.org/officeDocument/2006/math">
-                        <m:r>
-                          <m:rPr>
-                            <m:sty m:val="p"/>
-                          </m:rPr>
-                          <a:rPr lang="en-US" b="0" i="0" smtClean="0">
-                            <a:latin typeface="Cambria Math" panose="02040503050406030204" pitchFamily="18" charset="0"/>
-                          </a:rPr>
-                          <m:t>PBS</m:t>
-                        </m:r>
-                      </m:oMath>
-                    </m:oMathPara>
-                  </a14:m>
-                  <a:endParaRPr lang="en-US" dirty="0"/>
-                </a:p>
-              </p:txBody>
-            </p:sp>
-          </mc:Choice>
-          <mc:Fallback xmlns="">
-            <p:sp>
-              <p:nvSpPr>
-                <p:cNvPr id="365" name="Rectangle 364"/>
-                <p:cNvSpPr>
-                  <a:spLocks noRot="1" noChangeAspect="1" noMove="1" noResize="1" noEditPoints="1" noAdjustHandles="1" noChangeArrowheads="1" noChangeShapeType="1" noTextEdit="1"/>
-                </p:cNvSpPr>
-                <p:nvPr/>
-              </p:nvSpPr>
-              <p:spPr>
-                <a:xfrm>
-                  <a:off x="6688934" y="1386220"/>
-                  <a:ext cx="623889" cy="369332"/>
-                </a:xfrm>
-                <a:prstGeom prst="rect">
-                  <a:avLst/>
-                </a:prstGeom>
-                <a:blipFill>
-                  <a:blip r:embed="rId14"/>
-                  <a:stretch>
-                    <a:fillRect/>
-                  </a:stretch>
-                </a:blipFill>
-              </p:spPr>
-              <p:txBody>
-                <a:bodyPr/>
-                <a:lstStyle/>
-                <a:p>
-                  <a:r>
-                    <a:rPr lang="en-US">
-                      <a:noFill/>
-                    </a:rPr>
-                    <a:t> </a:t>
-                  </a:r>
-                </a:p>
-              </p:txBody>
-            </p:sp>
-          </mc:Fallback>
-        </mc:AlternateContent>
-        <mc:AlternateContent xmlns:mc="http://schemas.openxmlformats.org/markup-compatibility/2006" xmlns:a14="http://schemas.microsoft.com/office/drawing/2010/main">
-          <mc:Choice Requires="a14">
-            <p:sp>
-              <p:nvSpPr>
-                <p:cNvPr id="366" name="Rectangle 365"/>
-                <p:cNvSpPr/>
-                <p:nvPr/>
-              </p:nvSpPr>
-              <p:spPr>
-                <a:xfrm>
-                  <a:off x="8273746" y="496284"/>
-                  <a:ext cx="1016624" cy="369332"/>
-                </a:xfrm>
-                <a:prstGeom prst="rect">
-                  <a:avLst/>
-                </a:prstGeom>
-              </p:spPr>
-              <p:txBody>
-                <a:bodyPr wrap="none">
-                  <a:spAutoFit/>
-                </a:bodyPr>
-                <a:lstStyle/>
-                <a:p>
-                  <a:pPr/>
-                  <a14:m>
-                    <m:oMathPara xmlns:m="http://schemas.openxmlformats.org/officeDocument/2006/math">
-                      <m:oMathParaPr>
-                        <m:jc m:val="centerGroup"/>
-                      </m:oMathParaPr>
-                      <m:oMath xmlns:m="http://schemas.openxmlformats.org/officeDocument/2006/math">
-                        <m:r>
-                          <m:rPr>
-                            <m:sty m:val="p"/>
-                          </m:rPr>
-                          <a:rPr lang="en-US" b="0" i="0" smtClean="0">
-                            <a:latin typeface="Cambria Math" panose="02040503050406030204" pitchFamily="18" charset="0"/>
-                          </a:rPr>
-                          <m:t>Coupler</m:t>
-                        </m:r>
-                      </m:oMath>
-                    </m:oMathPara>
-                  </a14:m>
-                  <a:endParaRPr lang="en-US" dirty="0"/>
-                </a:p>
-              </p:txBody>
-            </p:sp>
-          </mc:Choice>
-          <mc:Fallback xmlns="">
-            <p:sp>
-              <p:nvSpPr>
-                <p:cNvPr id="366" name="Rectangle 365"/>
-                <p:cNvSpPr>
-                  <a:spLocks noRot="1" noChangeAspect="1" noMove="1" noResize="1" noEditPoints="1" noAdjustHandles="1" noChangeArrowheads="1" noChangeShapeType="1" noTextEdit="1"/>
-                </p:cNvSpPr>
-                <p:nvPr/>
-              </p:nvSpPr>
-              <p:spPr>
-                <a:xfrm>
-                  <a:off x="8273746" y="496284"/>
-                  <a:ext cx="1016624" cy="369332"/>
-                </a:xfrm>
-                <a:prstGeom prst="rect">
-                  <a:avLst/>
-                </a:prstGeom>
-                <a:blipFill>
-                  <a:blip r:embed="rId15"/>
-                  <a:stretch>
-                    <a:fillRect b="-13115"/>
-                  </a:stretch>
-                </a:blipFill>
-              </p:spPr>
-              <p:txBody>
-                <a:bodyPr/>
-                <a:lstStyle/>
-                <a:p>
-                  <a:r>
-                    <a:rPr lang="en-US">
-                      <a:noFill/>
-                    </a:rPr>
-                    <a:t> </a:t>
-                  </a:r>
-                </a:p>
-              </p:txBody>
-            </p:sp>
-          </mc:Fallback>
-        </mc:AlternateContent>
-        <p:cxnSp>
-          <p:nvCxnSpPr>
-            <p:cNvPr id="368" name="Straight Arrow Connector 367"/>
-            <p:cNvCxnSpPr>
-              <a:endCxn id="261" idx="0"/>
-            </p:cNvCxnSpPr>
-            <p:nvPr/>
-          </p:nvCxnSpPr>
-          <p:spPr>
-            <a:xfrm flipH="1">
-              <a:off x="8111662" y="833476"/>
-              <a:ext cx="730567" cy="790152"/>
-            </a:xfrm>
-            <a:prstGeom prst="straightConnector1">
-              <a:avLst/>
-            </a:prstGeom>
-            <a:ln w="28575">
-              <a:tailEnd type="triangle"/>
-            </a:ln>
-          </p:spPr>
-          <p:style>
-            <a:lnRef idx="1">
-              <a:schemeClr val="accent1"/>
-            </a:lnRef>
-            <a:fillRef idx="0">
-              <a:schemeClr val="accent1"/>
-            </a:fillRef>
-            <a:effectRef idx="0">
-              <a:schemeClr val="accent1"/>
-            </a:effectRef>
-            <a:fontRef idx="minor">
-              <a:schemeClr val="tx1"/>
-            </a:fontRef>
-          </p:style>
-        </p:cxnSp>
-        <mc:AlternateContent xmlns:mc="http://schemas.openxmlformats.org/markup-compatibility/2006" xmlns:a14="http://schemas.microsoft.com/office/drawing/2010/main">
-          <mc:Choice Requires="a14">
-            <p:sp>
-              <p:nvSpPr>
-                <p:cNvPr id="369" name="Rectangle 368"/>
-                <p:cNvSpPr/>
-                <p:nvPr/>
-              </p:nvSpPr>
-              <p:spPr>
-                <a:xfrm>
-                  <a:off x="8213003" y="4405408"/>
-                  <a:ext cx="1721945" cy="369332"/>
-                </a:xfrm>
-                <a:prstGeom prst="rect">
-                  <a:avLst/>
-                </a:prstGeom>
-              </p:spPr>
-              <p:txBody>
-                <a:bodyPr wrap="none">
-                  <a:spAutoFit/>
-                </a:bodyPr>
-                <a:lstStyle/>
-                <a:p>
-                  <a:pPr/>
-                  <a14:m>
-                    <m:oMathPara xmlns:m="http://schemas.openxmlformats.org/officeDocument/2006/math">
-                      <m:oMathParaPr>
-                        <m:jc m:val="centerGroup"/>
-                      </m:oMathParaPr>
-                      <m:oMath xmlns:m="http://schemas.openxmlformats.org/officeDocument/2006/math">
-                        <m:r>
-                          <m:rPr>
-                            <m:sty m:val="p"/>
-                          </m:rPr>
-                          <a:rPr lang="en-US" b="0" i="0" smtClean="0">
-                            <a:latin typeface="Cambria Math" panose="02040503050406030204" pitchFamily="18" charset="0"/>
-                          </a:rPr>
-                          <m:t>Photo</m:t>
-                        </m:r>
-                        <m:r>
-                          <a:rPr lang="en-US" b="0" i="0" smtClean="0">
-                            <a:latin typeface="Cambria Math" panose="02040503050406030204" pitchFamily="18" charset="0"/>
-                          </a:rPr>
-                          <m:t> </m:t>
-                        </m:r>
-                        <m:r>
-                          <m:rPr>
-                            <m:sty m:val="p"/>
-                          </m:rPr>
-                          <a:rPr lang="en-US" b="0" i="0" smtClean="0">
-                            <a:latin typeface="Cambria Math" panose="02040503050406030204" pitchFamily="18" charset="0"/>
-                          </a:rPr>
-                          <m:t>Detector</m:t>
-                        </m:r>
-                      </m:oMath>
-                    </m:oMathPara>
-                  </a14:m>
-                  <a:endParaRPr lang="en-US" dirty="0"/>
-                </a:p>
-              </p:txBody>
-            </p:sp>
-          </mc:Choice>
-          <mc:Fallback xmlns="">
-            <p:sp>
-              <p:nvSpPr>
-                <p:cNvPr id="369" name="Rectangle 368"/>
-                <p:cNvSpPr>
-                  <a:spLocks noRot="1" noChangeAspect="1" noMove="1" noResize="1" noEditPoints="1" noAdjustHandles="1" noChangeArrowheads="1" noChangeShapeType="1" noTextEdit="1"/>
-                </p:cNvSpPr>
-                <p:nvPr/>
-              </p:nvSpPr>
-              <p:spPr>
-                <a:xfrm>
-                  <a:off x="8213003" y="4405408"/>
-                  <a:ext cx="1721945" cy="369332"/>
-                </a:xfrm>
-                <a:prstGeom prst="rect">
-                  <a:avLst/>
-                </a:prstGeom>
-                <a:blipFill>
-                  <a:blip r:embed="rId16"/>
-                  <a:stretch>
-                    <a:fillRect/>
-                  </a:stretch>
-                </a:blipFill>
-              </p:spPr>
-              <p:txBody>
-                <a:bodyPr/>
-                <a:lstStyle/>
-                <a:p>
-                  <a:r>
-                    <a:rPr lang="en-US">
-                      <a:noFill/>
-                    </a:rPr>
-                    <a:t> </a:t>
-                  </a:r>
-                </a:p>
-              </p:txBody>
-            </p:sp>
-          </mc:Fallback>
-        </mc:AlternateContent>
-        <p:cxnSp>
-          <p:nvCxnSpPr>
-            <p:cNvPr id="371" name="Straight Arrow Connector 370"/>
-            <p:cNvCxnSpPr>
-              <a:endCxn id="244" idx="3"/>
-            </p:cNvCxnSpPr>
-            <p:nvPr/>
-          </p:nvCxnSpPr>
-          <p:spPr>
-            <a:xfrm flipH="1" flipV="1">
-              <a:off x="8699415" y="3537194"/>
-              <a:ext cx="374560" cy="868214"/>
-            </a:xfrm>
-            <a:prstGeom prst="straightConnector1">
-              <a:avLst/>
-            </a:prstGeom>
-            <a:ln w="28575">
-              <a:tailEnd type="triangle"/>
-            </a:ln>
-          </p:spPr>
-          <p:style>
-            <a:lnRef idx="1">
-              <a:schemeClr val="accent1"/>
-            </a:lnRef>
-            <a:fillRef idx="0">
-              <a:schemeClr val="accent1"/>
-            </a:fillRef>
-            <a:effectRef idx="0">
-              <a:schemeClr val="accent1"/>
-            </a:effectRef>
-            <a:fontRef idx="minor">
-              <a:schemeClr val="tx1"/>
-            </a:fontRef>
-          </p:style>
-        </p:cxnSp>
-        <p:grpSp>
-          <p:nvGrpSpPr>
-            <p:cNvPr id="406" name="Group 405"/>
-            <p:cNvGrpSpPr/>
-            <p:nvPr/>
-          </p:nvGrpSpPr>
-          <p:grpSpPr>
-            <a:xfrm>
-              <a:off x="245706" y="5212871"/>
-              <a:ext cx="2217686" cy="811494"/>
-              <a:chOff x="247922" y="5204698"/>
-              <a:chExt cx="2217686" cy="811494"/>
-            </a:xfrm>
-          </p:grpSpPr>
-          <p:pic>
-            <p:nvPicPr>
-              <p:cNvPr id="285" name="Picture 284"/>
-              <p:cNvPicPr>
-                <a:picLocks noChangeAspect="1"/>
-              </p:cNvPicPr>
-              <p:nvPr/>
-            </p:nvPicPr>
-            <p:blipFill>
-              <a:blip r:embed="rId17" cstate="print">
-                <a:extLst>
-                  <a:ext uri="{28A0092B-C50C-407E-A947-70E740481C1C}">
-                    <a14:useLocalDpi xmlns:a14="http://schemas.microsoft.com/office/drawing/2010/main" val="0"/>
-                  </a:ext>
-                </a:extLst>
-              </a:blip>
-              <a:stretch>
-                <a:fillRect/>
-              </a:stretch>
-            </p:blipFill>
-            <p:spPr>
-              <a:xfrm>
-                <a:off x="247922" y="5204698"/>
-                <a:ext cx="764628" cy="811494"/>
-              </a:xfrm>
-              <a:prstGeom prst="rect">
-                <a:avLst/>
-              </a:prstGeom>
-            </p:spPr>
-          </p:pic>
-          <p:pic>
-            <p:nvPicPr>
-              <p:cNvPr id="286" name="Picture 285"/>
-              <p:cNvPicPr>
-                <a:picLocks noChangeAspect="1"/>
-              </p:cNvPicPr>
-              <p:nvPr/>
-            </p:nvPicPr>
-            <p:blipFill>
-              <a:blip r:embed="rId18" cstate="print">
-                <a:extLst>
-                  <a:ext uri="{28A0092B-C50C-407E-A947-70E740481C1C}">
-                    <a14:useLocalDpi xmlns:a14="http://schemas.microsoft.com/office/drawing/2010/main" val="0"/>
-                  </a:ext>
-                </a:extLst>
-              </a:blip>
-              <a:stretch>
-                <a:fillRect/>
-              </a:stretch>
-            </p:blipFill>
-            <p:spPr>
-              <a:xfrm>
-                <a:off x="1207825" y="5464436"/>
-                <a:ext cx="516182" cy="306176"/>
-              </a:xfrm>
-              <a:prstGeom prst="rect">
-                <a:avLst/>
-              </a:prstGeom>
-            </p:spPr>
-          </p:pic>
-          <p:grpSp>
-            <p:nvGrpSpPr>
-              <p:cNvPr id="293" name="Group 292"/>
-              <p:cNvGrpSpPr/>
-              <p:nvPr/>
-            </p:nvGrpSpPr>
-            <p:grpSpPr>
-              <a:xfrm>
-                <a:off x="1910474" y="5332933"/>
-                <a:ext cx="555134" cy="284591"/>
-                <a:chOff x="1486638" y="5388767"/>
-                <a:chExt cx="605218" cy="184792"/>
-              </a:xfrm>
-            </p:grpSpPr>
-            <p:grpSp>
-              <p:nvGrpSpPr>
-                <p:cNvPr id="294" name="Group 293"/>
-                <p:cNvGrpSpPr/>
-                <p:nvPr/>
-              </p:nvGrpSpPr>
-              <p:grpSpPr>
-                <a:xfrm>
-                  <a:off x="1523412" y="5388767"/>
-                  <a:ext cx="552482" cy="180947"/>
-                  <a:chOff x="3627999" y="2101158"/>
-                  <a:chExt cx="552482" cy="180947"/>
-                </a:xfrm>
-              </p:grpSpPr>
-              <p:sp>
-                <p:nvSpPr>
-                  <p:cNvPr id="296" name="Oval 295"/>
-                  <p:cNvSpPr/>
-                  <p:nvPr/>
-                </p:nvSpPr>
-                <p:spPr>
-                  <a:xfrm>
-                    <a:off x="3627999" y="2105659"/>
-                    <a:ext cx="178585" cy="176446"/>
-                  </a:xfrm>
-                  <a:prstGeom prst="ellipse">
-                    <a:avLst/>
-                  </a:prstGeom>
-                  <a:ln w="28575"/>
-                </p:spPr>
-                <p:style>
-                  <a:lnRef idx="2">
-                    <a:schemeClr val="dk1"/>
-                  </a:lnRef>
-                  <a:fillRef idx="1">
-                    <a:schemeClr val="lt1"/>
-                  </a:fillRef>
-                  <a:effectRef idx="0">
-                    <a:schemeClr val="dk1"/>
-                  </a:effectRef>
-                  <a:fontRef idx="minor">
-                    <a:schemeClr val="dk1"/>
-                  </a:fontRef>
-                </p:style>
-                <p:txBody>
-                  <a:bodyPr rtlCol="0" anchor="ctr"/>
-                  <a:lstStyle/>
-                  <a:p>
-                    <a:pPr algn="ctr"/>
-                    <a:endParaRPr lang="en-US"/>
-                  </a:p>
-                </p:txBody>
-              </p:sp>
-              <p:sp>
-                <p:nvSpPr>
-                  <p:cNvPr id="297" name="Oval 296"/>
-                  <p:cNvSpPr/>
-                  <p:nvPr/>
-                </p:nvSpPr>
-                <p:spPr>
-                  <a:xfrm>
-                    <a:off x="3815759" y="2105659"/>
-                    <a:ext cx="178585" cy="176446"/>
-                  </a:xfrm>
-                  <a:prstGeom prst="ellipse">
-                    <a:avLst/>
-                  </a:prstGeom>
-                  <a:ln w="28575"/>
-                </p:spPr>
-                <p:style>
-                  <a:lnRef idx="2">
-                    <a:schemeClr val="dk1"/>
-                  </a:lnRef>
-                  <a:fillRef idx="1">
-                    <a:schemeClr val="lt1"/>
-                  </a:fillRef>
-                  <a:effectRef idx="0">
-                    <a:schemeClr val="dk1"/>
-                  </a:effectRef>
-                  <a:fontRef idx="minor">
-                    <a:schemeClr val="dk1"/>
-                  </a:fontRef>
-                </p:style>
-                <p:txBody>
-                  <a:bodyPr rtlCol="0" anchor="ctr"/>
-                  <a:lstStyle/>
-                  <a:p>
-                    <a:pPr algn="ctr"/>
-                    <a:endParaRPr lang="en-US"/>
-                  </a:p>
-                </p:txBody>
-              </p:sp>
-              <p:sp>
-                <p:nvSpPr>
-                  <p:cNvPr id="298" name="Oval 297"/>
-                  <p:cNvSpPr/>
-                  <p:nvPr/>
-                </p:nvSpPr>
-                <p:spPr>
-                  <a:xfrm>
-                    <a:off x="4001896" y="2101158"/>
-                    <a:ext cx="178585" cy="176446"/>
-                  </a:xfrm>
-                  <a:prstGeom prst="ellipse">
-                    <a:avLst/>
-                  </a:prstGeom>
-                  <a:ln w="28575"/>
-                </p:spPr>
-                <p:style>
-                  <a:lnRef idx="2">
-                    <a:schemeClr val="dk1"/>
-                  </a:lnRef>
-                  <a:fillRef idx="1">
-                    <a:schemeClr val="lt1"/>
-                  </a:fillRef>
-                  <a:effectRef idx="0">
-                    <a:schemeClr val="dk1"/>
-                  </a:effectRef>
-                  <a:fontRef idx="minor">
-                    <a:schemeClr val="dk1"/>
-                  </a:fontRef>
-                </p:style>
-                <p:txBody>
-                  <a:bodyPr rtlCol="0" anchor="ctr"/>
-                  <a:lstStyle/>
-                  <a:p>
-                    <a:pPr algn="ctr"/>
-                    <a:endParaRPr lang="en-US"/>
-                  </a:p>
-                </p:txBody>
-              </p:sp>
-            </p:grpSp>
-            <p:cxnSp>
-              <p:nvCxnSpPr>
-                <p:cNvPr id="295" name="Straight Connector 294"/>
-                <p:cNvCxnSpPr/>
-                <p:nvPr/>
-              </p:nvCxnSpPr>
-              <p:spPr>
-                <a:xfrm flipV="1">
-                  <a:off x="1486638" y="5573558"/>
-                  <a:ext cx="605218" cy="1"/>
-                </a:xfrm>
-                <a:prstGeom prst="line">
-                  <a:avLst/>
-                </a:prstGeom>
-                <a:ln w="28575"/>
-              </p:spPr>
-              <p:style>
-                <a:lnRef idx="1">
-                  <a:schemeClr val="dk1"/>
-                </a:lnRef>
-                <a:fillRef idx="0">
-                  <a:schemeClr val="dk1"/>
-                </a:fillRef>
-                <a:effectRef idx="0">
-                  <a:schemeClr val="dk1"/>
-                </a:effectRef>
-                <a:fontRef idx="minor">
-                  <a:schemeClr val="tx1"/>
-                </a:fontRef>
-              </p:style>
-            </p:cxnSp>
-          </p:grpSp>
-          <p:cxnSp>
-            <p:nvCxnSpPr>
-              <p:cNvPr id="399" name="Straight Arrow Connector 398"/>
-              <p:cNvCxnSpPr>
-                <a:endCxn id="286" idx="1"/>
-              </p:cNvCxnSpPr>
-              <p:nvPr/>
-            </p:nvCxnSpPr>
-            <p:spPr>
-              <a:xfrm>
-                <a:off x="1012550" y="5617524"/>
-                <a:ext cx="195275" cy="0"/>
-              </a:xfrm>
-              <a:prstGeom prst="straightConnector1">
-                <a:avLst/>
-              </a:prstGeom>
-              <a:ln w="28575">
-                <a:tailEnd type="triangle"/>
-              </a:ln>
-            </p:spPr>
-            <p:style>
-              <a:lnRef idx="1">
-                <a:schemeClr val="accent1"/>
-              </a:lnRef>
-              <a:fillRef idx="0">
-                <a:schemeClr val="accent1"/>
-              </a:fillRef>
-              <a:effectRef idx="0">
-                <a:schemeClr val="accent1"/>
-              </a:effectRef>
-              <a:fontRef idx="minor">
-                <a:schemeClr val="tx1"/>
-              </a:fontRef>
-            </p:style>
-          </p:cxnSp>
-          <p:cxnSp>
-            <p:nvCxnSpPr>
-              <p:cNvPr id="401" name="Straight Connector 400"/>
-              <p:cNvCxnSpPr>
-                <a:stCxn id="286" idx="3"/>
-              </p:cNvCxnSpPr>
-              <p:nvPr/>
-            </p:nvCxnSpPr>
-            <p:spPr>
-              <a:xfrm>
-                <a:off x="1724007" y="5617524"/>
-                <a:ext cx="186467" cy="0"/>
-              </a:xfrm>
-              <a:prstGeom prst="line">
-                <a:avLst/>
-              </a:prstGeom>
-              <a:ln w="28575"/>
-            </p:spPr>
-            <p:style>
-              <a:lnRef idx="1">
-                <a:schemeClr val="accent1"/>
-              </a:lnRef>
-              <a:fillRef idx="0">
-                <a:schemeClr val="accent1"/>
-              </a:fillRef>
-              <a:effectRef idx="0">
-                <a:schemeClr val="accent1"/>
-              </a:effectRef>
-              <a:fontRef idx="minor">
-                <a:schemeClr val="tx1"/>
-              </a:fontRef>
-            </p:style>
-          </p:cxnSp>
-        </p:grpSp>
-      </p:grpSp>
+            </a:solidFill>
+          </a:ln>
+        </p:spPr>
+        <p:style>
+          <a:lnRef idx="1">
+            <a:schemeClr val="accent1"/>
+          </a:lnRef>
+          <a:fillRef idx="0">
+            <a:schemeClr val="accent1"/>
+          </a:fillRef>
+          <a:effectRef idx="0">
+            <a:schemeClr val="accent1"/>
+          </a:effectRef>
+          <a:fontRef idx="minor">
+            <a:schemeClr val="tx1"/>
+          </a:fontRef>
+        </p:style>
+      </p:cxnSp>
       <mc:AlternateContent xmlns:mc="http://schemas.openxmlformats.org/markup-compatibility/2006" xmlns:a14="http://schemas.microsoft.com/office/drawing/2010/main">
         <mc:Choice Requires="a14">
           <p:sp>
@@ -6316,6 +4892,9 @@
               <a:prstGeom prst="rect">
                 <a:avLst/>
               </a:prstGeom>
+              <a:ln w="19050">
+                <a:noFill/>
+              </a:ln>
             </p:spPr>
             <p:txBody>
               <a:bodyPr wrap="none">
@@ -6370,6 +4949,9 @@
                   <a:fillRect/>
                 </a:stretch>
               </a:blipFill>
+              <a:ln w="19050">
+                <a:noFill/>
+              </a:ln>
             </p:spPr>
             <p:txBody>
               <a:bodyPr/>
@@ -6402,6 +4984,9 @@
               <a:prstGeom prst="rect">
                 <a:avLst/>
               </a:prstGeom>
+              <a:ln w="19050">
+                <a:noFill/>
+              </a:ln>
             </p:spPr>
             <p:txBody>
               <a:bodyPr wrap="none">
@@ -6465,6 +5050,9 @@
                   <a:fillRect/>
                 </a:stretch>
               </a:blipFill>
+              <a:ln w="19050">
+                <a:noFill/>
+              </a:ln>
             </p:spPr>
             <p:txBody>
               <a:bodyPr/>
@@ -6491,12 +5079,15 @@
             </p:nvSpPr>
             <p:spPr>
               <a:xfrm>
-                <a:off x="955340" y="5180434"/>
+                <a:off x="964083" y="5130322"/>
                 <a:ext cx="1005403" cy="369332"/>
               </a:xfrm>
               <a:prstGeom prst="rect">
                 <a:avLst/>
               </a:prstGeom>
+              <a:ln w="19050">
+                <a:noFill/>
+              </a:ln>
             </p:spPr>
             <p:txBody>
               <a:bodyPr wrap="none">
@@ -6539,7 +5130,7 @@
             </p:nvSpPr>
             <p:spPr>
               <a:xfrm>
-                <a:off x="955340" y="5180434"/>
+                <a:off x="964083" y="5130322"/>
                 <a:ext cx="1005403" cy="369332"/>
               </a:xfrm>
               <a:prstGeom prst="rect">
@@ -6551,6 +5142,9 @@
                   <a:fillRect/>
                 </a:stretch>
               </a:blipFill>
+              <a:ln w="19050">
+                <a:noFill/>
+              </a:ln>
             </p:spPr>
             <p:txBody>
               <a:bodyPr/>
@@ -6567,6 +5161,1793 @@
           </p:sp>
         </mc:Fallback>
       </mc:AlternateContent>
+      <p:sp>
+        <p:nvSpPr>
+          <p:cNvPr id="2" name="Rounded Rectangle 1"/>
+          <p:cNvSpPr/>
+          <p:nvPr/>
+        </p:nvSpPr>
+        <p:spPr>
+          <a:xfrm>
+            <a:off x="3747861" y="398233"/>
+            <a:ext cx="1009650" cy="393625"/>
+          </a:xfrm>
+          <a:prstGeom prst="roundRect">
+            <a:avLst/>
+          </a:prstGeom>
+          <a:ln w="19050">
+            <a:solidFill>
+              <a:schemeClr val="tx1"/>
+            </a:solidFill>
+          </a:ln>
+        </p:spPr>
+        <p:style>
+          <a:lnRef idx="2">
+            <a:schemeClr val="dk1"/>
+          </a:lnRef>
+          <a:fillRef idx="1">
+            <a:schemeClr val="lt1"/>
+          </a:fillRef>
+          <a:effectRef idx="0">
+            <a:schemeClr val="dk1"/>
+          </a:effectRef>
+          <a:fontRef idx="minor">
+            <a:schemeClr val="dk1"/>
+          </a:fontRef>
+        </p:style>
+        <p:txBody>
+          <a:bodyPr rtlCol="0" anchor="ctr"/>
+          <a:lstStyle/>
+          <a:p>
+            <a:pPr algn="ctr"/>
+            <a:r>
+              <a:rPr lang="en-US" sz="1200" dirty="0"/>
+              <a:t>AWG</a:t>
+            </a:r>
+          </a:p>
+          <a:p>
+            <a:pPr algn="ctr"/>
+            <a:r>
+              <a:rPr lang="en-US" sz="1200" b="1" dirty="0"/>
+              <a:t>I</a:t>
+            </a:r>
+            <a:r>
+              <a:rPr lang="en-US" sz="1200" dirty="0"/>
+              <a:t>            </a:t>
+            </a:r>
+            <a:r>
+              <a:rPr lang="en-US" sz="1200" b="1" dirty="0" smtClean="0"/>
+              <a:t>Q</a:t>
+            </a:r>
+            <a:endParaRPr lang="en-US" sz="1200" b="1" dirty="0"/>
+          </a:p>
+        </p:txBody>
+      </p:sp>
+      <p:cxnSp>
+        <p:nvCxnSpPr>
+          <p:cNvPr id="7" name="Straight Arrow Connector 6"/>
+          <p:cNvCxnSpPr>
+            <a:stCxn id="157" idx="3"/>
+            <a:endCxn id="2" idx="1"/>
+          </p:cNvCxnSpPr>
+          <p:nvPr/>
+        </p:nvCxnSpPr>
+        <p:spPr>
+          <a:xfrm>
+            <a:off x="3043768" y="594623"/>
+            <a:ext cx="704093" cy="423"/>
+          </a:xfrm>
+          <a:prstGeom prst="straightConnector1">
+            <a:avLst/>
+          </a:prstGeom>
+          <a:ln w="19050">
+            <a:solidFill>
+              <a:schemeClr val="tx1"/>
+            </a:solidFill>
+            <a:tailEnd type="triangle"/>
+          </a:ln>
+        </p:spPr>
+        <p:style>
+          <a:lnRef idx="1">
+            <a:schemeClr val="dk1"/>
+          </a:lnRef>
+          <a:fillRef idx="0">
+            <a:schemeClr val="dk1"/>
+          </a:fillRef>
+          <a:effectRef idx="0">
+            <a:schemeClr val="dk1"/>
+          </a:effectRef>
+          <a:fontRef idx="minor">
+            <a:schemeClr val="tx1"/>
+          </a:fontRef>
+        </p:style>
+      </p:cxnSp>
+      <p:sp>
+        <p:nvSpPr>
+          <p:cNvPr id="91" name="Rounded Rectangle 90"/>
+          <p:cNvSpPr/>
+          <p:nvPr/>
+        </p:nvSpPr>
+        <p:spPr>
+          <a:xfrm>
+            <a:off x="3747861" y="1144044"/>
+            <a:ext cx="1009649" cy="564403"/>
+          </a:xfrm>
+          <a:prstGeom prst="roundRect">
+            <a:avLst/>
+          </a:prstGeom>
+          <a:ln w="19050">
+            <a:solidFill>
+              <a:schemeClr val="tx1"/>
+            </a:solidFill>
+          </a:ln>
+        </p:spPr>
+        <p:style>
+          <a:lnRef idx="2">
+            <a:schemeClr val="dk1"/>
+          </a:lnRef>
+          <a:fillRef idx="1">
+            <a:schemeClr val="lt1"/>
+          </a:fillRef>
+          <a:effectRef idx="0">
+            <a:schemeClr val="dk1"/>
+          </a:effectRef>
+          <a:fontRef idx="minor">
+            <a:schemeClr val="dk1"/>
+          </a:fontRef>
+        </p:style>
+        <p:txBody>
+          <a:bodyPr rtlCol="0" anchor="ctr"/>
+          <a:lstStyle/>
+          <a:p>
+            <a:pPr algn="ctr"/>
+            <a:r>
+              <a:rPr lang="en-US" sz="1200" b="1" dirty="0"/>
+              <a:t>Dual Polarization IQ Mod</a:t>
+            </a:r>
+            <a:r>
+              <a:rPr lang="en-US" sz="1200" b="1" dirty="0" smtClean="0"/>
+              <a:t>.</a:t>
+            </a:r>
+            <a:endParaRPr lang="en-US" sz="1200" b="1" dirty="0"/>
+          </a:p>
+        </p:txBody>
+      </p:sp>
+      <p:sp>
+        <p:nvSpPr>
+          <p:cNvPr id="92" name="Rounded Rectangle 91"/>
+          <p:cNvSpPr/>
+          <p:nvPr/>
+        </p:nvSpPr>
+        <p:spPr>
+          <a:xfrm>
+            <a:off x="3747861" y="2025096"/>
+            <a:ext cx="1009649" cy="564403"/>
+          </a:xfrm>
+          <a:prstGeom prst="roundRect">
+            <a:avLst/>
+          </a:prstGeom>
+          <a:ln w="19050">
+            <a:solidFill>
+              <a:schemeClr val="tx1"/>
+            </a:solidFill>
+          </a:ln>
+        </p:spPr>
+        <p:style>
+          <a:lnRef idx="2">
+            <a:schemeClr val="dk1"/>
+          </a:lnRef>
+          <a:fillRef idx="1">
+            <a:schemeClr val="lt1"/>
+          </a:fillRef>
+          <a:effectRef idx="0">
+            <a:schemeClr val="dk1"/>
+          </a:effectRef>
+          <a:fontRef idx="minor">
+            <a:schemeClr val="dk1"/>
+          </a:fontRef>
+        </p:style>
+        <p:txBody>
+          <a:bodyPr rtlCol="0" anchor="ctr"/>
+          <a:lstStyle/>
+          <a:p>
+            <a:pPr algn="ctr"/>
+            <a:r>
+              <a:rPr lang="en-US" sz="1200" b="1" dirty="0"/>
+              <a:t>Dual Polarization IQ Mod</a:t>
+            </a:r>
+            <a:r>
+              <a:rPr lang="en-US" sz="1200" b="1" dirty="0" smtClean="0"/>
+              <a:t>.</a:t>
+            </a:r>
+            <a:endParaRPr lang="en-US" sz="1200" b="1" dirty="0"/>
+          </a:p>
+        </p:txBody>
+      </p:sp>
+      <p:sp>
+        <p:nvSpPr>
+          <p:cNvPr id="93" name="Rounded Rectangle 92"/>
+          <p:cNvSpPr/>
+          <p:nvPr/>
+        </p:nvSpPr>
+        <p:spPr>
+          <a:xfrm>
+            <a:off x="3750081" y="2915005"/>
+            <a:ext cx="1009650" cy="393625"/>
+          </a:xfrm>
+          <a:prstGeom prst="roundRect">
+            <a:avLst/>
+          </a:prstGeom>
+          <a:ln w="19050">
+            <a:solidFill>
+              <a:schemeClr val="tx1"/>
+            </a:solidFill>
+          </a:ln>
+        </p:spPr>
+        <p:style>
+          <a:lnRef idx="2">
+            <a:schemeClr val="dk1"/>
+          </a:lnRef>
+          <a:fillRef idx="1">
+            <a:schemeClr val="lt1"/>
+          </a:fillRef>
+          <a:effectRef idx="0">
+            <a:schemeClr val="dk1"/>
+          </a:effectRef>
+          <a:fontRef idx="minor">
+            <a:schemeClr val="dk1"/>
+          </a:fontRef>
+        </p:style>
+        <p:txBody>
+          <a:bodyPr rtlCol="0" anchor="ctr"/>
+          <a:lstStyle/>
+          <a:p>
+            <a:pPr algn="ctr"/>
+            <a:r>
+              <a:rPr lang="en-US" sz="1200" b="1" dirty="0" smtClean="0"/>
+              <a:t>I</a:t>
+            </a:r>
+            <a:r>
+              <a:rPr lang="en-US" sz="1200" dirty="0" smtClean="0"/>
+              <a:t>            </a:t>
+            </a:r>
+            <a:r>
+              <a:rPr lang="en-US" sz="1200" b="1" dirty="0" smtClean="0"/>
+              <a:t>Q</a:t>
+            </a:r>
+          </a:p>
+          <a:p>
+            <a:pPr algn="ctr"/>
+            <a:r>
+              <a:rPr lang="en-US" sz="1200" dirty="0" smtClean="0"/>
+              <a:t>AWG</a:t>
+            </a:r>
+            <a:endParaRPr lang="en-US" sz="1200" dirty="0"/>
+          </a:p>
+        </p:txBody>
+      </p:sp>
+      <p:grpSp>
+        <p:nvGrpSpPr>
+          <p:cNvPr id="3" name="Group 2"/>
+          <p:cNvGrpSpPr/>
+          <p:nvPr/>
+        </p:nvGrpSpPr>
+        <p:grpSpPr>
+          <a:xfrm>
+            <a:off x="6392169" y="52343"/>
+            <a:ext cx="5657581" cy="6644441"/>
+            <a:chOff x="6392169" y="52344"/>
+            <a:chExt cx="5657581" cy="6644441"/>
+          </a:xfrm>
+        </p:grpSpPr>
+        <mc:AlternateContent xmlns:mc="http://schemas.openxmlformats.org/markup-compatibility/2006">
+          <mc:Choice xmlns:a14="http://schemas.microsoft.com/office/drawing/2010/main" Requires="a14">
+            <p:sp>
+              <p:nvSpPr>
+                <p:cNvPr id="105" name="Rectangle 104"/>
+                <p:cNvSpPr/>
+                <p:nvPr/>
+              </p:nvSpPr>
+              <p:spPr>
+                <a:xfrm>
+                  <a:off x="6472941" y="52344"/>
+                  <a:ext cx="5576809" cy="6644441"/>
+                </a:xfrm>
+                <a:prstGeom prst="rect">
+                  <a:avLst/>
+                </a:prstGeom>
+                <a:solidFill>
+                  <a:schemeClr val="lt1">
+                    <a:alpha val="0"/>
+                  </a:schemeClr>
+                </a:solidFill>
+                <a:ln w="19050">
+                  <a:solidFill>
+                    <a:schemeClr val="tx1"/>
+                  </a:solidFill>
+                  <a:prstDash val="sysDot"/>
+                </a:ln>
+              </p:spPr>
+              <p:style>
+                <a:lnRef idx="2">
+                  <a:schemeClr val="dk1"/>
+                </a:lnRef>
+                <a:fillRef idx="1">
+                  <a:schemeClr val="lt1"/>
+                </a:fillRef>
+                <a:effectRef idx="0">
+                  <a:schemeClr val="dk1"/>
+                </a:effectRef>
+                <a:fontRef idx="minor">
+                  <a:schemeClr val="dk1"/>
+                </a:fontRef>
+              </p:style>
+              <p:txBody>
+                <a:bodyPr rtlCol="0" anchor="ctr"/>
+                <a:lstStyle/>
+                <a:p>
+                  <a:pPr/>
+                  <a14:m>
+                    <m:oMathPara xmlns:m="http://schemas.openxmlformats.org/officeDocument/2006/math">
+                      <m:oMathParaPr>
+                        <m:jc m:val="centerGroup"/>
+                      </m:oMathParaPr>
+                      <m:oMath xmlns:m="http://schemas.openxmlformats.org/officeDocument/2006/math">
+                        <m:r>
+                          <m:rPr>
+                            <m:sty m:val="p"/>
+                          </m:rPr>
+                          <a:rPr lang="en-US">
+                            <a:latin typeface="Cambria Math" panose="02040503050406030204" pitchFamily="18" charset="0"/>
+                          </a:rPr>
+                          <m:t>Tx</m:t>
+                        </m:r>
+                      </m:oMath>
+                    </m:oMathPara>
+                  </a14:m>
+                  <a:endParaRPr lang="en-US" dirty="0"/>
+                </a:p>
+              </p:txBody>
+            </p:sp>
+          </mc:Choice>
+          <mc:Fallback>
+            <p:sp>
+              <p:nvSpPr>
+                <p:cNvPr id="105" name="Rectangle 104"/>
+                <p:cNvSpPr>
+                  <a:spLocks noRot="1" noChangeAspect="1" noMove="1" noResize="1" noEditPoints="1" noAdjustHandles="1" noChangeArrowheads="1" noChangeShapeType="1" noTextEdit="1"/>
+                </p:cNvSpPr>
+                <p:nvPr/>
+              </p:nvSpPr>
+              <p:spPr>
+                <a:xfrm>
+                  <a:off x="6472941" y="52344"/>
+                  <a:ext cx="5576809" cy="6644441"/>
+                </a:xfrm>
+                <a:prstGeom prst="rect">
+                  <a:avLst/>
+                </a:prstGeom>
+                <a:blipFill>
+                  <a:blip r:embed="rId22"/>
+                  <a:stretch>
+                    <a:fillRect/>
+                  </a:stretch>
+                </a:blipFill>
+                <a:ln w="19050">
+                  <a:solidFill>
+                    <a:schemeClr val="tx1"/>
+                  </a:solidFill>
+                  <a:prstDash val="sysDot"/>
+                </a:ln>
+              </p:spPr>
+              <p:txBody>
+                <a:bodyPr/>
+                <a:lstStyle/>
+                <a:p>
+                  <a:r>
+                    <a:rPr lang="en-US">
+                      <a:noFill/>
+                    </a:rPr>
+                    <a:t> </a:t>
+                  </a:r>
+                </a:p>
+              </p:txBody>
+            </p:sp>
+          </mc:Fallback>
+        </mc:AlternateContent>
+        <p:pic>
+          <p:nvPicPr>
+            <p:cNvPr id="202" name="Picture 201"/>
+            <p:cNvPicPr>
+              <a:picLocks noChangeAspect="1"/>
+            </p:cNvPicPr>
+            <p:nvPr/>
+          </p:nvPicPr>
+          <p:blipFill>
+            <a:blip r:embed="rId5" cstate="print">
+              <a:extLst>
+                <a:ext uri="{28A0092B-C50C-407E-A947-70E740481C1C}">
+                  <a14:useLocalDpi xmlns:a14="http://schemas.microsoft.com/office/drawing/2010/main" val="0"/>
+                </a:ext>
+              </a:extLst>
+            </a:blip>
+            <a:stretch>
+              <a:fillRect/>
+            </a:stretch>
+          </p:blipFill>
+          <p:spPr>
+            <a:xfrm>
+              <a:off x="6842829" y="1713416"/>
+              <a:ext cx="297181" cy="297181"/>
+            </a:xfrm>
+            <a:prstGeom prst="rect">
+              <a:avLst/>
+            </a:prstGeom>
+            <a:ln w="19050">
+              <a:noFill/>
+            </a:ln>
+          </p:spPr>
+        </p:pic>
+        <p:cxnSp>
+          <p:nvCxnSpPr>
+            <p:cNvPr id="192" name="Straight Arrow Connector 191"/>
+            <p:cNvCxnSpPr>
+              <a:endCxn id="202" idx="1"/>
+            </p:cNvCxnSpPr>
+            <p:nvPr/>
+          </p:nvCxnSpPr>
+          <p:spPr>
+            <a:xfrm>
+              <a:off x="6392169" y="1862006"/>
+              <a:ext cx="450660" cy="1"/>
+            </a:xfrm>
+            <a:prstGeom prst="straightConnector1">
+              <a:avLst/>
+            </a:prstGeom>
+            <a:ln w="19050">
+              <a:solidFill>
+                <a:schemeClr val="tx1"/>
+              </a:solidFill>
+              <a:tailEnd type="triangle"/>
+            </a:ln>
+          </p:spPr>
+          <p:style>
+            <a:lnRef idx="1">
+              <a:schemeClr val="accent1"/>
+            </a:lnRef>
+            <a:fillRef idx="0">
+              <a:schemeClr val="accent1"/>
+            </a:fillRef>
+            <a:effectRef idx="0">
+              <a:schemeClr val="accent1"/>
+            </a:effectRef>
+            <a:fontRef idx="minor">
+              <a:schemeClr val="tx1"/>
+            </a:fontRef>
+          </p:style>
+        </p:cxnSp>
+        <p:cxnSp>
+          <p:nvCxnSpPr>
+            <p:cNvPr id="194" name="Straight Arrow Connector 193"/>
+            <p:cNvCxnSpPr>
+              <a:stCxn id="202" idx="3"/>
+            </p:cNvCxnSpPr>
+            <p:nvPr/>
+          </p:nvCxnSpPr>
+          <p:spPr>
+            <a:xfrm flipV="1">
+              <a:off x="7140010" y="1862006"/>
+              <a:ext cx="858659" cy="1"/>
+            </a:xfrm>
+            <a:prstGeom prst="straightConnector1">
+              <a:avLst/>
+            </a:prstGeom>
+            <a:ln w="19050">
+              <a:solidFill>
+                <a:schemeClr val="tx1"/>
+              </a:solidFill>
+              <a:tailEnd type="triangle"/>
+            </a:ln>
+          </p:spPr>
+          <p:style>
+            <a:lnRef idx="1">
+              <a:schemeClr val="accent1"/>
+            </a:lnRef>
+            <a:fillRef idx="0">
+              <a:schemeClr val="accent1"/>
+            </a:fillRef>
+            <a:effectRef idx="0">
+              <a:schemeClr val="accent1"/>
+            </a:effectRef>
+            <a:fontRef idx="minor">
+              <a:schemeClr val="tx1"/>
+            </a:fontRef>
+          </p:style>
+        </p:cxnSp>
+        <p:cxnSp>
+          <p:nvCxnSpPr>
+            <p:cNvPr id="199" name="Elbow Connector 198"/>
+            <p:cNvCxnSpPr>
+              <a:stCxn id="202" idx="2"/>
+            </p:cNvCxnSpPr>
+            <p:nvPr/>
+          </p:nvCxnSpPr>
+          <p:spPr>
+            <a:xfrm rot="16200000" flipH="1">
+              <a:off x="6977322" y="2024695"/>
+              <a:ext cx="1051394" cy="1023198"/>
+            </a:xfrm>
+            <a:prstGeom prst="bentConnector3">
+              <a:avLst>
+                <a:gd name="adj1" fmla="val 99827"/>
+              </a:avLst>
+            </a:prstGeom>
+            <a:ln w="19050">
+              <a:solidFill>
+                <a:schemeClr val="tx1"/>
+              </a:solidFill>
+              <a:tailEnd type="triangle"/>
+            </a:ln>
+          </p:spPr>
+          <p:style>
+            <a:lnRef idx="1">
+              <a:schemeClr val="accent1"/>
+            </a:lnRef>
+            <a:fillRef idx="0">
+              <a:schemeClr val="accent1"/>
+            </a:fillRef>
+            <a:effectRef idx="0">
+              <a:schemeClr val="accent1"/>
+            </a:effectRef>
+            <a:fontRef idx="minor">
+              <a:schemeClr val="tx1"/>
+            </a:fontRef>
+          </p:style>
+        </p:cxnSp>
+        <p:cxnSp>
+          <p:nvCxnSpPr>
+            <p:cNvPr id="237" name="Straight Arrow Connector 236"/>
+            <p:cNvCxnSpPr>
+              <a:endCxn id="244" idx="2"/>
+            </p:cNvCxnSpPr>
+            <p:nvPr/>
+          </p:nvCxnSpPr>
+          <p:spPr>
+            <a:xfrm>
+              <a:off x="8211284" y="3247239"/>
+              <a:ext cx="337418" cy="5"/>
+            </a:xfrm>
+            <a:prstGeom prst="straightConnector1">
+              <a:avLst/>
+            </a:prstGeom>
+            <a:ln w="19050">
+              <a:solidFill>
+                <a:schemeClr val="tx1"/>
+              </a:solidFill>
+              <a:tailEnd type="triangle"/>
+            </a:ln>
+          </p:spPr>
+          <p:style>
+            <a:lnRef idx="2">
+              <a:schemeClr val="dk1"/>
+            </a:lnRef>
+            <a:fillRef idx="1">
+              <a:schemeClr val="lt1"/>
+            </a:fillRef>
+            <a:effectRef idx="0">
+              <a:schemeClr val="dk1"/>
+            </a:effectRef>
+            <a:fontRef idx="minor">
+              <a:schemeClr val="dk1"/>
+            </a:fontRef>
+          </p:style>
+        </p:cxnSp>
+        <p:pic>
+          <p:nvPicPr>
+            <p:cNvPr id="243" name="Picture 242"/>
+            <p:cNvPicPr>
+              <a:picLocks noChangeAspect="1"/>
+            </p:cNvPicPr>
+            <p:nvPr/>
+          </p:nvPicPr>
+          <p:blipFill>
+            <a:blip r:embed="rId23" cstate="print">
+              <a:extLst>
+                <a:ext uri="{28A0092B-C50C-407E-A947-70E740481C1C}">
+                  <a14:useLocalDpi xmlns:a14="http://schemas.microsoft.com/office/drawing/2010/main" val="0"/>
+                </a:ext>
+              </a:extLst>
+            </a:blip>
+            <a:stretch>
+              <a:fillRect/>
+            </a:stretch>
+          </p:blipFill>
+          <p:spPr>
+            <a:xfrm rot="5400000" flipV="1">
+              <a:off x="8412718" y="1876913"/>
+              <a:ext cx="579903" cy="307931"/>
+            </a:xfrm>
+            <a:prstGeom prst="rect">
+              <a:avLst/>
+            </a:prstGeom>
+            <a:ln w="19050">
+              <a:solidFill>
+                <a:schemeClr val="tx1"/>
+              </a:solidFill>
+            </a:ln>
+          </p:spPr>
+          <p:style>
+            <a:lnRef idx="2">
+              <a:schemeClr val="dk1"/>
+            </a:lnRef>
+            <a:fillRef idx="1">
+              <a:schemeClr val="lt1"/>
+            </a:fillRef>
+            <a:effectRef idx="0">
+              <a:schemeClr val="dk1"/>
+            </a:effectRef>
+            <a:fontRef idx="minor">
+              <a:schemeClr val="dk1"/>
+            </a:fontRef>
+          </p:style>
+        </p:pic>
+        <p:pic>
+          <p:nvPicPr>
+            <p:cNvPr id="244" name="Picture 243"/>
+            <p:cNvPicPr>
+              <a:picLocks noChangeAspect="1"/>
+            </p:cNvPicPr>
+            <p:nvPr/>
+          </p:nvPicPr>
+          <p:blipFill>
+            <a:blip r:embed="rId24" cstate="print">
+              <a:extLst>
+                <a:ext uri="{28A0092B-C50C-407E-A947-70E740481C1C}">
+                  <a14:useLocalDpi xmlns:a14="http://schemas.microsoft.com/office/drawing/2010/main" val="0"/>
+                </a:ext>
+              </a:extLst>
+            </a:blip>
+            <a:stretch>
+              <a:fillRect/>
+            </a:stretch>
+          </p:blipFill>
+          <p:spPr>
+            <a:xfrm rot="5400000">
+              <a:off x="8409465" y="3096530"/>
+              <a:ext cx="579901" cy="301427"/>
+            </a:xfrm>
+            <a:prstGeom prst="rect">
+              <a:avLst/>
+            </a:prstGeom>
+            <a:ln w="19050">
+              <a:solidFill>
+                <a:schemeClr val="tx1"/>
+              </a:solidFill>
+            </a:ln>
+          </p:spPr>
+          <p:style>
+            <a:lnRef idx="2">
+              <a:schemeClr val="dk1"/>
+            </a:lnRef>
+            <a:fillRef idx="1">
+              <a:schemeClr val="lt1"/>
+            </a:fillRef>
+            <a:effectRef idx="0">
+              <a:schemeClr val="dk1"/>
+            </a:effectRef>
+            <a:fontRef idx="minor">
+              <a:schemeClr val="dk1"/>
+            </a:fontRef>
+          </p:style>
+        </p:pic>
+        <p:sp>
+          <p:nvSpPr>
+            <p:cNvPr id="245" name="Rectangle 244"/>
+            <p:cNvSpPr/>
+            <p:nvPr/>
+          </p:nvSpPr>
+          <p:spPr>
+            <a:xfrm>
+              <a:off x="8846181" y="1422697"/>
+              <a:ext cx="399490" cy="1216363"/>
+            </a:xfrm>
+            <a:prstGeom prst="rect">
+              <a:avLst/>
+            </a:prstGeom>
+            <a:ln w="19050">
+              <a:solidFill>
+                <a:schemeClr val="tx1"/>
+              </a:solidFill>
+            </a:ln>
+          </p:spPr>
+          <p:style>
+            <a:lnRef idx="2">
+              <a:schemeClr val="dk1"/>
+            </a:lnRef>
+            <a:fillRef idx="1">
+              <a:schemeClr val="lt1"/>
+            </a:fillRef>
+            <a:effectRef idx="0">
+              <a:schemeClr val="dk1"/>
+            </a:effectRef>
+            <a:fontRef idx="minor">
+              <a:schemeClr val="dk1"/>
+            </a:fontRef>
+          </p:style>
+          <p:txBody>
+            <a:bodyPr vert="vert270" rtlCol="0" anchor="ctr"/>
+            <a:lstStyle/>
+            <a:p>
+              <a:pPr algn="ctr"/>
+              <a:r>
+                <a:rPr lang="en-US" b="1" dirty="0" smtClean="0"/>
+                <a:t>ADC</a:t>
+              </a:r>
+              <a:endParaRPr lang="en-US" b="1" dirty="0"/>
+            </a:p>
+          </p:txBody>
+        </p:sp>
+        <p:sp>
+          <p:nvSpPr>
+            <p:cNvPr id="246" name="Rectangle 245"/>
+            <p:cNvSpPr/>
+            <p:nvPr/>
+          </p:nvSpPr>
+          <p:spPr>
+            <a:xfrm>
+              <a:off x="8842228" y="2639058"/>
+              <a:ext cx="403436" cy="1216366"/>
+            </a:xfrm>
+            <a:prstGeom prst="rect">
+              <a:avLst/>
+            </a:prstGeom>
+            <a:ln w="19050">
+              <a:solidFill>
+                <a:schemeClr val="tx1"/>
+              </a:solidFill>
+            </a:ln>
+          </p:spPr>
+          <p:style>
+            <a:lnRef idx="2">
+              <a:schemeClr val="dk1"/>
+            </a:lnRef>
+            <a:fillRef idx="1">
+              <a:schemeClr val="lt1"/>
+            </a:fillRef>
+            <a:effectRef idx="0">
+              <a:schemeClr val="dk1"/>
+            </a:effectRef>
+            <a:fontRef idx="minor">
+              <a:schemeClr val="dk1"/>
+            </a:fontRef>
+          </p:style>
+          <p:txBody>
+            <a:bodyPr vert="vert270" rtlCol="0" anchor="ctr"/>
+            <a:lstStyle/>
+            <a:p>
+              <a:pPr algn="ctr"/>
+              <a:r>
+                <a:rPr lang="en-US" b="1" dirty="0" smtClean="0"/>
+                <a:t>ADC</a:t>
+              </a:r>
+              <a:endParaRPr lang="en-US" b="1" dirty="0"/>
+            </a:p>
+          </p:txBody>
+        </p:sp>
+        <p:sp>
+          <p:nvSpPr>
+            <p:cNvPr id="249" name="Rectangle 248"/>
+            <p:cNvSpPr/>
+            <p:nvPr/>
+          </p:nvSpPr>
+          <p:spPr>
+            <a:xfrm>
+              <a:off x="9245669" y="1422699"/>
+              <a:ext cx="426642" cy="1216363"/>
+            </a:xfrm>
+            <a:prstGeom prst="rect">
+              <a:avLst/>
+            </a:prstGeom>
+            <a:ln w="19050">
+              <a:solidFill>
+                <a:schemeClr val="tx1"/>
+              </a:solidFill>
+            </a:ln>
+          </p:spPr>
+          <p:style>
+            <a:lnRef idx="2">
+              <a:schemeClr val="dk1"/>
+            </a:lnRef>
+            <a:fillRef idx="1">
+              <a:schemeClr val="lt1"/>
+            </a:fillRef>
+            <a:effectRef idx="0">
+              <a:schemeClr val="dk1"/>
+            </a:effectRef>
+            <a:fontRef idx="minor">
+              <a:schemeClr val="dk1"/>
+            </a:fontRef>
+          </p:style>
+          <p:txBody>
+            <a:bodyPr vert="vert270" rtlCol="0" anchor="ctr"/>
+            <a:lstStyle/>
+            <a:p>
+              <a:pPr algn="ctr"/>
+              <a:r>
+                <a:rPr lang="en-US" b="1" dirty="0" smtClean="0"/>
+                <a:t>KK-X</a:t>
+              </a:r>
+              <a:endParaRPr lang="en-US" b="1" dirty="0"/>
+            </a:p>
+          </p:txBody>
+        </p:sp>
+        <p:sp>
+          <p:nvSpPr>
+            <p:cNvPr id="250" name="Rectangle 249"/>
+            <p:cNvSpPr/>
+            <p:nvPr/>
+          </p:nvSpPr>
+          <p:spPr>
+            <a:xfrm>
+              <a:off x="9245665" y="2639060"/>
+              <a:ext cx="426649" cy="1216366"/>
+            </a:xfrm>
+            <a:prstGeom prst="rect">
+              <a:avLst/>
+            </a:prstGeom>
+            <a:ln w="19050">
+              <a:solidFill>
+                <a:schemeClr val="tx1"/>
+              </a:solidFill>
+            </a:ln>
+          </p:spPr>
+          <p:style>
+            <a:lnRef idx="2">
+              <a:schemeClr val="dk1"/>
+            </a:lnRef>
+            <a:fillRef idx="1">
+              <a:schemeClr val="lt1"/>
+            </a:fillRef>
+            <a:effectRef idx="0">
+              <a:schemeClr val="dk1"/>
+            </a:effectRef>
+            <a:fontRef idx="minor">
+              <a:schemeClr val="dk1"/>
+            </a:fontRef>
+          </p:style>
+          <p:txBody>
+            <a:bodyPr vert="vert270" rtlCol="0" anchor="ctr"/>
+            <a:lstStyle/>
+            <a:p>
+              <a:pPr algn="ctr"/>
+              <a:r>
+                <a:rPr lang="en-US" b="1" dirty="0" smtClean="0"/>
+                <a:t>KK-Y</a:t>
+              </a:r>
+              <a:endParaRPr lang="en-US" b="1" dirty="0"/>
+            </a:p>
+          </p:txBody>
+        </p:sp>
+        <mc:AlternateContent xmlns:mc="http://schemas.openxmlformats.org/markup-compatibility/2006">
+          <mc:Choice xmlns:a14="http://schemas.microsoft.com/office/drawing/2010/main" Requires="a14">
+            <p:sp>
+              <p:nvSpPr>
+                <p:cNvPr id="252" name="Rectangle 251"/>
+                <p:cNvSpPr/>
+                <p:nvPr/>
+              </p:nvSpPr>
+              <p:spPr>
+                <a:xfrm>
+                  <a:off x="9672311" y="2639058"/>
+                  <a:ext cx="403443" cy="1216366"/>
+                </a:xfrm>
+                <a:prstGeom prst="rect">
+                  <a:avLst/>
+                </a:prstGeom>
+                <a:ln w="19050">
+                  <a:solidFill>
+                    <a:schemeClr val="tx1"/>
+                  </a:solidFill>
+                </a:ln>
+              </p:spPr>
+              <p:style>
+                <a:lnRef idx="2">
+                  <a:schemeClr val="dk1"/>
+                </a:lnRef>
+                <a:fillRef idx="1">
+                  <a:schemeClr val="lt1"/>
+                </a:fillRef>
+                <a:effectRef idx="0">
+                  <a:schemeClr val="dk1"/>
+                </a:effectRef>
+                <a:fontRef idx="minor">
+                  <a:schemeClr val="dk1"/>
+                </a:fontRef>
+              </p:style>
+              <p:txBody>
+                <a:bodyPr vert="vert270" rtlCol="0" anchor="ctr"/>
+                <a:lstStyle/>
+                <a:p>
+                  <a:pPr algn="ctr"/>
+                  <a14:m>
+                    <m:oMathPara xmlns:m="http://schemas.openxmlformats.org/officeDocument/2006/math">
+                      <m:oMathParaPr>
+                        <m:jc m:val="centerGroup"/>
+                      </m:oMathParaPr>
+                      <m:oMath xmlns:m="http://schemas.openxmlformats.org/officeDocument/2006/math">
+                        <m:sSup>
+                          <m:sSupPr>
+                            <m:ctrlPr>
+                              <a:rPr lang="en-US" b="1" i="1" smtClean="0">
+                                <a:latin typeface="Cambria Math" panose="02040503050406030204" pitchFamily="18" charset="0"/>
+                              </a:rPr>
+                            </m:ctrlPr>
+                          </m:sSupPr>
+                          <m:e>
+                            <m:r>
+                              <a:rPr lang="en-US" b="1" i="0" smtClean="0">
+                                <a:latin typeface="Cambria Math" panose="02040503050406030204" pitchFamily="18" charset="0"/>
+                              </a:rPr>
+                              <m:t>𝐂𝐃</m:t>
+                            </m:r>
+                          </m:e>
+                          <m:sup>
+                            <m:r>
+                              <a:rPr lang="en-US" b="1" i="0" smtClean="0">
+                                <a:latin typeface="Cambria Math" panose="02040503050406030204" pitchFamily="18" charset="0"/>
+                              </a:rPr>
+                              <m:t>−</m:t>
+                            </m:r>
+                            <m:r>
+                              <a:rPr lang="en-US" b="1" i="0" smtClean="0">
+                                <a:latin typeface="Cambria Math" panose="02040503050406030204" pitchFamily="18" charset="0"/>
+                              </a:rPr>
+                              <m:t>𝟏</m:t>
+                            </m:r>
+                          </m:sup>
+                        </m:sSup>
+                      </m:oMath>
+                    </m:oMathPara>
+                  </a14:m>
+                  <a:endParaRPr lang="en-US" b="1" dirty="0"/>
+                </a:p>
+              </p:txBody>
+            </p:sp>
+          </mc:Choice>
+          <mc:Fallback>
+            <p:sp>
+              <p:nvSpPr>
+                <p:cNvPr id="252" name="Rectangle 251"/>
+                <p:cNvSpPr>
+                  <a:spLocks noRot="1" noChangeAspect="1" noMove="1" noResize="1" noEditPoints="1" noAdjustHandles="1" noChangeArrowheads="1" noChangeShapeType="1" noTextEdit="1"/>
+                </p:cNvSpPr>
+                <p:nvPr/>
+              </p:nvSpPr>
+              <p:spPr>
+                <a:xfrm>
+                  <a:off x="9672311" y="2639058"/>
+                  <a:ext cx="403443" cy="1216366"/>
+                </a:xfrm>
+                <a:prstGeom prst="rect">
+                  <a:avLst/>
+                </a:prstGeom>
+                <a:blipFill>
+                  <a:blip r:embed="rId25"/>
+                  <a:stretch>
+                    <a:fillRect/>
+                  </a:stretch>
+                </a:blipFill>
+                <a:ln w="19050">
+                  <a:solidFill>
+                    <a:schemeClr val="tx1"/>
+                  </a:solidFill>
+                </a:ln>
+              </p:spPr>
+              <p:txBody>
+                <a:bodyPr/>
+                <a:lstStyle/>
+                <a:p>
+                  <a:r>
+                    <a:rPr lang="en-US">
+                      <a:noFill/>
+                    </a:rPr>
+                    <a:t> </a:t>
+                  </a:r>
+                </a:p>
+              </p:txBody>
+            </p:sp>
+          </mc:Fallback>
+        </mc:AlternateContent>
+        <mc:AlternateContent xmlns:mc="http://schemas.openxmlformats.org/markup-compatibility/2006">
+          <mc:Choice xmlns:a14="http://schemas.microsoft.com/office/drawing/2010/main" Requires="a14">
+            <p:sp>
+              <p:nvSpPr>
+                <p:cNvPr id="253" name="Rectangle 252"/>
+                <p:cNvSpPr/>
+                <p:nvPr/>
+              </p:nvSpPr>
+              <p:spPr>
+                <a:xfrm>
+                  <a:off x="9672314" y="1422697"/>
+                  <a:ext cx="399490" cy="1216363"/>
+                </a:xfrm>
+                <a:prstGeom prst="rect">
+                  <a:avLst/>
+                </a:prstGeom>
+                <a:ln w="19050">
+                  <a:solidFill>
+                    <a:schemeClr val="tx1"/>
+                  </a:solidFill>
+                </a:ln>
+              </p:spPr>
+              <p:style>
+                <a:lnRef idx="2">
+                  <a:schemeClr val="dk1"/>
+                </a:lnRef>
+                <a:fillRef idx="1">
+                  <a:schemeClr val="lt1"/>
+                </a:fillRef>
+                <a:effectRef idx="0">
+                  <a:schemeClr val="dk1"/>
+                </a:effectRef>
+                <a:fontRef idx="minor">
+                  <a:schemeClr val="dk1"/>
+                </a:fontRef>
+              </p:style>
+              <p:txBody>
+                <a:bodyPr vert="vert270" rtlCol="0" anchor="ctr"/>
+                <a:lstStyle/>
+                <a:p>
+                  <a:pPr algn="ctr"/>
+                  <a14:m>
+                    <m:oMathPara xmlns:m="http://schemas.openxmlformats.org/officeDocument/2006/math">
+                      <m:oMathParaPr>
+                        <m:jc m:val="center"/>
+                      </m:oMathParaPr>
+                      <m:oMath xmlns:m="http://schemas.openxmlformats.org/officeDocument/2006/math">
+                        <m:sSup>
+                          <m:sSupPr>
+                            <m:ctrlPr>
+                              <a:rPr lang="en-US" b="1" i="1" smtClean="0">
+                                <a:latin typeface="Cambria Math" panose="02040503050406030204" pitchFamily="18" charset="0"/>
+                              </a:rPr>
+                            </m:ctrlPr>
+                          </m:sSupPr>
+                          <m:e>
+                            <m:r>
+                              <a:rPr lang="en-US" b="1" i="0" smtClean="0">
+                                <a:latin typeface="Cambria Math" panose="02040503050406030204" pitchFamily="18" charset="0"/>
+                              </a:rPr>
+                              <m:t>𝐂𝐃</m:t>
+                            </m:r>
+                          </m:e>
+                          <m:sup>
+                            <m:r>
+                              <a:rPr lang="en-US" b="1" i="0" smtClean="0">
+                                <a:latin typeface="Cambria Math" panose="02040503050406030204" pitchFamily="18" charset="0"/>
+                              </a:rPr>
+                              <m:t>−</m:t>
+                            </m:r>
+                            <m:r>
+                              <a:rPr lang="en-US" b="1" i="0" smtClean="0">
+                                <a:latin typeface="Cambria Math" panose="02040503050406030204" pitchFamily="18" charset="0"/>
+                              </a:rPr>
+                              <m:t>𝟏</m:t>
+                            </m:r>
+                          </m:sup>
+                        </m:sSup>
+                      </m:oMath>
+                    </m:oMathPara>
+                  </a14:m>
+                  <a:endParaRPr lang="en-US" b="1" dirty="0"/>
+                </a:p>
+              </p:txBody>
+            </p:sp>
+          </mc:Choice>
+          <mc:Fallback>
+            <p:sp>
+              <p:nvSpPr>
+                <p:cNvPr id="253" name="Rectangle 252"/>
+                <p:cNvSpPr>
+                  <a:spLocks noRot="1" noChangeAspect="1" noMove="1" noResize="1" noEditPoints="1" noAdjustHandles="1" noChangeArrowheads="1" noChangeShapeType="1" noTextEdit="1"/>
+                </p:cNvSpPr>
+                <p:nvPr/>
+              </p:nvSpPr>
+              <p:spPr>
+                <a:xfrm>
+                  <a:off x="9672314" y="1422697"/>
+                  <a:ext cx="399490" cy="1216363"/>
+                </a:xfrm>
+                <a:prstGeom prst="rect">
+                  <a:avLst/>
+                </a:prstGeom>
+                <a:blipFill>
+                  <a:blip r:embed="rId26"/>
+                  <a:stretch>
+                    <a:fillRect/>
+                  </a:stretch>
+                </a:blipFill>
+                <a:ln w="19050">
+                  <a:solidFill>
+                    <a:schemeClr val="tx1"/>
+                  </a:solidFill>
+                </a:ln>
+              </p:spPr>
+              <p:txBody>
+                <a:bodyPr/>
+                <a:lstStyle/>
+                <a:p>
+                  <a:r>
+                    <a:rPr lang="en-US">
+                      <a:noFill/>
+                    </a:rPr>
+                    <a:t> </a:t>
+                  </a:r>
+                </a:p>
+              </p:txBody>
+            </p:sp>
+          </mc:Fallback>
+        </mc:AlternateContent>
+        <p:cxnSp>
+          <p:nvCxnSpPr>
+            <p:cNvPr id="262" name="Straight Arrow Connector 261"/>
+            <p:cNvCxnSpPr>
+              <a:endCxn id="243" idx="0"/>
+            </p:cNvCxnSpPr>
+            <p:nvPr/>
+          </p:nvCxnSpPr>
+          <p:spPr>
+            <a:xfrm>
+              <a:off x="8208700" y="2030878"/>
+              <a:ext cx="340004" cy="2"/>
+            </a:xfrm>
+            <a:prstGeom prst="straightConnector1">
+              <a:avLst/>
+            </a:prstGeom>
+            <a:ln w="19050">
+              <a:solidFill>
+                <a:schemeClr val="tx1"/>
+              </a:solidFill>
+              <a:tailEnd type="triangle"/>
+            </a:ln>
+          </p:spPr>
+          <p:style>
+            <a:lnRef idx="2">
+              <a:schemeClr val="dk1"/>
+            </a:lnRef>
+            <a:fillRef idx="1">
+              <a:schemeClr val="lt1"/>
+            </a:fillRef>
+            <a:effectRef idx="0">
+              <a:schemeClr val="dk1"/>
+            </a:effectRef>
+            <a:fontRef idx="minor">
+              <a:schemeClr val="dk1"/>
+            </a:fontRef>
+          </p:style>
+        </p:cxnSp>
+        <p:sp>
+          <p:nvSpPr>
+            <p:cNvPr id="272" name="Rectangle 271"/>
+            <p:cNvSpPr/>
+            <p:nvPr/>
+          </p:nvSpPr>
+          <p:spPr>
+            <a:xfrm>
+              <a:off x="10071805" y="1422697"/>
+              <a:ext cx="728257" cy="2432727"/>
+            </a:xfrm>
+            <a:prstGeom prst="rect">
+              <a:avLst/>
+            </a:prstGeom>
+            <a:ln w="19050">
+              <a:solidFill>
+                <a:schemeClr val="tx1"/>
+              </a:solidFill>
+            </a:ln>
+          </p:spPr>
+          <p:style>
+            <a:lnRef idx="2">
+              <a:schemeClr val="dk1"/>
+            </a:lnRef>
+            <a:fillRef idx="1">
+              <a:schemeClr val="lt1"/>
+            </a:fillRef>
+            <a:effectRef idx="0">
+              <a:schemeClr val="dk1"/>
+            </a:effectRef>
+            <a:fontRef idx="minor">
+              <a:schemeClr val="dk1"/>
+            </a:fontRef>
+          </p:style>
+          <p:txBody>
+            <a:bodyPr vert="vert270" rtlCol="0" anchor="ctr"/>
+            <a:lstStyle/>
+            <a:p>
+              <a:pPr algn="ctr"/>
+              <a:r>
+                <a:rPr lang="en-US" b="1" dirty="0" smtClean="0"/>
+                <a:t>Stokes Pol-</a:t>
+              </a:r>
+              <a:r>
+                <a:rPr lang="en-US" b="1" dirty="0" err="1" smtClean="0"/>
+                <a:t>Demux</a:t>
+              </a:r>
+              <a:endParaRPr lang="en-US" b="1" dirty="0"/>
+            </a:p>
+          </p:txBody>
+        </p:sp>
+        <p:sp>
+          <p:nvSpPr>
+            <p:cNvPr id="276" name="Rectangle 275"/>
+            <p:cNvSpPr/>
+            <p:nvPr/>
+          </p:nvSpPr>
+          <p:spPr>
+            <a:xfrm>
+              <a:off x="11243696" y="1422697"/>
+              <a:ext cx="679620" cy="2432727"/>
+            </a:xfrm>
+            <a:prstGeom prst="rect">
+              <a:avLst/>
+            </a:prstGeom>
+            <a:ln w="19050">
+              <a:solidFill>
+                <a:schemeClr val="tx1"/>
+              </a:solidFill>
+            </a:ln>
+          </p:spPr>
+          <p:style>
+            <a:lnRef idx="2">
+              <a:schemeClr val="dk1"/>
+            </a:lnRef>
+            <a:fillRef idx="1">
+              <a:schemeClr val="lt1"/>
+            </a:fillRef>
+            <a:effectRef idx="0">
+              <a:schemeClr val="dk1"/>
+            </a:effectRef>
+            <a:fontRef idx="minor">
+              <a:schemeClr val="dk1"/>
+            </a:fontRef>
+          </p:style>
+          <p:txBody>
+            <a:bodyPr vert="vert270" rtlCol="0" anchor="ctr"/>
+            <a:lstStyle/>
+            <a:p>
+              <a:pPr algn="ctr"/>
+              <a:r>
+                <a:rPr lang="en-US" b="1" dirty="0" smtClean="0"/>
+                <a:t>Symbol Decoding</a:t>
+              </a:r>
+              <a:endParaRPr lang="en-US" b="1" dirty="0"/>
+            </a:p>
+          </p:txBody>
+        </p:sp>
+        <p:cxnSp>
+          <p:nvCxnSpPr>
+            <p:cNvPr id="279" name="Straight Arrow Connector 278"/>
+            <p:cNvCxnSpPr/>
+            <p:nvPr/>
+          </p:nvCxnSpPr>
+          <p:spPr>
+            <a:xfrm>
+              <a:off x="10800062" y="2030878"/>
+              <a:ext cx="443634" cy="0"/>
+            </a:xfrm>
+            <a:prstGeom prst="straightConnector1">
+              <a:avLst/>
+            </a:prstGeom>
+            <a:ln w="19050">
+              <a:solidFill>
+                <a:schemeClr val="tx1"/>
+              </a:solidFill>
+              <a:tailEnd type="triangle"/>
+            </a:ln>
+          </p:spPr>
+          <p:style>
+            <a:lnRef idx="2">
+              <a:schemeClr val="dk1"/>
+            </a:lnRef>
+            <a:fillRef idx="1">
+              <a:schemeClr val="lt1"/>
+            </a:fillRef>
+            <a:effectRef idx="0">
+              <a:schemeClr val="dk1"/>
+            </a:effectRef>
+            <a:fontRef idx="minor">
+              <a:schemeClr val="dk1"/>
+            </a:fontRef>
+          </p:style>
+        </p:cxnSp>
+        <p:cxnSp>
+          <p:nvCxnSpPr>
+            <p:cNvPr id="283" name="Straight Arrow Connector 282"/>
+            <p:cNvCxnSpPr/>
+            <p:nvPr/>
+          </p:nvCxnSpPr>
+          <p:spPr>
+            <a:xfrm>
+              <a:off x="10800062" y="3247239"/>
+              <a:ext cx="443634" cy="0"/>
+            </a:xfrm>
+            <a:prstGeom prst="straightConnector1">
+              <a:avLst/>
+            </a:prstGeom>
+            <a:ln w="19050">
+              <a:solidFill>
+                <a:schemeClr val="tx1"/>
+              </a:solidFill>
+              <a:tailEnd type="triangle"/>
+            </a:ln>
+          </p:spPr>
+          <p:style>
+            <a:lnRef idx="2">
+              <a:schemeClr val="dk1"/>
+            </a:lnRef>
+            <a:fillRef idx="1">
+              <a:schemeClr val="lt1"/>
+            </a:fillRef>
+            <a:effectRef idx="0">
+              <a:schemeClr val="dk1"/>
+            </a:effectRef>
+            <a:fontRef idx="minor">
+              <a:schemeClr val="dk1"/>
+            </a:fontRef>
+          </p:style>
+        </p:cxnSp>
+        <mc:AlternateContent xmlns:mc="http://schemas.openxmlformats.org/markup-compatibility/2006">
+          <mc:Choice xmlns:a14="http://schemas.microsoft.com/office/drawing/2010/main" Requires="a14">
+            <p:sp>
+              <p:nvSpPr>
+                <p:cNvPr id="365" name="Rectangle 364"/>
+                <p:cNvSpPr/>
+                <p:nvPr/>
+              </p:nvSpPr>
+              <p:spPr>
+                <a:xfrm>
+                  <a:off x="6688934" y="1386220"/>
+                  <a:ext cx="623889" cy="369332"/>
+                </a:xfrm>
+                <a:prstGeom prst="rect">
+                  <a:avLst/>
+                </a:prstGeom>
+                <a:ln w="19050">
+                  <a:noFill/>
+                </a:ln>
+              </p:spPr>
+              <p:txBody>
+                <a:bodyPr wrap="none">
+                  <a:spAutoFit/>
+                </a:bodyPr>
+                <a:lstStyle/>
+                <a:p>
+                  <a:pPr/>
+                  <a14:m>
+                    <m:oMathPara xmlns:m="http://schemas.openxmlformats.org/officeDocument/2006/math">
+                      <m:oMathParaPr>
+                        <m:jc m:val="centerGroup"/>
+                      </m:oMathParaPr>
+                      <m:oMath xmlns:m="http://schemas.openxmlformats.org/officeDocument/2006/math">
+                        <m:r>
+                          <m:rPr>
+                            <m:sty m:val="p"/>
+                          </m:rPr>
+                          <a:rPr lang="en-US" b="0" i="0" smtClean="0">
+                            <a:latin typeface="Cambria Math" panose="02040503050406030204" pitchFamily="18" charset="0"/>
+                          </a:rPr>
+                          <m:t>PBS</m:t>
+                        </m:r>
+                      </m:oMath>
+                    </m:oMathPara>
+                  </a14:m>
+                  <a:endParaRPr lang="en-US" dirty="0"/>
+                </a:p>
+              </p:txBody>
+            </p:sp>
+          </mc:Choice>
+          <mc:Fallback>
+            <p:sp>
+              <p:nvSpPr>
+                <p:cNvPr id="365" name="Rectangle 364"/>
+                <p:cNvSpPr>
+                  <a:spLocks noRot="1" noChangeAspect="1" noMove="1" noResize="1" noEditPoints="1" noAdjustHandles="1" noChangeArrowheads="1" noChangeShapeType="1" noTextEdit="1"/>
+                </p:cNvSpPr>
+                <p:nvPr/>
+              </p:nvSpPr>
+              <p:spPr>
+                <a:xfrm>
+                  <a:off x="6688934" y="1386220"/>
+                  <a:ext cx="623889" cy="369332"/>
+                </a:xfrm>
+                <a:prstGeom prst="rect">
+                  <a:avLst/>
+                </a:prstGeom>
+                <a:blipFill>
+                  <a:blip r:embed="rId27"/>
+                  <a:stretch>
+                    <a:fillRect/>
+                  </a:stretch>
+                </a:blipFill>
+                <a:ln w="19050">
+                  <a:noFill/>
+                </a:ln>
+              </p:spPr>
+              <p:txBody>
+                <a:bodyPr/>
+                <a:lstStyle/>
+                <a:p>
+                  <a:r>
+                    <a:rPr lang="en-US">
+                      <a:noFill/>
+                    </a:rPr>
+                    <a:t> </a:t>
+                  </a:r>
+                </a:p>
+              </p:txBody>
+            </p:sp>
+          </mc:Fallback>
+        </mc:AlternateContent>
+        <mc:AlternateContent xmlns:mc="http://schemas.openxmlformats.org/markup-compatibility/2006">
+          <mc:Choice xmlns:a14="http://schemas.microsoft.com/office/drawing/2010/main" Requires="a14">
+            <p:sp>
+              <p:nvSpPr>
+                <p:cNvPr id="366" name="Rectangle 365"/>
+                <p:cNvSpPr/>
+                <p:nvPr/>
+              </p:nvSpPr>
+              <p:spPr>
+                <a:xfrm>
+                  <a:off x="8273746" y="496284"/>
+                  <a:ext cx="1016624" cy="369332"/>
+                </a:xfrm>
+                <a:prstGeom prst="rect">
+                  <a:avLst/>
+                </a:prstGeom>
+                <a:ln w="19050">
+                  <a:noFill/>
+                </a:ln>
+              </p:spPr>
+              <p:txBody>
+                <a:bodyPr wrap="none">
+                  <a:spAutoFit/>
+                </a:bodyPr>
+                <a:lstStyle/>
+                <a:p>
+                  <a:pPr/>
+                  <a14:m>
+                    <m:oMathPara xmlns:m="http://schemas.openxmlformats.org/officeDocument/2006/math">
+                      <m:oMathParaPr>
+                        <m:jc m:val="centerGroup"/>
+                      </m:oMathParaPr>
+                      <m:oMath xmlns:m="http://schemas.openxmlformats.org/officeDocument/2006/math">
+                        <m:r>
+                          <m:rPr>
+                            <m:sty m:val="p"/>
+                          </m:rPr>
+                          <a:rPr lang="en-US" b="0" i="0" smtClean="0">
+                            <a:latin typeface="Cambria Math" panose="02040503050406030204" pitchFamily="18" charset="0"/>
+                          </a:rPr>
+                          <m:t>Coupler</m:t>
+                        </m:r>
+                      </m:oMath>
+                    </m:oMathPara>
+                  </a14:m>
+                  <a:endParaRPr lang="en-US" dirty="0"/>
+                </a:p>
+              </p:txBody>
+            </p:sp>
+          </mc:Choice>
+          <mc:Fallback>
+            <p:sp>
+              <p:nvSpPr>
+                <p:cNvPr id="366" name="Rectangle 365"/>
+                <p:cNvSpPr>
+                  <a:spLocks noRot="1" noChangeAspect="1" noMove="1" noResize="1" noEditPoints="1" noAdjustHandles="1" noChangeArrowheads="1" noChangeShapeType="1" noTextEdit="1"/>
+                </p:cNvSpPr>
+                <p:nvPr/>
+              </p:nvSpPr>
+              <p:spPr>
+                <a:xfrm>
+                  <a:off x="8273746" y="496284"/>
+                  <a:ext cx="1016624" cy="369332"/>
+                </a:xfrm>
+                <a:prstGeom prst="rect">
+                  <a:avLst/>
+                </a:prstGeom>
+                <a:blipFill>
+                  <a:blip r:embed="rId28"/>
+                  <a:stretch>
+                    <a:fillRect b="-13115"/>
+                  </a:stretch>
+                </a:blipFill>
+                <a:ln w="19050">
+                  <a:noFill/>
+                </a:ln>
+              </p:spPr>
+              <p:txBody>
+                <a:bodyPr/>
+                <a:lstStyle/>
+                <a:p>
+                  <a:r>
+                    <a:rPr lang="en-US">
+                      <a:noFill/>
+                    </a:rPr>
+                    <a:t> </a:t>
+                  </a:r>
+                </a:p>
+              </p:txBody>
+            </p:sp>
+          </mc:Fallback>
+        </mc:AlternateContent>
+        <p:cxnSp>
+          <p:nvCxnSpPr>
+            <p:cNvPr id="368" name="Straight Arrow Connector 367"/>
+            <p:cNvCxnSpPr/>
+            <p:nvPr/>
+          </p:nvCxnSpPr>
+          <p:spPr>
+            <a:xfrm flipH="1">
+              <a:off x="8111662" y="833476"/>
+              <a:ext cx="730567" cy="790152"/>
+            </a:xfrm>
+            <a:prstGeom prst="straightConnector1">
+              <a:avLst/>
+            </a:prstGeom>
+            <a:ln w="19050">
+              <a:solidFill>
+                <a:schemeClr val="tx1"/>
+              </a:solidFill>
+              <a:tailEnd type="triangle"/>
+            </a:ln>
+          </p:spPr>
+          <p:style>
+            <a:lnRef idx="1">
+              <a:schemeClr val="accent1"/>
+            </a:lnRef>
+            <a:fillRef idx="0">
+              <a:schemeClr val="accent1"/>
+            </a:fillRef>
+            <a:effectRef idx="0">
+              <a:schemeClr val="accent1"/>
+            </a:effectRef>
+            <a:fontRef idx="minor">
+              <a:schemeClr val="tx1"/>
+            </a:fontRef>
+          </p:style>
+        </p:cxnSp>
+        <mc:AlternateContent xmlns:mc="http://schemas.openxmlformats.org/markup-compatibility/2006">
+          <mc:Choice xmlns:a14="http://schemas.microsoft.com/office/drawing/2010/main" Requires="a14">
+            <p:sp>
+              <p:nvSpPr>
+                <p:cNvPr id="369" name="Rectangle 368"/>
+                <p:cNvSpPr/>
+                <p:nvPr/>
+              </p:nvSpPr>
+              <p:spPr>
+                <a:xfrm>
+                  <a:off x="8213003" y="4405408"/>
+                  <a:ext cx="1721945" cy="369332"/>
+                </a:xfrm>
+                <a:prstGeom prst="rect">
+                  <a:avLst/>
+                </a:prstGeom>
+                <a:ln w="19050">
+                  <a:noFill/>
+                </a:ln>
+              </p:spPr>
+              <p:txBody>
+                <a:bodyPr wrap="none">
+                  <a:spAutoFit/>
+                </a:bodyPr>
+                <a:lstStyle/>
+                <a:p>
+                  <a:pPr/>
+                  <a14:m>
+                    <m:oMathPara xmlns:m="http://schemas.openxmlformats.org/officeDocument/2006/math">
+                      <m:oMathParaPr>
+                        <m:jc m:val="centerGroup"/>
+                      </m:oMathParaPr>
+                      <m:oMath xmlns:m="http://schemas.openxmlformats.org/officeDocument/2006/math">
+                        <m:r>
+                          <m:rPr>
+                            <m:sty m:val="p"/>
+                          </m:rPr>
+                          <a:rPr lang="en-US" b="0" i="0" smtClean="0">
+                            <a:latin typeface="Cambria Math" panose="02040503050406030204" pitchFamily="18" charset="0"/>
+                          </a:rPr>
+                          <m:t>Photo</m:t>
+                        </m:r>
+                        <m:r>
+                          <a:rPr lang="en-US" b="0" i="0" smtClean="0">
+                            <a:latin typeface="Cambria Math" panose="02040503050406030204" pitchFamily="18" charset="0"/>
+                          </a:rPr>
+                          <m:t> </m:t>
+                        </m:r>
+                        <m:r>
+                          <m:rPr>
+                            <m:sty m:val="p"/>
+                          </m:rPr>
+                          <a:rPr lang="en-US" b="0" i="0" smtClean="0">
+                            <a:latin typeface="Cambria Math" panose="02040503050406030204" pitchFamily="18" charset="0"/>
+                          </a:rPr>
+                          <m:t>Detector</m:t>
+                        </m:r>
+                      </m:oMath>
+                    </m:oMathPara>
+                  </a14:m>
+                  <a:endParaRPr lang="en-US" dirty="0"/>
+                </a:p>
+              </p:txBody>
+            </p:sp>
+          </mc:Choice>
+          <mc:Fallback>
+            <p:sp>
+              <p:nvSpPr>
+                <p:cNvPr id="369" name="Rectangle 368"/>
+                <p:cNvSpPr>
+                  <a:spLocks noRot="1" noChangeAspect="1" noMove="1" noResize="1" noEditPoints="1" noAdjustHandles="1" noChangeArrowheads="1" noChangeShapeType="1" noTextEdit="1"/>
+                </p:cNvSpPr>
+                <p:nvPr/>
+              </p:nvSpPr>
+              <p:spPr>
+                <a:xfrm>
+                  <a:off x="8213003" y="4405408"/>
+                  <a:ext cx="1721945" cy="369332"/>
+                </a:xfrm>
+                <a:prstGeom prst="rect">
+                  <a:avLst/>
+                </a:prstGeom>
+                <a:blipFill>
+                  <a:blip r:embed="rId29"/>
+                  <a:stretch>
+                    <a:fillRect/>
+                  </a:stretch>
+                </a:blipFill>
+                <a:ln w="19050">
+                  <a:noFill/>
+                </a:ln>
+              </p:spPr>
+              <p:txBody>
+                <a:bodyPr/>
+                <a:lstStyle/>
+                <a:p>
+                  <a:r>
+                    <a:rPr lang="en-US">
+                      <a:noFill/>
+                    </a:rPr>
+                    <a:t> </a:t>
+                  </a:r>
+                </a:p>
+              </p:txBody>
+            </p:sp>
+          </mc:Fallback>
+        </mc:AlternateContent>
+        <p:cxnSp>
+          <p:nvCxnSpPr>
+            <p:cNvPr id="371" name="Straight Arrow Connector 370"/>
+            <p:cNvCxnSpPr>
+              <a:endCxn id="244" idx="3"/>
+            </p:cNvCxnSpPr>
+            <p:nvPr/>
+          </p:nvCxnSpPr>
+          <p:spPr>
+            <a:xfrm flipH="1" flipV="1">
+              <a:off x="8699415" y="3537194"/>
+              <a:ext cx="374560" cy="868214"/>
+            </a:xfrm>
+            <a:prstGeom prst="straightConnector1">
+              <a:avLst/>
+            </a:prstGeom>
+            <a:ln w="19050">
+              <a:solidFill>
+                <a:schemeClr val="tx1"/>
+              </a:solidFill>
+              <a:tailEnd type="triangle"/>
+            </a:ln>
+          </p:spPr>
+          <p:style>
+            <a:lnRef idx="1">
+              <a:schemeClr val="accent1"/>
+            </a:lnRef>
+            <a:fillRef idx="0">
+              <a:schemeClr val="accent1"/>
+            </a:fillRef>
+            <a:effectRef idx="0">
+              <a:schemeClr val="accent1"/>
+            </a:effectRef>
+            <a:fontRef idx="minor">
+              <a:schemeClr val="tx1"/>
+            </a:fontRef>
+          </p:style>
+        </p:cxnSp>
+        <p:sp>
+          <p:nvSpPr>
+            <p:cNvPr id="20" name="Rounded Rectangle 19"/>
+            <p:cNvSpPr/>
+            <p:nvPr/>
+          </p:nvSpPr>
+          <p:spPr>
+            <a:xfrm>
+              <a:off x="8013075" y="1630188"/>
+              <a:ext cx="194080" cy="813308"/>
+            </a:xfrm>
+            <a:prstGeom prst="roundRect">
+              <a:avLst/>
+            </a:prstGeom>
+            <a:ln w="19050">
+              <a:solidFill>
+                <a:schemeClr val="tx1"/>
+              </a:solidFill>
+            </a:ln>
+          </p:spPr>
+          <p:style>
+            <a:lnRef idx="2">
+              <a:schemeClr val="dk1"/>
+            </a:lnRef>
+            <a:fillRef idx="1">
+              <a:schemeClr val="lt1"/>
+            </a:fillRef>
+            <a:effectRef idx="0">
+              <a:schemeClr val="dk1"/>
+            </a:effectRef>
+            <a:fontRef idx="minor">
+              <a:schemeClr val="dk1"/>
+            </a:fontRef>
+          </p:style>
+          <p:txBody>
+            <a:bodyPr rtlCol="0" anchor="ctr"/>
+            <a:lstStyle/>
+            <a:p>
+              <a:pPr algn="ctr"/>
+              <a:endParaRPr lang="en-US"/>
+            </a:p>
+          </p:txBody>
+        </p:sp>
+        <p:sp>
+          <p:nvSpPr>
+            <p:cNvPr id="104" name="Rounded Rectangle 103"/>
+            <p:cNvSpPr/>
+            <p:nvPr/>
+          </p:nvSpPr>
+          <p:spPr>
+            <a:xfrm>
+              <a:off x="8019465" y="2844186"/>
+              <a:ext cx="194080" cy="813308"/>
+            </a:xfrm>
+            <a:prstGeom prst="roundRect">
+              <a:avLst/>
+            </a:prstGeom>
+            <a:ln w="19050">
+              <a:solidFill>
+                <a:schemeClr val="tx1"/>
+              </a:solidFill>
+            </a:ln>
+          </p:spPr>
+          <p:style>
+            <a:lnRef idx="2">
+              <a:schemeClr val="dk1"/>
+            </a:lnRef>
+            <a:fillRef idx="1">
+              <a:schemeClr val="lt1"/>
+            </a:fillRef>
+            <a:effectRef idx="0">
+              <a:schemeClr val="dk1"/>
+            </a:effectRef>
+            <a:fontRef idx="minor">
+              <a:schemeClr val="dk1"/>
+            </a:fontRef>
+          </p:style>
+          <p:txBody>
+            <a:bodyPr rtlCol="0" anchor="ctr"/>
+            <a:lstStyle/>
+            <a:p>
+              <a:pPr algn="ctr"/>
+              <a:endParaRPr lang="en-US"/>
+            </a:p>
+          </p:txBody>
+        </p:sp>
+      </p:grpSp>
     </p:spTree>
     <p:extLst>
       <p:ext uri="{BB962C8B-B14F-4D97-AF65-F5344CB8AC3E}">

--- a/doc/tex/sdf/simplified_coherent_receiver/figures/Practical_setup_TxRx.pptx
+++ b/doc/tex/sdf/simplified_coherent_receiver/figures/Practical_setup_TxRx.pptx
@@ -243,7 +243,7 @@
           <a:p>
             <a:fld id="{2680F75E-BF8A-4352-8DF2-5712531B63DB}" type="datetimeFigureOut">
               <a:rPr lang="pt-PT" smtClean="0"/>
-              <a:t>19/10/2017</a:t>
+              <a:t>26/10/2017</a:t>
             </a:fld>
             <a:endParaRPr lang="pt-PT"/>
           </a:p>
@@ -413,7 +413,7 @@
           <a:p>
             <a:fld id="{2680F75E-BF8A-4352-8DF2-5712531B63DB}" type="datetimeFigureOut">
               <a:rPr lang="pt-PT" smtClean="0"/>
-              <a:t>19/10/2017</a:t>
+              <a:t>26/10/2017</a:t>
             </a:fld>
             <a:endParaRPr lang="pt-PT"/>
           </a:p>
@@ -593,7 +593,7 @@
           <a:p>
             <a:fld id="{2680F75E-BF8A-4352-8DF2-5712531B63DB}" type="datetimeFigureOut">
               <a:rPr lang="pt-PT" smtClean="0"/>
-              <a:t>19/10/2017</a:t>
+              <a:t>26/10/2017</a:t>
             </a:fld>
             <a:endParaRPr lang="pt-PT"/>
           </a:p>
@@ -763,7 +763,7 @@
           <a:p>
             <a:fld id="{2680F75E-BF8A-4352-8DF2-5712531B63DB}" type="datetimeFigureOut">
               <a:rPr lang="pt-PT" smtClean="0"/>
-              <a:t>19/10/2017</a:t>
+              <a:t>26/10/2017</a:t>
             </a:fld>
             <a:endParaRPr lang="pt-PT"/>
           </a:p>
@@ -1009,7 +1009,7 @@
           <a:p>
             <a:fld id="{2680F75E-BF8A-4352-8DF2-5712531B63DB}" type="datetimeFigureOut">
               <a:rPr lang="pt-PT" smtClean="0"/>
-              <a:t>19/10/2017</a:t>
+              <a:t>26/10/2017</a:t>
             </a:fld>
             <a:endParaRPr lang="pt-PT"/>
           </a:p>
@@ -1241,7 +1241,7 @@
           <a:p>
             <a:fld id="{2680F75E-BF8A-4352-8DF2-5712531B63DB}" type="datetimeFigureOut">
               <a:rPr lang="pt-PT" smtClean="0"/>
-              <a:t>19/10/2017</a:t>
+              <a:t>26/10/2017</a:t>
             </a:fld>
             <a:endParaRPr lang="pt-PT"/>
           </a:p>
@@ -1608,7 +1608,7 @@
           <a:p>
             <a:fld id="{2680F75E-BF8A-4352-8DF2-5712531B63DB}" type="datetimeFigureOut">
               <a:rPr lang="pt-PT" smtClean="0"/>
-              <a:t>19/10/2017</a:t>
+              <a:t>26/10/2017</a:t>
             </a:fld>
             <a:endParaRPr lang="pt-PT"/>
           </a:p>
@@ -1726,7 +1726,7 @@
           <a:p>
             <a:fld id="{2680F75E-BF8A-4352-8DF2-5712531B63DB}" type="datetimeFigureOut">
               <a:rPr lang="pt-PT" smtClean="0"/>
-              <a:t>19/10/2017</a:t>
+              <a:t>26/10/2017</a:t>
             </a:fld>
             <a:endParaRPr lang="pt-PT"/>
           </a:p>
@@ -1821,7 +1821,7 @@
           <a:p>
             <a:fld id="{2680F75E-BF8A-4352-8DF2-5712531B63DB}" type="datetimeFigureOut">
               <a:rPr lang="pt-PT" smtClean="0"/>
-              <a:t>19/10/2017</a:t>
+              <a:t>26/10/2017</a:t>
             </a:fld>
             <a:endParaRPr lang="pt-PT"/>
           </a:p>
@@ -2098,7 +2098,7 @@
           <a:p>
             <a:fld id="{2680F75E-BF8A-4352-8DF2-5712531B63DB}" type="datetimeFigureOut">
               <a:rPr lang="pt-PT" smtClean="0"/>
-              <a:t>19/10/2017</a:t>
+              <a:t>26/10/2017</a:t>
             </a:fld>
             <a:endParaRPr lang="pt-PT"/>
           </a:p>
@@ -2351,7 +2351,7 @@
           <a:p>
             <a:fld id="{2680F75E-BF8A-4352-8DF2-5712531B63DB}" type="datetimeFigureOut">
               <a:rPr lang="pt-PT" smtClean="0"/>
-              <a:t>19/10/2017</a:t>
+              <a:t>26/10/2017</a:t>
             </a:fld>
             <a:endParaRPr lang="pt-PT"/>
           </a:p>
@@ -2564,7 +2564,7 @@
           <a:p>
             <a:fld id="{2680F75E-BF8A-4352-8DF2-5712531B63DB}" type="datetimeFigureOut">
               <a:rPr lang="pt-PT" smtClean="0"/>
-              <a:t>19/10/2017</a:t>
+              <a:t>26/10/2017</a:t>
             </a:fld>
             <a:endParaRPr lang="pt-PT"/>
           </a:p>
@@ -2969,55 +2969,123 @@
           <a:chExt cx="0" cy="0"/>
         </a:xfrm>
       </p:grpSpPr>
-      <p:sp>
-        <p:nvSpPr>
-          <p:cNvPr id="335" name="Rectangle 334"/>
-          <p:cNvSpPr/>
-          <p:nvPr/>
-        </p:nvSpPr>
-        <p:spPr>
-          <a:xfrm>
-            <a:off x="6524524" y="52343"/>
-            <a:ext cx="5525226" cy="6644442"/>
-          </a:xfrm>
-          <a:prstGeom prst="rect">
-            <a:avLst/>
-          </a:prstGeom>
-          <a:solidFill>
-            <a:schemeClr val="lt1">
-              <a:alpha val="0"/>
-            </a:schemeClr>
-          </a:solidFill>
-          <a:ln w="19050">
-            <a:noFill/>
-            <a:prstDash val="sysDot"/>
-          </a:ln>
-        </p:spPr>
-        <p:style>
-          <a:lnRef idx="2">
-            <a:schemeClr val="dk1"/>
-          </a:lnRef>
-          <a:fillRef idx="1">
-            <a:schemeClr val="lt1"/>
-          </a:fillRef>
-          <a:effectRef idx="0">
-            <a:schemeClr val="dk1"/>
-          </a:effectRef>
-          <a:fontRef idx="minor">
-            <a:schemeClr val="dk1"/>
-          </a:fontRef>
-        </p:style>
-        <p:txBody>
-          <a:bodyPr rtlCol="0" anchor="ctr"/>
-          <a:lstStyle/>
-          <a:p>
-            <a:pPr algn="ctr"/>
-            <a:endParaRPr lang="en-US"/>
-          </a:p>
-        </p:txBody>
-      </p:sp>
-      <mc:AlternateContent xmlns:mc="http://schemas.openxmlformats.org/markup-compatibility/2006" xmlns:a14="http://schemas.microsoft.com/office/drawing/2010/main">
-        <mc:Choice Requires="a14">
+      <mc:AlternateContent xmlns:mc="http://schemas.openxmlformats.org/markup-compatibility/2006">
+        <mc:Choice xmlns:a14="http://schemas.microsoft.com/office/drawing/2010/main" Requires="a14">
+          <p:sp>
+            <p:nvSpPr>
+              <p:cNvPr id="105" name="Rectangle 104"/>
+              <p:cNvSpPr/>
+              <p:nvPr/>
+            </p:nvSpPr>
+            <p:spPr>
+              <a:xfrm>
+                <a:off x="6472941" y="52343"/>
+                <a:ext cx="5576809" cy="6733115"/>
+              </a:xfrm>
+              <a:prstGeom prst="rect">
+                <a:avLst/>
+              </a:prstGeom>
+              <a:solidFill>
+                <a:schemeClr val="lt1">
+                  <a:alpha val="0"/>
+                </a:schemeClr>
+              </a:solidFill>
+              <a:ln w="19050">
+                <a:solidFill>
+                  <a:schemeClr val="tx1"/>
+                </a:solidFill>
+                <a:prstDash val="sysDot"/>
+              </a:ln>
+            </p:spPr>
+            <p:style>
+              <a:lnRef idx="2">
+                <a:schemeClr val="dk1"/>
+              </a:lnRef>
+              <a:fillRef idx="1">
+                <a:schemeClr val="lt1"/>
+              </a:fillRef>
+              <a:effectRef idx="0">
+                <a:schemeClr val="dk1"/>
+              </a:effectRef>
+              <a:fontRef idx="minor">
+                <a:schemeClr val="dk1"/>
+              </a:fontRef>
+            </p:style>
+            <p:txBody>
+              <a:bodyPr rtlCol="0" anchor="ctr"/>
+              <a:lstStyle/>
+              <a:p>
+                <a:pPr/>
+                <a14:m>
+                  <m:oMathPara xmlns:m="http://schemas.openxmlformats.org/officeDocument/2006/math">
+                    <m:oMathParaPr>
+                      <m:jc m:val="centerGroup"/>
+                    </m:oMathParaPr>
+                    <m:oMath xmlns:m="http://schemas.openxmlformats.org/officeDocument/2006/math">
+                      <m:r>
+                        <m:rPr>
+                          <m:sty m:val="p"/>
+                        </m:rPr>
+                        <a:rPr lang="en-US">
+                          <a:latin typeface="Cambria Math" panose="02040503050406030204" pitchFamily="18" charset="0"/>
+                        </a:rPr>
+                        <m:t>Tx</m:t>
+                      </m:r>
+                    </m:oMath>
+                  </m:oMathPara>
+                </a14:m>
+                <a:endParaRPr lang="en-US" dirty="0"/>
+              </a:p>
+            </p:txBody>
+          </p:sp>
+        </mc:Choice>
+        <mc:Fallback>
+          <p:sp>
+            <p:nvSpPr>
+              <p:cNvPr id="105" name="Rectangle 104"/>
+              <p:cNvSpPr>
+                <a:spLocks noRot="1" noChangeAspect="1" noMove="1" noResize="1" noEditPoints="1" noAdjustHandles="1" noChangeArrowheads="1" noChangeShapeType="1" noTextEdit="1"/>
+              </p:cNvSpPr>
+              <p:nvPr/>
+            </p:nvSpPr>
+            <p:spPr>
+              <a:xfrm>
+                <a:off x="6472941" y="52343"/>
+                <a:ext cx="5576809" cy="6733115"/>
+              </a:xfrm>
+              <a:prstGeom prst="rect">
+                <a:avLst/>
+              </a:prstGeom>
+              <a:blipFill>
+                <a:blip r:embed="rId2"/>
+                <a:stretch>
+                  <a:fillRect/>
+                </a:stretch>
+              </a:blipFill>
+              <a:ln w="19050">
+                <a:solidFill>
+                  <a:schemeClr val="tx1"/>
+                </a:solidFill>
+                <a:prstDash val="sysDot"/>
+              </a:ln>
+            </p:spPr>
+            <p:txBody>
+              <a:bodyPr/>
+              <a:lstStyle/>
+              <a:p>
+                <a:r>
+                  <a:rPr lang="en-US">
+                    <a:noFill/>
+                  </a:rPr>
+                  <a:t> </a:t>
+                </a:r>
+              </a:p>
+            </p:txBody>
+          </p:sp>
+        </mc:Fallback>
+      </mc:AlternateContent>
+      <mc:AlternateContent xmlns:mc="http://schemas.openxmlformats.org/markup-compatibility/2006">
+        <mc:Choice xmlns:a14="http://schemas.microsoft.com/office/drawing/2010/main" Requires="a14">
           <p:sp>
             <p:nvSpPr>
               <p:cNvPr id="334" name="Rectangle 333"/>
@@ -3026,8 +3094,8 @@
             </p:nvSpPr>
             <p:spPr>
               <a:xfrm>
-                <a:off x="80894" y="52344"/>
-                <a:ext cx="5566205" cy="6644441"/>
+                <a:off x="130823" y="52343"/>
+                <a:ext cx="5566205" cy="6733115"/>
               </a:xfrm>
               <a:prstGeom prst="rect">
                 <a:avLst/>
@@ -3081,7 +3149,7 @@
             </p:txBody>
           </p:sp>
         </mc:Choice>
-        <mc:Fallback xmlns="">
+        <mc:Fallback>
           <p:sp>
             <p:nvSpPr>
               <p:cNvPr id="334" name="Rectangle 333"/>
@@ -3092,14 +3160,14 @@
             </p:nvSpPr>
             <p:spPr>
               <a:xfrm>
-                <a:off x="80894" y="52344"/>
-                <a:ext cx="5566205" cy="6644441"/>
+                <a:off x="130823" y="52343"/>
+                <a:ext cx="5566205" cy="6733115"/>
               </a:xfrm>
               <a:prstGeom prst="rect">
                 <a:avLst/>
               </a:prstGeom>
               <a:blipFill>
-                <a:blip r:embed="rId2"/>
+                <a:blip r:embed="rId3"/>
                 <a:stretch>
                   <a:fillRect/>
                 </a:stretch>
@@ -3126,6 +3194,53 @@
           </p:sp>
         </mc:Fallback>
       </mc:AlternateContent>
+      <p:sp>
+        <p:nvSpPr>
+          <p:cNvPr id="335" name="Rectangle 334"/>
+          <p:cNvSpPr/>
+          <p:nvPr/>
+        </p:nvSpPr>
+        <p:spPr>
+          <a:xfrm>
+            <a:off x="6524524" y="52343"/>
+            <a:ext cx="5525226" cy="6644442"/>
+          </a:xfrm>
+          <a:prstGeom prst="rect">
+            <a:avLst/>
+          </a:prstGeom>
+          <a:solidFill>
+            <a:schemeClr val="lt1">
+              <a:alpha val="0"/>
+            </a:schemeClr>
+          </a:solidFill>
+          <a:ln w="19050">
+            <a:noFill/>
+            <a:prstDash val="sysDot"/>
+          </a:ln>
+        </p:spPr>
+        <p:style>
+          <a:lnRef idx="2">
+            <a:schemeClr val="dk1"/>
+          </a:lnRef>
+          <a:fillRef idx="1">
+            <a:schemeClr val="lt1"/>
+          </a:fillRef>
+          <a:effectRef idx="0">
+            <a:schemeClr val="dk1"/>
+          </a:effectRef>
+          <a:fontRef idx="minor">
+            <a:schemeClr val="dk1"/>
+          </a:fontRef>
+        </p:style>
+        <p:txBody>
+          <a:bodyPr rtlCol="0" anchor="ctr"/>
+          <a:lstStyle/>
+          <a:p>
+            <a:pPr algn="ctr"/>
+            <a:endParaRPr lang="en-US"/>
+          </a:p>
+        </p:txBody>
+      </p:sp>
       <p:cxnSp>
         <p:nvCxnSpPr>
           <p:cNvPr id="45" name="Elbow Connector 44"/>
@@ -3281,7 +3396,7 @@
           <p:nvPr/>
         </p:nvPicPr>
         <p:blipFill>
-          <a:blip r:embed="rId3" cstate="print">
+          <a:blip r:embed="rId4" cstate="print">
             <a:extLst>
               <a:ext uri="{28A0092B-C50C-407E-A947-70E740481C1C}">
                 <a14:useLocalDpi xmlns:a14="http://schemas.microsoft.com/office/drawing/2010/main" val="0"/>
@@ -3418,7 +3533,7 @@
       </p:cxnSp>
       <p:pic>
         <p:nvPicPr>
-          <p:cNvPr id="134" name="Picture 133"/>
+          <p:cNvPr id="157" name="Picture 156"/>
           <p:cNvPicPr>
             <a:picLocks noChangeAspect="1"/>
           </p:cNvPicPr>
@@ -3438,74 +3553,8 @@
         </p:blipFill>
         <p:spPr>
           <a:xfrm>
-            <a:off x="2374124" y="2749150"/>
-            <a:ext cx="433435" cy="468991"/>
-          </a:xfrm>
-          <a:prstGeom prst="rect">
-            <a:avLst/>
-          </a:prstGeom>
-          <a:ln w="19050">
-            <a:noFill/>
-          </a:ln>
-        </p:spPr>
-      </p:pic>
-      <p:pic>
-        <p:nvPicPr>
-          <p:cNvPr id="157" name="Picture 156"/>
-          <p:cNvPicPr>
-            <a:picLocks noChangeAspect="1"/>
-          </p:cNvPicPr>
-          <p:nvPr/>
-        </p:nvPicPr>
-        <p:blipFill>
-          <a:blip r:embed="rId3" cstate="print">
-            <a:extLst>
-              <a:ext uri="{28A0092B-C50C-407E-A947-70E740481C1C}">
-                <a14:useLocalDpi xmlns:a14="http://schemas.microsoft.com/office/drawing/2010/main" val="0"/>
-              </a:ext>
-            </a:extLst>
-          </a:blip>
-          <a:stretch>
-            <a:fillRect/>
-          </a:stretch>
-        </p:blipFill>
-        <p:spPr>
-          <a:xfrm>
             <a:off x="2137914" y="156913"/>
             <a:ext cx="905854" cy="875419"/>
-          </a:xfrm>
-          <a:prstGeom prst="rect">
-            <a:avLst/>
-          </a:prstGeom>
-          <a:ln w="19050">
-            <a:noFill/>
-          </a:ln>
-        </p:spPr>
-      </p:pic>
-      <p:pic>
-        <p:nvPicPr>
-          <p:cNvPr id="158" name="Picture 157"/>
-          <p:cNvPicPr>
-            <a:picLocks noChangeAspect="1"/>
-          </p:cNvPicPr>
-          <p:nvPr/>
-        </p:nvPicPr>
-        <p:blipFill>
-          <a:blip r:embed="rId4" cstate="print">
-            <a:extLst>
-              <a:ext uri="{28A0092B-C50C-407E-A947-70E740481C1C}">
-                <a14:useLocalDpi xmlns:a14="http://schemas.microsoft.com/office/drawing/2010/main" val="0"/>
-              </a:ext>
-            </a:extLst>
-          </a:blip>
-          <a:stretch>
-            <a:fillRect/>
-          </a:stretch>
-        </p:blipFill>
-        <p:spPr>
-          <a:xfrm>
-            <a:off x="2374124" y="271791"/>
-            <a:ext cx="433435" cy="468991"/>
           </a:xfrm>
           <a:prstGeom prst="rect">
             <a:avLst/>
@@ -3963,12 +4012,12 @@
           <a:p>
             <a:pPr algn="ctr"/>
             <a:r>
-              <a:rPr lang="en-US" b="1" dirty="0" smtClean="0">
+              <a:rPr lang="en-US" sz="1600" b="1" dirty="0" smtClean="0">
                 <a:latin typeface="+mj-lt"/>
               </a:rPr>
               <a:t>coupler</a:t>
             </a:r>
-            <a:endParaRPr lang="en-US" b="1" dirty="0">
+            <a:endParaRPr lang="en-US" sz="1600" b="1" dirty="0">
               <a:latin typeface="+mj-lt"/>
             </a:endParaRPr>
           </a:p>
@@ -4127,8 +4176,8 @@
           </a:fontRef>
         </p:style>
       </p:cxnSp>
-      <mc:AlternateContent xmlns:mc="http://schemas.openxmlformats.org/markup-compatibility/2006" xmlns:a14="http://schemas.microsoft.com/office/drawing/2010/main">
-        <mc:Choice Requires="a14">
+      <mc:AlternateContent xmlns:mc="http://schemas.openxmlformats.org/markup-compatibility/2006">
+        <mc:Choice xmlns:a14="http://schemas.microsoft.com/office/drawing/2010/main" Requires="a14">
           <p:sp>
             <p:nvSpPr>
               <p:cNvPr id="336" name="TextBox 335"/>
@@ -4137,7 +4186,7 @@
             </p:nvSpPr>
             <p:spPr>
               <a:xfrm>
-                <a:off x="133975" y="56347"/>
+                <a:off x="180622" y="185878"/>
                 <a:ext cx="468077" cy="430887"/>
               </a:xfrm>
               <a:prstGeom prst="rect">
@@ -4178,7 +4227,7 @@
             </p:txBody>
           </p:sp>
         </mc:Choice>
-        <mc:Fallback xmlns="">
+        <mc:Fallback>
           <p:sp>
             <p:nvSpPr>
               <p:cNvPr id="336" name="TextBox 335"/>
@@ -4189,14 +4238,14 @@
             </p:nvSpPr>
             <p:spPr>
               <a:xfrm>
-                <a:off x="133975" y="56347"/>
+                <a:off x="180622" y="185878"/>
                 <a:ext cx="468077" cy="430887"/>
               </a:xfrm>
               <a:prstGeom prst="rect">
                 <a:avLst/>
               </a:prstGeom>
               <a:blipFill>
-                <a:blip r:embed="rId10"/>
+                <a:blip r:embed="rId6"/>
                 <a:stretch>
                   <a:fillRect/>
                 </a:stretch>
@@ -4220,8 +4269,8 @@
           </p:sp>
         </mc:Fallback>
       </mc:AlternateContent>
-      <mc:AlternateContent xmlns:mc="http://schemas.openxmlformats.org/markup-compatibility/2006" xmlns:a14="http://schemas.microsoft.com/office/drawing/2010/main">
-        <mc:Choice Requires="a14">
+      <mc:AlternateContent xmlns:mc="http://schemas.openxmlformats.org/markup-compatibility/2006">
+        <mc:Choice xmlns:a14="http://schemas.microsoft.com/office/drawing/2010/main" Requires="a14">
           <p:sp>
             <p:nvSpPr>
               <p:cNvPr id="337" name="TextBox 336"/>
@@ -4230,7 +4279,7 @@
             </p:nvSpPr>
             <p:spPr>
               <a:xfrm>
-                <a:off x="6676176" y="56347"/>
+                <a:off x="6545962" y="182789"/>
                 <a:ext cx="477695" cy="430887"/>
               </a:xfrm>
               <a:prstGeom prst="rect">
@@ -4280,7 +4329,7 @@
             </p:txBody>
           </p:sp>
         </mc:Choice>
-        <mc:Fallback xmlns="">
+        <mc:Fallback>
           <p:sp>
             <p:nvSpPr>
               <p:cNvPr id="337" name="TextBox 336"/>
@@ -4291,14 +4340,14 @@
             </p:nvSpPr>
             <p:spPr>
               <a:xfrm>
-                <a:off x="6676176" y="56347"/>
+                <a:off x="6545962" y="182789"/>
                 <a:ext cx="477695" cy="430887"/>
               </a:xfrm>
               <a:prstGeom prst="rect">
                 <a:avLst/>
               </a:prstGeom>
               <a:blipFill>
-                <a:blip r:embed="rId11"/>
+                <a:blip r:embed="rId7"/>
                 <a:stretch>
                   <a:fillRect/>
                 </a:stretch>
@@ -5426,1528 +5475,1472 @@
           </a:p>
         </p:txBody>
       </p:sp>
-      <p:grpSp>
-        <p:nvGrpSpPr>
-          <p:cNvPr id="3" name="Group 2"/>
-          <p:cNvGrpSpPr/>
+      <p:pic>
+        <p:nvPicPr>
+          <p:cNvPr id="202" name="Picture 201"/>
+          <p:cNvPicPr>
+            <a:picLocks noChangeAspect="1"/>
+          </p:cNvPicPr>
           <p:nvPr/>
-        </p:nvGrpSpPr>
-        <p:grpSpPr>
+        </p:nvPicPr>
+        <p:blipFill>
+          <a:blip r:embed="rId5" cstate="print">
+            <a:extLst>
+              <a:ext uri="{28A0092B-C50C-407E-A947-70E740481C1C}">
+                <a14:useLocalDpi xmlns:a14="http://schemas.microsoft.com/office/drawing/2010/main" val="0"/>
+              </a:ext>
+            </a:extLst>
+          </a:blip>
+          <a:stretch>
+            <a:fillRect/>
+          </a:stretch>
+        </p:blipFill>
+        <p:spPr>
           <a:xfrm>
-            <a:off x="6392169" y="52343"/>
-            <a:ext cx="5657581" cy="6644441"/>
-            <a:chOff x="6392169" y="52344"/>
-            <a:chExt cx="5657581" cy="6644441"/>
-          </a:xfrm>
-        </p:grpSpPr>
-        <mc:AlternateContent xmlns:mc="http://schemas.openxmlformats.org/markup-compatibility/2006">
-          <mc:Choice xmlns:a14="http://schemas.microsoft.com/office/drawing/2010/main" Requires="a14">
-            <p:sp>
-              <p:nvSpPr>
-                <p:cNvPr id="105" name="Rectangle 104"/>
-                <p:cNvSpPr/>
-                <p:nvPr/>
-              </p:nvSpPr>
-              <p:spPr>
-                <a:xfrm>
-                  <a:off x="6472941" y="52344"/>
-                  <a:ext cx="5576809" cy="6644441"/>
-                </a:xfrm>
-                <a:prstGeom prst="rect">
-                  <a:avLst/>
-                </a:prstGeom>
+            <a:off x="6847840" y="1705797"/>
+            <a:ext cx="297181" cy="297181"/>
+          </a:xfrm>
+          <a:prstGeom prst="rect">
+            <a:avLst/>
+          </a:prstGeom>
+          <a:ln w="19050">
+            <a:noFill/>
+          </a:ln>
+        </p:spPr>
+      </p:pic>
+      <p:cxnSp>
+        <p:nvCxnSpPr>
+          <p:cNvPr id="192" name="Straight Arrow Connector 191"/>
+          <p:cNvCxnSpPr>
+            <a:endCxn id="202" idx="1"/>
+          </p:cNvCxnSpPr>
+          <p:nvPr/>
+        </p:nvCxnSpPr>
+        <p:spPr>
+          <a:xfrm>
+            <a:off x="6397180" y="1854387"/>
+            <a:ext cx="450660" cy="1"/>
+          </a:xfrm>
+          <a:prstGeom prst="straightConnector1">
+            <a:avLst/>
+          </a:prstGeom>
+          <a:ln w="19050">
+            <a:solidFill>
+              <a:schemeClr val="tx1"/>
+            </a:solidFill>
+            <a:tailEnd type="triangle"/>
+          </a:ln>
+        </p:spPr>
+        <p:style>
+          <a:lnRef idx="1">
+            <a:schemeClr val="accent1"/>
+          </a:lnRef>
+          <a:fillRef idx="0">
+            <a:schemeClr val="accent1"/>
+          </a:fillRef>
+          <a:effectRef idx="0">
+            <a:schemeClr val="accent1"/>
+          </a:effectRef>
+          <a:fontRef idx="minor">
+            <a:schemeClr val="tx1"/>
+          </a:fontRef>
+        </p:style>
+      </p:cxnSp>
+      <p:cxnSp>
+        <p:nvCxnSpPr>
+          <p:cNvPr id="194" name="Straight Arrow Connector 193"/>
+          <p:cNvCxnSpPr>
+            <a:stCxn id="202" idx="3"/>
+          </p:cNvCxnSpPr>
+          <p:nvPr/>
+        </p:nvCxnSpPr>
+        <p:spPr>
+          <a:xfrm flipV="1">
+            <a:off x="7145021" y="1854387"/>
+            <a:ext cx="868051" cy="1"/>
+          </a:xfrm>
+          <a:prstGeom prst="straightConnector1">
+            <a:avLst/>
+          </a:prstGeom>
+          <a:ln w="19050">
+            <a:solidFill>
+              <a:schemeClr val="tx1"/>
+            </a:solidFill>
+            <a:tailEnd type="triangle"/>
+          </a:ln>
+        </p:spPr>
+        <p:style>
+          <a:lnRef idx="1">
+            <a:schemeClr val="accent1"/>
+          </a:lnRef>
+          <a:fillRef idx="0">
+            <a:schemeClr val="accent1"/>
+          </a:fillRef>
+          <a:effectRef idx="0">
+            <a:schemeClr val="accent1"/>
+          </a:effectRef>
+          <a:fontRef idx="minor">
+            <a:schemeClr val="tx1"/>
+          </a:fontRef>
+        </p:style>
+      </p:cxnSp>
+      <p:cxnSp>
+        <p:nvCxnSpPr>
+          <p:cNvPr id="199" name="Elbow Connector 198"/>
+          <p:cNvCxnSpPr>
+            <a:stCxn id="202" idx="2"/>
+          </p:cNvCxnSpPr>
+          <p:nvPr/>
+        </p:nvCxnSpPr>
+        <p:spPr>
+          <a:xfrm rot="16200000" flipH="1">
+            <a:off x="6982333" y="2017076"/>
+            <a:ext cx="1051394" cy="1023198"/>
+          </a:xfrm>
+          <a:prstGeom prst="bentConnector3">
+            <a:avLst>
+              <a:gd name="adj1" fmla="val 99827"/>
+            </a:avLst>
+          </a:prstGeom>
+          <a:ln w="19050">
+            <a:solidFill>
+              <a:schemeClr val="tx1"/>
+            </a:solidFill>
+            <a:tailEnd type="triangle"/>
+          </a:ln>
+        </p:spPr>
+        <p:style>
+          <a:lnRef idx="1">
+            <a:schemeClr val="accent1"/>
+          </a:lnRef>
+          <a:fillRef idx="0">
+            <a:schemeClr val="accent1"/>
+          </a:fillRef>
+          <a:effectRef idx="0">
+            <a:schemeClr val="accent1"/>
+          </a:effectRef>
+          <a:fontRef idx="minor">
+            <a:schemeClr val="tx1"/>
+          </a:fontRef>
+        </p:style>
+      </p:cxnSp>
+      <p:cxnSp>
+        <p:nvCxnSpPr>
+          <p:cNvPr id="237" name="Straight Arrow Connector 236"/>
+          <p:cNvCxnSpPr>
+            <a:endCxn id="244" idx="2"/>
+          </p:cNvCxnSpPr>
+          <p:nvPr/>
+        </p:nvCxnSpPr>
+        <p:spPr>
+          <a:xfrm>
+            <a:off x="8211284" y="3247238"/>
+            <a:ext cx="337418" cy="5"/>
+          </a:xfrm>
+          <a:prstGeom prst="straightConnector1">
+            <a:avLst/>
+          </a:prstGeom>
+          <a:ln w="19050">
+            <a:solidFill>
+              <a:schemeClr val="tx1"/>
+            </a:solidFill>
+            <a:tailEnd type="triangle"/>
+          </a:ln>
+        </p:spPr>
+        <p:style>
+          <a:lnRef idx="2">
+            <a:schemeClr val="dk1"/>
+          </a:lnRef>
+          <a:fillRef idx="1">
+            <a:schemeClr val="lt1"/>
+          </a:fillRef>
+          <a:effectRef idx="0">
+            <a:schemeClr val="dk1"/>
+          </a:effectRef>
+          <a:fontRef idx="minor">
+            <a:schemeClr val="dk1"/>
+          </a:fontRef>
+        </p:style>
+      </p:cxnSp>
+      <p:pic>
+        <p:nvPicPr>
+          <p:cNvPr id="243" name="Picture 242"/>
+          <p:cNvPicPr>
+            <a:picLocks noChangeAspect="1"/>
+          </p:cNvPicPr>
+          <p:nvPr/>
+        </p:nvPicPr>
+        <p:blipFill>
+          <a:blip r:embed="rId22" cstate="print">
+            <a:extLst>
+              <a:ext uri="{28A0092B-C50C-407E-A947-70E740481C1C}">
+                <a14:useLocalDpi xmlns:a14="http://schemas.microsoft.com/office/drawing/2010/main" val="0"/>
+              </a:ext>
+            </a:extLst>
+          </a:blip>
+          <a:stretch>
+            <a:fillRect/>
+          </a:stretch>
+        </p:blipFill>
+        <p:spPr>
+          <a:xfrm rot="5400000" flipV="1">
+            <a:off x="8412718" y="1876912"/>
+            <a:ext cx="579903" cy="307931"/>
+          </a:xfrm>
+          <a:prstGeom prst="rect">
+            <a:avLst/>
+          </a:prstGeom>
+          <a:ln w="19050">
+            <a:solidFill>
+              <a:schemeClr val="tx1"/>
+            </a:solidFill>
+          </a:ln>
+        </p:spPr>
+        <p:style>
+          <a:lnRef idx="2">
+            <a:schemeClr val="dk1"/>
+          </a:lnRef>
+          <a:fillRef idx="1">
+            <a:schemeClr val="lt1"/>
+          </a:fillRef>
+          <a:effectRef idx="0">
+            <a:schemeClr val="dk1"/>
+          </a:effectRef>
+          <a:fontRef idx="minor">
+            <a:schemeClr val="dk1"/>
+          </a:fontRef>
+        </p:style>
+      </p:pic>
+      <p:pic>
+        <p:nvPicPr>
+          <p:cNvPr id="244" name="Picture 243"/>
+          <p:cNvPicPr>
+            <a:picLocks noChangeAspect="1"/>
+          </p:cNvPicPr>
+          <p:nvPr/>
+        </p:nvPicPr>
+        <p:blipFill>
+          <a:blip r:embed="rId23" cstate="print">
+            <a:extLst>
+              <a:ext uri="{28A0092B-C50C-407E-A947-70E740481C1C}">
+                <a14:useLocalDpi xmlns:a14="http://schemas.microsoft.com/office/drawing/2010/main" val="0"/>
+              </a:ext>
+            </a:extLst>
+          </a:blip>
+          <a:stretch>
+            <a:fillRect/>
+          </a:stretch>
+        </p:blipFill>
+        <p:spPr>
+          <a:xfrm rot="5400000">
+            <a:off x="8409465" y="3096529"/>
+            <a:ext cx="579901" cy="301427"/>
+          </a:xfrm>
+          <a:prstGeom prst="rect">
+            <a:avLst/>
+          </a:prstGeom>
+          <a:ln w="19050">
+            <a:solidFill>
+              <a:schemeClr val="tx1"/>
+            </a:solidFill>
+          </a:ln>
+        </p:spPr>
+        <p:style>
+          <a:lnRef idx="2">
+            <a:schemeClr val="dk1"/>
+          </a:lnRef>
+          <a:fillRef idx="1">
+            <a:schemeClr val="lt1"/>
+          </a:fillRef>
+          <a:effectRef idx="0">
+            <a:schemeClr val="dk1"/>
+          </a:effectRef>
+          <a:fontRef idx="minor">
+            <a:schemeClr val="dk1"/>
+          </a:fontRef>
+        </p:style>
+      </p:pic>
+      <p:sp>
+        <p:nvSpPr>
+          <p:cNvPr id="245" name="Rectangle 244"/>
+          <p:cNvSpPr/>
+          <p:nvPr/>
+        </p:nvSpPr>
+        <p:spPr>
+          <a:xfrm>
+            <a:off x="8846181" y="1422696"/>
+            <a:ext cx="399490" cy="1216363"/>
+          </a:xfrm>
+          <a:prstGeom prst="rect">
+            <a:avLst/>
+          </a:prstGeom>
+          <a:ln w="19050">
+            <a:solidFill>
+              <a:schemeClr val="tx1"/>
+            </a:solidFill>
+          </a:ln>
+        </p:spPr>
+        <p:style>
+          <a:lnRef idx="2">
+            <a:schemeClr val="dk1"/>
+          </a:lnRef>
+          <a:fillRef idx="1">
+            <a:schemeClr val="lt1"/>
+          </a:fillRef>
+          <a:effectRef idx="0">
+            <a:schemeClr val="dk1"/>
+          </a:effectRef>
+          <a:fontRef idx="minor">
+            <a:schemeClr val="dk1"/>
+          </a:fontRef>
+        </p:style>
+        <p:txBody>
+          <a:bodyPr vert="vert270" rtlCol="0" anchor="ctr"/>
+          <a:lstStyle/>
+          <a:p>
+            <a:pPr algn="ctr"/>
+            <a:r>
+              <a:rPr lang="en-US" b="1" dirty="0" smtClean="0"/>
+              <a:t>ADC</a:t>
+            </a:r>
+            <a:endParaRPr lang="en-US" b="1" dirty="0"/>
+          </a:p>
+        </p:txBody>
+      </p:sp>
+      <p:sp>
+        <p:nvSpPr>
+          <p:cNvPr id="246" name="Rectangle 245"/>
+          <p:cNvSpPr/>
+          <p:nvPr/>
+        </p:nvSpPr>
+        <p:spPr>
+          <a:xfrm>
+            <a:off x="8842228" y="2639057"/>
+            <a:ext cx="403436" cy="1216366"/>
+          </a:xfrm>
+          <a:prstGeom prst="rect">
+            <a:avLst/>
+          </a:prstGeom>
+          <a:ln w="19050">
+            <a:solidFill>
+              <a:schemeClr val="tx1"/>
+            </a:solidFill>
+          </a:ln>
+        </p:spPr>
+        <p:style>
+          <a:lnRef idx="2">
+            <a:schemeClr val="dk1"/>
+          </a:lnRef>
+          <a:fillRef idx="1">
+            <a:schemeClr val="lt1"/>
+          </a:fillRef>
+          <a:effectRef idx="0">
+            <a:schemeClr val="dk1"/>
+          </a:effectRef>
+          <a:fontRef idx="minor">
+            <a:schemeClr val="dk1"/>
+          </a:fontRef>
+        </p:style>
+        <p:txBody>
+          <a:bodyPr vert="vert270" rtlCol="0" anchor="ctr"/>
+          <a:lstStyle/>
+          <a:p>
+            <a:pPr algn="ctr"/>
+            <a:r>
+              <a:rPr lang="en-US" b="1" dirty="0" smtClean="0"/>
+              <a:t>ADC</a:t>
+            </a:r>
+            <a:endParaRPr lang="en-US" b="1" dirty="0"/>
+          </a:p>
+        </p:txBody>
+      </p:sp>
+      <p:sp>
+        <p:nvSpPr>
+          <p:cNvPr id="249" name="Rectangle 248"/>
+          <p:cNvSpPr/>
+          <p:nvPr/>
+        </p:nvSpPr>
+        <p:spPr>
+          <a:xfrm>
+            <a:off x="9245669" y="1422698"/>
+            <a:ext cx="426642" cy="1216363"/>
+          </a:xfrm>
+          <a:prstGeom prst="rect">
+            <a:avLst/>
+          </a:prstGeom>
+          <a:ln w="19050">
+            <a:solidFill>
+              <a:schemeClr val="tx1"/>
+            </a:solidFill>
+          </a:ln>
+        </p:spPr>
+        <p:style>
+          <a:lnRef idx="2">
+            <a:schemeClr val="dk1"/>
+          </a:lnRef>
+          <a:fillRef idx="1">
+            <a:schemeClr val="lt1"/>
+          </a:fillRef>
+          <a:effectRef idx="0">
+            <a:schemeClr val="dk1"/>
+          </a:effectRef>
+          <a:fontRef idx="minor">
+            <a:schemeClr val="dk1"/>
+          </a:fontRef>
+        </p:style>
+        <p:txBody>
+          <a:bodyPr vert="vert270" rtlCol="0" anchor="ctr"/>
+          <a:lstStyle/>
+          <a:p>
+            <a:pPr algn="ctr"/>
+            <a:r>
+              <a:rPr lang="en-US" b="1" dirty="0" smtClean="0"/>
+              <a:t>KK-X</a:t>
+            </a:r>
+            <a:endParaRPr lang="en-US" b="1" dirty="0"/>
+          </a:p>
+        </p:txBody>
+      </p:sp>
+      <p:sp>
+        <p:nvSpPr>
+          <p:cNvPr id="250" name="Rectangle 249"/>
+          <p:cNvSpPr/>
+          <p:nvPr/>
+        </p:nvSpPr>
+        <p:spPr>
+          <a:xfrm>
+            <a:off x="9245665" y="2639059"/>
+            <a:ext cx="426649" cy="1216366"/>
+          </a:xfrm>
+          <a:prstGeom prst="rect">
+            <a:avLst/>
+          </a:prstGeom>
+          <a:ln w="19050">
+            <a:solidFill>
+              <a:schemeClr val="tx1"/>
+            </a:solidFill>
+          </a:ln>
+        </p:spPr>
+        <p:style>
+          <a:lnRef idx="2">
+            <a:schemeClr val="dk1"/>
+          </a:lnRef>
+          <a:fillRef idx="1">
+            <a:schemeClr val="lt1"/>
+          </a:fillRef>
+          <a:effectRef idx="0">
+            <a:schemeClr val="dk1"/>
+          </a:effectRef>
+          <a:fontRef idx="minor">
+            <a:schemeClr val="dk1"/>
+          </a:fontRef>
+        </p:style>
+        <p:txBody>
+          <a:bodyPr vert="vert270" rtlCol="0" anchor="ctr"/>
+          <a:lstStyle/>
+          <a:p>
+            <a:pPr algn="ctr"/>
+            <a:r>
+              <a:rPr lang="en-US" b="1" dirty="0" smtClean="0"/>
+              <a:t>KK-Y</a:t>
+            </a:r>
+            <a:endParaRPr lang="en-US" b="1" dirty="0"/>
+          </a:p>
+        </p:txBody>
+      </p:sp>
+      <mc:AlternateContent xmlns:mc="http://schemas.openxmlformats.org/markup-compatibility/2006">
+        <mc:Choice xmlns:a14="http://schemas.microsoft.com/office/drawing/2010/main" Requires="a14">
+          <p:sp>
+            <p:nvSpPr>
+              <p:cNvPr id="252" name="Rectangle 251"/>
+              <p:cNvSpPr/>
+              <p:nvPr/>
+            </p:nvSpPr>
+            <p:spPr>
+              <a:xfrm>
+                <a:off x="9672311" y="2639057"/>
+                <a:ext cx="403443" cy="1216366"/>
+              </a:xfrm>
+              <a:prstGeom prst="rect">
+                <a:avLst/>
+              </a:prstGeom>
+              <a:ln w="19050">
                 <a:solidFill>
-                  <a:schemeClr val="lt1">
-                    <a:alpha val="0"/>
-                  </a:schemeClr>
+                  <a:schemeClr val="tx1"/>
                 </a:solidFill>
-                <a:ln w="19050">
-                  <a:solidFill>
-                    <a:schemeClr val="tx1"/>
-                  </a:solidFill>
-                  <a:prstDash val="sysDot"/>
-                </a:ln>
-              </p:spPr>
-              <p:style>
-                <a:lnRef idx="2">
-                  <a:schemeClr val="dk1"/>
-                </a:lnRef>
-                <a:fillRef idx="1">
-                  <a:schemeClr val="lt1"/>
-                </a:fillRef>
-                <a:effectRef idx="0">
-                  <a:schemeClr val="dk1"/>
-                </a:effectRef>
-                <a:fontRef idx="minor">
-                  <a:schemeClr val="dk1"/>
-                </a:fontRef>
-              </p:style>
-              <p:txBody>
-                <a:bodyPr rtlCol="0" anchor="ctr"/>
-                <a:lstStyle/>
-                <a:p>
-                  <a:pPr/>
-                  <a14:m>
-                    <m:oMathPara xmlns:m="http://schemas.openxmlformats.org/officeDocument/2006/math">
-                      <m:oMathParaPr>
-                        <m:jc m:val="centerGroup"/>
-                      </m:oMathParaPr>
-                      <m:oMath xmlns:m="http://schemas.openxmlformats.org/officeDocument/2006/math">
-                        <m:r>
-                          <m:rPr>
-                            <m:sty m:val="p"/>
-                          </m:rPr>
-                          <a:rPr lang="en-US">
-                            <a:latin typeface="Cambria Math" panose="02040503050406030204" pitchFamily="18" charset="0"/>
-                          </a:rPr>
-                          <m:t>Tx</m:t>
-                        </m:r>
-                      </m:oMath>
-                    </m:oMathPara>
-                  </a14:m>
-                  <a:endParaRPr lang="en-US" dirty="0"/>
-                </a:p>
-              </p:txBody>
-            </p:sp>
-          </mc:Choice>
-          <mc:Fallback>
-            <p:sp>
-              <p:nvSpPr>
-                <p:cNvPr id="105" name="Rectangle 104"/>
-                <p:cNvSpPr>
-                  <a:spLocks noRot="1" noChangeAspect="1" noMove="1" noResize="1" noEditPoints="1" noAdjustHandles="1" noChangeArrowheads="1" noChangeShapeType="1" noTextEdit="1"/>
-                </p:cNvSpPr>
-                <p:nvPr/>
-              </p:nvSpPr>
-              <p:spPr>
-                <a:xfrm>
-                  <a:off x="6472941" y="52344"/>
-                  <a:ext cx="5576809" cy="6644441"/>
-                </a:xfrm>
-                <a:prstGeom prst="rect">
-                  <a:avLst/>
-                </a:prstGeom>
-                <a:blipFill>
-                  <a:blip r:embed="rId22"/>
-                  <a:stretch>
-                    <a:fillRect/>
-                  </a:stretch>
-                </a:blipFill>
-                <a:ln w="19050">
-                  <a:solidFill>
-                    <a:schemeClr val="tx1"/>
-                  </a:solidFill>
-                  <a:prstDash val="sysDot"/>
-                </a:ln>
-              </p:spPr>
-              <p:txBody>
-                <a:bodyPr/>
-                <a:lstStyle/>
-                <a:p>
-                  <a:r>
-                    <a:rPr lang="en-US">
-                      <a:noFill/>
-                    </a:rPr>
-                    <a:t> </a:t>
-                  </a:r>
-                </a:p>
-              </p:txBody>
-            </p:sp>
-          </mc:Fallback>
-        </mc:AlternateContent>
-        <p:pic>
-          <p:nvPicPr>
-            <p:cNvPr id="202" name="Picture 201"/>
-            <p:cNvPicPr>
-              <a:picLocks noChangeAspect="1"/>
-            </p:cNvPicPr>
-            <p:nvPr/>
-          </p:nvPicPr>
-          <p:blipFill>
-            <a:blip r:embed="rId5" cstate="print">
-              <a:extLst>
-                <a:ext uri="{28A0092B-C50C-407E-A947-70E740481C1C}">
-                  <a14:useLocalDpi xmlns:a14="http://schemas.microsoft.com/office/drawing/2010/main" val="0"/>
-                </a:ext>
-              </a:extLst>
-            </a:blip>
-            <a:stretch>
-              <a:fillRect/>
-            </a:stretch>
-          </p:blipFill>
-          <p:spPr>
-            <a:xfrm>
-              <a:off x="6842829" y="1713416"/>
-              <a:ext cx="297181" cy="297181"/>
-            </a:xfrm>
-            <a:prstGeom prst="rect">
-              <a:avLst/>
-            </a:prstGeom>
-            <a:ln w="19050">
-              <a:noFill/>
-            </a:ln>
-          </p:spPr>
-        </p:pic>
-        <p:cxnSp>
-          <p:nvCxnSpPr>
-            <p:cNvPr id="192" name="Straight Arrow Connector 191"/>
-            <p:cNvCxnSpPr>
-              <a:endCxn id="202" idx="1"/>
-            </p:cNvCxnSpPr>
-            <p:nvPr/>
-          </p:nvCxnSpPr>
-          <p:spPr>
-            <a:xfrm>
-              <a:off x="6392169" y="1862006"/>
-              <a:ext cx="450660" cy="1"/>
-            </a:xfrm>
-            <a:prstGeom prst="straightConnector1">
-              <a:avLst/>
-            </a:prstGeom>
-            <a:ln w="19050">
-              <a:solidFill>
-                <a:schemeClr val="tx1"/>
-              </a:solidFill>
-              <a:tailEnd type="triangle"/>
-            </a:ln>
-          </p:spPr>
-          <p:style>
-            <a:lnRef idx="1">
-              <a:schemeClr val="accent1"/>
-            </a:lnRef>
-            <a:fillRef idx="0">
-              <a:schemeClr val="accent1"/>
-            </a:fillRef>
-            <a:effectRef idx="0">
-              <a:schemeClr val="accent1"/>
-            </a:effectRef>
-            <a:fontRef idx="minor">
+              </a:ln>
+            </p:spPr>
+            <p:style>
+              <a:lnRef idx="2">
+                <a:schemeClr val="dk1"/>
+              </a:lnRef>
+              <a:fillRef idx="1">
+                <a:schemeClr val="lt1"/>
+              </a:fillRef>
+              <a:effectRef idx="0">
+                <a:schemeClr val="dk1"/>
+              </a:effectRef>
+              <a:fontRef idx="minor">
+                <a:schemeClr val="dk1"/>
+              </a:fontRef>
+            </p:style>
+            <p:txBody>
+              <a:bodyPr vert="vert270" rtlCol="0" anchor="ctr"/>
+              <a:lstStyle/>
+              <a:p>
+                <a:pPr algn="ctr"/>
+                <a14:m>
+                  <m:oMathPara xmlns:m="http://schemas.openxmlformats.org/officeDocument/2006/math">
+                    <m:oMathParaPr>
+                      <m:jc m:val="centerGroup"/>
+                    </m:oMathParaPr>
+                    <m:oMath xmlns:m="http://schemas.openxmlformats.org/officeDocument/2006/math">
+                      <m:sSup>
+                        <m:sSupPr>
+                          <m:ctrlPr>
+                            <a:rPr lang="en-US" b="1" i="1" smtClean="0">
+                              <a:latin typeface="Cambria Math" panose="02040503050406030204" pitchFamily="18" charset="0"/>
+                            </a:rPr>
+                          </m:ctrlPr>
+                        </m:sSupPr>
+                        <m:e>
+                          <m:r>
+                            <a:rPr lang="en-US" b="1" i="0" smtClean="0">
+                              <a:latin typeface="Cambria Math" panose="02040503050406030204" pitchFamily="18" charset="0"/>
+                            </a:rPr>
+                            <m:t>𝐂𝐃</m:t>
+                          </m:r>
+                        </m:e>
+                        <m:sup>
+                          <m:r>
+                            <a:rPr lang="en-US" b="1" i="0" smtClean="0">
+                              <a:latin typeface="Cambria Math" panose="02040503050406030204" pitchFamily="18" charset="0"/>
+                            </a:rPr>
+                            <m:t>−</m:t>
+                          </m:r>
+                          <m:r>
+                            <a:rPr lang="en-US" b="1" i="0" smtClean="0">
+                              <a:latin typeface="Cambria Math" panose="02040503050406030204" pitchFamily="18" charset="0"/>
+                            </a:rPr>
+                            <m:t>𝟏</m:t>
+                          </m:r>
+                        </m:sup>
+                      </m:sSup>
+                    </m:oMath>
+                  </m:oMathPara>
+                </a14:m>
+                <a:endParaRPr lang="en-US" b="1" dirty="0"/>
+              </a:p>
+            </p:txBody>
+          </p:sp>
+        </mc:Choice>
+        <mc:Fallback>
+          <p:sp>
+            <p:nvSpPr>
+              <p:cNvPr id="252" name="Rectangle 251"/>
+              <p:cNvSpPr>
+                <a:spLocks noRot="1" noChangeAspect="1" noMove="1" noResize="1" noEditPoints="1" noAdjustHandles="1" noChangeArrowheads="1" noChangeShapeType="1" noTextEdit="1"/>
+              </p:cNvSpPr>
+              <p:nvPr/>
+            </p:nvSpPr>
+            <p:spPr>
+              <a:xfrm>
+                <a:off x="9672311" y="2639057"/>
+                <a:ext cx="403443" cy="1216366"/>
+              </a:xfrm>
+              <a:prstGeom prst="rect">
+                <a:avLst/>
+              </a:prstGeom>
+              <a:blipFill>
+                <a:blip r:embed="rId24"/>
+                <a:stretch>
+                  <a:fillRect/>
+                </a:stretch>
+              </a:blipFill>
+              <a:ln w="19050">
+                <a:solidFill>
+                  <a:schemeClr val="tx1"/>
+                </a:solidFill>
+              </a:ln>
+            </p:spPr>
+            <p:txBody>
+              <a:bodyPr/>
+              <a:lstStyle/>
+              <a:p>
+                <a:r>
+                  <a:rPr lang="en-US">
+                    <a:noFill/>
+                  </a:rPr>
+                  <a:t> </a:t>
+                </a:r>
+              </a:p>
+            </p:txBody>
+          </p:sp>
+        </mc:Fallback>
+      </mc:AlternateContent>
+      <mc:AlternateContent xmlns:mc="http://schemas.openxmlformats.org/markup-compatibility/2006">
+        <mc:Choice xmlns:a14="http://schemas.microsoft.com/office/drawing/2010/main" Requires="a14">
+          <p:sp>
+            <p:nvSpPr>
+              <p:cNvPr id="253" name="Rectangle 252"/>
+              <p:cNvSpPr/>
+              <p:nvPr/>
+            </p:nvSpPr>
+            <p:spPr>
+              <a:xfrm>
+                <a:off x="9672314" y="1422696"/>
+                <a:ext cx="399490" cy="1216363"/>
+              </a:xfrm>
+              <a:prstGeom prst="rect">
+                <a:avLst/>
+              </a:prstGeom>
+              <a:ln w="19050">
+                <a:solidFill>
+                  <a:schemeClr val="tx1"/>
+                </a:solidFill>
+              </a:ln>
+            </p:spPr>
+            <p:style>
+              <a:lnRef idx="2">
+                <a:schemeClr val="dk1"/>
+              </a:lnRef>
+              <a:fillRef idx="1">
+                <a:schemeClr val="lt1"/>
+              </a:fillRef>
+              <a:effectRef idx="0">
+                <a:schemeClr val="dk1"/>
+              </a:effectRef>
+              <a:fontRef idx="minor">
+                <a:schemeClr val="dk1"/>
+              </a:fontRef>
+            </p:style>
+            <p:txBody>
+              <a:bodyPr vert="vert270" rtlCol="0" anchor="ctr"/>
+              <a:lstStyle/>
+              <a:p>
+                <a:pPr algn="ctr"/>
+                <a14:m>
+                  <m:oMathPara xmlns:m="http://schemas.openxmlformats.org/officeDocument/2006/math">
+                    <m:oMathParaPr>
+                      <m:jc m:val="center"/>
+                    </m:oMathParaPr>
+                    <m:oMath xmlns:m="http://schemas.openxmlformats.org/officeDocument/2006/math">
+                      <m:sSup>
+                        <m:sSupPr>
+                          <m:ctrlPr>
+                            <a:rPr lang="en-US" b="1" i="1" smtClean="0">
+                              <a:latin typeface="Cambria Math" panose="02040503050406030204" pitchFamily="18" charset="0"/>
+                            </a:rPr>
+                          </m:ctrlPr>
+                        </m:sSupPr>
+                        <m:e>
+                          <m:r>
+                            <a:rPr lang="en-US" b="1" i="0" smtClean="0">
+                              <a:latin typeface="Cambria Math" panose="02040503050406030204" pitchFamily="18" charset="0"/>
+                            </a:rPr>
+                            <m:t>𝐂𝐃</m:t>
+                          </m:r>
+                        </m:e>
+                        <m:sup>
+                          <m:r>
+                            <a:rPr lang="en-US" b="1" i="0" smtClean="0">
+                              <a:latin typeface="Cambria Math" panose="02040503050406030204" pitchFamily="18" charset="0"/>
+                            </a:rPr>
+                            <m:t>−</m:t>
+                          </m:r>
+                          <m:r>
+                            <a:rPr lang="en-US" b="1" i="0" smtClean="0">
+                              <a:latin typeface="Cambria Math" panose="02040503050406030204" pitchFamily="18" charset="0"/>
+                            </a:rPr>
+                            <m:t>𝟏</m:t>
+                          </m:r>
+                        </m:sup>
+                      </m:sSup>
+                    </m:oMath>
+                  </m:oMathPara>
+                </a14:m>
+                <a:endParaRPr lang="en-US" b="1" dirty="0"/>
+              </a:p>
+            </p:txBody>
+          </p:sp>
+        </mc:Choice>
+        <mc:Fallback>
+          <p:sp>
+            <p:nvSpPr>
+              <p:cNvPr id="253" name="Rectangle 252"/>
+              <p:cNvSpPr>
+                <a:spLocks noRot="1" noChangeAspect="1" noMove="1" noResize="1" noEditPoints="1" noAdjustHandles="1" noChangeArrowheads="1" noChangeShapeType="1" noTextEdit="1"/>
+              </p:cNvSpPr>
+              <p:nvPr/>
+            </p:nvSpPr>
+            <p:spPr>
+              <a:xfrm>
+                <a:off x="9672314" y="1422696"/>
+                <a:ext cx="399490" cy="1216363"/>
+              </a:xfrm>
+              <a:prstGeom prst="rect">
+                <a:avLst/>
+              </a:prstGeom>
+              <a:blipFill>
+                <a:blip r:embed="rId25"/>
+                <a:stretch>
+                  <a:fillRect/>
+                </a:stretch>
+              </a:blipFill>
+              <a:ln w="19050">
+                <a:solidFill>
+                  <a:schemeClr val="tx1"/>
+                </a:solidFill>
+              </a:ln>
+            </p:spPr>
+            <p:txBody>
+              <a:bodyPr/>
+              <a:lstStyle/>
+              <a:p>
+                <a:r>
+                  <a:rPr lang="en-US">
+                    <a:noFill/>
+                  </a:rPr>
+                  <a:t> </a:t>
+                </a:r>
+              </a:p>
+            </p:txBody>
+          </p:sp>
+        </mc:Fallback>
+      </mc:AlternateContent>
+      <p:cxnSp>
+        <p:nvCxnSpPr>
+          <p:cNvPr id="262" name="Straight Arrow Connector 261"/>
+          <p:cNvCxnSpPr>
+            <a:endCxn id="243" idx="0"/>
+          </p:cNvCxnSpPr>
+          <p:nvPr/>
+        </p:nvCxnSpPr>
+        <p:spPr>
+          <a:xfrm>
+            <a:off x="8208700" y="2030877"/>
+            <a:ext cx="340004" cy="2"/>
+          </a:xfrm>
+          <a:prstGeom prst="straightConnector1">
+            <a:avLst/>
+          </a:prstGeom>
+          <a:ln w="19050">
+            <a:solidFill>
               <a:schemeClr val="tx1"/>
-            </a:fontRef>
-          </p:style>
-        </p:cxnSp>
-        <p:cxnSp>
-          <p:nvCxnSpPr>
-            <p:cNvPr id="194" name="Straight Arrow Connector 193"/>
-            <p:cNvCxnSpPr>
-              <a:stCxn id="202" idx="3"/>
-            </p:cNvCxnSpPr>
-            <p:nvPr/>
-          </p:nvCxnSpPr>
-          <p:spPr>
-            <a:xfrm flipV="1">
-              <a:off x="7140010" y="1862006"/>
-              <a:ext cx="858659" cy="1"/>
-            </a:xfrm>
-            <a:prstGeom prst="straightConnector1">
-              <a:avLst/>
-            </a:prstGeom>
-            <a:ln w="19050">
-              <a:solidFill>
-                <a:schemeClr val="tx1"/>
-              </a:solidFill>
-              <a:tailEnd type="triangle"/>
-            </a:ln>
-          </p:spPr>
-          <p:style>
-            <a:lnRef idx="1">
-              <a:schemeClr val="accent1"/>
-            </a:lnRef>
-            <a:fillRef idx="0">
-              <a:schemeClr val="accent1"/>
-            </a:fillRef>
-            <a:effectRef idx="0">
-              <a:schemeClr val="accent1"/>
-            </a:effectRef>
-            <a:fontRef idx="minor">
+            </a:solidFill>
+            <a:tailEnd type="triangle"/>
+          </a:ln>
+        </p:spPr>
+        <p:style>
+          <a:lnRef idx="2">
+            <a:schemeClr val="dk1"/>
+          </a:lnRef>
+          <a:fillRef idx="1">
+            <a:schemeClr val="lt1"/>
+          </a:fillRef>
+          <a:effectRef idx="0">
+            <a:schemeClr val="dk1"/>
+          </a:effectRef>
+          <a:fontRef idx="minor">
+            <a:schemeClr val="dk1"/>
+          </a:fontRef>
+        </p:style>
+      </p:cxnSp>
+      <p:sp>
+        <p:nvSpPr>
+          <p:cNvPr id="272" name="Rectangle 271"/>
+          <p:cNvSpPr/>
+          <p:nvPr/>
+        </p:nvSpPr>
+        <p:spPr>
+          <a:xfrm>
+            <a:off x="10071805" y="1422696"/>
+            <a:ext cx="728257" cy="2432727"/>
+          </a:xfrm>
+          <a:prstGeom prst="rect">
+            <a:avLst/>
+          </a:prstGeom>
+          <a:ln w="19050">
+            <a:solidFill>
               <a:schemeClr val="tx1"/>
-            </a:fontRef>
-          </p:style>
-        </p:cxnSp>
-        <p:cxnSp>
-          <p:nvCxnSpPr>
-            <p:cNvPr id="199" name="Elbow Connector 198"/>
-            <p:cNvCxnSpPr>
-              <a:stCxn id="202" idx="2"/>
-            </p:cNvCxnSpPr>
-            <p:nvPr/>
-          </p:nvCxnSpPr>
-          <p:spPr>
-            <a:xfrm rot="16200000" flipH="1">
-              <a:off x="6977322" y="2024695"/>
-              <a:ext cx="1051394" cy="1023198"/>
-            </a:xfrm>
-            <a:prstGeom prst="bentConnector3">
-              <a:avLst>
-                <a:gd name="adj1" fmla="val 99827"/>
-              </a:avLst>
-            </a:prstGeom>
-            <a:ln w="19050">
-              <a:solidFill>
-                <a:schemeClr val="tx1"/>
-              </a:solidFill>
-              <a:tailEnd type="triangle"/>
-            </a:ln>
-          </p:spPr>
-          <p:style>
-            <a:lnRef idx="1">
-              <a:schemeClr val="accent1"/>
-            </a:lnRef>
-            <a:fillRef idx="0">
-              <a:schemeClr val="accent1"/>
-            </a:fillRef>
-            <a:effectRef idx="0">
-              <a:schemeClr val="accent1"/>
-            </a:effectRef>
-            <a:fontRef idx="minor">
+            </a:solidFill>
+          </a:ln>
+        </p:spPr>
+        <p:style>
+          <a:lnRef idx="2">
+            <a:schemeClr val="dk1"/>
+          </a:lnRef>
+          <a:fillRef idx="1">
+            <a:schemeClr val="lt1"/>
+          </a:fillRef>
+          <a:effectRef idx="0">
+            <a:schemeClr val="dk1"/>
+          </a:effectRef>
+          <a:fontRef idx="minor">
+            <a:schemeClr val="dk1"/>
+          </a:fontRef>
+        </p:style>
+        <p:txBody>
+          <a:bodyPr vert="vert270" rtlCol="0" anchor="ctr"/>
+          <a:lstStyle/>
+          <a:p>
+            <a:pPr algn="ctr"/>
+            <a:r>
+              <a:rPr lang="en-US" b="1" dirty="0" smtClean="0"/>
+              <a:t>Stokes Pol-</a:t>
+            </a:r>
+            <a:r>
+              <a:rPr lang="en-US" b="1" dirty="0" err="1" smtClean="0"/>
+              <a:t>Demux</a:t>
+            </a:r>
+            <a:endParaRPr lang="en-US" b="1" dirty="0"/>
+          </a:p>
+        </p:txBody>
+      </p:sp>
+      <p:sp>
+        <p:nvSpPr>
+          <p:cNvPr id="276" name="Rectangle 275"/>
+          <p:cNvSpPr/>
+          <p:nvPr/>
+        </p:nvSpPr>
+        <p:spPr>
+          <a:xfrm>
+            <a:off x="11243696" y="1422696"/>
+            <a:ext cx="679620" cy="2432727"/>
+          </a:xfrm>
+          <a:prstGeom prst="rect">
+            <a:avLst/>
+          </a:prstGeom>
+          <a:ln w="19050">
+            <a:solidFill>
               <a:schemeClr val="tx1"/>
-            </a:fontRef>
-          </p:style>
-        </p:cxnSp>
-        <p:cxnSp>
-          <p:nvCxnSpPr>
-            <p:cNvPr id="237" name="Straight Arrow Connector 236"/>
-            <p:cNvCxnSpPr>
-              <a:endCxn id="244" idx="2"/>
-            </p:cNvCxnSpPr>
-            <p:nvPr/>
-          </p:nvCxnSpPr>
-          <p:spPr>
-            <a:xfrm>
-              <a:off x="8211284" y="3247239"/>
-              <a:ext cx="337418" cy="5"/>
-            </a:xfrm>
-            <a:prstGeom prst="straightConnector1">
-              <a:avLst/>
-            </a:prstGeom>
-            <a:ln w="19050">
-              <a:solidFill>
-                <a:schemeClr val="tx1"/>
-              </a:solidFill>
-              <a:tailEnd type="triangle"/>
-            </a:ln>
-          </p:spPr>
-          <p:style>
-            <a:lnRef idx="2">
-              <a:schemeClr val="dk1"/>
-            </a:lnRef>
-            <a:fillRef idx="1">
-              <a:schemeClr val="lt1"/>
-            </a:fillRef>
-            <a:effectRef idx="0">
-              <a:schemeClr val="dk1"/>
-            </a:effectRef>
-            <a:fontRef idx="minor">
-              <a:schemeClr val="dk1"/>
-            </a:fontRef>
-          </p:style>
-        </p:cxnSp>
-        <p:pic>
-          <p:nvPicPr>
-            <p:cNvPr id="243" name="Picture 242"/>
-            <p:cNvPicPr>
-              <a:picLocks noChangeAspect="1"/>
-            </p:cNvPicPr>
-            <p:nvPr/>
-          </p:nvPicPr>
-          <p:blipFill>
-            <a:blip r:embed="rId23" cstate="print">
-              <a:extLst>
-                <a:ext uri="{28A0092B-C50C-407E-A947-70E740481C1C}">
-                  <a14:useLocalDpi xmlns:a14="http://schemas.microsoft.com/office/drawing/2010/main" val="0"/>
-                </a:ext>
-              </a:extLst>
-            </a:blip>
-            <a:stretch>
-              <a:fillRect/>
-            </a:stretch>
-          </p:blipFill>
-          <p:spPr>
-            <a:xfrm rot="5400000" flipV="1">
-              <a:off x="8412718" y="1876913"/>
-              <a:ext cx="579903" cy="307931"/>
-            </a:xfrm>
-            <a:prstGeom prst="rect">
-              <a:avLst/>
-            </a:prstGeom>
-            <a:ln w="19050">
-              <a:solidFill>
-                <a:schemeClr val="tx1"/>
-              </a:solidFill>
-            </a:ln>
-          </p:spPr>
-          <p:style>
-            <a:lnRef idx="2">
-              <a:schemeClr val="dk1"/>
-            </a:lnRef>
-            <a:fillRef idx="1">
-              <a:schemeClr val="lt1"/>
-            </a:fillRef>
-            <a:effectRef idx="0">
-              <a:schemeClr val="dk1"/>
-            </a:effectRef>
-            <a:fontRef idx="minor">
-              <a:schemeClr val="dk1"/>
-            </a:fontRef>
-          </p:style>
-        </p:pic>
-        <p:pic>
-          <p:nvPicPr>
-            <p:cNvPr id="244" name="Picture 243"/>
-            <p:cNvPicPr>
-              <a:picLocks noChangeAspect="1"/>
-            </p:cNvPicPr>
-            <p:nvPr/>
-          </p:nvPicPr>
-          <p:blipFill>
-            <a:blip r:embed="rId24" cstate="print">
-              <a:extLst>
-                <a:ext uri="{28A0092B-C50C-407E-A947-70E740481C1C}">
-                  <a14:useLocalDpi xmlns:a14="http://schemas.microsoft.com/office/drawing/2010/main" val="0"/>
-                </a:ext>
-              </a:extLst>
-            </a:blip>
-            <a:stretch>
-              <a:fillRect/>
-            </a:stretch>
-          </p:blipFill>
-          <p:spPr>
-            <a:xfrm rot="5400000">
-              <a:off x="8409465" y="3096530"/>
-              <a:ext cx="579901" cy="301427"/>
-            </a:xfrm>
-            <a:prstGeom prst="rect">
-              <a:avLst/>
-            </a:prstGeom>
-            <a:ln w="19050">
-              <a:solidFill>
-                <a:schemeClr val="tx1"/>
-              </a:solidFill>
-            </a:ln>
-          </p:spPr>
-          <p:style>
-            <a:lnRef idx="2">
-              <a:schemeClr val="dk1"/>
-            </a:lnRef>
-            <a:fillRef idx="1">
-              <a:schemeClr val="lt1"/>
-            </a:fillRef>
-            <a:effectRef idx="0">
-              <a:schemeClr val="dk1"/>
-            </a:effectRef>
-            <a:fontRef idx="minor">
-              <a:schemeClr val="dk1"/>
-            </a:fontRef>
-          </p:style>
-        </p:pic>
-        <p:sp>
-          <p:nvSpPr>
-            <p:cNvPr id="245" name="Rectangle 244"/>
-            <p:cNvSpPr/>
-            <p:nvPr/>
-          </p:nvSpPr>
-          <p:spPr>
-            <a:xfrm>
-              <a:off x="8846181" y="1422697"/>
-              <a:ext cx="399490" cy="1216363"/>
-            </a:xfrm>
-            <a:prstGeom prst="rect">
-              <a:avLst/>
-            </a:prstGeom>
-            <a:ln w="19050">
-              <a:solidFill>
-                <a:schemeClr val="tx1"/>
-              </a:solidFill>
-            </a:ln>
-          </p:spPr>
-          <p:style>
-            <a:lnRef idx="2">
-              <a:schemeClr val="dk1"/>
-            </a:lnRef>
-            <a:fillRef idx="1">
-              <a:schemeClr val="lt1"/>
-            </a:fillRef>
-            <a:effectRef idx="0">
-              <a:schemeClr val="dk1"/>
-            </a:effectRef>
-            <a:fontRef idx="minor">
-              <a:schemeClr val="dk1"/>
-            </a:fontRef>
-          </p:style>
-          <p:txBody>
-            <a:bodyPr vert="vert270" rtlCol="0" anchor="ctr"/>
-            <a:lstStyle/>
-            <a:p>
-              <a:pPr algn="ctr"/>
-              <a:r>
-                <a:rPr lang="en-US" b="1" dirty="0" smtClean="0"/>
-                <a:t>ADC</a:t>
-              </a:r>
-              <a:endParaRPr lang="en-US" b="1" dirty="0"/>
-            </a:p>
-          </p:txBody>
-        </p:sp>
-        <p:sp>
-          <p:nvSpPr>
-            <p:cNvPr id="246" name="Rectangle 245"/>
-            <p:cNvSpPr/>
-            <p:nvPr/>
-          </p:nvSpPr>
-          <p:spPr>
-            <a:xfrm>
-              <a:off x="8842228" y="2639058"/>
-              <a:ext cx="403436" cy="1216366"/>
-            </a:xfrm>
-            <a:prstGeom prst="rect">
-              <a:avLst/>
-            </a:prstGeom>
-            <a:ln w="19050">
-              <a:solidFill>
-                <a:schemeClr val="tx1"/>
-              </a:solidFill>
-            </a:ln>
-          </p:spPr>
-          <p:style>
-            <a:lnRef idx="2">
-              <a:schemeClr val="dk1"/>
-            </a:lnRef>
-            <a:fillRef idx="1">
-              <a:schemeClr val="lt1"/>
-            </a:fillRef>
-            <a:effectRef idx="0">
-              <a:schemeClr val="dk1"/>
-            </a:effectRef>
-            <a:fontRef idx="minor">
-              <a:schemeClr val="dk1"/>
-            </a:fontRef>
-          </p:style>
-          <p:txBody>
-            <a:bodyPr vert="vert270" rtlCol="0" anchor="ctr"/>
-            <a:lstStyle/>
-            <a:p>
-              <a:pPr algn="ctr"/>
-              <a:r>
-                <a:rPr lang="en-US" b="1" dirty="0" smtClean="0"/>
-                <a:t>ADC</a:t>
-              </a:r>
-              <a:endParaRPr lang="en-US" b="1" dirty="0"/>
-            </a:p>
-          </p:txBody>
-        </p:sp>
-        <p:sp>
-          <p:nvSpPr>
-            <p:cNvPr id="249" name="Rectangle 248"/>
-            <p:cNvSpPr/>
-            <p:nvPr/>
-          </p:nvSpPr>
-          <p:spPr>
-            <a:xfrm>
-              <a:off x="9245669" y="1422699"/>
-              <a:ext cx="426642" cy="1216363"/>
-            </a:xfrm>
-            <a:prstGeom prst="rect">
-              <a:avLst/>
-            </a:prstGeom>
-            <a:ln w="19050">
-              <a:solidFill>
-                <a:schemeClr val="tx1"/>
-              </a:solidFill>
-            </a:ln>
-          </p:spPr>
-          <p:style>
-            <a:lnRef idx="2">
-              <a:schemeClr val="dk1"/>
-            </a:lnRef>
-            <a:fillRef idx="1">
-              <a:schemeClr val="lt1"/>
-            </a:fillRef>
-            <a:effectRef idx="0">
-              <a:schemeClr val="dk1"/>
-            </a:effectRef>
-            <a:fontRef idx="minor">
-              <a:schemeClr val="dk1"/>
-            </a:fontRef>
-          </p:style>
-          <p:txBody>
-            <a:bodyPr vert="vert270" rtlCol="0" anchor="ctr"/>
-            <a:lstStyle/>
-            <a:p>
-              <a:pPr algn="ctr"/>
-              <a:r>
-                <a:rPr lang="en-US" b="1" dirty="0" smtClean="0"/>
-                <a:t>KK-X</a:t>
-              </a:r>
-              <a:endParaRPr lang="en-US" b="1" dirty="0"/>
-            </a:p>
-          </p:txBody>
-        </p:sp>
-        <p:sp>
-          <p:nvSpPr>
-            <p:cNvPr id="250" name="Rectangle 249"/>
-            <p:cNvSpPr/>
-            <p:nvPr/>
-          </p:nvSpPr>
-          <p:spPr>
-            <a:xfrm>
-              <a:off x="9245665" y="2639060"/>
-              <a:ext cx="426649" cy="1216366"/>
-            </a:xfrm>
-            <a:prstGeom prst="rect">
-              <a:avLst/>
-            </a:prstGeom>
-            <a:ln w="19050">
-              <a:solidFill>
-                <a:schemeClr val="tx1"/>
-              </a:solidFill>
-            </a:ln>
-          </p:spPr>
-          <p:style>
-            <a:lnRef idx="2">
-              <a:schemeClr val="dk1"/>
-            </a:lnRef>
-            <a:fillRef idx="1">
-              <a:schemeClr val="lt1"/>
-            </a:fillRef>
-            <a:effectRef idx="0">
-              <a:schemeClr val="dk1"/>
-            </a:effectRef>
-            <a:fontRef idx="minor">
-              <a:schemeClr val="dk1"/>
-            </a:fontRef>
-          </p:style>
-          <p:txBody>
-            <a:bodyPr vert="vert270" rtlCol="0" anchor="ctr"/>
-            <a:lstStyle/>
-            <a:p>
-              <a:pPr algn="ctr"/>
-              <a:r>
-                <a:rPr lang="en-US" b="1" dirty="0" smtClean="0"/>
-                <a:t>KK-Y</a:t>
-              </a:r>
-              <a:endParaRPr lang="en-US" b="1" dirty="0"/>
-            </a:p>
-          </p:txBody>
-        </p:sp>
-        <mc:AlternateContent xmlns:mc="http://schemas.openxmlformats.org/markup-compatibility/2006">
-          <mc:Choice xmlns:a14="http://schemas.microsoft.com/office/drawing/2010/main" Requires="a14">
-            <p:sp>
-              <p:nvSpPr>
-                <p:cNvPr id="252" name="Rectangle 251"/>
-                <p:cNvSpPr/>
-                <p:nvPr/>
-              </p:nvSpPr>
-              <p:spPr>
-                <a:xfrm>
-                  <a:off x="9672311" y="2639058"/>
-                  <a:ext cx="403443" cy="1216366"/>
-                </a:xfrm>
-                <a:prstGeom prst="rect">
-                  <a:avLst/>
-                </a:prstGeom>
-                <a:ln w="19050">
-                  <a:solidFill>
-                    <a:schemeClr val="tx1"/>
-                  </a:solidFill>
-                </a:ln>
-              </p:spPr>
-              <p:style>
-                <a:lnRef idx="2">
-                  <a:schemeClr val="dk1"/>
-                </a:lnRef>
-                <a:fillRef idx="1">
-                  <a:schemeClr val="lt1"/>
-                </a:fillRef>
-                <a:effectRef idx="0">
-                  <a:schemeClr val="dk1"/>
-                </a:effectRef>
-                <a:fontRef idx="minor">
-                  <a:schemeClr val="dk1"/>
-                </a:fontRef>
-              </p:style>
-              <p:txBody>
-                <a:bodyPr vert="vert270" rtlCol="0" anchor="ctr"/>
-                <a:lstStyle/>
-                <a:p>
-                  <a:pPr algn="ctr"/>
-                  <a14:m>
-                    <m:oMathPara xmlns:m="http://schemas.openxmlformats.org/officeDocument/2006/math">
-                      <m:oMathParaPr>
-                        <m:jc m:val="centerGroup"/>
-                      </m:oMathParaPr>
-                      <m:oMath xmlns:m="http://schemas.openxmlformats.org/officeDocument/2006/math">
-                        <m:sSup>
-                          <m:sSupPr>
-                            <m:ctrlPr>
-                              <a:rPr lang="en-US" b="1" i="1" smtClean="0">
-                                <a:latin typeface="Cambria Math" panose="02040503050406030204" pitchFamily="18" charset="0"/>
-                              </a:rPr>
-                            </m:ctrlPr>
-                          </m:sSupPr>
-                          <m:e>
-                            <m:r>
-                              <a:rPr lang="en-US" b="1" i="0" smtClean="0">
-                                <a:latin typeface="Cambria Math" panose="02040503050406030204" pitchFamily="18" charset="0"/>
-                              </a:rPr>
-                              <m:t>𝐂𝐃</m:t>
-                            </m:r>
-                          </m:e>
-                          <m:sup>
-                            <m:r>
-                              <a:rPr lang="en-US" b="1" i="0" smtClean="0">
-                                <a:latin typeface="Cambria Math" panose="02040503050406030204" pitchFamily="18" charset="0"/>
-                              </a:rPr>
-                              <m:t>−</m:t>
-                            </m:r>
-                            <m:r>
-                              <a:rPr lang="en-US" b="1" i="0" smtClean="0">
-                                <a:latin typeface="Cambria Math" panose="02040503050406030204" pitchFamily="18" charset="0"/>
-                              </a:rPr>
-                              <m:t>𝟏</m:t>
-                            </m:r>
-                          </m:sup>
-                        </m:sSup>
-                      </m:oMath>
-                    </m:oMathPara>
-                  </a14:m>
-                  <a:endParaRPr lang="en-US" b="1" dirty="0"/>
-                </a:p>
-              </p:txBody>
-            </p:sp>
-          </mc:Choice>
-          <mc:Fallback>
-            <p:sp>
-              <p:nvSpPr>
-                <p:cNvPr id="252" name="Rectangle 251"/>
-                <p:cNvSpPr>
-                  <a:spLocks noRot="1" noChangeAspect="1" noMove="1" noResize="1" noEditPoints="1" noAdjustHandles="1" noChangeArrowheads="1" noChangeShapeType="1" noTextEdit="1"/>
-                </p:cNvSpPr>
-                <p:nvPr/>
-              </p:nvSpPr>
-              <p:spPr>
-                <a:xfrm>
-                  <a:off x="9672311" y="2639058"/>
-                  <a:ext cx="403443" cy="1216366"/>
-                </a:xfrm>
-                <a:prstGeom prst="rect">
-                  <a:avLst/>
-                </a:prstGeom>
-                <a:blipFill>
-                  <a:blip r:embed="rId25"/>
-                  <a:stretch>
-                    <a:fillRect/>
-                  </a:stretch>
-                </a:blipFill>
-                <a:ln w="19050">
-                  <a:solidFill>
-                    <a:schemeClr val="tx1"/>
-                  </a:solidFill>
-                </a:ln>
-              </p:spPr>
-              <p:txBody>
-                <a:bodyPr/>
-                <a:lstStyle/>
-                <a:p>
-                  <a:r>
-                    <a:rPr lang="en-US">
-                      <a:noFill/>
-                    </a:rPr>
-                    <a:t> </a:t>
-                  </a:r>
-                </a:p>
-              </p:txBody>
-            </p:sp>
-          </mc:Fallback>
-        </mc:AlternateContent>
-        <mc:AlternateContent xmlns:mc="http://schemas.openxmlformats.org/markup-compatibility/2006">
-          <mc:Choice xmlns:a14="http://schemas.microsoft.com/office/drawing/2010/main" Requires="a14">
-            <p:sp>
-              <p:nvSpPr>
-                <p:cNvPr id="253" name="Rectangle 252"/>
-                <p:cNvSpPr/>
-                <p:nvPr/>
-              </p:nvSpPr>
-              <p:spPr>
-                <a:xfrm>
-                  <a:off x="9672314" y="1422697"/>
-                  <a:ext cx="399490" cy="1216363"/>
-                </a:xfrm>
-                <a:prstGeom prst="rect">
-                  <a:avLst/>
-                </a:prstGeom>
-                <a:ln w="19050">
-                  <a:solidFill>
-                    <a:schemeClr val="tx1"/>
-                  </a:solidFill>
-                </a:ln>
-              </p:spPr>
-              <p:style>
-                <a:lnRef idx="2">
-                  <a:schemeClr val="dk1"/>
-                </a:lnRef>
-                <a:fillRef idx="1">
-                  <a:schemeClr val="lt1"/>
-                </a:fillRef>
-                <a:effectRef idx="0">
-                  <a:schemeClr val="dk1"/>
-                </a:effectRef>
-                <a:fontRef idx="minor">
-                  <a:schemeClr val="dk1"/>
-                </a:fontRef>
-              </p:style>
-              <p:txBody>
-                <a:bodyPr vert="vert270" rtlCol="0" anchor="ctr"/>
-                <a:lstStyle/>
-                <a:p>
-                  <a:pPr algn="ctr"/>
-                  <a14:m>
-                    <m:oMathPara xmlns:m="http://schemas.openxmlformats.org/officeDocument/2006/math">
-                      <m:oMathParaPr>
-                        <m:jc m:val="center"/>
-                      </m:oMathParaPr>
-                      <m:oMath xmlns:m="http://schemas.openxmlformats.org/officeDocument/2006/math">
-                        <m:sSup>
-                          <m:sSupPr>
-                            <m:ctrlPr>
-                              <a:rPr lang="en-US" b="1" i="1" smtClean="0">
-                                <a:latin typeface="Cambria Math" panose="02040503050406030204" pitchFamily="18" charset="0"/>
-                              </a:rPr>
-                            </m:ctrlPr>
-                          </m:sSupPr>
-                          <m:e>
-                            <m:r>
-                              <a:rPr lang="en-US" b="1" i="0" smtClean="0">
-                                <a:latin typeface="Cambria Math" panose="02040503050406030204" pitchFamily="18" charset="0"/>
-                              </a:rPr>
-                              <m:t>𝐂𝐃</m:t>
-                            </m:r>
-                          </m:e>
-                          <m:sup>
-                            <m:r>
-                              <a:rPr lang="en-US" b="1" i="0" smtClean="0">
-                                <a:latin typeface="Cambria Math" panose="02040503050406030204" pitchFamily="18" charset="0"/>
-                              </a:rPr>
-                              <m:t>−</m:t>
-                            </m:r>
-                            <m:r>
-                              <a:rPr lang="en-US" b="1" i="0" smtClean="0">
-                                <a:latin typeface="Cambria Math" panose="02040503050406030204" pitchFamily="18" charset="0"/>
-                              </a:rPr>
-                              <m:t>𝟏</m:t>
-                            </m:r>
-                          </m:sup>
-                        </m:sSup>
-                      </m:oMath>
-                    </m:oMathPara>
-                  </a14:m>
-                  <a:endParaRPr lang="en-US" b="1" dirty="0"/>
-                </a:p>
-              </p:txBody>
-            </p:sp>
-          </mc:Choice>
-          <mc:Fallback>
-            <p:sp>
-              <p:nvSpPr>
-                <p:cNvPr id="253" name="Rectangle 252"/>
-                <p:cNvSpPr>
-                  <a:spLocks noRot="1" noChangeAspect="1" noMove="1" noResize="1" noEditPoints="1" noAdjustHandles="1" noChangeArrowheads="1" noChangeShapeType="1" noTextEdit="1"/>
-                </p:cNvSpPr>
-                <p:nvPr/>
-              </p:nvSpPr>
-              <p:spPr>
-                <a:xfrm>
-                  <a:off x="9672314" y="1422697"/>
-                  <a:ext cx="399490" cy="1216363"/>
-                </a:xfrm>
-                <a:prstGeom prst="rect">
-                  <a:avLst/>
-                </a:prstGeom>
-                <a:blipFill>
-                  <a:blip r:embed="rId26"/>
-                  <a:stretch>
-                    <a:fillRect/>
-                  </a:stretch>
-                </a:blipFill>
-                <a:ln w="19050">
-                  <a:solidFill>
-                    <a:schemeClr val="tx1"/>
-                  </a:solidFill>
-                </a:ln>
-              </p:spPr>
-              <p:txBody>
-                <a:bodyPr/>
-                <a:lstStyle/>
-                <a:p>
-                  <a:r>
-                    <a:rPr lang="en-US">
-                      <a:noFill/>
-                    </a:rPr>
-                    <a:t> </a:t>
-                  </a:r>
-                </a:p>
-              </p:txBody>
-            </p:sp>
-          </mc:Fallback>
-        </mc:AlternateContent>
-        <p:cxnSp>
-          <p:nvCxnSpPr>
-            <p:cNvPr id="262" name="Straight Arrow Connector 261"/>
-            <p:cNvCxnSpPr>
-              <a:endCxn id="243" idx="0"/>
-            </p:cNvCxnSpPr>
-            <p:nvPr/>
-          </p:nvCxnSpPr>
-          <p:spPr>
-            <a:xfrm>
-              <a:off x="8208700" y="2030878"/>
-              <a:ext cx="340004" cy="2"/>
-            </a:xfrm>
-            <a:prstGeom prst="straightConnector1">
-              <a:avLst/>
-            </a:prstGeom>
-            <a:ln w="19050">
-              <a:solidFill>
-                <a:schemeClr val="tx1"/>
-              </a:solidFill>
-              <a:tailEnd type="triangle"/>
-            </a:ln>
-          </p:spPr>
-          <p:style>
-            <a:lnRef idx="2">
-              <a:schemeClr val="dk1"/>
-            </a:lnRef>
-            <a:fillRef idx="1">
-              <a:schemeClr val="lt1"/>
-            </a:fillRef>
-            <a:effectRef idx="0">
-              <a:schemeClr val="dk1"/>
-            </a:effectRef>
-            <a:fontRef idx="minor">
-              <a:schemeClr val="dk1"/>
-            </a:fontRef>
-          </p:style>
-        </p:cxnSp>
-        <p:sp>
-          <p:nvSpPr>
-            <p:cNvPr id="272" name="Rectangle 271"/>
-            <p:cNvSpPr/>
-            <p:nvPr/>
-          </p:nvSpPr>
-          <p:spPr>
-            <a:xfrm>
-              <a:off x="10071805" y="1422697"/>
-              <a:ext cx="728257" cy="2432727"/>
-            </a:xfrm>
-            <a:prstGeom prst="rect">
-              <a:avLst/>
-            </a:prstGeom>
-            <a:ln w="19050">
-              <a:solidFill>
-                <a:schemeClr val="tx1"/>
-              </a:solidFill>
-            </a:ln>
-          </p:spPr>
-          <p:style>
-            <a:lnRef idx="2">
-              <a:schemeClr val="dk1"/>
-            </a:lnRef>
-            <a:fillRef idx="1">
-              <a:schemeClr val="lt1"/>
-            </a:fillRef>
-            <a:effectRef idx="0">
-              <a:schemeClr val="dk1"/>
-            </a:effectRef>
-            <a:fontRef idx="minor">
-              <a:schemeClr val="dk1"/>
-            </a:fontRef>
-          </p:style>
-          <p:txBody>
-            <a:bodyPr vert="vert270" rtlCol="0" anchor="ctr"/>
-            <a:lstStyle/>
-            <a:p>
-              <a:pPr algn="ctr"/>
-              <a:r>
-                <a:rPr lang="en-US" b="1" dirty="0" smtClean="0"/>
-                <a:t>Stokes Pol-</a:t>
-              </a:r>
-              <a:r>
-                <a:rPr lang="en-US" b="1" dirty="0" err="1" smtClean="0"/>
-                <a:t>Demux</a:t>
-              </a:r>
-              <a:endParaRPr lang="en-US" b="1" dirty="0"/>
-            </a:p>
-          </p:txBody>
-        </p:sp>
-        <p:sp>
-          <p:nvSpPr>
-            <p:cNvPr id="276" name="Rectangle 275"/>
-            <p:cNvSpPr/>
-            <p:nvPr/>
-          </p:nvSpPr>
-          <p:spPr>
-            <a:xfrm>
-              <a:off x="11243696" y="1422697"/>
-              <a:ext cx="679620" cy="2432727"/>
-            </a:xfrm>
-            <a:prstGeom prst="rect">
-              <a:avLst/>
-            </a:prstGeom>
-            <a:ln w="19050">
-              <a:solidFill>
-                <a:schemeClr val="tx1"/>
-              </a:solidFill>
-            </a:ln>
-          </p:spPr>
-          <p:style>
-            <a:lnRef idx="2">
-              <a:schemeClr val="dk1"/>
-            </a:lnRef>
-            <a:fillRef idx="1">
-              <a:schemeClr val="lt1"/>
-            </a:fillRef>
-            <a:effectRef idx="0">
-              <a:schemeClr val="dk1"/>
-            </a:effectRef>
-            <a:fontRef idx="minor">
-              <a:schemeClr val="dk1"/>
-            </a:fontRef>
-          </p:style>
-          <p:txBody>
-            <a:bodyPr vert="vert270" rtlCol="0" anchor="ctr"/>
-            <a:lstStyle/>
-            <a:p>
-              <a:pPr algn="ctr"/>
-              <a:r>
-                <a:rPr lang="en-US" b="1" dirty="0" smtClean="0"/>
-                <a:t>Symbol Decoding</a:t>
-              </a:r>
-              <a:endParaRPr lang="en-US" b="1" dirty="0"/>
-            </a:p>
-          </p:txBody>
-        </p:sp>
-        <p:cxnSp>
-          <p:nvCxnSpPr>
-            <p:cNvPr id="279" name="Straight Arrow Connector 278"/>
-            <p:cNvCxnSpPr/>
-            <p:nvPr/>
-          </p:nvCxnSpPr>
-          <p:spPr>
-            <a:xfrm>
-              <a:off x="10800062" y="2030878"/>
-              <a:ext cx="443634" cy="0"/>
-            </a:xfrm>
-            <a:prstGeom prst="straightConnector1">
-              <a:avLst/>
-            </a:prstGeom>
-            <a:ln w="19050">
-              <a:solidFill>
-                <a:schemeClr val="tx1"/>
-              </a:solidFill>
-              <a:tailEnd type="triangle"/>
-            </a:ln>
-          </p:spPr>
-          <p:style>
-            <a:lnRef idx="2">
-              <a:schemeClr val="dk1"/>
-            </a:lnRef>
-            <a:fillRef idx="1">
-              <a:schemeClr val="lt1"/>
-            </a:fillRef>
-            <a:effectRef idx="0">
-              <a:schemeClr val="dk1"/>
-            </a:effectRef>
-            <a:fontRef idx="minor">
-              <a:schemeClr val="dk1"/>
-            </a:fontRef>
-          </p:style>
-        </p:cxnSp>
-        <p:cxnSp>
-          <p:nvCxnSpPr>
-            <p:cNvPr id="283" name="Straight Arrow Connector 282"/>
-            <p:cNvCxnSpPr/>
-            <p:nvPr/>
-          </p:nvCxnSpPr>
-          <p:spPr>
-            <a:xfrm>
-              <a:off x="10800062" y="3247239"/>
-              <a:ext cx="443634" cy="0"/>
-            </a:xfrm>
-            <a:prstGeom prst="straightConnector1">
-              <a:avLst/>
-            </a:prstGeom>
-            <a:ln w="19050">
-              <a:solidFill>
-                <a:schemeClr val="tx1"/>
-              </a:solidFill>
-              <a:tailEnd type="triangle"/>
-            </a:ln>
-          </p:spPr>
-          <p:style>
-            <a:lnRef idx="2">
-              <a:schemeClr val="dk1"/>
-            </a:lnRef>
-            <a:fillRef idx="1">
-              <a:schemeClr val="lt1"/>
-            </a:fillRef>
-            <a:effectRef idx="0">
-              <a:schemeClr val="dk1"/>
-            </a:effectRef>
-            <a:fontRef idx="minor">
-              <a:schemeClr val="dk1"/>
-            </a:fontRef>
-          </p:style>
-        </p:cxnSp>
-        <mc:AlternateContent xmlns:mc="http://schemas.openxmlformats.org/markup-compatibility/2006">
-          <mc:Choice xmlns:a14="http://schemas.microsoft.com/office/drawing/2010/main" Requires="a14">
-            <p:sp>
-              <p:nvSpPr>
-                <p:cNvPr id="365" name="Rectangle 364"/>
-                <p:cNvSpPr/>
-                <p:nvPr/>
-              </p:nvSpPr>
-              <p:spPr>
-                <a:xfrm>
-                  <a:off x="6688934" y="1386220"/>
-                  <a:ext cx="623889" cy="369332"/>
-                </a:xfrm>
-                <a:prstGeom prst="rect">
-                  <a:avLst/>
-                </a:prstGeom>
-                <a:ln w="19050">
-                  <a:noFill/>
-                </a:ln>
-              </p:spPr>
-              <p:txBody>
-                <a:bodyPr wrap="none">
-                  <a:spAutoFit/>
-                </a:bodyPr>
-                <a:lstStyle/>
-                <a:p>
-                  <a:pPr/>
-                  <a14:m>
-                    <m:oMathPara xmlns:m="http://schemas.openxmlformats.org/officeDocument/2006/math">
-                      <m:oMathParaPr>
-                        <m:jc m:val="centerGroup"/>
-                      </m:oMathParaPr>
-                      <m:oMath xmlns:m="http://schemas.openxmlformats.org/officeDocument/2006/math">
-                        <m:r>
-                          <m:rPr>
-                            <m:sty m:val="p"/>
-                          </m:rPr>
-                          <a:rPr lang="en-US" b="0" i="0" smtClean="0">
-                            <a:latin typeface="Cambria Math" panose="02040503050406030204" pitchFamily="18" charset="0"/>
-                          </a:rPr>
-                          <m:t>PBS</m:t>
-                        </m:r>
-                      </m:oMath>
-                    </m:oMathPara>
-                  </a14:m>
-                  <a:endParaRPr lang="en-US" dirty="0"/>
-                </a:p>
-              </p:txBody>
-            </p:sp>
-          </mc:Choice>
-          <mc:Fallback>
-            <p:sp>
-              <p:nvSpPr>
-                <p:cNvPr id="365" name="Rectangle 364"/>
-                <p:cNvSpPr>
-                  <a:spLocks noRot="1" noChangeAspect="1" noMove="1" noResize="1" noEditPoints="1" noAdjustHandles="1" noChangeArrowheads="1" noChangeShapeType="1" noTextEdit="1"/>
-                </p:cNvSpPr>
-                <p:nvPr/>
-              </p:nvSpPr>
-              <p:spPr>
-                <a:xfrm>
-                  <a:off x="6688934" y="1386220"/>
-                  <a:ext cx="623889" cy="369332"/>
-                </a:xfrm>
-                <a:prstGeom prst="rect">
-                  <a:avLst/>
-                </a:prstGeom>
-                <a:blipFill>
-                  <a:blip r:embed="rId27"/>
-                  <a:stretch>
-                    <a:fillRect/>
-                  </a:stretch>
-                </a:blipFill>
-                <a:ln w="19050">
-                  <a:noFill/>
-                </a:ln>
-              </p:spPr>
-              <p:txBody>
-                <a:bodyPr/>
-                <a:lstStyle/>
-                <a:p>
-                  <a:r>
-                    <a:rPr lang="en-US">
-                      <a:noFill/>
-                    </a:rPr>
-                    <a:t> </a:t>
-                  </a:r>
-                </a:p>
-              </p:txBody>
-            </p:sp>
-          </mc:Fallback>
-        </mc:AlternateContent>
-        <mc:AlternateContent xmlns:mc="http://schemas.openxmlformats.org/markup-compatibility/2006">
-          <mc:Choice xmlns:a14="http://schemas.microsoft.com/office/drawing/2010/main" Requires="a14">
-            <p:sp>
-              <p:nvSpPr>
-                <p:cNvPr id="366" name="Rectangle 365"/>
-                <p:cNvSpPr/>
-                <p:nvPr/>
-              </p:nvSpPr>
-              <p:spPr>
-                <a:xfrm>
-                  <a:off x="8273746" y="496284"/>
-                  <a:ext cx="1016624" cy="369332"/>
-                </a:xfrm>
-                <a:prstGeom prst="rect">
-                  <a:avLst/>
-                </a:prstGeom>
-                <a:ln w="19050">
-                  <a:noFill/>
-                </a:ln>
-              </p:spPr>
-              <p:txBody>
-                <a:bodyPr wrap="none">
-                  <a:spAutoFit/>
-                </a:bodyPr>
-                <a:lstStyle/>
-                <a:p>
-                  <a:pPr/>
-                  <a14:m>
-                    <m:oMathPara xmlns:m="http://schemas.openxmlformats.org/officeDocument/2006/math">
-                      <m:oMathParaPr>
-                        <m:jc m:val="centerGroup"/>
-                      </m:oMathParaPr>
-                      <m:oMath xmlns:m="http://schemas.openxmlformats.org/officeDocument/2006/math">
-                        <m:r>
-                          <m:rPr>
-                            <m:sty m:val="p"/>
-                          </m:rPr>
-                          <a:rPr lang="en-US" b="0" i="0" smtClean="0">
-                            <a:latin typeface="Cambria Math" panose="02040503050406030204" pitchFamily="18" charset="0"/>
-                          </a:rPr>
-                          <m:t>Coupler</m:t>
-                        </m:r>
-                      </m:oMath>
-                    </m:oMathPara>
-                  </a14:m>
-                  <a:endParaRPr lang="en-US" dirty="0"/>
-                </a:p>
-              </p:txBody>
-            </p:sp>
-          </mc:Choice>
-          <mc:Fallback>
-            <p:sp>
-              <p:nvSpPr>
-                <p:cNvPr id="366" name="Rectangle 365"/>
-                <p:cNvSpPr>
-                  <a:spLocks noRot="1" noChangeAspect="1" noMove="1" noResize="1" noEditPoints="1" noAdjustHandles="1" noChangeArrowheads="1" noChangeShapeType="1" noTextEdit="1"/>
-                </p:cNvSpPr>
-                <p:nvPr/>
-              </p:nvSpPr>
-              <p:spPr>
-                <a:xfrm>
-                  <a:off x="8273746" y="496284"/>
-                  <a:ext cx="1016624" cy="369332"/>
-                </a:xfrm>
-                <a:prstGeom prst="rect">
-                  <a:avLst/>
-                </a:prstGeom>
-                <a:blipFill>
-                  <a:blip r:embed="rId28"/>
-                  <a:stretch>
-                    <a:fillRect b="-13115"/>
-                  </a:stretch>
-                </a:blipFill>
-                <a:ln w="19050">
-                  <a:noFill/>
-                </a:ln>
-              </p:spPr>
-              <p:txBody>
-                <a:bodyPr/>
-                <a:lstStyle/>
-                <a:p>
-                  <a:r>
-                    <a:rPr lang="en-US">
-                      <a:noFill/>
-                    </a:rPr>
-                    <a:t> </a:t>
-                  </a:r>
-                </a:p>
-              </p:txBody>
-            </p:sp>
-          </mc:Fallback>
-        </mc:AlternateContent>
-        <p:cxnSp>
-          <p:nvCxnSpPr>
-            <p:cNvPr id="368" name="Straight Arrow Connector 367"/>
-            <p:cNvCxnSpPr/>
-            <p:nvPr/>
-          </p:nvCxnSpPr>
-          <p:spPr>
-            <a:xfrm flipH="1">
-              <a:off x="8111662" y="833476"/>
-              <a:ext cx="730567" cy="790152"/>
-            </a:xfrm>
-            <a:prstGeom prst="straightConnector1">
-              <a:avLst/>
-            </a:prstGeom>
-            <a:ln w="19050">
-              <a:solidFill>
-                <a:schemeClr val="tx1"/>
-              </a:solidFill>
-              <a:tailEnd type="triangle"/>
-            </a:ln>
-          </p:spPr>
-          <p:style>
-            <a:lnRef idx="1">
-              <a:schemeClr val="accent1"/>
-            </a:lnRef>
-            <a:fillRef idx="0">
-              <a:schemeClr val="accent1"/>
-            </a:fillRef>
-            <a:effectRef idx="0">
-              <a:schemeClr val="accent1"/>
-            </a:effectRef>
-            <a:fontRef idx="minor">
+            </a:solidFill>
+          </a:ln>
+        </p:spPr>
+        <p:style>
+          <a:lnRef idx="2">
+            <a:schemeClr val="dk1"/>
+          </a:lnRef>
+          <a:fillRef idx="1">
+            <a:schemeClr val="lt1"/>
+          </a:fillRef>
+          <a:effectRef idx="0">
+            <a:schemeClr val="dk1"/>
+          </a:effectRef>
+          <a:fontRef idx="minor">
+            <a:schemeClr val="dk1"/>
+          </a:fontRef>
+        </p:style>
+        <p:txBody>
+          <a:bodyPr vert="vert270" rtlCol="0" anchor="ctr"/>
+          <a:lstStyle/>
+          <a:p>
+            <a:pPr algn="ctr"/>
+            <a:r>
+              <a:rPr lang="en-US" b="1" dirty="0" smtClean="0"/>
+              <a:t>Symbol Decoding</a:t>
+            </a:r>
+            <a:endParaRPr lang="en-US" b="1" dirty="0"/>
+          </a:p>
+        </p:txBody>
+      </p:sp>
+      <p:cxnSp>
+        <p:nvCxnSpPr>
+          <p:cNvPr id="279" name="Straight Arrow Connector 278"/>
+          <p:cNvCxnSpPr/>
+          <p:nvPr/>
+        </p:nvCxnSpPr>
+        <p:spPr>
+          <a:xfrm>
+            <a:off x="10800062" y="2030877"/>
+            <a:ext cx="443634" cy="0"/>
+          </a:xfrm>
+          <a:prstGeom prst="straightConnector1">
+            <a:avLst/>
+          </a:prstGeom>
+          <a:ln w="19050">
+            <a:solidFill>
               <a:schemeClr val="tx1"/>
-            </a:fontRef>
-          </p:style>
-        </p:cxnSp>
-        <mc:AlternateContent xmlns:mc="http://schemas.openxmlformats.org/markup-compatibility/2006">
-          <mc:Choice xmlns:a14="http://schemas.microsoft.com/office/drawing/2010/main" Requires="a14">
-            <p:sp>
-              <p:nvSpPr>
-                <p:cNvPr id="369" name="Rectangle 368"/>
-                <p:cNvSpPr/>
-                <p:nvPr/>
-              </p:nvSpPr>
-              <p:spPr>
-                <a:xfrm>
-                  <a:off x="8213003" y="4405408"/>
-                  <a:ext cx="1721945" cy="369332"/>
-                </a:xfrm>
-                <a:prstGeom prst="rect">
-                  <a:avLst/>
-                </a:prstGeom>
-                <a:ln w="19050">
-                  <a:noFill/>
-                </a:ln>
-              </p:spPr>
-              <p:txBody>
-                <a:bodyPr wrap="none">
-                  <a:spAutoFit/>
-                </a:bodyPr>
-                <a:lstStyle/>
-                <a:p>
-                  <a:pPr/>
-                  <a14:m>
-                    <m:oMathPara xmlns:m="http://schemas.openxmlformats.org/officeDocument/2006/math">
-                      <m:oMathParaPr>
-                        <m:jc m:val="centerGroup"/>
-                      </m:oMathParaPr>
-                      <m:oMath xmlns:m="http://schemas.openxmlformats.org/officeDocument/2006/math">
-                        <m:r>
-                          <m:rPr>
-                            <m:sty m:val="p"/>
-                          </m:rPr>
-                          <a:rPr lang="en-US" b="0" i="0" smtClean="0">
-                            <a:latin typeface="Cambria Math" panose="02040503050406030204" pitchFamily="18" charset="0"/>
-                          </a:rPr>
-                          <m:t>Photo</m:t>
-                        </m:r>
-                        <m:r>
-                          <a:rPr lang="en-US" b="0" i="0" smtClean="0">
-                            <a:latin typeface="Cambria Math" panose="02040503050406030204" pitchFamily="18" charset="0"/>
-                          </a:rPr>
-                          <m:t> </m:t>
-                        </m:r>
-                        <m:r>
-                          <m:rPr>
-                            <m:sty m:val="p"/>
-                          </m:rPr>
-                          <a:rPr lang="en-US" b="0" i="0" smtClean="0">
-                            <a:latin typeface="Cambria Math" panose="02040503050406030204" pitchFamily="18" charset="0"/>
-                          </a:rPr>
-                          <m:t>Detector</m:t>
-                        </m:r>
-                      </m:oMath>
-                    </m:oMathPara>
-                  </a14:m>
-                  <a:endParaRPr lang="en-US" dirty="0"/>
-                </a:p>
-              </p:txBody>
-            </p:sp>
-          </mc:Choice>
-          <mc:Fallback>
-            <p:sp>
-              <p:nvSpPr>
-                <p:cNvPr id="369" name="Rectangle 368"/>
-                <p:cNvSpPr>
-                  <a:spLocks noRot="1" noChangeAspect="1" noMove="1" noResize="1" noEditPoints="1" noAdjustHandles="1" noChangeArrowheads="1" noChangeShapeType="1" noTextEdit="1"/>
-                </p:cNvSpPr>
-                <p:nvPr/>
-              </p:nvSpPr>
-              <p:spPr>
-                <a:xfrm>
-                  <a:off x="8213003" y="4405408"/>
-                  <a:ext cx="1721945" cy="369332"/>
-                </a:xfrm>
-                <a:prstGeom prst="rect">
-                  <a:avLst/>
-                </a:prstGeom>
-                <a:blipFill>
-                  <a:blip r:embed="rId29"/>
-                  <a:stretch>
-                    <a:fillRect/>
-                  </a:stretch>
-                </a:blipFill>
-                <a:ln w="19050">
-                  <a:noFill/>
-                </a:ln>
-              </p:spPr>
-              <p:txBody>
-                <a:bodyPr/>
-                <a:lstStyle/>
-                <a:p>
-                  <a:r>
-                    <a:rPr lang="en-US">
-                      <a:noFill/>
-                    </a:rPr>
-                    <a:t> </a:t>
-                  </a:r>
-                </a:p>
-              </p:txBody>
-            </p:sp>
-          </mc:Fallback>
-        </mc:AlternateContent>
-        <p:cxnSp>
-          <p:nvCxnSpPr>
-            <p:cNvPr id="371" name="Straight Arrow Connector 370"/>
-            <p:cNvCxnSpPr>
-              <a:endCxn id="244" idx="3"/>
-            </p:cNvCxnSpPr>
-            <p:nvPr/>
-          </p:nvCxnSpPr>
-          <p:spPr>
-            <a:xfrm flipH="1" flipV="1">
-              <a:off x="8699415" y="3537194"/>
-              <a:ext cx="374560" cy="868214"/>
-            </a:xfrm>
-            <a:prstGeom prst="straightConnector1">
-              <a:avLst/>
-            </a:prstGeom>
-            <a:ln w="19050">
-              <a:solidFill>
-                <a:schemeClr val="tx1"/>
-              </a:solidFill>
-              <a:tailEnd type="triangle"/>
-            </a:ln>
-          </p:spPr>
-          <p:style>
-            <a:lnRef idx="1">
-              <a:schemeClr val="accent1"/>
-            </a:lnRef>
-            <a:fillRef idx="0">
-              <a:schemeClr val="accent1"/>
-            </a:fillRef>
-            <a:effectRef idx="0">
-              <a:schemeClr val="accent1"/>
-            </a:effectRef>
-            <a:fontRef idx="minor">
+            </a:solidFill>
+            <a:tailEnd type="triangle"/>
+          </a:ln>
+        </p:spPr>
+        <p:style>
+          <a:lnRef idx="2">
+            <a:schemeClr val="dk1"/>
+          </a:lnRef>
+          <a:fillRef idx="1">
+            <a:schemeClr val="lt1"/>
+          </a:fillRef>
+          <a:effectRef idx="0">
+            <a:schemeClr val="dk1"/>
+          </a:effectRef>
+          <a:fontRef idx="minor">
+            <a:schemeClr val="dk1"/>
+          </a:fontRef>
+        </p:style>
+      </p:cxnSp>
+      <p:cxnSp>
+        <p:nvCxnSpPr>
+          <p:cNvPr id="283" name="Straight Arrow Connector 282"/>
+          <p:cNvCxnSpPr/>
+          <p:nvPr/>
+        </p:nvCxnSpPr>
+        <p:spPr>
+          <a:xfrm>
+            <a:off x="10800062" y="3247238"/>
+            <a:ext cx="443634" cy="0"/>
+          </a:xfrm>
+          <a:prstGeom prst="straightConnector1">
+            <a:avLst/>
+          </a:prstGeom>
+          <a:ln w="19050">
+            <a:solidFill>
               <a:schemeClr val="tx1"/>
-            </a:fontRef>
-          </p:style>
-        </p:cxnSp>
-        <p:sp>
-          <p:nvSpPr>
-            <p:cNvPr id="20" name="Rounded Rectangle 19"/>
-            <p:cNvSpPr/>
-            <p:nvPr/>
-          </p:nvSpPr>
-          <p:spPr>
-            <a:xfrm>
-              <a:off x="8013075" y="1630188"/>
-              <a:ext cx="194080" cy="813308"/>
-            </a:xfrm>
-            <a:prstGeom prst="roundRect">
-              <a:avLst/>
-            </a:prstGeom>
-            <a:ln w="19050">
-              <a:solidFill>
-                <a:schemeClr val="tx1"/>
-              </a:solidFill>
-            </a:ln>
-          </p:spPr>
-          <p:style>
-            <a:lnRef idx="2">
-              <a:schemeClr val="dk1"/>
-            </a:lnRef>
-            <a:fillRef idx="1">
-              <a:schemeClr val="lt1"/>
-            </a:fillRef>
-            <a:effectRef idx="0">
-              <a:schemeClr val="dk1"/>
-            </a:effectRef>
-            <a:fontRef idx="minor">
-              <a:schemeClr val="dk1"/>
-            </a:fontRef>
-          </p:style>
-          <p:txBody>
-            <a:bodyPr rtlCol="0" anchor="ctr"/>
-            <a:lstStyle/>
-            <a:p>
-              <a:pPr algn="ctr"/>
-              <a:endParaRPr lang="en-US"/>
-            </a:p>
-          </p:txBody>
-        </p:sp>
-        <p:sp>
-          <p:nvSpPr>
-            <p:cNvPr id="104" name="Rounded Rectangle 103"/>
-            <p:cNvSpPr/>
-            <p:nvPr/>
-          </p:nvSpPr>
-          <p:spPr>
-            <a:xfrm>
-              <a:off x="8019465" y="2844186"/>
-              <a:ext cx="194080" cy="813308"/>
-            </a:xfrm>
-            <a:prstGeom prst="roundRect">
-              <a:avLst/>
-            </a:prstGeom>
-            <a:ln w="19050">
-              <a:solidFill>
-                <a:schemeClr val="tx1"/>
-              </a:solidFill>
-            </a:ln>
-          </p:spPr>
-          <p:style>
-            <a:lnRef idx="2">
-              <a:schemeClr val="dk1"/>
-            </a:lnRef>
-            <a:fillRef idx="1">
-              <a:schemeClr val="lt1"/>
-            </a:fillRef>
-            <a:effectRef idx="0">
-              <a:schemeClr val="dk1"/>
-            </a:effectRef>
-            <a:fontRef idx="minor">
-              <a:schemeClr val="dk1"/>
-            </a:fontRef>
-          </p:style>
-          <p:txBody>
-            <a:bodyPr rtlCol="0" anchor="ctr"/>
-            <a:lstStyle/>
-            <a:p>
-              <a:pPr algn="ctr"/>
-              <a:endParaRPr lang="en-US"/>
-            </a:p>
-          </p:txBody>
-        </p:sp>
-      </p:grpSp>
+            </a:solidFill>
+            <a:tailEnd type="triangle"/>
+          </a:ln>
+        </p:spPr>
+        <p:style>
+          <a:lnRef idx="2">
+            <a:schemeClr val="dk1"/>
+          </a:lnRef>
+          <a:fillRef idx="1">
+            <a:schemeClr val="lt1"/>
+          </a:fillRef>
+          <a:effectRef idx="0">
+            <a:schemeClr val="dk1"/>
+          </a:effectRef>
+          <a:fontRef idx="minor">
+            <a:schemeClr val="dk1"/>
+          </a:fontRef>
+        </p:style>
+      </p:cxnSp>
+      <mc:AlternateContent xmlns:mc="http://schemas.openxmlformats.org/markup-compatibility/2006">
+        <mc:Choice xmlns:a14="http://schemas.microsoft.com/office/drawing/2010/main" Requires="a14">
+          <p:sp>
+            <p:nvSpPr>
+              <p:cNvPr id="365" name="Rectangle 364"/>
+              <p:cNvSpPr/>
+              <p:nvPr/>
+            </p:nvSpPr>
+            <p:spPr>
+              <a:xfrm>
+                <a:off x="6688934" y="1386219"/>
+                <a:ext cx="623889" cy="369332"/>
+              </a:xfrm>
+              <a:prstGeom prst="rect">
+                <a:avLst/>
+              </a:prstGeom>
+              <a:ln w="19050">
+                <a:noFill/>
+              </a:ln>
+            </p:spPr>
+            <p:txBody>
+              <a:bodyPr wrap="none">
+                <a:spAutoFit/>
+              </a:bodyPr>
+              <a:lstStyle/>
+              <a:p>
+                <a:pPr/>
+                <a14:m>
+                  <m:oMathPara xmlns:m="http://schemas.openxmlformats.org/officeDocument/2006/math">
+                    <m:oMathParaPr>
+                      <m:jc m:val="centerGroup"/>
+                    </m:oMathParaPr>
+                    <m:oMath xmlns:m="http://schemas.openxmlformats.org/officeDocument/2006/math">
+                      <m:r>
+                        <m:rPr>
+                          <m:sty m:val="p"/>
+                        </m:rPr>
+                        <a:rPr lang="en-US" b="0" i="0" smtClean="0">
+                          <a:latin typeface="Cambria Math" panose="02040503050406030204" pitchFamily="18" charset="0"/>
+                        </a:rPr>
+                        <m:t>PBS</m:t>
+                      </m:r>
+                    </m:oMath>
+                  </m:oMathPara>
+                </a14:m>
+                <a:endParaRPr lang="en-US" dirty="0"/>
+              </a:p>
+            </p:txBody>
+          </p:sp>
+        </mc:Choice>
+        <mc:Fallback>
+          <p:sp>
+            <p:nvSpPr>
+              <p:cNvPr id="365" name="Rectangle 364"/>
+              <p:cNvSpPr>
+                <a:spLocks noRot="1" noChangeAspect="1" noMove="1" noResize="1" noEditPoints="1" noAdjustHandles="1" noChangeArrowheads="1" noChangeShapeType="1" noTextEdit="1"/>
+              </p:cNvSpPr>
+              <p:nvPr/>
+            </p:nvSpPr>
+            <p:spPr>
+              <a:xfrm>
+                <a:off x="6688934" y="1386219"/>
+                <a:ext cx="623889" cy="369332"/>
+              </a:xfrm>
+              <a:prstGeom prst="rect">
+                <a:avLst/>
+              </a:prstGeom>
+              <a:blipFill>
+                <a:blip r:embed="rId26"/>
+                <a:stretch>
+                  <a:fillRect/>
+                </a:stretch>
+              </a:blipFill>
+              <a:ln w="19050">
+                <a:noFill/>
+              </a:ln>
+            </p:spPr>
+            <p:txBody>
+              <a:bodyPr/>
+              <a:lstStyle/>
+              <a:p>
+                <a:r>
+                  <a:rPr lang="en-US">
+                    <a:noFill/>
+                  </a:rPr>
+                  <a:t> </a:t>
+                </a:r>
+              </a:p>
+            </p:txBody>
+          </p:sp>
+        </mc:Fallback>
+      </mc:AlternateContent>
+      <mc:AlternateContent xmlns:mc="http://schemas.openxmlformats.org/markup-compatibility/2006">
+        <mc:Choice xmlns:a14="http://schemas.microsoft.com/office/drawing/2010/main" Requires="a14">
+          <p:sp>
+            <p:nvSpPr>
+              <p:cNvPr id="366" name="Rectangle 365"/>
+              <p:cNvSpPr/>
+              <p:nvPr/>
+            </p:nvSpPr>
+            <p:spPr>
+              <a:xfrm>
+                <a:off x="8273746" y="496283"/>
+                <a:ext cx="1016624" cy="369332"/>
+              </a:xfrm>
+              <a:prstGeom prst="rect">
+                <a:avLst/>
+              </a:prstGeom>
+              <a:ln w="19050">
+                <a:noFill/>
+              </a:ln>
+            </p:spPr>
+            <p:txBody>
+              <a:bodyPr wrap="none">
+                <a:spAutoFit/>
+              </a:bodyPr>
+              <a:lstStyle/>
+              <a:p>
+                <a:pPr/>
+                <a14:m>
+                  <m:oMathPara xmlns:m="http://schemas.openxmlformats.org/officeDocument/2006/math">
+                    <m:oMathParaPr>
+                      <m:jc m:val="centerGroup"/>
+                    </m:oMathParaPr>
+                    <m:oMath xmlns:m="http://schemas.openxmlformats.org/officeDocument/2006/math">
+                      <m:r>
+                        <m:rPr>
+                          <m:sty m:val="p"/>
+                        </m:rPr>
+                        <a:rPr lang="en-US" b="0" i="0" smtClean="0">
+                          <a:latin typeface="Cambria Math" panose="02040503050406030204" pitchFamily="18" charset="0"/>
+                        </a:rPr>
+                        <m:t>Coupler</m:t>
+                      </m:r>
+                    </m:oMath>
+                  </m:oMathPara>
+                </a14:m>
+                <a:endParaRPr lang="en-US" dirty="0"/>
+              </a:p>
+            </p:txBody>
+          </p:sp>
+        </mc:Choice>
+        <mc:Fallback>
+          <p:sp>
+            <p:nvSpPr>
+              <p:cNvPr id="366" name="Rectangle 365"/>
+              <p:cNvSpPr>
+                <a:spLocks noRot="1" noChangeAspect="1" noMove="1" noResize="1" noEditPoints="1" noAdjustHandles="1" noChangeArrowheads="1" noChangeShapeType="1" noTextEdit="1"/>
+              </p:cNvSpPr>
+              <p:nvPr/>
+            </p:nvSpPr>
+            <p:spPr>
+              <a:xfrm>
+                <a:off x="8273746" y="496283"/>
+                <a:ext cx="1016624" cy="369332"/>
+              </a:xfrm>
+              <a:prstGeom prst="rect">
+                <a:avLst/>
+              </a:prstGeom>
+              <a:blipFill>
+                <a:blip r:embed="rId27"/>
+                <a:stretch>
+                  <a:fillRect b="-13115"/>
+                </a:stretch>
+              </a:blipFill>
+              <a:ln w="19050">
+                <a:noFill/>
+              </a:ln>
+            </p:spPr>
+            <p:txBody>
+              <a:bodyPr/>
+              <a:lstStyle/>
+              <a:p>
+                <a:r>
+                  <a:rPr lang="en-US">
+                    <a:noFill/>
+                  </a:rPr>
+                  <a:t> </a:t>
+                </a:r>
+              </a:p>
+            </p:txBody>
+          </p:sp>
+        </mc:Fallback>
+      </mc:AlternateContent>
+      <p:cxnSp>
+        <p:nvCxnSpPr>
+          <p:cNvPr id="368" name="Straight Arrow Connector 367"/>
+          <p:cNvCxnSpPr/>
+          <p:nvPr/>
+        </p:nvCxnSpPr>
+        <p:spPr>
+          <a:xfrm flipH="1">
+            <a:off x="8111662" y="833475"/>
+            <a:ext cx="730567" cy="790152"/>
+          </a:xfrm>
+          <a:prstGeom prst="straightConnector1">
+            <a:avLst/>
+          </a:prstGeom>
+          <a:ln w="19050">
+            <a:solidFill>
+              <a:schemeClr val="tx1"/>
+            </a:solidFill>
+            <a:tailEnd type="triangle"/>
+          </a:ln>
+        </p:spPr>
+        <p:style>
+          <a:lnRef idx="1">
+            <a:schemeClr val="accent1"/>
+          </a:lnRef>
+          <a:fillRef idx="0">
+            <a:schemeClr val="accent1"/>
+          </a:fillRef>
+          <a:effectRef idx="0">
+            <a:schemeClr val="accent1"/>
+          </a:effectRef>
+          <a:fontRef idx="minor">
+            <a:schemeClr val="tx1"/>
+          </a:fontRef>
+        </p:style>
+      </p:cxnSp>
+      <mc:AlternateContent xmlns:mc="http://schemas.openxmlformats.org/markup-compatibility/2006">
+        <mc:Choice xmlns:a14="http://schemas.microsoft.com/office/drawing/2010/main" Requires="a14">
+          <p:sp>
+            <p:nvSpPr>
+              <p:cNvPr id="369" name="Rectangle 368"/>
+              <p:cNvSpPr/>
+              <p:nvPr/>
+            </p:nvSpPr>
+            <p:spPr>
+              <a:xfrm>
+                <a:off x="8213003" y="4405407"/>
+                <a:ext cx="1721945" cy="369332"/>
+              </a:xfrm>
+              <a:prstGeom prst="rect">
+                <a:avLst/>
+              </a:prstGeom>
+              <a:ln w="19050">
+                <a:noFill/>
+              </a:ln>
+            </p:spPr>
+            <p:txBody>
+              <a:bodyPr wrap="none">
+                <a:spAutoFit/>
+              </a:bodyPr>
+              <a:lstStyle/>
+              <a:p>
+                <a:pPr/>
+                <a14:m>
+                  <m:oMathPara xmlns:m="http://schemas.openxmlformats.org/officeDocument/2006/math">
+                    <m:oMathParaPr>
+                      <m:jc m:val="centerGroup"/>
+                    </m:oMathParaPr>
+                    <m:oMath xmlns:m="http://schemas.openxmlformats.org/officeDocument/2006/math">
+                      <m:r>
+                        <m:rPr>
+                          <m:sty m:val="p"/>
+                        </m:rPr>
+                        <a:rPr lang="en-US" b="0" i="0" smtClean="0">
+                          <a:latin typeface="Cambria Math" panose="02040503050406030204" pitchFamily="18" charset="0"/>
+                        </a:rPr>
+                        <m:t>Photo</m:t>
+                      </m:r>
+                      <m:r>
+                        <a:rPr lang="en-US" b="0" i="0" smtClean="0">
+                          <a:latin typeface="Cambria Math" panose="02040503050406030204" pitchFamily="18" charset="0"/>
+                        </a:rPr>
+                        <m:t> </m:t>
+                      </m:r>
+                      <m:r>
+                        <m:rPr>
+                          <m:sty m:val="p"/>
+                        </m:rPr>
+                        <a:rPr lang="en-US" b="0" i="0" smtClean="0">
+                          <a:latin typeface="Cambria Math" panose="02040503050406030204" pitchFamily="18" charset="0"/>
+                        </a:rPr>
+                        <m:t>Detector</m:t>
+                      </m:r>
+                    </m:oMath>
+                  </m:oMathPara>
+                </a14:m>
+                <a:endParaRPr lang="en-US" dirty="0"/>
+              </a:p>
+            </p:txBody>
+          </p:sp>
+        </mc:Choice>
+        <mc:Fallback>
+          <p:sp>
+            <p:nvSpPr>
+              <p:cNvPr id="369" name="Rectangle 368"/>
+              <p:cNvSpPr>
+                <a:spLocks noRot="1" noChangeAspect="1" noMove="1" noResize="1" noEditPoints="1" noAdjustHandles="1" noChangeArrowheads="1" noChangeShapeType="1" noTextEdit="1"/>
+              </p:cNvSpPr>
+              <p:nvPr/>
+            </p:nvSpPr>
+            <p:spPr>
+              <a:xfrm>
+                <a:off x="8213003" y="4405407"/>
+                <a:ext cx="1721945" cy="369332"/>
+              </a:xfrm>
+              <a:prstGeom prst="rect">
+                <a:avLst/>
+              </a:prstGeom>
+              <a:blipFill>
+                <a:blip r:embed="rId28"/>
+                <a:stretch>
+                  <a:fillRect/>
+                </a:stretch>
+              </a:blipFill>
+              <a:ln w="19050">
+                <a:noFill/>
+              </a:ln>
+            </p:spPr>
+            <p:txBody>
+              <a:bodyPr/>
+              <a:lstStyle/>
+              <a:p>
+                <a:r>
+                  <a:rPr lang="en-US">
+                    <a:noFill/>
+                  </a:rPr>
+                  <a:t> </a:t>
+                </a:r>
+              </a:p>
+            </p:txBody>
+          </p:sp>
+        </mc:Fallback>
+      </mc:AlternateContent>
+      <p:cxnSp>
+        <p:nvCxnSpPr>
+          <p:cNvPr id="371" name="Straight Arrow Connector 370"/>
+          <p:cNvCxnSpPr>
+            <a:endCxn id="244" idx="3"/>
+          </p:cNvCxnSpPr>
+          <p:nvPr/>
+        </p:nvCxnSpPr>
+        <p:spPr>
+          <a:xfrm flipH="1" flipV="1">
+            <a:off x="8699415" y="3537193"/>
+            <a:ext cx="374560" cy="868214"/>
+          </a:xfrm>
+          <a:prstGeom prst="straightConnector1">
+            <a:avLst/>
+          </a:prstGeom>
+          <a:ln w="19050">
+            <a:solidFill>
+              <a:schemeClr val="tx1"/>
+            </a:solidFill>
+            <a:tailEnd type="triangle"/>
+          </a:ln>
+        </p:spPr>
+        <p:style>
+          <a:lnRef idx="1">
+            <a:schemeClr val="accent1"/>
+          </a:lnRef>
+          <a:fillRef idx="0">
+            <a:schemeClr val="accent1"/>
+          </a:fillRef>
+          <a:effectRef idx="0">
+            <a:schemeClr val="accent1"/>
+          </a:effectRef>
+          <a:fontRef idx="minor">
+            <a:schemeClr val="tx1"/>
+          </a:fontRef>
+        </p:style>
+      </p:cxnSp>
+      <p:sp>
+        <p:nvSpPr>
+          <p:cNvPr id="20" name="Rounded Rectangle 19"/>
+          <p:cNvSpPr/>
+          <p:nvPr/>
+        </p:nvSpPr>
+        <p:spPr>
+          <a:xfrm>
+            <a:off x="8013075" y="1630187"/>
+            <a:ext cx="194080" cy="813308"/>
+          </a:xfrm>
+          <a:prstGeom prst="roundRect">
+            <a:avLst/>
+          </a:prstGeom>
+          <a:ln w="19050">
+            <a:solidFill>
+              <a:schemeClr val="tx1"/>
+            </a:solidFill>
+          </a:ln>
+        </p:spPr>
+        <p:style>
+          <a:lnRef idx="2">
+            <a:schemeClr val="dk1"/>
+          </a:lnRef>
+          <a:fillRef idx="1">
+            <a:schemeClr val="lt1"/>
+          </a:fillRef>
+          <a:effectRef idx="0">
+            <a:schemeClr val="dk1"/>
+          </a:effectRef>
+          <a:fontRef idx="minor">
+            <a:schemeClr val="dk1"/>
+          </a:fontRef>
+        </p:style>
+        <p:txBody>
+          <a:bodyPr rtlCol="0" anchor="ctr"/>
+          <a:lstStyle/>
+          <a:p>
+            <a:pPr algn="ctr"/>
+            <a:endParaRPr lang="en-US"/>
+          </a:p>
+        </p:txBody>
+      </p:sp>
+      <p:sp>
+        <p:nvSpPr>
+          <p:cNvPr id="104" name="Rounded Rectangle 103"/>
+          <p:cNvSpPr/>
+          <p:nvPr/>
+        </p:nvSpPr>
+        <p:spPr>
+          <a:xfrm>
+            <a:off x="8019465" y="2844185"/>
+            <a:ext cx="194080" cy="813308"/>
+          </a:xfrm>
+          <a:prstGeom prst="roundRect">
+            <a:avLst/>
+          </a:prstGeom>
+          <a:ln w="19050">
+            <a:solidFill>
+              <a:schemeClr val="tx1"/>
+            </a:solidFill>
+          </a:ln>
+        </p:spPr>
+        <p:style>
+          <a:lnRef idx="2">
+            <a:schemeClr val="dk1"/>
+          </a:lnRef>
+          <a:fillRef idx="1">
+            <a:schemeClr val="lt1"/>
+          </a:fillRef>
+          <a:effectRef idx="0">
+            <a:schemeClr val="dk1"/>
+          </a:effectRef>
+          <a:fontRef idx="minor">
+            <a:schemeClr val="dk1"/>
+          </a:fontRef>
+        </p:style>
+        <p:txBody>
+          <a:bodyPr rtlCol="0" anchor="ctr"/>
+          <a:lstStyle/>
+          <a:p>
+            <a:pPr algn="ctr"/>
+            <a:endParaRPr lang="en-US"/>
+          </a:p>
+        </p:txBody>
+      </p:sp>
+      <p:sp>
+        <p:nvSpPr>
+          <p:cNvPr id="82" name="Rectangle 81"/>
+          <p:cNvSpPr/>
+          <p:nvPr/>
+        </p:nvSpPr>
+        <p:spPr>
+          <a:xfrm>
+            <a:off x="2211114" y="357134"/>
+            <a:ext cx="751809" cy="307777"/>
+          </a:xfrm>
+          <a:prstGeom prst="rect">
+            <a:avLst/>
+          </a:prstGeom>
+          <a:ln w="19050">
+            <a:noFill/>
+          </a:ln>
+        </p:spPr>
+        <p:txBody>
+          <a:bodyPr wrap="none">
+            <a:spAutoFit/>
+          </a:bodyPr>
+          <a:lstStyle/>
+          <a:p>
+            <a:pPr/>
+            <a:r>
+              <a:rPr lang="en-US" sz="1400" b="1" dirty="0" err="1" smtClean="0">
+                <a:latin typeface="+mj-lt"/>
+              </a:rPr>
+              <a:t>Netxpto</a:t>
+            </a:r>
+            <a:endParaRPr lang="en-US" sz="1400" b="1" dirty="0">
+              <a:latin typeface="+mj-lt"/>
+            </a:endParaRPr>
+          </a:p>
+        </p:txBody>
+      </p:sp>
+      <p:sp>
+        <p:nvSpPr>
+          <p:cNvPr id="83" name="Rectangle 82"/>
+          <p:cNvSpPr/>
+          <p:nvPr/>
+        </p:nvSpPr>
+        <p:spPr>
+          <a:xfrm>
+            <a:off x="2208563" y="2867456"/>
+            <a:ext cx="751809" cy="307777"/>
+          </a:xfrm>
+          <a:prstGeom prst="rect">
+            <a:avLst/>
+          </a:prstGeom>
+          <a:ln w="19050">
+            <a:noFill/>
+          </a:ln>
+        </p:spPr>
+        <p:txBody>
+          <a:bodyPr wrap="none">
+            <a:spAutoFit/>
+          </a:bodyPr>
+          <a:lstStyle/>
+          <a:p>
+            <a:pPr/>
+            <a:r>
+              <a:rPr lang="en-US" sz="1400" b="1" dirty="0" err="1" smtClean="0">
+                <a:latin typeface="+mj-lt"/>
+              </a:rPr>
+              <a:t>Netxpto</a:t>
+            </a:r>
+            <a:endParaRPr lang="en-US" sz="1400" b="1" dirty="0">
+              <a:latin typeface="+mj-lt"/>
+            </a:endParaRPr>
+          </a:p>
+        </p:txBody>
+      </p:sp>
     </p:spTree>
     <p:extLst>
       <p:ext uri="{BB962C8B-B14F-4D97-AF65-F5344CB8AC3E}">

--- a/doc/tex/sdf/simplified_coherent_receiver/figures/Practical_setup_TxRx.pptx
+++ b/doc/tex/sdf/simplified_coherent_receiver/figures/Practical_setup_TxRx.pptx
@@ -243,7 +243,7 @@
           <a:p>
             <a:fld id="{2680F75E-BF8A-4352-8DF2-5712531B63DB}" type="datetimeFigureOut">
               <a:rPr lang="pt-PT" smtClean="0"/>
-              <a:t>26/10/2017</a:t>
+              <a:t>07/11/2017</a:t>
             </a:fld>
             <a:endParaRPr lang="pt-PT"/>
           </a:p>
@@ -413,7 +413,7 @@
           <a:p>
             <a:fld id="{2680F75E-BF8A-4352-8DF2-5712531B63DB}" type="datetimeFigureOut">
               <a:rPr lang="pt-PT" smtClean="0"/>
-              <a:t>26/10/2017</a:t>
+              <a:t>07/11/2017</a:t>
             </a:fld>
             <a:endParaRPr lang="pt-PT"/>
           </a:p>
@@ -593,7 +593,7 @@
           <a:p>
             <a:fld id="{2680F75E-BF8A-4352-8DF2-5712531B63DB}" type="datetimeFigureOut">
               <a:rPr lang="pt-PT" smtClean="0"/>
-              <a:t>26/10/2017</a:t>
+              <a:t>07/11/2017</a:t>
             </a:fld>
             <a:endParaRPr lang="pt-PT"/>
           </a:p>
@@ -763,7 +763,7 @@
           <a:p>
             <a:fld id="{2680F75E-BF8A-4352-8DF2-5712531B63DB}" type="datetimeFigureOut">
               <a:rPr lang="pt-PT" smtClean="0"/>
-              <a:t>26/10/2017</a:t>
+              <a:t>07/11/2017</a:t>
             </a:fld>
             <a:endParaRPr lang="pt-PT"/>
           </a:p>
@@ -1009,7 +1009,7 @@
           <a:p>
             <a:fld id="{2680F75E-BF8A-4352-8DF2-5712531B63DB}" type="datetimeFigureOut">
               <a:rPr lang="pt-PT" smtClean="0"/>
-              <a:t>26/10/2017</a:t>
+              <a:t>07/11/2017</a:t>
             </a:fld>
             <a:endParaRPr lang="pt-PT"/>
           </a:p>
@@ -1241,7 +1241,7 @@
           <a:p>
             <a:fld id="{2680F75E-BF8A-4352-8DF2-5712531B63DB}" type="datetimeFigureOut">
               <a:rPr lang="pt-PT" smtClean="0"/>
-              <a:t>26/10/2017</a:t>
+              <a:t>07/11/2017</a:t>
             </a:fld>
             <a:endParaRPr lang="pt-PT"/>
           </a:p>
@@ -1608,7 +1608,7 @@
           <a:p>
             <a:fld id="{2680F75E-BF8A-4352-8DF2-5712531B63DB}" type="datetimeFigureOut">
               <a:rPr lang="pt-PT" smtClean="0"/>
-              <a:t>26/10/2017</a:t>
+              <a:t>07/11/2017</a:t>
             </a:fld>
             <a:endParaRPr lang="pt-PT"/>
           </a:p>
@@ -1726,7 +1726,7 @@
           <a:p>
             <a:fld id="{2680F75E-BF8A-4352-8DF2-5712531B63DB}" type="datetimeFigureOut">
               <a:rPr lang="pt-PT" smtClean="0"/>
-              <a:t>26/10/2017</a:t>
+              <a:t>07/11/2017</a:t>
             </a:fld>
             <a:endParaRPr lang="pt-PT"/>
           </a:p>
@@ -1821,7 +1821,7 @@
           <a:p>
             <a:fld id="{2680F75E-BF8A-4352-8DF2-5712531B63DB}" type="datetimeFigureOut">
               <a:rPr lang="pt-PT" smtClean="0"/>
-              <a:t>26/10/2017</a:t>
+              <a:t>07/11/2017</a:t>
             </a:fld>
             <a:endParaRPr lang="pt-PT"/>
           </a:p>
@@ -2098,7 +2098,7 @@
           <a:p>
             <a:fld id="{2680F75E-BF8A-4352-8DF2-5712531B63DB}" type="datetimeFigureOut">
               <a:rPr lang="pt-PT" smtClean="0"/>
-              <a:t>26/10/2017</a:t>
+              <a:t>07/11/2017</a:t>
             </a:fld>
             <a:endParaRPr lang="pt-PT"/>
           </a:p>
@@ -2351,7 +2351,7 @@
           <a:p>
             <a:fld id="{2680F75E-BF8A-4352-8DF2-5712531B63DB}" type="datetimeFigureOut">
               <a:rPr lang="pt-PT" smtClean="0"/>
-              <a:t>26/10/2017</a:t>
+              <a:t>07/11/2017</a:t>
             </a:fld>
             <a:endParaRPr lang="pt-PT"/>
           </a:p>
@@ -2564,7 +2564,7 @@
           <a:p>
             <a:fld id="{2680F75E-BF8A-4352-8DF2-5712531B63DB}" type="datetimeFigureOut">
               <a:rPr lang="pt-PT" smtClean="0"/>
-              <a:t>26/10/2017</a:t>
+              <a:t>07/11/2017</a:t>
             </a:fld>
             <a:endParaRPr lang="pt-PT"/>
           </a:p>
@@ -2980,7 +2980,7 @@
             <p:spPr>
               <a:xfrm>
                 <a:off x="6472941" y="52343"/>
-                <a:ext cx="5576809" cy="6733115"/>
+                <a:ext cx="5653541" cy="6733115"/>
               </a:xfrm>
               <a:prstGeom prst="rect">
                 <a:avLst/>
@@ -3051,7 +3051,7 @@
             <p:spPr>
               <a:xfrm>
                 <a:off x="6472941" y="52343"/>
-                <a:ext cx="5576809" cy="6733115"/>
+                <a:ext cx="5653541" cy="6733115"/>
               </a:xfrm>
               <a:prstGeom prst="rect">
                 <a:avLst/>
@@ -3084,116 +3084,50 @@
           </p:sp>
         </mc:Fallback>
       </mc:AlternateContent>
-      <mc:AlternateContent xmlns:mc="http://schemas.openxmlformats.org/markup-compatibility/2006">
-        <mc:Choice xmlns:a14="http://schemas.microsoft.com/office/drawing/2010/main" Requires="a14">
-          <p:sp>
-            <p:nvSpPr>
-              <p:cNvPr id="334" name="Rectangle 333"/>
-              <p:cNvSpPr/>
-              <p:nvPr/>
-            </p:nvSpPr>
-            <p:spPr>
-              <a:xfrm>
-                <a:off x="130823" y="52343"/>
-                <a:ext cx="5566205" cy="6733115"/>
-              </a:xfrm>
-              <a:prstGeom prst="rect">
-                <a:avLst/>
-              </a:prstGeom>
-              <a:ln w="19050">
-                <a:solidFill>
-                  <a:schemeClr val="tx1"/>
-                </a:solidFill>
-                <a:prstDash val="sysDot"/>
-              </a:ln>
-            </p:spPr>
-            <p:style>
-              <a:lnRef idx="2">
-                <a:schemeClr val="dk1"/>
-              </a:lnRef>
-              <a:fillRef idx="1">
-                <a:schemeClr val="lt1"/>
-              </a:fillRef>
-              <a:effectRef idx="0">
-                <a:schemeClr val="dk1"/>
-              </a:effectRef>
-              <a:fontRef idx="minor">
-                <a:schemeClr val="dk1"/>
-              </a:fontRef>
-            </p:style>
-            <p:txBody>
-              <a:bodyPr rtlCol="0" anchor="ctr"/>
-              <a:lstStyle/>
-              <a:p>
-                <a:pPr/>
-                <a14:m>
-                  <m:oMathPara xmlns:m="http://schemas.openxmlformats.org/officeDocument/2006/math">
-                    <m:oMathParaPr>
-                      <m:jc m:val="centerGroup"/>
-                    </m:oMathParaPr>
-                    <m:oMath xmlns:m="http://schemas.openxmlformats.org/officeDocument/2006/math">
-                      <m:r>
-                        <m:rPr>
-                          <m:sty m:val="p"/>
-                        </m:rPr>
-                        <a:rPr lang="en-US">
-                          <a:latin typeface="Cambria Math" panose="02040503050406030204" pitchFamily="18" charset="0"/>
-                        </a:rPr>
-                        <m:t>Tx</m:t>
-                      </m:r>
-                    </m:oMath>
-                  </m:oMathPara>
-                </a14:m>
-                <a:endParaRPr lang="en-US" dirty="0"/>
-              </a:p>
-            </p:txBody>
-          </p:sp>
-        </mc:Choice>
-        <mc:Fallback>
-          <p:sp>
-            <p:nvSpPr>
-              <p:cNvPr id="334" name="Rectangle 333"/>
-              <p:cNvSpPr>
-                <a:spLocks noRot="1" noChangeAspect="1" noMove="1" noResize="1" noEditPoints="1" noAdjustHandles="1" noChangeArrowheads="1" noChangeShapeType="1" noTextEdit="1"/>
-              </p:cNvSpPr>
-              <p:nvPr/>
-            </p:nvSpPr>
-            <p:spPr>
-              <a:xfrm>
-                <a:off x="130823" y="52343"/>
-                <a:ext cx="5566205" cy="6733115"/>
-              </a:xfrm>
-              <a:prstGeom prst="rect">
-                <a:avLst/>
-              </a:prstGeom>
-              <a:blipFill>
-                <a:blip r:embed="rId3"/>
-                <a:stretch>
-                  <a:fillRect/>
-                </a:stretch>
-              </a:blipFill>
-              <a:ln w="19050">
-                <a:solidFill>
-                  <a:schemeClr val="tx1"/>
-                </a:solidFill>
-                <a:prstDash val="sysDot"/>
-              </a:ln>
-            </p:spPr>
-            <p:txBody>
-              <a:bodyPr/>
-              <a:lstStyle/>
-              <a:p>
-                <a:r>
-                  <a:rPr lang="en-US">
-                    <a:noFill/>
-                  </a:rPr>
-                  <a:t> </a:t>
-                </a:r>
-              </a:p>
-            </p:txBody>
-          </p:sp>
-        </mc:Fallback>
-      </mc:AlternateContent>
+      <p:sp>
+        <p:nvSpPr>
+          <p:cNvPr id="334" name="Rectangle 333"/>
+          <p:cNvSpPr/>
+          <p:nvPr/>
+        </p:nvSpPr>
+        <p:spPr>
+          <a:xfrm>
+            <a:off x="66410" y="82604"/>
+            <a:ext cx="5664545" cy="6733114"/>
+          </a:xfrm>
+          <a:prstGeom prst="rect">
+            <a:avLst/>
+          </a:prstGeom>
+          <a:ln w="19050">
+            <a:solidFill>
+              <a:schemeClr val="tx1"/>
+            </a:solidFill>
+            <a:prstDash val="sysDot"/>
+          </a:ln>
+        </p:spPr>
+        <p:style>
+          <a:lnRef idx="2">
+            <a:schemeClr val="dk1"/>
+          </a:lnRef>
+          <a:fillRef idx="1">
+            <a:schemeClr val="lt1"/>
+          </a:fillRef>
+          <a:effectRef idx="0">
+            <a:schemeClr val="dk1"/>
+          </a:effectRef>
+          <a:fontRef idx="minor">
+            <a:schemeClr val="dk1"/>
+          </a:fontRef>
+        </p:style>
+        <p:txBody>
+          <a:bodyPr rtlCol="0" anchor="ctr"/>
+          <a:lstStyle/>
+          <a:p>
+            <a:pPr/>
+            <a:endParaRPr lang="en-US" dirty="0"/>
+          </a:p>
+        </p:txBody>
+      </p:sp>
       <p:sp>
         <p:nvSpPr>
           <p:cNvPr id="335" name="Rectangle 334"/>
@@ -3203,7 +3137,7 @@
         <p:spPr>
           <a:xfrm>
             <a:off x="6524524" y="52343"/>
-            <a:ext cx="5525226" cy="6644442"/>
+            <a:ext cx="5667476" cy="6644442"/>
           </a:xfrm>
           <a:prstGeom prst="rect">
             <a:avLst/>
@@ -3243,87 +3177,13 @@
       </p:sp>
       <p:cxnSp>
         <p:nvCxnSpPr>
-          <p:cNvPr id="45" name="Elbow Connector 44"/>
-          <p:cNvCxnSpPr/>
-          <p:nvPr/>
-        </p:nvCxnSpPr>
-        <p:spPr>
-          <a:xfrm rot="5400000" flipH="1" flipV="1">
-            <a:off x="2630676" y="588614"/>
-            <a:ext cx="283102" cy="1951268"/>
-          </a:xfrm>
-          <a:prstGeom prst="bentConnector2">
-            <a:avLst/>
-          </a:prstGeom>
-          <a:ln w="19050">
-            <a:solidFill>
-              <a:schemeClr val="tx1"/>
-            </a:solidFill>
-            <a:tailEnd type="triangle"/>
-          </a:ln>
-        </p:spPr>
-        <p:style>
-          <a:lnRef idx="1">
-            <a:schemeClr val="accent1"/>
-          </a:lnRef>
-          <a:fillRef idx="0">
-            <a:schemeClr val="accent1"/>
-          </a:fillRef>
-          <a:effectRef idx="0">
-            <a:schemeClr val="accent1"/>
-          </a:effectRef>
-          <a:fontRef idx="minor">
-            <a:schemeClr val="tx1"/>
-          </a:fontRef>
-        </p:style>
-      </p:cxnSp>
-      <p:cxnSp>
-        <p:nvCxnSpPr>
-          <p:cNvPr id="47" name="Elbow Connector 46"/>
-          <p:cNvCxnSpPr/>
-          <p:nvPr/>
-        </p:nvCxnSpPr>
-        <p:spPr>
-          <a:xfrm>
-            <a:off x="1945183" y="1854389"/>
-            <a:ext cx="1802678" cy="455135"/>
-          </a:xfrm>
-          <a:prstGeom prst="bentConnector3">
-            <a:avLst>
-              <a:gd name="adj1" fmla="val 15394"/>
-            </a:avLst>
-          </a:prstGeom>
-          <a:ln w="19050">
-            <a:solidFill>
-              <a:schemeClr val="tx1"/>
-            </a:solidFill>
-            <a:tailEnd type="triangle"/>
-          </a:ln>
-        </p:spPr>
-        <p:style>
-          <a:lnRef idx="1">
-            <a:schemeClr val="dk1"/>
-          </a:lnRef>
-          <a:fillRef idx="0">
-            <a:schemeClr val="dk1"/>
-          </a:fillRef>
-          <a:effectRef idx="0">
-            <a:schemeClr val="dk1"/>
-          </a:effectRef>
-          <a:fontRef idx="minor">
-            <a:schemeClr val="tx1"/>
-          </a:fontRef>
-        </p:style>
-      </p:cxnSp>
-      <p:cxnSp>
-        <p:nvCxnSpPr>
           <p:cNvPr id="100" name="Straight Arrow Connector 99"/>
           <p:cNvCxnSpPr/>
           <p:nvPr/>
         </p:nvCxnSpPr>
         <p:spPr>
           <a:xfrm flipH="1">
-            <a:off x="4514400" y="805953"/>
+            <a:off x="2223334" y="1236716"/>
             <a:ext cx="224" cy="330994"/>
           </a:xfrm>
           <a:prstGeom prst="straightConnector1">
@@ -3359,151 +3219,7 @@
         </p:nvCxnSpPr>
         <p:spPr>
           <a:xfrm flipH="1">
-            <a:off x="3983382" y="805953"/>
-            <a:ext cx="224" cy="330994"/>
-          </a:xfrm>
-          <a:prstGeom prst="straightConnector1">
-            <a:avLst/>
-          </a:prstGeom>
-          <a:ln w="19050">
-            <a:solidFill>
-              <a:schemeClr val="tx1"/>
-            </a:solidFill>
-            <a:tailEnd type="triangle"/>
-          </a:ln>
-        </p:spPr>
-        <p:style>
-          <a:lnRef idx="1">
-            <a:schemeClr val="dk1"/>
-          </a:lnRef>
-          <a:fillRef idx="0">
-            <a:schemeClr val="dk1"/>
-          </a:fillRef>
-          <a:effectRef idx="0">
-            <a:schemeClr val="dk1"/>
-          </a:effectRef>
-          <a:fontRef idx="minor">
-            <a:schemeClr val="tx1"/>
-          </a:fontRef>
-        </p:style>
-      </p:cxnSp>
-      <p:pic>
-        <p:nvPicPr>
-          <p:cNvPr id="127" name="Picture 126"/>
-          <p:cNvPicPr>
-            <a:picLocks noChangeAspect="1"/>
-          </p:cNvPicPr>
-          <p:nvPr/>
-        </p:nvPicPr>
-        <p:blipFill>
-          <a:blip r:embed="rId4" cstate="print">
-            <a:extLst>
-              <a:ext uri="{28A0092B-C50C-407E-A947-70E740481C1C}">
-                <a14:useLocalDpi xmlns:a14="http://schemas.microsoft.com/office/drawing/2010/main" val="0"/>
-              </a:ext>
-            </a:extLst>
-          </a:blip>
-          <a:stretch>
-            <a:fillRect/>
-          </a:stretch>
-        </p:blipFill>
-        <p:spPr>
-          <a:xfrm>
-            <a:off x="2137914" y="2669673"/>
-            <a:ext cx="905854" cy="882491"/>
-          </a:xfrm>
-          <a:prstGeom prst="rect">
-            <a:avLst/>
-          </a:prstGeom>
-          <a:ln w="19050">
-            <a:noFill/>
-          </a:ln>
-        </p:spPr>
-      </p:pic>
-      <p:cxnSp>
-        <p:nvCxnSpPr>
-          <p:cNvPr id="129" name="Straight Arrow Connector 128"/>
-          <p:cNvCxnSpPr>
-            <a:stCxn id="127" idx="3"/>
-            <a:endCxn id="93" idx="1"/>
-          </p:cNvCxnSpPr>
-          <p:nvPr/>
-        </p:nvCxnSpPr>
-        <p:spPr>
-          <a:xfrm>
-            <a:off x="3043768" y="3110919"/>
-            <a:ext cx="706313" cy="899"/>
-          </a:xfrm>
-          <a:prstGeom prst="straightConnector1">
-            <a:avLst/>
-          </a:prstGeom>
-          <a:ln w="19050">
-            <a:solidFill>
-              <a:schemeClr val="tx1"/>
-            </a:solidFill>
-            <a:tailEnd type="triangle"/>
-          </a:ln>
-        </p:spPr>
-        <p:style>
-          <a:lnRef idx="1">
-            <a:schemeClr val="dk1"/>
-          </a:lnRef>
-          <a:fillRef idx="0">
-            <a:schemeClr val="dk1"/>
-          </a:fillRef>
-          <a:effectRef idx="0">
-            <a:schemeClr val="dk1"/>
-          </a:effectRef>
-          <a:fontRef idx="minor">
-            <a:schemeClr val="tx1"/>
-          </a:fontRef>
-        </p:style>
-      </p:cxnSp>
-      <p:cxnSp>
-        <p:nvCxnSpPr>
-          <p:cNvPr id="130" name="Straight Arrow Connector 129"/>
-          <p:cNvCxnSpPr/>
-          <p:nvPr/>
-        </p:nvCxnSpPr>
-        <p:spPr>
-          <a:xfrm flipH="1" flipV="1">
-            <a:off x="4514401" y="2588346"/>
-            <a:ext cx="224" cy="330994"/>
-          </a:xfrm>
-          <a:prstGeom prst="straightConnector1">
-            <a:avLst/>
-          </a:prstGeom>
-          <a:ln w="19050">
-            <a:solidFill>
-              <a:schemeClr val="tx1"/>
-            </a:solidFill>
-            <a:tailEnd type="triangle"/>
-          </a:ln>
-        </p:spPr>
-        <p:style>
-          <a:lnRef idx="1">
-            <a:schemeClr val="dk1"/>
-          </a:lnRef>
-          <a:fillRef idx="0">
-            <a:schemeClr val="dk1"/>
-          </a:fillRef>
-          <a:effectRef idx="0">
-            <a:schemeClr val="dk1"/>
-          </a:effectRef>
-          <a:fontRef idx="minor">
-            <a:schemeClr val="tx1"/>
-          </a:fontRef>
-        </p:style>
-      </p:cxnSp>
-      <p:cxnSp>
-        <p:nvCxnSpPr>
-          <p:cNvPr id="131" name="Straight Arrow Connector 130"/>
-          <p:cNvCxnSpPr/>
-          <p:nvPr/>
-        </p:nvCxnSpPr>
-        <p:spPr>
-          <a:xfrm flipH="1" flipV="1">
-            <a:off x="3983383" y="2583653"/>
+            <a:off x="1692316" y="1236716"/>
             <a:ext cx="224" cy="330994"/>
           </a:xfrm>
           <a:prstGeom prst="straightConnector1">
@@ -3540,7 +3256,7 @@
           <p:nvPr/>
         </p:nvPicPr>
         <p:blipFill>
-          <a:blip r:embed="rId4" cstate="print">
+          <a:blip r:embed="rId3" cstate="print">
             <a:extLst>
               <a:ext uri="{28A0092B-C50C-407E-A947-70E740481C1C}">
                 <a14:useLocalDpi xmlns:a14="http://schemas.microsoft.com/office/drawing/2010/main" val="0"/>
@@ -3553,7 +3269,7 @@
         </p:blipFill>
         <p:spPr>
           <a:xfrm>
-            <a:off x="2137914" y="156913"/>
+            <a:off x="130023" y="590553"/>
             <a:ext cx="905854" cy="875419"/>
           </a:xfrm>
           <a:prstGeom prst="rect">
@@ -3564,78 +3280,6 @@
           </a:ln>
         </p:spPr>
       </p:pic>
-      <p:cxnSp>
-        <p:nvCxnSpPr>
-          <p:cNvPr id="152" name="Elbow Connector 151"/>
-          <p:cNvCxnSpPr/>
-          <p:nvPr/>
-        </p:nvCxnSpPr>
-        <p:spPr>
-          <a:xfrm>
-            <a:off x="4757511" y="1422697"/>
-            <a:ext cx="530794" cy="283101"/>
-          </a:xfrm>
-          <a:prstGeom prst="bentConnector2">
-            <a:avLst/>
-          </a:prstGeom>
-          <a:ln w="19050">
-            <a:solidFill>
-              <a:schemeClr val="tx1"/>
-            </a:solidFill>
-            <a:tailEnd type="triangle"/>
-          </a:ln>
-        </p:spPr>
-        <p:style>
-          <a:lnRef idx="1">
-            <a:schemeClr val="accent1"/>
-          </a:lnRef>
-          <a:fillRef idx="0">
-            <a:schemeClr val="accent1"/>
-          </a:fillRef>
-          <a:effectRef idx="0">
-            <a:schemeClr val="accent1"/>
-          </a:effectRef>
-          <a:fontRef idx="minor">
-            <a:schemeClr val="tx1"/>
-          </a:fontRef>
-        </p:style>
-      </p:cxnSp>
-      <p:cxnSp>
-        <p:nvCxnSpPr>
-          <p:cNvPr id="154" name="Elbow Connector 153"/>
-          <p:cNvCxnSpPr/>
-          <p:nvPr/>
-        </p:nvCxnSpPr>
-        <p:spPr>
-          <a:xfrm flipV="1">
-            <a:off x="4757511" y="2002979"/>
-            <a:ext cx="530794" cy="306545"/>
-          </a:xfrm>
-          <a:prstGeom prst="bentConnector2">
-            <a:avLst/>
-          </a:prstGeom>
-          <a:ln w="19050">
-            <a:solidFill>
-              <a:schemeClr val="tx1"/>
-            </a:solidFill>
-            <a:tailEnd type="triangle"/>
-          </a:ln>
-        </p:spPr>
-        <p:style>
-          <a:lnRef idx="1">
-            <a:schemeClr val="accent1"/>
-          </a:lnRef>
-          <a:fillRef idx="0">
-            <a:schemeClr val="accent1"/>
-          </a:fillRef>
-          <a:effectRef idx="0">
-            <a:schemeClr val="accent1"/>
-          </a:effectRef>
-          <a:fontRef idx="minor">
-            <a:schemeClr val="tx1"/>
-          </a:fontRef>
-        </p:style>
-      </p:cxnSp>
       <p:sp>
         <p:nvSpPr>
           <p:cNvPr id="175" name="TextBox 174"/>
@@ -3915,7 +3559,7 @@
           <p:nvPr/>
         </p:nvPicPr>
         <p:blipFill>
-          <a:blip r:embed="rId5" cstate="print">
+          <a:blip r:embed="rId4" cstate="print">
             <a:extLst>
               <a:ext uri="{28A0092B-C50C-407E-A947-70E740481C1C}">
                 <a14:useLocalDpi xmlns:a14="http://schemas.microsoft.com/office/drawing/2010/main" val="0"/>
@@ -3929,39 +3573,6 @@
         <p:spPr>
           <a:xfrm>
             <a:off x="5148104" y="1703149"/>
-            <a:ext cx="297181" cy="297181"/>
-          </a:xfrm>
-          <a:prstGeom prst="rect">
-            <a:avLst/>
-          </a:prstGeom>
-          <a:ln w="19050">
-            <a:noFill/>
-          </a:ln>
-        </p:spPr>
-      </p:pic>
-      <p:pic>
-        <p:nvPicPr>
-          <p:cNvPr id="201" name="Picture 200"/>
-          <p:cNvPicPr>
-            <a:picLocks noChangeAspect="1"/>
-          </p:cNvPicPr>
-          <p:nvPr/>
-        </p:nvPicPr>
-        <p:blipFill>
-          <a:blip r:embed="rId5" cstate="print">
-            <a:extLst>
-              <a:ext uri="{28A0092B-C50C-407E-A947-70E740481C1C}">
-                <a14:useLocalDpi xmlns:a14="http://schemas.microsoft.com/office/drawing/2010/main" val="0"/>
-              </a:ext>
-            </a:extLst>
-          </a:blip>
-          <a:stretch>
-            <a:fillRect/>
-          </a:stretch>
-        </p:blipFill>
-        <p:spPr>
-          <a:xfrm>
-            <a:off x="1651675" y="1708447"/>
             <a:ext cx="297181" cy="297181"/>
           </a:xfrm>
           <a:prstGeom prst="rect">
@@ -4138,44 +3749,6 @@
           </a:fontRef>
         </p:style>
       </p:cxnSp>
-      <p:cxnSp>
-        <p:nvCxnSpPr>
-          <p:cNvPr id="326" name="Elbow Connector 325"/>
-          <p:cNvCxnSpPr>
-            <a:endCxn id="201" idx="2"/>
-          </p:cNvCxnSpPr>
-          <p:nvPr/>
-        </p:nvCxnSpPr>
-        <p:spPr>
-          <a:xfrm rot="10800000">
-            <a:off x="1800267" y="2005628"/>
-            <a:ext cx="2733399" cy="2123774"/>
-          </a:xfrm>
-          <a:prstGeom prst="bentConnector2">
-            <a:avLst/>
-          </a:prstGeom>
-          <a:ln w="19050">
-            <a:solidFill>
-              <a:schemeClr val="tx1"/>
-            </a:solidFill>
-            <a:tailEnd type="triangle"/>
-          </a:ln>
-        </p:spPr>
-        <p:style>
-          <a:lnRef idx="1">
-            <a:schemeClr val="dk1"/>
-          </a:lnRef>
-          <a:fillRef idx="0">
-            <a:schemeClr val="dk1"/>
-          </a:fillRef>
-          <a:effectRef idx="0">
-            <a:schemeClr val="dk1"/>
-          </a:effectRef>
-          <a:fontRef idx="minor">
-            <a:schemeClr val="tx1"/>
-          </a:fontRef>
-        </p:style>
-      </p:cxnSp>
       <mc:AlternateContent xmlns:mc="http://schemas.openxmlformats.org/markup-compatibility/2006">
         <mc:Choice xmlns:a14="http://schemas.microsoft.com/office/drawing/2010/main" Requires="a14">
           <p:sp>
@@ -4186,7 +3759,7 @@
             </p:nvSpPr>
             <p:spPr>
               <a:xfrm>
-                <a:off x="180622" y="185878"/>
+                <a:off x="159943" y="85597"/>
                 <a:ext cx="468077" cy="430887"/>
               </a:xfrm>
               <a:prstGeom prst="rect">
@@ -4238,14 +3811,14 @@
             </p:nvSpPr>
             <p:spPr>
               <a:xfrm>
-                <a:off x="180622" y="185878"/>
+                <a:off x="159943" y="85597"/>
                 <a:ext cx="468077" cy="430887"/>
               </a:xfrm>
               <a:prstGeom prst="rect">
                 <a:avLst/>
               </a:prstGeom>
               <a:blipFill>
-                <a:blip r:embed="rId6"/>
+                <a:blip r:embed="rId5"/>
                 <a:stretch>
                   <a:fillRect/>
                 </a:stretch>
@@ -4269,8 +3842,8 @@
           </p:sp>
         </mc:Fallback>
       </mc:AlternateContent>
-      <mc:AlternateContent xmlns:mc="http://schemas.openxmlformats.org/markup-compatibility/2006">
-        <mc:Choice xmlns:a14="http://schemas.microsoft.com/office/drawing/2010/main" Requires="a14">
+      <mc:AlternateContent xmlns:mc="http://schemas.openxmlformats.org/markup-compatibility/2006" xmlns:a14="http://schemas.microsoft.com/office/drawing/2010/main">
+        <mc:Choice Requires="a14">
           <p:sp>
             <p:nvSpPr>
               <p:cNvPr id="337" name="TextBox 336"/>
@@ -4329,7 +3902,7 @@
             </p:txBody>
           </p:sp>
         </mc:Choice>
-        <mc:Fallback>
+        <mc:Fallback xmlns="">
           <p:sp>
             <p:nvSpPr>
               <p:cNvPr id="337" name="TextBox 336"/>
@@ -4406,8 +3979,8 @@
           </a:fontRef>
         </p:style>
       </p:cxnSp>
-      <mc:AlternateContent xmlns:mc="http://schemas.openxmlformats.org/markup-compatibility/2006" xmlns:a14="http://schemas.microsoft.com/office/drawing/2010/main">
-        <mc:Choice Requires="a14">
+      <mc:AlternateContent xmlns:mc="http://schemas.openxmlformats.org/markup-compatibility/2006">
+        <mc:Choice xmlns:a14="http://schemas.microsoft.com/office/drawing/2010/main" Requires="a14">
           <p:sp>
             <p:nvSpPr>
               <p:cNvPr id="363" name="Rectangle 362"/>
@@ -4416,7 +3989,7 @@
             </p:nvSpPr>
             <p:spPr>
               <a:xfrm>
-                <a:off x="1038653" y="1677685"/>
+                <a:off x="2872297" y="1101894"/>
                 <a:ext cx="623889" cy="369332"/>
               </a:xfrm>
               <a:prstGeom prst="rect">
@@ -4456,7 +4029,7 @@
             </p:txBody>
           </p:sp>
         </mc:Choice>
-        <mc:Fallback xmlns="">
+        <mc:Fallback>
           <p:sp>
             <p:nvSpPr>
               <p:cNvPr id="363" name="Rectangle 362"/>
@@ -4467,14 +4040,14 @@
             </p:nvSpPr>
             <p:spPr>
               <a:xfrm>
-                <a:off x="1038653" y="1677685"/>
+                <a:off x="2872297" y="1101894"/>
                 <a:ext cx="623889" cy="369332"/>
               </a:xfrm>
               <a:prstGeom prst="rect">
                 <a:avLst/>
               </a:prstGeom>
               <a:blipFill>
-                <a:blip r:embed="rId12"/>
+                <a:blip r:embed="rId8"/>
                 <a:stretch>
                   <a:fillRect/>
                 </a:stretch>
@@ -4498,8 +4071,8 @@
           </p:sp>
         </mc:Fallback>
       </mc:AlternateContent>
-      <mc:AlternateContent xmlns:mc="http://schemas.openxmlformats.org/markup-compatibility/2006" xmlns:a14="http://schemas.microsoft.com/office/drawing/2010/main">
-        <mc:Choice Requires="a14">
+      <mc:AlternateContent xmlns:mc="http://schemas.openxmlformats.org/markup-compatibility/2006">
+        <mc:Choice xmlns:a14="http://schemas.microsoft.com/office/drawing/2010/main" Requires="a14">
           <p:sp>
             <p:nvSpPr>
               <p:cNvPr id="364" name="Rectangle 363"/>
@@ -4508,7 +4081,7 @@
             </p:nvSpPr>
             <p:spPr>
               <a:xfrm>
-                <a:off x="4965857" y="1092090"/>
+                <a:off x="4974753" y="1100470"/>
                 <a:ext cx="639919" cy="369332"/>
               </a:xfrm>
               <a:prstGeom prst="rect">
@@ -4548,7 +4121,7 @@
             </p:txBody>
           </p:sp>
         </mc:Choice>
-        <mc:Fallback xmlns="">
+        <mc:Fallback>
           <p:sp>
             <p:nvSpPr>
               <p:cNvPr id="364" name="Rectangle 363"/>
@@ -4559,14 +4132,14 @@
             </p:nvSpPr>
             <p:spPr>
               <a:xfrm>
-                <a:off x="4965857" y="1092090"/>
+                <a:off x="4974753" y="1100470"/>
                 <a:ext cx="639919" cy="369332"/>
               </a:xfrm>
               <a:prstGeom prst="rect">
                 <a:avLst/>
               </a:prstGeom>
               <a:blipFill>
-                <a:blip r:embed="rId13"/>
+                <a:blip r:embed="rId9"/>
                 <a:stretch>
                   <a:fillRect/>
                 </a:stretch>
@@ -4599,7 +4172,7 @@
           <p:nvPr/>
         </p:nvPicPr>
         <p:blipFill>
-          <a:blip r:embed="rId14" cstate="print">
+          <a:blip r:embed="rId10" cstate="print">
             <a:extLst>
               <a:ext uri="{28A0092B-C50C-407E-A947-70E740481C1C}">
                 <a14:useLocalDpi xmlns:a14="http://schemas.microsoft.com/office/drawing/2010/main" val="0"/>
@@ -4632,7 +4205,7 @@
           <p:nvPr/>
         </p:nvPicPr>
         <p:blipFill>
-          <a:blip r:embed="rId15" cstate="print">
+          <a:blip r:embed="rId11" cstate="print">
             <a:extLst>
               <a:ext uri="{28A0092B-C50C-407E-A947-70E740481C1C}">
                 <a14:useLocalDpi xmlns:a14="http://schemas.microsoft.com/office/drawing/2010/main" val="0"/>
@@ -5218,7 +4791,7 @@
         </p:nvSpPr>
         <p:spPr>
           <a:xfrm>
-            <a:off x="3747861" y="398233"/>
+            <a:off x="1456795" y="828996"/>
             <a:ext cx="1009650" cy="393625"/>
           </a:xfrm>
           <a:prstGeom prst="roundRect">
@@ -5282,9 +4855,9 @@
           <p:nvPr/>
         </p:nvCxnSpPr>
         <p:spPr>
-          <a:xfrm>
-            <a:off x="3043768" y="594623"/>
-            <a:ext cx="704093" cy="423"/>
+          <a:xfrm flipV="1">
+            <a:off x="1035877" y="1025809"/>
+            <a:ext cx="420918" cy="2454"/>
           </a:xfrm>
           <a:prstGeom prst="straightConnector1">
             <a:avLst/>
@@ -5319,7 +4892,7 @@
         </p:nvSpPr>
         <p:spPr>
           <a:xfrm>
-            <a:off x="3747861" y="1144044"/>
+            <a:off x="1462306" y="1571021"/>
             <a:ext cx="1009649" cy="564403"/>
           </a:xfrm>
           <a:prstGeom prst="roundRect">
@@ -5362,119 +4935,6 @@
           </a:p>
         </p:txBody>
       </p:sp>
-      <p:sp>
-        <p:nvSpPr>
-          <p:cNvPr id="92" name="Rounded Rectangle 91"/>
-          <p:cNvSpPr/>
-          <p:nvPr/>
-        </p:nvSpPr>
-        <p:spPr>
-          <a:xfrm>
-            <a:off x="3747861" y="2025096"/>
-            <a:ext cx="1009649" cy="564403"/>
-          </a:xfrm>
-          <a:prstGeom prst="roundRect">
-            <a:avLst/>
-          </a:prstGeom>
-          <a:ln w="19050">
-            <a:solidFill>
-              <a:schemeClr val="tx1"/>
-            </a:solidFill>
-          </a:ln>
-        </p:spPr>
-        <p:style>
-          <a:lnRef idx="2">
-            <a:schemeClr val="dk1"/>
-          </a:lnRef>
-          <a:fillRef idx="1">
-            <a:schemeClr val="lt1"/>
-          </a:fillRef>
-          <a:effectRef idx="0">
-            <a:schemeClr val="dk1"/>
-          </a:effectRef>
-          <a:fontRef idx="minor">
-            <a:schemeClr val="dk1"/>
-          </a:fontRef>
-        </p:style>
-        <p:txBody>
-          <a:bodyPr rtlCol="0" anchor="ctr"/>
-          <a:lstStyle/>
-          <a:p>
-            <a:pPr algn="ctr"/>
-            <a:r>
-              <a:rPr lang="en-US" sz="1200" b="1" dirty="0"/>
-              <a:t>Dual Polarization IQ Mod</a:t>
-            </a:r>
-            <a:r>
-              <a:rPr lang="en-US" sz="1200" b="1" dirty="0" smtClean="0"/>
-              <a:t>.</a:t>
-            </a:r>
-            <a:endParaRPr lang="en-US" sz="1200" b="1" dirty="0"/>
-          </a:p>
-        </p:txBody>
-      </p:sp>
-      <p:sp>
-        <p:nvSpPr>
-          <p:cNvPr id="93" name="Rounded Rectangle 92"/>
-          <p:cNvSpPr/>
-          <p:nvPr/>
-        </p:nvSpPr>
-        <p:spPr>
-          <a:xfrm>
-            <a:off x="3750081" y="2915005"/>
-            <a:ext cx="1009650" cy="393625"/>
-          </a:xfrm>
-          <a:prstGeom prst="roundRect">
-            <a:avLst/>
-          </a:prstGeom>
-          <a:ln w="19050">
-            <a:solidFill>
-              <a:schemeClr val="tx1"/>
-            </a:solidFill>
-          </a:ln>
-        </p:spPr>
-        <p:style>
-          <a:lnRef idx="2">
-            <a:schemeClr val="dk1"/>
-          </a:lnRef>
-          <a:fillRef idx="1">
-            <a:schemeClr val="lt1"/>
-          </a:fillRef>
-          <a:effectRef idx="0">
-            <a:schemeClr val="dk1"/>
-          </a:effectRef>
-          <a:fontRef idx="minor">
-            <a:schemeClr val="dk1"/>
-          </a:fontRef>
-        </p:style>
-        <p:txBody>
-          <a:bodyPr rtlCol="0" anchor="ctr"/>
-          <a:lstStyle/>
-          <a:p>
-            <a:pPr algn="ctr"/>
-            <a:r>
-              <a:rPr lang="en-US" sz="1200" b="1" dirty="0" smtClean="0"/>
-              <a:t>I</a:t>
-            </a:r>
-            <a:r>
-              <a:rPr lang="en-US" sz="1200" dirty="0" smtClean="0"/>
-              <a:t>            </a:t>
-            </a:r>
-            <a:r>
-              <a:rPr lang="en-US" sz="1200" b="1" dirty="0" smtClean="0"/>
-              <a:t>Q</a:t>
-            </a:r>
-          </a:p>
-          <a:p>
-            <a:pPr algn="ctr"/>
-            <a:r>
-              <a:rPr lang="en-US" sz="1200" dirty="0" smtClean="0"/>
-              <a:t>AWG</a:t>
-            </a:r>
-            <a:endParaRPr lang="en-US" sz="1200" dirty="0"/>
-          </a:p>
-        </p:txBody>
-      </p:sp>
       <p:pic>
         <p:nvPicPr>
           <p:cNvPr id="202" name="Picture 201"/>
@@ -5484,7 +4944,7 @@
           <p:nvPr/>
         </p:nvPicPr>
         <p:blipFill>
-          <a:blip r:embed="rId5" cstate="print">
+          <a:blip r:embed="rId4" cstate="print">
             <a:extLst>
               <a:ext uri="{28A0092B-C50C-407E-A947-70E740481C1C}">
                 <a14:useLocalDpi xmlns:a14="http://schemas.microsoft.com/office/drawing/2010/main" val="0"/>
@@ -5948,8 +5408,8 @@
           </a:p>
         </p:txBody>
       </p:sp>
-      <mc:AlternateContent xmlns:mc="http://schemas.openxmlformats.org/markup-compatibility/2006">
-        <mc:Choice xmlns:a14="http://schemas.microsoft.com/office/drawing/2010/main" Requires="a14">
+      <mc:AlternateContent xmlns:mc="http://schemas.openxmlformats.org/markup-compatibility/2006" xmlns:a14="http://schemas.microsoft.com/office/drawing/2010/main">
+        <mc:Choice Requires="a14">
           <p:sp>
             <p:nvSpPr>
               <p:cNvPr id="252" name="Rectangle 251"/>
@@ -6034,7 +5494,7 @@
             </p:txBody>
           </p:sp>
         </mc:Choice>
-        <mc:Fallback>
+        <mc:Fallback xmlns="">
           <p:sp>
             <p:nvSpPr>
               <p:cNvPr id="252" name="Rectangle 251"/>
@@ -6078,8 +5538,8 @@
           </p:sp>
         </mc:Fallback>
       </mc:AlternateContent>
-      <mc:AlternateContent xmlns:mc="http://schemas.openxmlformats.org/markup-compatibility/2006">
-        <mc:Choice xmlns:a14="http://schemas.microsoft.com/office/drawing/2010/main" Requires="a14">
+      <mc:AlternateContent xmlns:mc="http://schemas.openxmlformats.org/markup-compatibility/2006" xmlns:a14="http://schemas.microsoft.com/office/drawing/2010/main">
+        <mc:Choice Requires="a14">
           <p:sp>
             <p:nvSpPr>
               <p:cNvPr id="253" name="Rectangle 252"/>
@@ -6164,7 +5624,7 @@
             </p:txBody>
           </p:sp>
         </mc:Choice>
-        <mc:Fallback>
+        <mc:Fallback xmlns="">
           <p:sp>
             <p:nvSpPr>
               <p:cNvPr id="253" name="Rectangle 252"/>
@@ -6416,8 +5876,8 @@
           </a:fontRef>
         </p:style>
       </p:cxnSp>
-      <mc:AlternateContent xmlns:mc="http://schemas.openxmlformats.org/markup-compatibility/2006">
-        <mc:Choice xmlns:a14="http://schemas.microsoft.com/office/drawing/2010/main" Requires="a14">
+      <mc:AlternateContent xmlns:mc="http://schemas.openxmlformats.org/markup-compatibility/2006" xmlns:a14="http://schemas.microsoft.com/office/drawing/2010/main">
+        <mc:Choice Requires="a14">
           <p:sp>
             <p:nvSpPr>
               <p:cNvPr id="365" name="Rectangle 364"/>
@@ -6466,7 +5926,7 @@
             </p:txBody>
           </p:sp>
         </mc:Choice>
-        <mc:Fallback>
+        <mc:Fallback xmlns="">
           <p:sp>
             <p:nvSpPr>
               <p:cNvPr id="365" name="Rectangle 364"/>
@@ -6508,8 +5968,8 @@
           </p:sp>
         </mc:Fallback>
       </mc:AlternateContent>
-      <mc:AlternateContent xmlns:mc="http://schemas.openxmlformats.org/markup-compatibility/2006">
-        <mc:Choice xmlns:a14="http://schemas.microsoft.com/office/drawing/2010/main" Requires="a14">
+      <mc:AlternateContent xmlns:mc="http://schemas.openxmlformats.org/markup-compatibility/2006" xmlns:a14="http://schemas.microsoft.com/office/drawing/2010/main">
+        <mc:Choice Requires="a14">
           <p:sp>
             <p:nvSpPr>
               <p:cNvPr id="366" name="Rectangle 365"/>
@@ -6558,7 +6018,7 @@
             </p:txBody>
           </p:sp>
         </mc:Choice>
-        <mc:Fallback>
+        <mc:Fallback xmlns="">
           <p:sp>
             <p:nvSpPr>
               <p:cNvPr id="366" name="Rectangle 365"/>
@@ -6636,8 +6096,8 @@
           </a:fontRef>
         </p:style>
       </p:cxnSp>
-      <mc:AlternateContent xmlns:mc="http://schemas.openxmlformats.org/markup-compatibility/2006">
-        <mc:Choice xmlns:a14="http://schemas.microsoft.com/office/drawing/2010/main" Requires="a14">
+      <mc:AlternateContent xmlns:mc="http://schemas.openxmlformats.org/markup-compatibility/2006" xmlns:a14="http://schemas.microsoft.com/office/drawing/2010/main">
+        <mc:Choice Requires="a14">
           <p:sp>
             <p:nvSpPr>
               <p:cNvPr id="369" name="Rectangle 368"/>
@@ -6701,7 +6161,7 @@
             </p:txBody>
           </p:sp>
         </mc:Choice>
-        <mc:Fallback>
+        <mc:Fallback xmlns="">
           <p:sp>
             <p:nvSpPr>
               <p:cNvPr id="369" name="Rectangle 368"/>
@@ -6875,7 +6335,7 @@
         </p:nvSpPr>
         <p:spPr>
           <a:xfrm>
-            <a:off x="2211114" y="357134"/>
+            <a:off x="220885" y="790772"/>
             <a:ext cx="751809" cy="307777"/>
           </a:xfrm>
           <a:prstGeom prst="rect">
@@ -6891,7 +6351,6 @@
           </a:bodyPr>
           <a:lstStyle/>
           <a:p>
-            <a:pPr/>
             <a:r>
               <a:rPr lang="en-US" sz="1400" b="1" dirty="0" err="1" smtClean="0">
                 <a:latin typeface="+mj-lt"/>
@@ -6904,16 +6363,30 @@
           </a:p>
         </p:txBody>
       </p:sp>
-      <p:sp>
-        <p:nvSpPr>
-          <p:cNvPr id="83" name="Rectangle 82"/>
-          <p:cNvSpPr/>
+      <p:pic>
+        <p:nvPicPr>
+          <p:cNvPr id="87" name="Picture 86"/>
+          <p:cNvPicPr>
+            <a:picLocks noChangeAspect="1"/>
+          </p:cNvPicPr>
           <p:nvPr/>
-        </p:nvSpPr>
+        </p:nvPicPr>
+        <p:blipFill>
+          <a:blip r:embed="rId4" cstate="print">
+            <a:extLst>
+              <a:ext uri="{28A0092B-C50C-407E-A947-70E740481C1C}">
+                <a14:useLocalDpi xmlns:a14="http://schemas.microsoft.com/office/drawing/2010/main" val="0"/>
+              </a:ext>
+            </a:extLst>
+          </a:blip>
+          <a:stretch>
+            <a:fillRect/>
+          </a:stretch>
+        </p:blipFill>
         <p:spPr>
-          <a:xfrm>
-            <a:off x="2208563" y="2867456"/>
-            <a:ext cx="751809" cy="307777"/>
+          <a:xfrm rot="5400000">
+            <a:off x="3035653" y="1703148"/>
+            <a:ext cx="297181" cy="297181"/>
           </a:xfrm>
           <a:prstGeom prst="rect">
             <a:avLst/>
@@ -6922,25 +6395,377 @@
             <a:noFill/>
           </a:ln>
         </p:spPr>
-        <p:txBody>
-          <a:bodyPr wrap="none">
-            <a:spAutoFit/>
-          </a:bodyPr>
-          <a:lstStyle/>
-          <a:p>
-            <a:pPr/>
-            <a:r>
-              <a:rPr lang="en-US" sz="1400" b="1" dirty="0" err="1" smtClean="0">
-                <a:latin typeface="+mj-lt"/>
-              </a:rPr>
-              <a:t>Netxpto</a:t>
-            </a:r>
-            <a:endParaRPr lang="en-US" sz="1400" b="1" dirty="0">
-              <a:latin typeface="+mj-lt"/>
-            </a:endParaRPr>
-          </a:p>
-        </p:txBody>
-      </p:sp>
+      </p:pic>
+      <p:cxnSp>
+        <p:nvCxnSpPr>
+          <p:cNvPr id="16" name="Elbow Connector 15"/>
+          <p:cNvCxnSpPr>
+            <a:stCxn id="87" idx="1"/>
+            <a:endCxn id="200" idx="0"/>
+          </p:cNvCxnSpPr>
+          <p:nvPr/>
+        </p:nvCxnSpPr>
+        <p:spPr>
+          <a:xfrm rot="16200000" flipH="1">
+            <a:off x="4240468" y="646922"/>
+            <a:ext cx="1" cy="2112452"/>
+          </a:xfrm>
+          <a:prstGeom prst="bentConnector3">
+            <a:avLst>
+              <a:gd name="adj1" fmla="val -22860000000"/>
+            </a:avLst>
+          </a:prstGeom>
+          <a:ln w="19050">
+            <a:tailEnd type="triangle"/>
+          </a:ln>
+        </p:spPr>
+        <p:style>
+          <a:lnRef idx="1">
+            <a:schemeClr val="dk1"/>
+          </a:lnRef>
+          <a:fillRef idx="0">
+            <a:schemeClr val="dk1"/>
+          </a:fillRef>
+          <a:effectRef idx="0">
+            <a:schemeClr val="dk1"/>
+          </a:effectRef>
+          <a:fontRef idx="minor">
+            <a:schemeClr val="tx1"/>
+          </a:fontRef>
+        </p:style>
+      </p:cxnSp>
+      <p:cxnSp>
+        <p:nvCxnSpPr>
+          <p:cNvPr id="18" name="Straight Arrow Connector 17"/>
+          <p:cNvCxnSpPr>
+            <a:stCxn id="91" idx="3"/>
+            <a:endCxn id="87" idx="2"/>
+          </p:cNvCxnSpPr>
+          <p:nvPr/>
+        </p:nvCxnSpPr>
+        <p:spPr>
+          <a:xfrm flipV="1">
+            <a:off x="2471955" y="1851739"/>
+            <a:ext cx="563698" cy="1484"/>
+          </a:xfrm>
+          <a:prstGeom prst="straightConnector1">
+            <a:avLst/>
+          </a:prstGeom>
+          <a:ln w="19050">
+            <a:tailEnd type="triangle"/>
+          </a:ln>
+        </p:spPr>
+        <p:style>
+          <a:lnRef idx="1">
+            <a:schemeClr val="dk1"/>
+          </a:lnRef>
+          <a:fillRef idx="0">
+            <a:schemeClr val="dk1"/>
+          </a:fillRef>
+          <a:effectRef idx="0">
+            <a:schemeClr val="dk1"/>
+          </a:effectRef>
+          <a:fontRef idx="minor">
+            <a:schemeClr val="tx1"/>
+          </a:fontRef>
+        </p:style>
+      </p:cxnSp>
+      <mc:AlternateContent xmlns:mc="http://schemas.openxmlformats.org/markup-compatibility/2006">
+        <mc:Choice xmlns:a14="http://schemas.microsoft.com/office/drawing/2010/main" Requires="a14">
+          <p:sp>
+            <p:nvSpPr>
+              <p:cNvPr id="22" name="Rectangle 21"/>
+              <p:cNvSpPr/>
+              <p:nvPr/>
+            </p:nvSpPr>
+            <p:spPr>
+              <a:xfrm>
+                <a:off x="4072635" y="2182693"/>
+                <a:ext cx="335666" cy="275141"/>
+              </a:xfrm>
+              <a:prstGeom prst="rect">
+                <a:avLst/>
+              </a:prstGeom>
+              <a:ln w="19050"/>
+            </p:spPr>
+            <p:style>
+              <a:lnRef idx="2">
+                <a:schemeClr val="dk1"/>
+              </a:lnRef>
+              <a:fillRef idx="1">
+                <a:schemeClr val="lt1"/>
+              </a:fillRef>
+              <a:effectRef idx="0">
+                <a:schemeClr val="dk1"/>
+              </a:effectRef>
+              <a:fontRef idx="minor">
+                <a:schemeClr val="dk1"/>
+              </a:fontRef>
+            </p:style>
+            <p:txBody>
+              <a:bodyPr rtlCol="0" anchor="ctr"/>
+              <a:lstStyle/>
+              <a:p>
+                <a:pPr algn="just"/>
+                <a14:m>
+                  <m:oMathPara xmlns:m="http://schemas.openxmlformats.org/officeDocument/2006/math">
+                    <m:oMathParaPr>
+                      <m:jc m:val="center"/>
+                    </m:oMathParaPr>
+                    <m:oMath xmlns:m="http://schemas.openxmlformats.org/officeDocument/2006/math">
+                      <m:r>
+                        <a:rPr lang="en-US" i="1" smtClean="0">
+                          <a:latin typeface="Cambria Math" panose="02040503050406030204" pitchFamily="18" charset="0"/>
+                          <a:ea typeface="Cambria Math" panose="02040503050406030204" pitchFamily="18" charset="0"/>
+                        </a:rPr>
+                        <m:t>𝜏</m:t>
+                      </m:r>
+                    </m:oMath>
+                  </m:oMathPara>
+                </a14:m>
+                <a:endParaRPr lang="en-US" dirty="0"/>
+              </a:p>
+            </p:txBody>
+          </p:sp>
+        </mc:Choice>
+        <mc:Fallback>
+          <p:sp>
+            <p:nvSpPr>
+              <p:cNvPr id="22" name="Rectangle 21"/>
+              <p:cNvSpPr>
+                <a:spLocks noRot="1" noChangeAspect="1" noMove="1" noResize="1" noEditPoints="1" noAdjustHandles="1" noChangeArrowheads="1" noChangeShapeType="1" noTextEdit="1"/>
+              </p:cNvSpPr>
+              <p:nvPr/>
+            </p:nvSpPr>
+            <p:spPr>
+              <a:xfrm>
+                <a:off x="4072635" y="2182693"/>
+                <a:ext cx="335666" cy="275141"/>
+              </a:xfrm>
+              <a:prstGeom prst="rect">
+                <a:avLst/>
+              </a:prstGeom>
+              <a:blipFill>
+                <a:blip r:embed="rId29"/>
+                <a:stretch>
+                  <a:fillRect/>
+                </a:stretch>
+              </a:blipFill>
+              <a:ln w="19050"/>
+            </p:spPr>
+            <p:txBody>
+              <a:bodyPr/>
+              <a:lstStyle/>
+              <a:p>
+                <a:r>
+                  <a:rPr lang="en-US">
+                    <a:noFill/>
+                  </a:rPr>
+                  <a:t> </a:t>
+                </a:r>
+              </a:p>
+            </p:txBody>
+          </p:sp>
+        </mc:Fallback>
+      </mc:AlternateContent>
+      <p:cxnSp>
+        <p:nvCxnSpPr>
+          <p:cNvPr id="24" name="Elbow Connector 23"/>
+          <p:cNvCxnSpPr>
+            <a:stCxn id="87" idx="0"/>
+          </p:cNvCxnSpPr>
+          <p:nvPr/>
+        </p:nvCxnSpPr>
+        <p:spPr>
+          <a:xfrm>
+            <a:off x="3332834" y="1851739"/>
+            <a:ext cx="739801" cy="468524"/>
+          </a:xfrm>
+          <a:prstGeom prst="bentConnector3">
+            <a:avLst/>
+          </a:prstGeom>
+          <a:ln w="19050">
+            <a:tailEnd type="triangle"/>
+          </a:ln>
+        </p:spPr>
+        <p:style>
+          <a:lnRef idx="1">
+            <a:schemeClr val="dk1"/>
+          </a:lnRef>
+          <a:fillRef idx="0">
+            <a:schemeClr val="dk1"/>
+          </a:fillRef>
+          <a:effectRef idx="0">
+            <a:schemeClr val="dk1"/>
+          </a:effectRef>
+          <a:fontRef idx="minor">
+            <a:schemeClr val="tx1"/>
+          </a:fontRef>
+        </p:style>
+      </p:cxnSp>
+      <p:cxnSp>
+        <p:nvCxnSpPr>
+          <p:cNvPr id="26" name="Elbow Connector 25"/>
+          <p:cNvCxnSpPr>
+            <a:stCxn id="22" idx="3"/>
+            <a:endCxn id="200" idx="1"/>
+          </p:cNvCxnSpPr>
+          <p:nvPr/>
+        </p:nvCxnSpPr>
+        <p:spPr>
+          <a:xfrm flipV="1">
+            <a:off x="4408301" y="1851740"/>
+            <a:ext cx="739803" cy="468524"/>
+          </a:xfrm>
+          <a:prstGeom prst="bentConnector3">
+            <a:avLst/>
+          </a:prstGeom>
+          <a:ln w="19050">
+            <a:tailEnd type="triangle"/>
+          </a:ln>
+        </p:spPr>
+        <p:style>
+          <a:lnRef idx="1">
+            <a:schemeClr val="dk1"/>
+          </a:lnRef>
+          <a:fillRef idx="0">
+            <a:schemeClr val="dk1"/>
+          </a:fillRef>
+          <a:effectRef idx="0">
+            <a:schemeClr val="dk1"/>
+          </a:effectRef>
+          <a:fontRef idx="minor">
+            <a:schemeClr val="tx1"/>
+          </a:fontRef>
+        </p:style>
+      </p:cxnSp>
+      <p:cxnSp>
+        <p:nvCxnSpPr>
+          <p:cNvPr id="28" name="Elbow Connector 27"/>
+          <p:cNvCxnSpPr>
+            <a:endCxn id="91" idx="2"/>
+          </p:cNvCxnSpPr>
+          <p:nvPr/>
+        </p:nvCxnSpPr>
+        <p:spPr>
+          <a:xfrm rot="10800000">
+            <a:off x="1967131" y="2135424"/>
+            <a:ext cx="2569352" cy="1993978"/>
+          </a:xfrm>
+          <a:prstGeom prst="bentConnector2">
+            <a:avLst/>
+          </a:prstGeom>
+          <a:ln w="19050">
+            <a:tailEnd type="triangle"/>
+          </a:ln>
+        </p:spPr>
+        <p:style>
+          <a:lnRef idx="1">
+            <a:schemeClr val="dk1"/>
+          </a:lnRef>
+          <a:fillRef idx="0">
+            <a:schemeClr val="dk1"/>
+          </a:fillRef>
+          <a:effectRef idx="0">
+            <a:schemeClr val="dk1"/>
+          </a:effectRef>
+          <a:fontRef idx="minor">
+            <a:schemeClr val="tx1"/>
+          </a:fontRef>
+        </p:style>
+      </p:cxnSp>
+      <mc:AlternateContent xmlns:mc="http://schemas.openxmlformats.org/markup-compatibility/2006">
+        <mc:Choice xmlns:a14="http://schemas.microsoft.com/office/drawing/2010/main" Requires="a14">
+          <p:sp>
+            <p:nvSpPr>
+              <p:cNvPr id="106" name="Rectangle 105"/>
+              <p:cNvSpPr/>
+              <p:nvPr/>
+            </p:nvSpPr>
+            <p:spPr>
+              <a:xfrm>
+                <a:off x="3843564" y="2477405"/>
+                <a:ext cx="793807" cy="369332"/>
+              </a:xfrm>
+              <a:prstGeom prst="rect">
+                <a:avLst/>
+              </a:prstGeom>
+              <a:ln w="19050">
+                <a:noFill/>
+              </a:ln>
+            </p:spPr>
+            <p:txBody>
+              <a:bodyPr wrap="none">
+                <a:spAutoFit/>
+              </a:bodyPr>
+              <a:lstStyle/>
+              <a:p>
+                <a:pPr/>
+                <a14:m>
+                  <m:oMathPara xmlns:m="http://schemas.openxmlformats.org/officeDocument/2006/math">
+                    <m:oMathParaPr>
+                      <m:jc m:val="centerGroup"/>
+                    </m:oMathParaPr>
+                    <m:oMath xmlns:m="http://schemas.openxmlformats.org/officeDocument/2006/math">
+                      <m:r>
+                        <m:rPr>
+                          <m:sty m:val="p"/>
+                        </m:rPr>
+                        <a:rPr lang="en-US" b="0" i="0" smtClean="0">
+                          <a:latin typeface="Cambria Math" panose="02040503050406030204" pitchFamily="18" charset="0"/>
+                        </a:rPr>
+                        <m:t>Delay</m:t>
+                      </m:r>
+                    </m:oMath>
+                  </m:oMathPara>
+                </a14:m>
+                <a:endParaRPr lang="en-US" dirty="0"/>
+              </a:p>
+            </p:txBody>
+          </p:sp>
+        </mc:Choice>
+        <mc:Fallback>
+          <p:sp>
+            <p:nvSpPr>
+              <p:cNvPr id="106" name="Rectangle 105"/>
+              <p:cNvSpPr>
+                <a:spLocks noRot="1" noChangeAspect="1" noMove="1" noResize="1" noEditPoints="1" noAdjustHandles="1" noChangeArrowheads="1" noChangeShapeType="1" noTextEdit="1"/>
+              </p:cNvSpPr>
+              <p:nvPr/>
+            </p:nvSpPr>
+            <p:spPr>
+              <a:xfrm>
+                <a:off x="3843564" y="2477405"/>
+                <a:ext cx="793807" cy="369332"/>
+              </a:xfrm>
+              <a:prstGeom prst="rect">
+                <a:avLst/>
+              </a:prstGeom>
+              <a:blipFill>
+                <a:blip r:embed="rId30"/>
+                <a:stretch>
+                  <a:fillRect b="-13115"/>
+                </a:stretch>
+              </a:blipFill>
+              <a:ln w="19050">
+                <a:noFill/>
+              </a:ln>
+            </p:spPr>
+            <p:txBody>
+              <a:bodyPr/>
+              <a:lstStyle/>
+              <a:p>
+                <a:r>
+                  <a:rPr lang="en-US">
+                    <a:noFill/>
+                  </a:rPr>
+                  <a:t> </a:t>
+                </a:r>
+              </a:p>
+            </p:txBody>
+          </p:sp>
+        </mc:Fallback>
+      </mc:AlternateContent>
     </p:spTree>
     <p:extLst>
       <p:ext uri="{BB962C8B-B14F-4D97-AF65-F5344CB8AC3E}">
@@ -6951,6 +6776,13 @@
   <p:clrMapOvr>
     <a:masterClrMapping/>
   </p:clrMapOvr>
+  <p:timing>
+    <p:tnLst>
+      <p:par>
+        <p:cTn id="1" dur="indefinite" restart="never" nodeType="tmRoot"/>
+      </p:par>
+    </p:tnLst>
+  </p:timing>
 </p:sld>
 </file>
 

--- a/doc/tex/sdf/simplified_coherent_receiver/figures/Practical_setup_TxRx.pptx
+++ b/doc/tex/sdf/simplified_coherent_receiver/figures/Practical_setup_TxRx.pptx
@@ -243,7 +243,7 @@
           <a:p>
             <a:fld id="{2680F75E-BF8A-4352-8DF2-5712531B63DB}" type="datetimeFigureOut">
               <a:rPr lang="pt-PT" smtClean="0"/>
-              <a:t>07/11/2017</a:t>
+              <a:t>10/11/2017</a:t>
             </a:fld>
             <a:endParaRPr lang="pt-PT"/>
           </a:p>
@@ -413,7 +413,7 @@
           <a:p>
             <a:fld id="{2680F75E-BF8A-4352-8DF2-5712531B63DB}" type="datetimeFigureOut">
               <a:rPr lang="pt-PT" smtClean="0"/>
-              <a:t>07/11/2017</a:t>
+              <a:t>10/11/2017</a:t>
             </a:fld>
             <a:endParaRPr lang="pt-PT"/>
           </a:p>
@@ -593,7 +593,7 @@
           <a:p>
             <a:fld id="{2680F75E-BF8A-4352-8DF2-5712531B63DB}" type="datetimeFigureOut">
               <a:rPr lang="pt-PT" smtClean="0"/>
-              <a:t>07/11/2017</a:t>
+              <a:t>10/11/2017</a:t>
             </a:fld>
             <a:endParaRPr lang="pt-PT"/>
           </a:p>
@@ -763,7 +763,7 @@
           <a:p>
             <a:fld id="{2680F75E-BF8A-4352-8DF2-5712531B63DB}" type="datetimeFigureOut">
               <a:rPr lang="pt-PT" smtClean="0"/>
-              <a:t>07/11/2017</a:t>
+              <a:t>10/11/2017</a:t>
             </a:fld>
             <a:endParaRPr lang="pt-PT"/>
           </a:p>
@@ -1009,7 +1009,7 @@
           <a:p>
             <a:fld id="{2680F75E-BF8A-4352-8DF2-5712531B63DB}" type="datetimeFigureOut">
               <a:rPr lang="pt-PT" smtClean="0"/>
-              <a:t>07/11/2017</a:t>
+              <a:t>10/11/2017</a:t>
             </a:fld>
             <a:endParaRPr lang="pt-PT"/>
           </a:p>
@@ -1241,7 +1241,7 @@
           <a:p>
             <a:fld id="{2680F75E-BF8A-4352-8DF2-5712531B63DB}" type="datetimeFigureOut">
               <a:rPr lang="pt-PT" smtClean="0"/>
-              <a:t>07/11/2017</a:t>
+              <a:t>10/11/2017</a:t>
             </a:fld>
             <a:endParaRPr lang="pt-PT"/>
           </a:p>
@@ -1608,7 +1608,7 @@
           <a:p>
             <a:fld id="{2680F75E-BF8A-4352-8DF2-5712531B63DB}" type="datetimeFigureOut">
               <a:rPr lang="pt-PT" smtClean="0"/>
-              <a:t>07/11/2017</a:t>
+              <a:t>10/11/2017</a:t>
             </a:fld>
             <a:endParaRPr lang="pt-PT"/>
           </a:p>
@@ -1726,7 +1726,7 @@
           <a:p>
             <a:fld id="{2680F75E-BF8A-4352-8DF2-5712531B63DB}" type="datetimeFigureOut">
               <a:rPr lang="pt-PT" smtClean="0"/>
-              <a:t>07/11/2017</a:t>
+              <a:t>10/11/2017</a:t>
             </a:fld>
             <a:endParaRPr lang="pt-PT"/>
           </a:p>
@@ -1821,7 +1821,7 @@
           <a:p>
             <a:fld id="{2680F75E-BF8A-4352-8DF2-5712531B63DB}" type="datetimeFigureOut">
               <a:rPr lang="pt-PT" smtClean="0"/>
-              <a:t>07/11/2017</a:t>
+              <a:t>10/11/2017</a:t>
             </a:fld>
             <a:endParaRPr lang="pt-PT"/>
           </a:p>
@@ -2098,7 +2098,7 @@
           <a:p>
             <a:fld id="{2680F75E-BF8A-4352-8DF2-5712531B63DB}" type="datetimeFigureOut">
               <a:rPr lang="pt-PT" smtClean="0"/>
-              <a:t>07/11/2017</a:t>
+              <a:t>10/11/2017</a:t>
             </a:fld>
             <a:endParaRPr lang="pt-PT"/>
           </a:p>
@@ -2351,7 +2351,7 @@
           <a:p>
             <a:fld id="{2680F75E-BF8A-4352-8DF2-5712531B63DB}" type="datetimeFigureOut">
               <a:rPr lang="pt-PT" smtClean="0"/>
-              <a:t>07/11/2017</a:t>
+              <a:t>10/11/2017</a:t>
             </a:fld>
             <a:endParaRPr lang="pt-PT"/>
           </a:p>
@@ -2564,7 +2564,7 @@
           <a:p>
             <a:fld id="{2680F75E-BF8A-4352-8DF2-5712531B63DB}" type="datetimeFigureOut">
               <a:rPr lang="pt-PT" smtClean="0"/>
-              <a:t>07/11/2017</a:t>
+              <a:t>10/11/2017</a:t>
             </a:fld>
             <a:endParaRPr lang="pt-PT"/>
           </a:p>
@@ -2969,8 +2969,51 @@
           <a:chExt cx="0" cy="0"/>
         </a:xfrm>
       </p:grpSpPr>
-      <mc:AlternateContent xmlns:mc="http://schemas.openxmlformats.org/markup-compatibility/2006">
-        <mc:Choice xmlns:a14="http://schemas.microsoft.com/office/drawing/2010/main" Requires="a14">
+      <p:sp>
+        <p:nvSpPr>
+          <p:cNvPr id="334" name="Rectangle 333"/>
+          <p:cNvSpPr/>
+          <p:nvPr/>
+        </p:nvSpPr>
+        <p:spPr>
+          <a:xfrm>
+            <a:off x="86207" y="52343"/>
+            <a:ext cx="5664545" cy="6733114"/>
+          </a:xfrm>
+          <a:prstGeom prst="rect">
+            <a:avLst/>
+          </a:prstGeom>
+          <a:ln w="19050">
+            <a:solidFill>
+              <a:schemeClr val="tx1"/>
+            </a:solidFill>
+            <a:prstDash val="sysDot"/>
+          </a:ln>
+        </p:spPr>
+        <p:style>
+          <a:lnRef idx="2">
+            <a:schemeClr val="dk1"/>
+          </a:lnRef>
+          <a:fillRef idx="1">
+            <a:schemeClr val="lt1"/>
+          </a:fillRef>
+          <a:effectRef idx="0">
+            <a:schemeClr val="dk1"/>
+          </a:effectRef>
+          <a:fontRef idx="minor">
+            <a:schemeClr val="dk1"/>
+          </a:fontRef>
+        </p:style>
+        <p:txBody>
+          <a:bodyPr rtlCol="0" anchor="ctr"/>
+          <a:lstStyle/>
+          <a:p>
+            <a:endParaRPr lang="en-US" dirty="0"/>
+          </a:p>
+        </p:txBody>
+      </p:sp>
+      <mc:AlternateContent xmlns:mc="http://schemas.openxmlformats.org/markup-compatibility/2006" xmlns:a14="http://schemas.microsoft.com/office/drawing/2010/main">
+        <mc:Choice Requires="a14">
           <p:sp>
             <p:nvSpPr>
               <p:cNvPr id="105" name="Rectangle 104"/>
@@ -3039,7 +3082,7 @@
             </p:txBody>
           </p:sp>
         </mc:Choice>
-        <mc:Fallback>
+        <mc:Fallback xmlns="">
           <p:sp>
             <p:nvSpPr>
               <p:cNvPr id="105" name="Rectangle 104"/>
@@ -3086,50 +3129,6 @@
       </mc:AlternateContent>
       <p:sp>
         <p:nvSpPr>
-          <p:cNvPr id="334" name="Rectangle 333"/>
-          <p:cNvSpPr/>
-          <p:nvPr/>
-        </p:nvSpPr>
-        <p:spPr>
-          <a:xfrm>
-            <a:off x="66410" y="82604"/>
-            <a:ext cx="5664545" cy="6733114"/>
-          </a:xfrm>
-          <a:prstGeom prst="rect">
-            <a:avLst/>
-          </a:prstGeom>
-          <a:ln w="19050">
-            <a:solidFill>
-              <a:schemeClr val="tx1"/>
-            </a:solidFill>
-            <a:prstDash val="sysDot"/>
-          </a:ln>
-        </p:spPr>
-        <p:style>
-          <a:lnRef idx="2">
-            <a:schemeClr val="dk1"/>
-          </a:lnRef>
-          <a:fillRef idx="1">
-            <a:schemeClr val="lt1"/>
-          </a:fillRef>
-          <a:effectRef idx="0">
-            <a:schemeClr val="dk1"/>
-          </a:effectRef>
-          <a:fontRef idx="minor">
-            <a:schemeClr val="dk1"/>
-          </a:fontRef>
-        </p:style>
-        <p:txBody>
-          <a:bodyPr rtlCol="0" anchor="ctr"/>
-          <a:lstStyle/>
-          <a:p>
-            <a:pPr/>
-            <a:endParaRPr lang="en-US" dirty="0"/>
-          </a:p>
-        </p:txBody>
-      </p:sp>
-      <p:sp>
-        <p:nvSpPr>
           <p:cNvPr id="335" name="Rectangle 334"/>
           <p:cNvSpPr/>
           <p:nvPr/>
@@ -3182,9 +3181,9 @@
           <p:nvPr/>
         </p:nvCxnSpPr>
         <p:spPr>
-          <a:xfrm flipH="1">
-            <a:off x="2223334" y="1236716"/>
-            <a:ext cx="224" cy="330994"/>
+          <a:xfrm>
+            <a:off x="2215634" y="1221781"/>
+            <a:ext cx="0" cy="343320"/>
           </a:xfrm>
           <a:prstGeom prst="straightConnector1">
             <a:avLst/>
@@ -3218,9 +3217,9 @@
           <p:nvPr/>
         </p:nvCxnSpPr>
         <p:spPr>
-          <a:xfrm flipH="1">
-            <a:off x="1692316" y="1236716"/>
-            <a:ext cx="224" cy="330994"/>
+          <a:xfrm>
+            <a:off x="1697205" y="1221090"/>
+            <a:ext cx="0" cy="344011"/>
           </a:xfrm>
           <a:prstGeom prst="straightConnector1">
             <a:avLst/>
@@ -3749,8 +3748,8 @@
           </a:fontRef>
         </p:style>
       </p:cxnSp>
-      <mc:AlternateContent xmlns:mc="http://schemas.openxmlformats.org/markup-compatibility/2006">
-        <mc:Choice xmlns:a14="http://schemas.microsoft.com/office/drawing/2010/main" Requires="a14">
+      <mc:AlternateContent xmlns:mc="http://schemas.openxmlformats.org/markup-compatibility/2006" xmlns:a14="http://schemas.microsoft.com/office/drawing/2010/main">
+        <mc:Choice Requires="a14">
           <p:sp>
             <p:nvSpPr>
               <p:cNvPr id="336" name="TextBox 335"/>
@@ -3800,7 +3799,7 @@
             </p:txBody>
           </p:sp>
         </mc:Choice>
-        <mc:Fallback>
+        <mc:Fallback xmlns="">
           <p:sp>
             <p:nvSpPr>
               <p:cNvPr id="336" name="TextBox 335"/>
@@ -3979,8 +3978,8 @@
           </a:fontRef>
         </p:style>
       </p:cxnSp>
-      <mc:AlternateContent xmlns:mc="http://schemas.openxmlformats.org/markup-compatibility/2006">
-        <mc:Choice xmlns:a14="http://schemas.microsoft.com/office/drawing/2010/main" Requires="a14">
+      <mc:AlternateContent xmlns:mc="http://schemas.openxmlformats.org/markup-compatibility/2006" xmlns:a14="http://schemas.microsoft.com/office/drawing/2010/main">
+        <mc:Choice Requires="a14">
           <p:sp>
             <p:nvSpPr>
               <p:cNvPr id="363" name="Rectangle 362"/>
@@ -4029,7 +4028,7 @@
             </p:txBody>
           </p:sp>
         </mc:Choice>
-        <mc:Fallback>
+        <mc:Fallback xmlns="">
           <p:sp>
             <p:nvSpPr>
               <p:cNvPr id="363" name="Rectangle 362"/>
@@ -4071,8 +4070,8 @@
           </p:sp>
         </mc:Fallback>
       </mc:AlternateContent>
-      <mc:AlternateContent xmlns:mc="http://schemas.openxmlformats.org/markup-compatibility/2006">
-        <mc:Choice xmlns:a14="http://schemas.microsoft.com/office/drawing/2010/main" Requires="a14">
+      <mc:AlternateContent xmlns:mc="http://schemas.openxmlformats.org/markup-compatibility/2006" xmlns:a14="http://schemas.microsoft.com/office/drawing/2010/main">
+        <mc:Choice Requires="a14">
           <p:sp>
             <p:nvSpPr>
               <p:cNvPr id="364" name="Rectangle 363"/>
@@ -4121,7 +4120,7 @@
             </p:txBody>
           </p:sp>
         </mc:Choice>
-        <mc:Fallback>
+        <mc:Fallback xmlns="">
           <p:sp>
             <p:nvSpPr>
               <p:cNvPr id="364" name="Rectangle 363"/>
@@ -6470,8 +6469,8 @@
           </a:fontRef>
         </p:style>
       </p:cxnSp>
-      <mc:AlternateContent xmlns:mc="http://schemas.openxmlformats.org/markup-compatibility/2006">
-        <mc:Choice xmlns:a14="http://schemas.microsoft.com/office/drawing/2010/main" Requires="a14">
+      <mc:AlternateContent xmlns:mc="http://schemas.openxmlformats.org/markup-compatibility/2006" xmlns:a14="http://schemas.microsoft.com/office/drawing/2010/main">
+        <mc:Choice Requires="a14">
           <p:sp>
             <p:nvSpPr>
               <p:cNvPr id="22" name="Rectangle 21"/>
@@ -6528,7 +6527,7 @@
             </p:txBody>
           </p:sp>
         </mc:Choice>
-        <mc:Fallback>
+        <mc:Fallback xmlns="">
           <p:sp>
             <p:nvSpPr>
               <p:cNvPr id="22" name="Rectangle 21"/>
@@ -6674,8 +6673,8 @@
           </a:fontRef>
         </p:style>
       </p:cxnSp>
-      <mc:AlternateContent xmlns:mc="http://schemas.openxmlformats.org/markup-compatibility/2006">
-        <mc:Choice xmlns:a14="http://schemas.microsoft.com/office/drawing/2010/main" Requires="a14">
+      <mc:AlternateContent xmlns:mc="http://schemas.openxmlformats.org/markup-compatibility/2006" xmlns:a14="http://schemas.microsoft.com/office/drawing/2010/main">
+        <mc:Choice Requires="a14">
           <p:sp>
             <p:nvSpPr>
               <p:cNvPr id="106" name="Rectangle 105"/>
@@ -6724,7 +6723,7 @@
             </p:txBody>
           </p:sp>
         </mc:Choice>
-        <mc:Fallback>
+        <mc:Fallback xmlns="">
           <p:sp>
             <p:nvSpPr>
               <p:cNvPr id="106" name="Rectangle 105"/>
@@ -6745,6 +6744,250 @@
                 <a:blip r:embed="rId30"/>
                 <a:stretch>
                   <a:fillRect b="-13115"/>
+                </a:stretch>
+              </a:blipFill>
+              <a:ln w="19050">
+                <a:noFill/>
+              </a:ln>
+            </p:spPr>
+            <p:txBody>
+              <a:bodyPr/>
+              <a:lstStyle/>
+              <a:p>
+                <a:r>
+                  <a:rPr lang="en-US">
+                    <a:noFill/>
+                  </a:rPr>
+                  <a:t> </a:t>
+                </a:r>
+              </a:p>
+            </p:txBody>
+          </p:sp>
+        </mc:Fallback>
+      </mc:AlternateContent>
+      <mc:AlternateContent xmlns:mc="http://schemas.openxmlformats.org/markup-compatibility/2006" xmlns:a14="http://schemas.microsoft.com/office/drawing/2010/main">
+        <mc:Choice Requires="a14">
+          <p:sp>
+            <p:nvSpPr>
+              <p:cNvPr id="83" name="TextBox 82"/>
+              <p:cNvSpPr txBox="1"/>
+              <p:nvPr/>
+            </p:nvSpPr>
+            <p:spPr>
+              <a:xfrm>
+                <a:off x="1455675" y="1264168"/>
+                <a:ext cx="253787" cy="246221"/>
+              </a:xfrm>
+              <a:prstGeom prst="rect">
+                <a:avLst/>
+              </a:prstGeom>
+              <a:noFill/>
+              <a:ln w="19050">
+                <a:noFill/>
+              </a:ln>
+            </p:spPr>
+            <p:txBody>
+              <a:bodyPr wrap="none" lIns="0" tIns="0" rIns="0" bIns="0" rtlCol="0">
+                <a:spAutoFit/>
+              </a:bodyPr>
+              <a:lstStyle/>
+              <a:p>
+                <a:pPr/>
+                <a14:m>
+                  <m:oMathPara xmlns:m="http://schemas.openxmlformats.org/officeDocument/2006/math">
+                    <m:oMathParaPr>
+                      <m:jc m:val="centerGroup"/>
+                    </m:oMathParaPr>
+                    <m:oMath xmlns:m="http://schemas.openxmlformats.org/officeDocument/2006/math">
+                      <m:sSub>
+                        <m:sSubPr>
+                          <m:ctrlPr>
+                            <a:rPr lang="en-US" sz="1600" b="1" i="1" smtClean="0">
+                              <a:solidFill>
+                                <a:srgbClr val="FF0000"/>
+                              </a:solidFill>
+                              <a:latin typeface="Cambria Math" panose="02040503050406030204" pitchFamily="18" charset="0"/>
+                            </a:rPr>
+                          </m:ctrlPr>
+                        </m:sSubPr>
+                        <m:e>
+                          <m:r>
+                            <a:rPr lang="en-US" sz="1600" b="1" i="0" smtClean="0">
+                              <a:solidFill>
+                                <a:srgbClr val="FF0000"/>
+                              </a:solidFill>
+                              <a:latin typeface="Cambria Math" panose="02040503050406030204" pitchFamily="18" charset="0"/>
+                            </a:rPr>
+                            <m:t>𝐒</m:t>
+                          </m:r>
+                        </m:e>
+                        <m:sub>
+                          <m:r>
+                            <a:rPr lang="en-US" sz="1600" b="1" i="0" smtClean="0">
+                              <a:solidFill>
+                                <a:srgbClr val="FF0000"/>
+                              </a:solidFill>
+                              <a:latin typeface="Cambria Math" panose="02040503050406030204" pitchFamily="18" charset="0"/>
+                            </a:rPr>
+                            <m:t>𝟕</m:t>
+                          </m:r>
+                        </m:sub>
+                      </m:sSub>
+                    </m:oMath>
+                  </m:oMathPara>
+                </a14:m>
+                <a:endParaRPr lang="en-US" sz="1600" b="1" dirty="0">
+                  <a:solidFill>
+                    <a:srgbClr val="FF0000"/>
+                  </a:solidFill>
+                </a:endParaRPr>
+              </a:p>
+            </p:txBody>
+          </p:sp>
+        </mc:Choice>
+        <mc:Fallback xmlns="">
+          <p:sp>
+            <p:nvSpPr>
+              <p:cNvPr id="83" name="TextBox 82"/>
+              <p:cNvSpPr txBox="1">
+                <a:spLocks noRot="1" noChangeAspect="1" noMove="1" noResize="1" noEditPoints="1" noAdjustHandles="1" noChangeArrowheads="1" noChangeShapeType="1" noTextEdit="1"/>
+              </p:cNvSpPr>
+              <p:nvPr/>
+            </p:nvSpPr>
+            <p:spPr>
+              <a:xfrm>
+                <a:off x="1455675" y="1264168"/>
+                <a:ext cx="253787" cy="246221"/>
+              </a:xfrm>
+              <a:prstGeom prst="rect">
+                <a:avLst/>
+              </a:prstGeom>
+              <a:blipFill>
+                <a:blip r:embed="rId31"/>
+                <a:stretch>
+                  <a:fillRect l="-19512" r="-4878" b="-14634"/>
+                </a:stretch>
+              </a:blipFill>
+              <a:ln w="19050">
+                <a:noFill/>
+              </a:ln>
+            </p:spPr>
+            <p:txBody>
+              <a:bodyPr/>
+              <a:lstStyle/>
+              <a:p>
+                <a:r>
+                  <a:rPr lang="en-US">
+                    <a:noFill/>
+                  </a:rPr>
+                  <a:t> </a:t>
+                </a:r>
+              </a:p>
+            </p:txBody>
+          </p:sp>
+        </mc:Fallback>
+      </mc:AlternateContent>
+      <mc:AlternateContent xmlns:mc="http://schemas.openxmlformats.org/markup-compatibility/2006">
+        <mc:Choice xmlns:a14="http://schemas.microsoft.com/office/drawing/2010/main" Requires="a14">
+          <p:sp>
+            <p:nvSpPr>
+              <p:cNvPr id="84" name="TextBox 83"/>
+              <p:cNvSpPr txBox="1"/>
+              <p:nvPr/>
+            </p:nvSpPr>
+            <p:spPr>
+              <a:xfrm>
+                <a:off x="2219587" y="1264168"/>
+                <a:ext cx="253787" cy="246221"/>
+              </a:xfrm>
+              <a:prstGeom prst="rect">
+                <a:avLst/>
+              </a:prstGeom>
+              <a:noFill/>
+              <a:ln w="19050">
+                <a:noFill/>
+              </a:ln>
+            </p:spPr>
+            <p:txBody>
+              <a:bodyPr wrap="none" lIns="0" tIns="0" rIns="0" bIns="0" rtlCol="0">
+                <a:spAutoFit/>
+              </a:bodyPr>
+              <a:lstStyle/>
+              <a:p>
+                <a:pPr/>
+                <a14:m>
+                  <m:oMathPara xmlns:m="http://schemas.openxmlformats.org/officeDocument/2006/math">
+                    <m:oMathParaPr>
+                      <m:jc m:val="centerGroup"/>
+                    </m:oMathParaPr>
+                    <m:oMath xmlns:m="http://schemas.openxmlformats.org/officeDocument/2006/math">
+                      <m:sSub>
+                        <m:sSubPr>
+                          <m:ctrlPr>
+                            <a:rPr lang="en-US" sz="1600" b="1" i="1" smtClean="0">
+                              <a:solidFill>
+                                <a:srgbClr val="FF0000"/>
+                              </a:solidFill>
+                              <a:latin typeface="Cambria Math" panose="02040503050406030204" pitchFamily="18" charset="0"/>
+                            </a:rPr>
+                          </m:ctrlPr>
+                        </m:sSubPr>
+                        <m:e>
+                          <m:r>
+                            <a:rPr lang="en-US" sz="1600" b="1" i="0" smtClean="0">
+                              <a:solidFill>
+                                <a:srgbClr val="FF0000"/>
+                              </a:solidFill>
+                              <a:latin typeface="Cambria Math" panose="02040503050406030204" pitchFamily="18" charset="0"/>
+                            </a:rPr>
+                            <m:t>𝐒</m:t>
+                          </m:r>
+                        </m:e>
+                        <m:sub>
+                          <m:r>
+                            <a:rPr lang="en-US" sz="1600" b="1" i="1" smtClean="0">
+                              <a:solidFill>
+                                <a:srgbClr val="FF0000"/>
+                              </a:solidFill>
+                              <a:latin typeface="Cambria Math" panose="02040503050406030204" pitchFamily="18" charset="0"/>
+                            </a:rPr>
+                            <m:t>𝟗</m:t>
+                          </m:r>
+                        </m:sub>
+                      </m:sSub>
+                    </m:oMath>
+                  </m:oMathPara>
+                </a14:m>
+                <a:endParaRPr lang="en-US" sz="1600" b="1" dirty="0">
+                  <a:solidFill>
+                    <a:srgbClr val="FF0000"/>
+                  </a:solidFill>
+                </a:endParaRPr>
+              </a:p>
+            </p:txBody>
+          </p:sp>
+        </mc:Choice>
+        <mc:Fallback>
+          <p:sp>
+            <p:nvSpPr>
+              <p:cNvPr id="84" name="TextBox 83"/>
+              <p:cNvSpPr txBox="1">
+                <a:spLocks noRot="1" noChangeAspect="1" noMove="1" noResize="1" noEditPoints="1" noAdjustHandles="1" noChangeArrowheads="1" noChangeShapeType="1" noTextEdit="1"/>
+              </p:cNvSpPr>
+              <p:nvPr/>
+            </p:nvSpPr>
+            <p:spPr>
+              <a:xfrm>
+                <a:off x="2219587" y="1264168"/>
+                <a:ext cx="253787" cy="246221"/>
+              </a:xfrm>
+              <a:prstGeom prst="rect">
+                <a:avLst/>
+              </a:prstGeom>
+              <a:blipFill>
+                <a:blip r:embed="rId32"/>
+                <a:stretch>
+                  <a:fillRect l="-16667" r="-4762" b="-14634"/>
                 </a:stretch>
               </a:blipFill>
               <a:ln w="19050">

--- a/doc/tex/sdf/simplified_coherent_receiver/figures/Practical_setup_TxRx.pptx
+++ b/doc/tex/sdf/simplified_coherent_receiver/figures/Practical_setup_TxRx.pptx
@@ -243,7 +243,7 @@
           <a:p>
             <a:fld id="{2680F75E-BF8A-4352-8DF2-5712531B63DB}" type="datetimeFigureOut">
               <a:rPr lang="pt-PT" smtClean="0"/>
-              <a:t>10/11/2017</a:t>
+              <a:t>13/11/2017</a:t>
             </a:fld>
             <a:endParaRPr lang="pt-PT"/>
           </a:p>
@@ -413,7 +413,7 @@
           <a:p>
             <a:fld id="{2680F75E-BF8A-4352-8DF2-5712531B63DB}" type="datetimeFigureOut">
               <a:rPr lang="pt-PT" smtClean="0"/>
-              <a:t>10/11/2017</a:t>
+              <a:t>13/11/2017</a:t>
             </a:fld>
             <a:endParaRPr lang="pt-PT"/>
           </a:p>
@@ -593,7 +593,7 @@
           <a:p>
             <a:fld id="{2680F75E-BF8A-4352-8DF2-5712531B63DB}" type="datetimeFigureOut">
               <a:rPr lang="pt-PT" smtClean="0"/>
-              <a:t>10/11/2017</a:t>
+              <a:t>13/11/2017</a:t>
             </a:fld>
             <a:endParaRPr lang="pt-PT"/>
           </a:p>
@@ -763,7 +763,7 @@
           <a:p>
             <a:fld id="{2680F75E-BF8A-4352-8DF2-5712531B63DB}" type="datetimeFigureOut">
               <a:rPr lang="pt-PT" smtClean="0"/>
-              <a:t>10/11/2017</a:t>
+              <a:t>13/11/2017</a:t>
             </a:fld>
             <a:endParaRPr lang="pt-PT"/>
           </a:p>
@@ -1009,7 +1009,7 @@
           <a:p>
             <a:fld id="{2680F75E-BF8A-4352-8DF2-5712531B63DB}" type="datetimeFigureOut">
               <a:rPr lang="pt-PT" smtClean="0"/>
-              <a:t>10/11/2017</a:t>
+              <a:t>13/11/2017</a:t>
             </a:fld>
             <a:endParaRPr lang="pt-PT"/>
           </a:p>
@@ -1241,7 +1241,7 @@
           <a:p>
             <a:fld id="{2680F75E-BF8A-4352-8DF2-5712531B63DB}" type="datetimeFigureOut">
               <a:rPr lang="pt-PT" smtClean="0"/>
-              <a:t>10/11/2017</a:t>
+              <a:t>13/11/2017</a:t>
             </a:fld>
             <a:endParaRPr lang="pt-PT"/>
           </a:p>
@@ -1608,7 +1608,7 @@
           <a:p>
             <a:fld id="{2680F75E-BF8A-4352-8DF2-5712531B63DB}" type="datetimeFigureOut">
               <a:rPr lang="pt-PT" smtClean="0"/>
-              <a:t>10/11/2017</a:t>
+              <a:t>13/11/2017</a:t>
             </a:fld>
             <a:endParaRPr lang="pt-PT"/>
           </a:p>
@@ -1726,7 +1726,7 @@
           <a:p>
             <a:fld id="{2680F75E-BF8A-4352-8DF2-5712531B63DB}" type="datetimeFigureOut">
               <a:rPr lang="pt-PT" smtClean="0"/>
-              <a:t>10/11/2017</a:t>
+              <a:t>13/11/2017</a:t>
             </a:fld>
             <a:endParaRPr lang="pt-PT"/>
           </a:p>
@@ -1821,7 +1821,7 @@
           <a:p>
             <a:fld id="{2680F75E-BF8A-4352-8DF2-5712531B63DB}" type="datetimeFigureOut">
               <a:rPr lang="pt-PT" smtClean="0"/>
-              <a:t>10/11/2017</a:t>
+              <a:t>13/11/2017</a:t>
             </a:fld>
             <a:endParaRPr lang="pt-PT"/>
           </a:p>
@@ -2098,7 +2098,7 @@
           <a:p>
             <a:fld id="{2680F75E-BF8A-4352-8DF2-5712531B63DB}" type="datetimeFigureOut">
               <a:rPr lang="pt-PT" smtClean="0"/>
-              <a:t>10/11/2017</a:t>
+              <a:t>13/11/2017</a:t>
             </a:fld>
             <a:endParaRPr lang="pt-PT"/>
           </a:p>
@@ -2351,7 +2351,7 @@
           <a:p>
             <a:fld id="{2680F75E-BF8A-4352-8DF2-5712531B63DB}" type="datetimeFigureOut">
               <a:rPr lang="pt-PT" smtClean="0"/>
-              <a:t>10/11/2017</a:t>
+              <a:t>13/11/2017</a:t>
             </a:fld>
             <a:endParaRPr lang="pt-PT"/>
           </a:p>
@@ -2564,7 +2564,7 @@
           <a:p>
             <a:fld id="{2680F75E-BF8A-4352-8DF2-5712531B63DB}" type="datetimeFigureOut">
               <a:rPr lang="pt-PT" smtClean="0"/>
-              <a:t>10/11/2017</a:t>
+              <a:t>13/11/2017</a:t>
             </a:fld>
             <a:endParaRPr lang="pt-PT"/>
           </a:p>
@@ -6887,8 +6887,8 @@
           </p:sp>
         </mc:Fallback>
       </mc:AlternateContent>
-      <mc:AlternateContent xmlns:mc="http://schemas.openxmlformats.org/markup-compatibility/2006">
-        <mc:Choice xmlns:a14="http://schemas.microsoft.com/office/drawing/2010/main" Requires="a14">
+      <mc:AlternateContent xmlns:mc="http://schemas.openxmlformats.org/markup-compatibility/2006" xmlns:a14="http://schemas.microsoft.com/office/drawing/2010/main">
+        <mc:Choice Requires="a14">
           <p:sp>
             <p:nvSpPr>
               <p:cNvPr id="84" name="TextBox 83"/>
@@ -6967,7 +6967,7 @@
             </p:txBody>
           </p:sp>
         </mc:Choice>
-        <mc:Fallback>
+        <mc:Fallback xmlns="">
           <p:sp>
             <p:nvSpPr>
               <p:cNvPr id="84" name="TextBox 83"/>
@@ -6988,6 +6988,128 @@
                 <a:blip r:embed="rId32"/>
                 <a:stretch>
                   <a:fillRect l="-16667" r="-4762" b="-14634"/>
+                </a:stretch>
+              </a:blipFill>
+              <a:ln w="19050">
+                <a:noFill/>
+              </a:ln>
+            </p:spPr>
+            <p:txBody>
+              <a:bodyPr/>
+              <a:lstStyle/>
+              <a:p>
+                <a:r>
+                  <a:rPr lang="en-US">
+                    <a:noFill/>
+                  </a:rPr>
+                  <a:t> </a:t>
+                </a:r>
+              </a:p>
+            </p:txBody>
+          </p:sp>
+        </mc:Fallback>
+      </mc:AlternateContent>
+      <mc:AlternateContent xmlns:mc="http://schemas.openxmlformats.org/markup-compatibility/2006">
+        <mc:Choice xmlns:a14="http://schemas.microsoft.com/office/drawing/2010/main" Requires="a14">
+          <p:sp>
+            <p:nvSpPr>
+              <p:cNvPr id="77" name="TextBox 76"/>
+              <p:cNvSpPr txBox="1"/>
+              <p:nvPr/>
+            </p:nvSpPr>
+            <p:spPr>
+              <a:xfrm>
+                <a:off x="2578437" y="1600584"/>
+                <a:ext cx="343556" cy="246221"/>
+              </a:xfrm>
+              <a:prstGeom prst="rect">
+                <a:avLst/>
+              </a:prstGeom>
+              <a:noFill/>
+              <a:ln w="19050">
+                <a:noFill/>
+              </a:ln>
+            </p:spPr>
+            <p:txBody>
+              <a:bodyPr wrap="none" lIns="0" tIns="0" rIns="0" bIns="0" rtlCol="0">
+                <a:spAutoFit/>
+              </a:bodyPr>
+              <a:lstStyle/>
+              <a:p>
+                <a:pPr/>
+                <a14:m>
+                  <m:oMathPara xmlns:m="http://schemas.openxmlformats.org/officeDocument/2006/math">
+                    <m:oMathParaPr>
+                      <m:jc m:val="centerGroup"/>
+                    </m:oMathParaPr>
+                    <m:oMath xmlns:m="http://schemas.openxmlformats.org/officeDocument/2006/math">
+                      <m:sSub>
+                        <m:sSubPr>
+                          <m:ctrlPr>
+                            <a:rPr lang="en-US" sz="1600" b="1" i="1" smtClean="0">
+                              <a:solidFill>
+                                <a:srgbClr val="FF0000"/>
+                              </a:solidFill>
+                              <a:latin typeface="Cambria Math" panose="02040503050406030204" pitchFamily="18" charset="0"/>
+                            </a:rPr>
+                          </m:ctrlPr>
+                        </m:sSubPr>
+                        <m:e>
+                          <m:r>
+                            <a:rPr lang="en-US" sz="1600" b="1" i="0" smtClean="0">
+                              <a:solidFill>
+                                <a:srgbClr val="FF0000"/>
+                              </a:solidFill>
+                              <a:latin typeface="Cambria Math" panose="02040503050406030204" pitchFamily="18" charset="0"/>
+                            </a:rPr>
+                            <m:t>𝐒</m:t>
+                          </m:r>
+                        </m:e>
+                        <m:sub>
+                          <m:r>
+                            <a:rPr lang="en-US" sz="1600" b="1" i="1" smtClean="0">
+                              <a:solidFill>
+                                <a:srgbClr val="FF0000"/>
+                              </a:solidFill>
+                              <a:latin typeface="Cambria Math" panose="02040503050406030204" pitchFamily="18" charset="0"/>
+                            </a:rPr>
+                            <m:t>𝟏𝟎</m:t>
+                          </m:r>
+                        </m:sub>
+                      </m:sSub>
+                    </m:oMath>
+                  </m:oMathPara>
+                </a14:m>
+                <a:endParaRPr lang="en-US" sz="1600" b="1" dirty="0">
+                  <a:solidFill>
+                    <a:srgbClr val="FF0000"/>
+                  </a:solidFill>
+                </a:endParaRPr>
+              </a:p>
+            </p:txBody>
+          </p:sp>
+        </mc:Choice>
+        <mc:Fallback>
+          <p:sp>
+            <p:nvSpPr>
+              <p:cNvPr id="77" name="TextBox 76"/>
+              <p:cNvSpPr txBox="1">
+                <a:spLocks noRot="1" noChangeAspect="1" noMove="1" noResize="1" noEditPoints="1" noAdjustHandles="1" noChangeArrowheads="1" noChangeShapeType="1" noTextEdit="1"/>
+              </p:cNvSpPr>
+              <p:nvPr/>
+            </p:nvSpPr>
+            <p:spPr>
+              <a:xfrm>
+                <a:off x="2578437" y="1600584"/>
+                <a:ext cx="343556" cy="246221"/>
+              </a:xfrm>
+              <a:prstGeom prst="rect">
+                <a:avLst/>
+              </a:prstGeom>
+              <a:blipFill>
+                <a:blip r:embed="rId33"/>
+                <a:stretch>
+                  <a:fillRect l="-14286" r="-3571" b="-15000"/>
                 </a:stretch>
               </a:blipFill>
               <a:ln w="19050">
